--- a/Wieloboki_Voronoi.pptx
+++ b/Wieloboki_Voronoi.pptx
@@ -28,7 +28,8 @@
     <p:sldId id="284" r:id="rId22"/>
     <p:sldId id="281" r:id="rId23"/>
     <p:sldId id="283" r:id="rId24"/>
-    <p:sldId id="268" r:id="rId25"/>
+    <p:sldId id="285" r:id="rId25"/>
+    <p:sldId id="268" r:id="rId26"/>
   </p:sldIdLst>
   <p:sldSz cx="12192000" cy="6858000"/>
   <p:notesSz cx="6858000" cy="9144000"/>
@@ -127,6 +128,11 @@
       </a:defRPr>
     </a:lvl9pPr>
   </p:defaultTextStyle>
+  <p:extLst>
+    <p:ext uri="{EFAFB233-063F-42B5-8137-9DF3F51BA10A}">
+      <p15:sldGuideLst xmlns:p15="http://schemas.microsoft.com/office/powerpoint/2012/main"/>
+    </p:ext>
+  </p:extLst>
 </p:presentation>
 </file>
 
@@ -6440,8 +6446,8 @@
             <a:chExt cx="1105560" cy="848160"/>
           </a:xfrm>
         </p:grpSpPr>
-        <mc:AlternateContent xmlns:mc="http://schemas.openxmlformats.org/markup-compatibility/2006">
-          <mc:Choice xmlns:p14="http://schemas.microsoft.com/office/powerpoint/2010/main" Requires="p14">
+        <mc:AlternateContent xmlns:mc="http://schemas.openxmlformats.org/markup-compatibility/2006" xmlns:p14="http://schemas.microsoft.com/office/powerpoint/2010/main">
+          <mc:Choice Requires="p14">
             <p:contentPart p14:bwMode="auto" r:id="rId3">
               <p14:nvContentPartPr>
                 <p14:cNvPr id="34" name="Ink 33">
@@ -6460,7 +6466,7 @@
               </p14:xfrm>
             </p:contentPart>
           </mc:Choice>
-          <mc:Fallback>
+          <mc:Fallback xmlns="">
             <p:pic>
               <p:nvPicPr>
                 <p:cNvPr id="34" name="Ink 33">
@@ -6491,8 +6497,8 @@
             </p:pic>
           </mc:Fallback>
         </mc:AlternateContent>
-        <mc:AlternateContent xmlns:mc="http://schemas.openxmlformats.org/markup-compatibility/2006">
-          <mc:Choice xmlns:p14="http://schemas.microsoft.com/office/powerpoint/2010/main" Requires="p14">
+        <mc:AlternateContent xmlns:mc="http://schemas.openxmlformats.org/markup-compatibility/2006" xmlns:p14="http://schemas.microsoft.com/office/powerpoint/2010/main">
+          <mc:Choice Requires="p14">
             <p:contentPart p14:bwMode="auto" r:id="rId5">
               <p14:nvContentPartPr>
                 <p14:cNvPr id="35" name="Ink 34">
@@ -6511,7 +6517,7 @@
               </p14:xfrm>
             </p:contentPart>
           </mc:Choice>
-          <mc:Fallback>
+          <mc:Fallback xmlns="">
             <p:pic>
               <p:nvPicPr>
                 <p:cNvPr id="35" name="Ink 34">
@@ -6563,8 +6569,8 @@
             <a:chExt cx="579960" cy="339840"/>
           </a:xfrm>
         </p:grpSpPr>
-        <mc:AlternateContent xmlns:mc="http://schemas.openxmlformats.org/markup-compatibility/2006">
-          <mc:Choice xmlns:p14="http://schemas.microsoft.com/office/powerpoint/2010/main" Requires="p14">
+        <mc:AlternateContent xmlns:mc="http://schemas.openxmlformats.org/markup-compatibility/2006" xmlns:p14="http://schemas.microsoft.com/office/powerpoint/2010/main">
+          <mc:Choice Requires="p14">
             <p:contentPart p14:bwMode="auto" r:id="rId7">
               <p14:nvContentPartPr>
                 <p14:cNvPr id="36" name="Ink 35">
@@ -6583,7 +6589,7 @@
               </p14:xfrm>
             </p:contentPart>
           </mc:Choice>
-          <mc:Fallback>
+          <mc:Fallback xmlns="">
             <p:pic>
               <p:nvPicPr>
                 <p:cNvPr id="36" name="Ink 35">
@@ -6614,8 +6620,8 @@
             </p:pic>
           </mc:Fallback>
         </mc:AlternateContent>
-        <mc:AlternateContent xmlns:mc="http://schemas.openxmlformats.org/markup-compatibility/2006">
-          <mc:Choice xmlns:p14="http://schemas.microsoft.com/office/powerpoint/2010/main" Requires="p14">
+        <mc:AlternateContent xmlns:mc="http://schemas.openxmlformats.org/markup-compatibility/2006" xmlns:p14="http://schemas.microsoft.com/office/powerpoint/2010/main">
+          <mc:Choice Requires="p14">
             <p:contentPart p14:bwMode="auto" r:id="rId9">
               <p14:nvContentPartPr>
                 <p14:cNvPr id="37" name="Ink 36">
@@ -6634,7 +6640,7 @@
               </p14:xfrm>
             </p:contentPart>
           </mc:Choice>
-          <mc:Fallback>
+          <mc:Fallback xmlns="">
             <p:pic>
               <p:nvPicPr>
                 <p:cNvPr id="37" name="Ink 36">
@@ -6686,8 +6692,8 @@
             <a:chExt cx="2091240" cy="1675800"/>
           </a:xfrm>
         </p:grpSpPr>
-        <mc:AlternateContent xmlns:mc="http://schemas.openxmlformats.org/markup-compatibility/2006">
-          <mc:Choice xmlns:p14="http://schemas.microsoft.com/office/powerpoint/2010/main" Requires="p14">
+        <mc:AlternateContent xmlns:mc="http://schemas.openxmlformats.org/markup-compatibility/2006" xmlns:p14="http://schemas.microsoft.com/office/powerpoint/2010/main">
+          <mc:Choice Requires="p14">
             <p:contentPart p14:bwMode="auto" r:id="rId11">
               <p14:nvContentPartPr>
                 <p14:cNvPr id="38" name="Ink 37">
@@ -6706,7 +6712,7 @@
               </p14:xfrm>
             </p:contentPart>
           </mc:Choice>
-          <mc:Fallback>
+          <mc:Fallback xmlns="">
             <p:pic>
               <p:nvPicPr>
                 <p:cNvPr id="38" name="Ink 37">
@@ -6737,8 +6743,8 @@
             </p:pic>
           </mc:Fallback>
         </mc:AlternateContent>
-        <mc:AlternateContent xmlns:mc="http://schemas.openxmlformats.org/markup-compatibility/2006">
-          <mc:Choice xmlns:p14="http://schemas.microsoft.com/office/powerpoint/2010/main" Requires="p14">
+        <mc:AlternateContent xmlns:mc="http://schemas.openxmlformats.org/markup-compatibility/2006" xmlns:p14="http://schemas.microsoft.com/office/powerpoint/2010/main">
+          <mc:Choice Requires="p14">
             <p:contentPart p14:bwMode="auto" r:id="rId13">
               <p14:nvContentPartPr>
                 <p14:cNvPr id="39" name="Ink 38">
@@ -6757,7 +6763,7 @@
               </p14:xfrm>
             </p:contentPart>
           </mc:Choice>
-          <mc:Fallback>
+          <mc:Fallback xmlns="">
             <p:pic>
               <p:nvPicPr>
                 <p:cNvPr id="39" name="Ink 38">
@@ -6788,8 +6794,8 @@
             </p:pic>
           </mc:Fallback>
         </mc:AlternateContent>
-        <mc:AlternateContent xmlns:mc="http://schemas.openxmlformats.org/markup-compatibility/2006">
-          <mc:Choice xmlns:p14="http://schemas.microsoft.com/office/powerpoint/2010/main" Requires="p14">
+        <mc:AlternateContent xmlns:mc="http://schemas.openxmlformats.org/markup-compatibility/2006" xmlns:p14="http://schemas.microsoft.com/office/powerpoint/2010/main">
+          <mc:Choice Requires="p14">
             <p:contentPart p14:bwMode="auto" r:id="rId15">
               <p14:nvContentPartPr>
                 <p14:cNvPr id="43" name="Ink 42">
@@ -6808,7 +6814,7 @@
               </p14:xfrm>
             </p:contentPart>
           </mc:Choice>
-          <mc:Fallback>
+          <mc:Fallback xmlns="">
             <p:pic>
               <p:nvPicPr>
                 <p:cNvPr id="43" name="Ink 42">
@@ -6839,8 +6845,8 @@
             </p:pic>
           </mc:Fallback>
         </mc:AlternateContent>
-        <mc:AlternateContent xmlns:mc="http://schemas.openxmlformats.org/markup-compatibility/2006">
-          <mc:Choice xmlns:p14="http://schemas.microsoft.com/office/powerpoint/2010/main" Requires="p14">
+        <mc:AlternateContent xmlns:mc="http://schemas.openxmlformats.org/markup-compatibility/2006" xmlns:p14="http://schemas.microsoft.com/office/powerpoint/2010/main">
+          <mc:Choice Requires="p14">
             <p:contentPart p14:bwMode="auto" r:id="rId17">
               <p14:nvContentPartPr>
                 <p14:cNvPr id="44" name="Ink 43">
@@ -6859,7 +6865,7 @@
               </p14:xfrm>
             </p:contentPart>
           </mc:Choice>
-          <mc:Fallback>
+          <mc:Fallback xmlns="">
             <p:pic>
               <p:nvPicPr>
                 <p:cNvPr id="44" name="Ink 43">
@@ -6911,8 +6917,8 @@
             <a:chExt cx="3279240" cy="1993320"/>
           </a:xfrm>
         </p:grpSpPr>
-        <mc:AlternateContent xmlns:mc="http://schemas.openxmlformats.org/markup-compatibility/2006">
-          <mc:Choice xmlns:p14="http://schemas.microsoft.com/office/powerpoint/2010/main" Requires="p14">
+        <mc:AlternateContent xmlns:mc="http://schemas.openxmlformats.org/markup-compatibility/2006" xmlns:p14="http://schemas.microsoft.com/office/powerpoint/2010/main">
+          <mc:Choice Requires="p14">
             <p:contentPart p14:bwMode="auto" r:id="rId19">
               <p14:nvContentPartPr>
                 <p14:cNvPr id="46" name="Ink 45">
@@ -6931,7 +6937,7 @@
               </p14:xfrm>
             </p:contentPart>
           </mc:Choice>
-          <mc:Fallback>
+          <mc:Fallback xmlns="">
             <p:pic>
               <p:nvPicPr>
                 <p:cNvPr id="46" name="Ink 45">
@@ -6962,8 +6968,8 @@
             </p:pic>
           </mc:Fallback>
         </mc:AlternateContent>
-        <mc:AlternateContent xmlns:mc="http://schemas.openxmlformats.org/markup-compatibility/2006">
-          <mc:Choice xmlns:p14="http://schemas.microsoft.com/office/powerpoint/2010/main" Requires="p14">
+        <mc:AlternateContent xmlns:mc="http://schemas.openxmlformats.org/markup-compatibility/2006" xmlns:p14="http://schemas.microsoft.com/office/powerpoint/2010/main">
+          <mc:Choice Requires="p14">
             <p:contentPart p14:bwMode="auto" r:id="rId21">
               <p14:nvContentPartPr>
                 <p14:cNvPr id="47" name="Ink 46">
@@ -6982,7 +6988,7 @@
               </p14:xfrm>
             </p:contentPart>
           </mc:Choice>
-          <mc:Fallback>
+          <mc:Fallback xmlns="">
             <p:pic>
               <p:nvPicPr>
                 <p:cNvPr id="47" name="Ink 46">
@@ -7013,8 +7019,8 @@
             </p:pic>
           </mc:Fallback>
         </mc:AlternateContent>
-        <mc:AlternateContent xmlns:mc="http://schemas.openxmlformats.org/markup-compatibility/2006">
-          <mc:Choice xmlns:p14="http://schemas.microsoft.com/office/powerpoint/2010/main" Requires="p14">
+        <mc:AlternateContent xmlns:mc="http://schemas.openxmlformats.org/markup-compatibility/2006" xmlns:p14="http://schemas.microsoft.com/office/powerpoint/2010/main">
+          <mc:Choice Requires="p14">
             <p:contentPart p14:bwMode="auto" r:id="rId23">
               <p14:nvContentPartPr>
                 <p14:cNvPr id="51" name="Ink 50">
@@ -7033,7 +7039,7 @@
               </p14:xfrm>
             </p:contentPart>
           </mc:Choice>
-          <mc:Fallback>
+          <mc:Fallback xmlns="">
             <p:pic>
               <p:nvPicPr>
                 <p:cNvPr id="51" name="Ink 50">
@@ -7064,8 +7070,8 @@
             </p:pic>
           </mc:Fallback>
         </mc:AlternateContent>
-        <mc:AlternateContent xmlns:mc="http://schemas.openxmlformats.org/markup-compatibility/2006">
-          <mc:Choice xmlns:p14="http://schemas.microsoft.com/office/powerpoint/2010/main" Requires="p14">
+        <mc:AlternateContent xmlns:mc="http://schemas.openxmlformats.org/markup-compatibility/2006" xmlns:p14="http://schemas.microsoft.com/office/powerpoint/2010/main">
+          <mc:Choice Requires="p14">
             <p:contentPart p14:bwMode="auto" r:id="rId25">
               <p14:nvContentPartPr>
                 <p14:cNvPr id="52" name="Ink 51">
@@ -7084,7 +7090,7 @@
               </p14:xfrm>
             </p:contentPart>
           </mc:Choice>
-          <mc:Fallback>
+          <mc:Fallback xmlns="">
             <p:pic>
               <p:nvPicPr>
                 <p:cNvPr id="52" name="Ink 51">
@@ -7115,8 +7121,8 @@
             </p:pic>
           </mc:Fallback>
         </mc:AlternateContent>
-        <mc:AlternateContent xmlns:mc="http://schemas.openxmlformats.org/markup-compatibility/2006">
-          <mc:Choice xmlns:p14="http://schemas.microsoft.com/office/powerpoint/2010/main" Requires="p14">
+        <mc:AlternateContent xmlns:mc="http://schemas.openxmlformats.org/markup-compatibility/2006" xmlns:p14="http://schemas.microsoft.com/office/powerpoint/2010/main">
+          <mc:Choice Requires="p14">
             <p:contentPart p14:bwMode="auto" r:id="rId27">
               <p14:nvContentPartPr>
                 <p14:cNvPr id="53" name="Ink 52">
@@ -7135,7 +7141,7 @@
               </p14:xfrm>
             </p:contentPart>
           </mc:Choice>
-          <mc:Fallback>
+          <mc:Fallback xmlns="">
             <p:pic>
               <p:nvPicPr>
                 <p:cNvPr id="53" name="Ink 52">
@@ -7166,8 +7172,8 @@
             </p:pic>
           </mc:Fallback>
         </mc:AlternateContent>
-        <mc:AlternateContent xmlns:mc="http://schemas.openxmlformats.org/markup-compatibility/2006">
-          <mc:Choice xmlns:p14="http://schemas.microsoft.com/office/powerpoint/2010/main" Requires="p14">
+        <mc:AlternateContent xmlns:mc="http://schemas.openxmlformats.org/markup-compatibility/2006" xmlns:p14="http://schemas.microsoft.com/office/powerpoint/2010/main">
+          <mc:Choice Requires="p14">
             <p:contentPart p14:bwMode="auto" r:id="rId29">
               <p14:nvContentPartPr>
                 <p14:cNvPr id="54" name="Ink 53">
@@ -7186,7 +7192,7 @@
               </p14:xfrm>
             </p:contentPart>
           </mc:Choice>
-          <mc:Fallback>
+          <mc:Fallback xmlns="">
             <p:pic>
               <p:nvPicPr>
                 <p:cNvPr id="54" name="Ink 53">
@@ -7238,8 +7244,8 @@
             <a:chExt cx="1370160" cy="810000"/>
           </a:xfrm>
         </p:grpSpPr>
-        <mc:AlternateContent xmlns:mc="http://schemas.openxmlformats.org/markup-compatibility/2006">
-          <mc:Choice xmlns:p14="http://schemas.microsoft.com/office/powerpoint/2010/main" Requires="p14">
+        <mc:AlternateContent xmlns:mc="http://schemas.openxmlformats.org/markup-compatibility/2006" xmlns:p14="http://schemas.microsoft.com/office/powerpoint/2010/main">
+          <mc:Choice Requires="p14">
             <p:contentPart p14:bwMode="auto" r:id="rId31">
               <p14:nvContentPartPr>
                 <p14:cNvPr id="58" name="Ink 57">
@@ -7258,7 +7264,7 @@
               </p14:xfrm>
             </p:contentPart>
           </mc:Choice>
-          <mc:Fallback>
+          <mc:Fallback xmlns="">
             <p:pic>
               <p:nvPicPr>
                 <p:cNvPr id="58" name="Ink 57">
@@ -7289,8 +7295,8 @@
             </p:pic>
           </mc:Fallback>
         </mc:AlternateContent>
-        <mc:AlternateContent xmlns:mc="http://schemas.openxmlformats.org/markup-compatibility/2006">
-          <mc:Choice xmlns:p14="http://schemas.microsoft.com/office/powerpoint/2010/main" Requires="p14">
+        <mc:AlternateContent xmlns:mc="http://schemas.openxmlformats.org/markup-compatibility/2006" xmlns:p14="http://schemas.microsoft.com/office/powerpoint/2010/main">
+          <mc:Choice Requires="p14">
             <p:contentPart p14:bwMode="auto" r:id="rId33">
               <p14:nvContentPartPr>
                 <p14:cNvPr id="59" name="Ink 58">
@@ -7309,7 +7315,7 @@
               </p14:xfrm>
             </p:contentPart>
           </mc:Choice>
-          <mc:Fallback>
+          <mc:Fallback xmlns="">
             <p:pic>
               <p:nvPicPr>
                 <p:cNvPr id="59" name="Ink 58">
@@ -7340,8 +7346,8 @@
             </p:pic>
           </mc:Fallback>
         </mc:AlternateContent>
-        <mc:AlternateContent xmlns:mc="http://schemas.openxmlformats.org/markup-compatibility/2006">
-          <mc:Choice xmlns:p14="http://schemas.microsoft.com/office/powerpoint/2010/main" Requires="p14">
+        <mc:AlternateContent xmlns:mc="http://schemas.openxmlformats.org/markup-compatibility/2006" xmlns:p14="http://schemas.microsoft.com/office/powerpoint/2010/main">
+          <mc:Choice Requires="p14">
             <p:contentPart p14:bwMode="auto" r:id="rId35">
               <p14:nvContentPartPr>
                 <p14:cNvPr id="61" name="Ink 60">
@@ -7360,7 +7366,7 @@
               </p14:xfrm>
             </p:contentPart>
           </mc:Choice>
-          <mc:Fallback>
+          <mc:Fallback xmlns="">
             <p:pic>
               <p:nvPicPr>
                 <p:cNvPr id="61" name="Ink 60">
@@ -7391,8 +7397,8 @@
             </p:pic>
           </mc:Fallback>
         </mc:AlternateContent>
-        <mc:AlternateContent xmlns:mc="http://schemas.openxmlformats.org/markup-compatibility/2006">
-          <mc:Choice xmlns:p14="http://schemas.microsoft.com/office/powerpoint/2010/main" Requires="p14">
+        <mc:AlternateContent xmlns:mc="http://schemas.openxmlformats.org/markup-compatibility/2006" xmlns:p14="http://schemas.microsoft.com/office/powerpoint/2010/main">
+          <mc:Choice Requires="p14">
             <p:contentPart p14:bwMode="auto" r:id="rId37">
               <p14:nvContentPartPr>
                 <p14:cNvPr id="62" name="Ink 61">
@@ -7411,7 +7417,7 @@
               </p14:xfrm>
             </p:contentPart>
           </mc:Choice>
-          <mc:Fallback>
+          <mc:Fallback xmlns="">
             <p:pic>
               <p:nvPicPr>
                 <p:cNvPr id="62" name="Ink 61">
@@ -7443,8 +7449,8 @@
           </mc:Fallback>
         </mc:AlternateContent>
       </p:grpSp>
-      <mc:AlternateContent xmlns:mc="http://schemas.openxmlformats.org/markup-compatibility/2006">
-        <mc:Choice xmlns:p14="http://schemas.microsoft.com/office/powerpoint/2010/main" Requires="p14">
+      <mc:AlternateContent xmlns:mc="http://schemas.openxmlformats.org/markup-compatibility/2006" xmlns:p14="http://schemas.microsoft.com/office/powerpoint/2010/main">
+        <mc:Choice Requires="p14">
           <p:contentPart p14:bwMode="auto" r:id="rId39">
             <p14:nvContentPartPr>
               <p14:cNvPr id="65" name="Ink 64">
@@ -7463,7 +7469,7 @@
             </p14:xfrm>
           </p:contentPart>
         </mc:Choice>
-        <mc:Fallback>
+        <mc:Fallback xmlns="">
           <p:pic>
             <p:nvPicPr>
               <p:cNvPr id="65" name="Ink 64">
@@ -7494,8 +7500,8 @@
           </p:pic>
         </mc:Fallback>
       </mc:AlternateContent>
-      <mc:AlternateContent xmlns:mc="http://schemas.openxmlformats.org/markup-compatibility/2006">
-        <mc:Choice xmlns:p14="http://schemas.microsoft.com/office/powerpoint/2010/main" Requires="p14">
+      <mc:AlternateContent xmlns:mc="http://schemas.openxmlformats.org/markup-compatibility/2006" xmlns:p14="http://schemas.microsoft.com/office/powerpoint/2010/main">
+        <mc:Choice Requires="p14">
           <p:contentPart p14:bwMode="auto" r:id="rId41">
             <p14:nvContentPartPr>
               <p14:cNvPr id="66" name="Ink 65">
@@ -7514,7 +7520,7 @@
             </p14:xfrm>
           </p:contentPart>
         </mc:Choice>
-        <mc:Fallback>
+        <mc:Fallback xmlns="">
           <p:pic>
             <p:nvPicPr>
               <p:cNvPr id="66" name="Ink 65">
@@ -7545,8 +7551,8 @@
           </p:pic>
         </mc:Fallback>
       </mc:AlternateContent>
-      <mc:AlternateContent xmlns:mc="http://schemas.openxmlformats.org/markup-compatibility/2006">
-        <mc:Choice xmlns:p14="http://schemas.microsoft.com/office/powerpoint/2010/main" Requires="p14">
+      <mc:AlternateContent xmlns:mc="http://schemas.openxmlformats.org/markup-compatibility/2006" xmlns:p14="http://schemas.microsoft.com/office/powerpoint/2010/main">
+        <mc:Choice Requires="p14">
           <p:contentPart p14:bwMode="auto" r:id="rId43">
             <p14:nvContentPartPr>
               <p14:cNvPr id="67" name="Ink 66">
@@ -7565,7 +7571,7 @@
             </p14:xfrm>
           </p:contentPart>
         </mc:Choice>
-        <mc:Fallback>
+        <mc:Fallback xmlns="">
           <p:pic>
             <p:nvPicPr>
               <p:cNvPr id="67" name="Ink 66">
@@ -7596,8 +7602,8 @@
           </p:pic>
         </mc:Fallback>
       </mc:AlternateContent>
-      <mc:AlternateContent xmlns:mc="http://schemas.openxmlformats.org/markup-compatibility/2006">
-        <mc:Choice xmlns:p14="http://schemas.microsoft.com/office/powerpoint/2010/main" Requires="p14">
+      <mc:AlternateContent xmlns:mc="http://schemas.openxmlformats.org/markup-compatibility/2006" xmlns:p14="http://schemas.microsoft.com/office/powerpoint/2010/main">
+        <mc:Choice Requires="p14">
           <p:contentPart p14:bwMode="auto" r:id="rId45">
             <p14:nvContentPartPr>
               <p14:cNvPr id="68" name="Ink 67">
@@ -7616,7 +7622,7 @@
             </p14:xfrm>
           </p:contentPart>
         </mc:Choice>
-        <mc:Fallback>
+        <mc:Fallback xmlns="">
           <p:pic>
             <p:nvPicPr>
               <p:cNvPr id="68" name="Ink 67">
@@ -8055,6 +8061,522 @@
 </file>
 
 <file path=ppt/slides/slide24.xml><?xml version="1.0" encoding="utf-8"?>
+<p:sld xmlns:a="http://schemas.openxmlformats.org/drawingml/2006/main" xmlns:r="http://schemas.openxmlformats.org/officeDocument/2006/relationships" xmlns:p="http://schemas.openxmlformats.org/presentationml/2006/main">
+  <p:cSld>
+    <p:bg>
+      <p:bgPr>
+        <a:solidFill>
+          <a:schemeClr val="bg1"/>
+        </a:solidFill>
+        <a:effectLst/>
+      </p:bgPr>
+    </p:bg>
+    <p:spTree>
+      <p:nvGrpSpPr>
+        <p:cNvPr id="1" name=""/>
+        <p:cNvGrpSpPr/>
+        <p:nvPr/>
+      </p:nvGrpSpPr>
+      <p:grpSpPr>
+        <a:xfrm>
+          <a:off x="0" y="0"/>
+          <a:ext cx="0" cy="0"/>
+          <a:chOff x="0" y="0"/>
+          <a:chExt cx="0" cy="0"/>
+        </a:xfrm>
+      </p:grpSpPr>
+      <p:sp useBgFill="1">
+        <p:nvSpPr>
+          <p:cNvPr id="13" name="Rectangle 12">
+            <a:extLst>
+              <a:ext uri="{FF2B5EF4-FFF2-40B4-BE49-F238E27FC236}">
+                <a16:creationId xmlns:a16="http://schemas.microsoft.com/office/drawing/2014/main" id="{BCED4D40-4B67-4331-AC48-79B82B4A47D8}"/>
+              </a:ext>
+              <a:ext uri="{C183D7F6-B498-43B3-948B-1728B52AA6E4}">
+                <adec:decorative xmlns:adec="http://schemas.microsoft.com/office/drawing/2017/decorative" val="1"/>
+              </a:ext>
+            </a:extLst>
+          </p:cNvPr>
+          <p:cNvSpPr>
+            <a:spLocks noGrp="1" noRot="1" noChangeAspect="1" noMove="1" noResize="1" noEditPoints="1" noAdjustHandles="1" noChangeArrowheads="1" noChangeShapeType="1" noTextEdit="1"/>
+          </p:cNvSpPr>
+          <p:nvPr>
+            <p:extLst>
+              <p:ext uri="{386F3935-93C4-4BCD-93E2-E3B085C9AB24}">
+                <p16:designElem xmlns:p16="http://schemas.microsoft.com/office/powerpoint/2015/main" val="1"/>
+              </p:ext>
+            </p:extLst>
+          </p:nvPr>
+        </p:nvSpPr>
+        <p:spPr>
+          <a:xfrm>
+            <a:off x="0" y="0"/>
+            <a:ext cx="12192000" cy="6858000"/>
+          </a:xfrm>
+          <a:prstGeom prst="rect">
+            <a:avLst/>
+          </a:prstGeom>
+          <a:ln>
+            <a:noFill/>
+          </a:ln>
+        </p:spPr>
+        <p:style>
+          <a:lnRef idx="2">
+            <a:schemeClr val="accent1">
+              <a:shade val="50000"/>
+            </a:schemeClr>
+          </a:lnRef>
+          <a:fillRef idx="1">
+            <a:schemeClr val="accent1"/>
+          </a:fillRef>
+          <a:effectRef idx="0">
+            <a:schemeClr val="accent1"/>
+          </a:effectRef>
+          <a:fontRef idx="minor">
+            <a:schemeClr val="lt1"/>
+          </a:fontRef>
+        </p:style>
+        <p:txBody>
+          <a:bodyPr rtlCol="0" anchor="ctr"/>
+          <a:lstStyle/>
+          <a:p>
+            <a:pPr algn="ctr"/>
+            <a:endParaRPr lang="en-US"/>
+          </a:p>
+        </p:txBody>
+      </p:sp>
+      <p:sp>
+        <p:nvSpPr>
+          <p:cNvPr id="2" name="Title 1">
+            <a:extLst>
+              <a:ext uri="{FF2B5EF4-FFF2-40B4-BE49-F238E27FC236}">
+                <a16:creationId xmlns:a16="http://schemas.microsoft.com/office/drawing/2014/main" id="{609FE2AC-1BE8-7865-9167-2FD7C6AAD58B}"/>
+              </a:ext>
+            </a:extLst>
+          </p:cNvPr>
+          <p:cNvSpPr>
+            <a:spLocks noGrp="1"/>
+          </p:cNvSpPr>
+          <p:nvPr>
+            <p:ph type="title"/>
+          </p:nvPr>
+        </p:nvSpPr>
+        <p:spPr>
+          <a:xfrm>
+            <a:off x="638881" y="417576"/>
+            <a:ext cx="10909640" cy="1249394"/>
+          </a:xfrm>
+        </p:spPr>
+        <p:txBody>
+          <a:bodyPr vert="horz" lIns="91440" tIns="45720" rIns="91440" bIns="45720" rtlCol="0" anchor="ctr">
+            <a:normAutofit/>
+          </a:bodyPr>
+          <a:lstStyle/>
+          <a:p>
+            <a:pPr algn="ctr"/>
+            <a:r>
+              <a:rPr lang="en-US" sz="6600" kern="1200">
+                <a:solidFill>
+                  <a:schemeClr val="tx1"/>
+                </a:solidFill>
+                <a:latin typeface="+mj-lt"/>
+                <a:ea typeface="+mj-ea"/>
+                <a:cs typeface="+mj-cs"/>
+              </a:rPr>
+              <a:t>Testy czasowe algorytmu</a:t>
+            </a:r>
+          </a:p>
+        </p:txBody>
+      </p:sp>
+      <p:sp>
+        <p:nvSpPr>
+          <p:cNvPr id="12" name="sketch line">
+            <a:extLst>
+              <a:ext uri="{FF2B5EF4-FFF2-40B4-BE49-F238E27FC236}">
+                <a16:creationId xmlns:a16="http://schemas.microsoft.com/office/drawing/2014/main" id="{670CEDEF-4F34-412E-84EE-329C1E936AF5}"/>
+              </a:ext>
+              <a:ext uri="{C183D7F6-B498-43B3-948B-1728B52AA6E4}">
+                <adec:decorative xmlns:adec="http://schemas.microsoft.com/office/drawing/2017/decorative" val="1"/>
+              </a:ext>
+            </a:extLst>
+          </p:cNvPr>
+          <p:cNvSpPr>
+            <a:spLocks noGrp="1" noRot="1" noChangeAspect="1" noMove="1" noResize="1" noEditPoints="1" noAdjustHandles="1" noChangeArrowheads="1" noChangeShapeType="1" noTextEdit="1"/>
+          </p:cNvSpPr>
+          <p:nvPr>
+            <p:extLst>
+              <p:ext uri="{386F3935-93C4-4BCD-93E2-E3B085C9AB24}">
+                <p16:designElem xmlns:p16="http://schemas.microsoft.com/office/powerpoint/2015/main" val="1"/>
+              </p:ext>
+            </p:extLst>
+          </p:nvPr>
+        </p:nvSpPr>
+        <p:spPr>
+          <a:xfrm>
+            <a:off x="3807702" y="1733454"/>
+            <a:ext cx="4572000" cy="18288"/>
+          </a:xfrm>
+          <a:custGeom>
+            <a:avLst/>
+            <a:gdLst>
+              <a:gd name="connsiteX0" fmla="*/ 0 w 4572000"/>
+              <a:gd name="connsiteY0" fmla="*/ 0 h 18288"/>
+              <a:gd name="connsiteX1" fmla="*/ 515983 w 4572000"/>
+              <a:gd name="connsiteY1" fmla="*/ 0 h 18288"/>
+              <a:gd name="connsiteX2" fmla="*/ 1031966 w 4572000"/>
+              <a:gd name="connsiteY2" fmla="*/ 0 h 18288"/>
+              <a:gd name="connsiteX3" fmla="*/ 1639389 w 4572000"/>
+              <a:gd name="connsiteY3" fmla="*/ 0 h 18288"/>
+              <a:gd name="connsiteX4" fmla="*/ 2383971 w 4572000"/>
+              <a:gd name="connsiteY4" fmla="*/ 0 h 18288"/>
+              <a:gd name="connsiteX5" fmla="*/ 2945674 w 4572000"/>
+              <a:gd name="connsiteY5" fmla="*/ 0 h 18288"/>
+              <a:gd name="connsiteX6" fmla="*/ 3507377 w 4572000"/>
+              <a:gd name="connsiteY6" fmla="*/ 0 h 18288"/>
+              <a:gd name="connsiteX7" fmla="*/ 4572000 w 4572000"/>
+              <a:gd name="connsiteY7" fmla="*/ 0 h 18288"/>
+              <a:gd name="connsiteX8" fmla="*/ 4572000 w 4572000"/>
+              <a:gd name="connsiteY8" fmla="*/ 18288 h 18288"/>
+              <a:gd name="connsiteX9" fmla="*/ 3873137 w 4572000"/>
+              <a:gd name="connsiteY9" fmla="*/ 18288 h 18288"/>
+              <a:gd name="connsiteX10" fmla="*/ 3311434 w 4572000"/>
+              <a:gd name="connsiteY10" fmla="*/ 18288 h 18288"/>
+              <a:gd name="connsiteX11" fmla="*/ 2749731 w 4572000"/>
+              <a:gd name="connsiteY11" fmla="*/ 18288 h 18288"/>
+              <a:gd name="connsiteX12" fmla="*/ 2050869 w 4572000"/>
+              <a:gd name="connsiteY12" fmla="*/ 18288 h 18288"/>
+              <a:gd name="connsiteX13" fmla="*/ 1306286 w 4572000"/>
+              <a:gd name="connsiteY13" fmla="*/ 18288 h 18288"/>
+              <a:gd name="connsiteX14" fmla="*/ 790303 w 4572000"/>
+              <a:gd name="connsiteY14" fmla="*/ 18288 h 18288"/>
+              <a:gd name="connsiteX15" fmla="*/ 0 w 4572000"/>
+              <a:gd name="connsiteY15" fmla="*/ 18288 h 18288"/>
+              <a:gd name="connsiteX16" fmla="*/ 0 w 4572000"/>
+              <a:gd name="connsiteY16" fmla="*/ 0 h 18288"/>
+            </a:gdLst>
+            <a:ahLst/>
+            <a:cxnLst>
+              <a:cxn ang="0">
+                <a:pos x="connsiteX0" y="connsiteY0"/>
+              </a:cxn>
+              <a:cxn ang="0">
+                <a:pos x="connsiteX1" y="connsiteY1"/>
+              </a:cxn>
+              <a:cxn ang="0">
+                <a:pos x="connsiteX2" y="connsiteY2"/>
+              </a:cxn>
+              <a:cxn ang="0">
+                <a:pos x="connsiteX3" y="connsiteY3"/>
+              </a:cxn>
+              <a:cxn ang="0">
+                <a:pos x="connsiteX4" y="connsiteY4"/>
+              </a:cxn>
+              <a:cxn ang="0">
+                <a:pos x="connsiteX5" y="connsiteY5"/>
+              </a:cxn>
+              <a:cxn ang="0">
+                <a:pos x="connsiteX6" y="connsiteY6"/>
+              </a:cxn>
+              <a:cxn ang="0">
+                <a:pos x="connsiteX7" y="connsiteY7"/>
+              </a:cxn>
+              <a:cxn ang="0">
+                <a:pos x="connsiteX8" y="connsiteY8"/>
+              </a:cxn>
+              <a:cxn ang="0">
+                <a:pos x="connsiteX9" y="connsiteY9"/>
+              </a:cxn>
+              <a:cxn ang="0">
+                <a:pos x="connsiteX10" y="connsiteY10"/>
+              </a:cxn>
+              <a:cxn ang="0">
+                <a:pos x="connsiteX11" y="connsiteY11"/>
+              </a:cxn>
+              <a:cxn ang="0">
+                <a:pos x="connsiteX12" y="connsiteY12"/>
+              </a:cxn>
+              <a:cxn ang="0">
+                <a:pos x="connsiteX13" y="connsiteY13"/>
+              </a:cxn>
+              <a:cxn ang="0">
+                <a:pos x="connsiteX14" y="connsiteY14"/>
+              </a:cxn>
+              <a:cxn ang="0">
+                <a:pos x="connsiteX15" y="connsiteY15"/>
+              </a:cxn>
+              <a:cxn ang="0">
+                <a:pos x="connsiteX16" y="connsiteY16"/>
+              </a:cxn>
+            </a:cxnLst>
+            <a:rect l="l" t="t" r="r" b="b"/>
+            <a:pathLst>
+              <a:path w="4572000" h="18288" fill="none" extrusionOk="0">
+                <a:moveTo>
+                  <a:pt x="0" y="0"/>
+                </a:moveTo>
+                <a:cubicBezTo>
+                  <a:pt x="105156" y="-20963"/>
+                  <a:pt x="340432" y="822"/>
+                  <a:pt x="515983" y="0"/>
+                </a:cubicBezTo>
+                <a:cubicBezTo>
+                  <a:pt x="691534" y="-822"/>
+                  <a:pt x="850679" y="16479"/>
+                  <a:pt x="1031966" y="0"/>
+                </a:cubicBezTo>
+                <a:cubicBezTo>
+                  <a:pt x="1213253" y="-16479"/>
+                  <a:pt x="1443646" y="-18730"/>
+                  <a:pt x="1639389" y="0"/>
+                </a:cubicBezTo>
+                <a:cubicBezTo>
+                  <a:pt x="1835132" y="18730"/>
+                  <a:pt x="2159975" y="18531"/>
+                  <a:pt x="2383971" y="0"/>
+                </a:cubicBezTo>
+                <a:cubicBezTo>
+                  <a:pt x="2607967" y="-18531"/>
+                  <a:pt x="2719096" y="-12030"/>
+                  <a:pt x="2945674" y="0"/>
+                </a:cubicBezTo>
+                <a:cubicBezTo>
+                  <a:pt x="3172252" y="12030"/>
+                  <a:pt x="3269167" y="27666"/>
+                  <a:pt x="3507377" y="0"/>
+                </a:cubicBezTo>
+                <a:cubicBezTo>
+                  <a:pt x="3745587" y="-27666"/>
+                  <a:pt x="4116741" y="18705"/>
+                  <a:pt x="4572000" y="0"/>
+                </a:cubicBezTo>
+                <a:cubicBezTo>
+                  <a:pt x="4572895" y="8974"/>
+                  <a:pt x="4571454" y="9359"/>
+                  <a:pt x="4572000" y="18288"/>
+                </a:cubicBezTo>
+                <a:cubicBezTo>
+                  <a:pt x="4374698" y="3942"/>
+                  <a:pt x="4098874" y="-11042"/>
+                  <a:pt x="3873137" y="18288"/>
+                </a:cubicBezTo>
+                <a:cubicBezTo>
+                  <a:pt x="3647400" y="47618"/>
+                  <a:pt x="3517055" y="5421"/>
+                  <a:pt x="3311434" y="18288"/>
+                </a:cubicBezTo>
+                <a:cubicBezTo>
+                  <a:pt x="3105813" y="31155"/>
+                  <a:pt x="3025168" y="17856"/>
+                  <a:pt x="2749731" y="18288"/>
+                </a:cubicBezTo>
+                <a:cubicBezTo>
+                  <a:pt x="2474294" y="18720"/>
+                  <a:pt x="2291766" y="-14168"/>
+                  <a:pt x="2050869" y="18288"/>
+                </a:cubicBezTo>
+                <a:cubicBezTo>
+                  <a:pt x="1809972" y="50744"/>
+                  <a:pt x="1540276" y="46798"/>
+                  <a:pt x="1306286" y="18288"/>
+                </a:cubicBezTo>
+                <a:cubicBezTo>
+                  <a:pt x="1072296" y="-10222"/>
+                  <a:pt x="972445" y="19645"/>
+                  <a:pt x="790303" y="18288"/>
+                </a:cubicBezTo>
+                <a:cubicBezTo>
+                  <a:pt x="608161" y="16931"/>
+                  <a:pt x="200981" y="8241"/>
+                  <a:pt x="0" y="18288"/>
+                </a:cubicBezTo>
+                <a:cubicBezTo>
+                  <a:pt x="-229" y="14222"/>
+                  <a:pt x="509" y="5816"/>
+                  <a:pt x="0" y="0"/>
+                </a:cubicBezTo>
+                <a:close/>
+              </a:path>
+              <a:path w="4572000" h="18288" stroke="0" extrusionOk="0">
+                <a:moveTo>
+                  <a:pt x="0" y="0"/>
+                </a:moveTo>
+                <a:cubicBezTo>
+                  <a:pt x="143285" y="-9565"/>
+                  <a:pt x="327959" y="-11498"/>
+                  <a:pt x="561703" y="0"/>
+                </a:cubicBezTo>
+                <a:cubicBezTo>
+                  <a:pt x="795447" y="11498"/>
+                  <a:pt x="838260" y="18255"/>
+                  <a:pt x="1077686" y="0"/>
+                </a:cubicBezTo>
+                <a:cubicBezTo>
+                  <a:pt x="1317112" y="-18255"/>
+                  <a:pt x="1437472" y="23514"/>
+                  <a:pt x="1639389" y="0"/>
+                </a:cubicBezTo>
+                <a:cubicBezTo>
+                  <a:pt x="1841306" y="-23514"/>
+                  <a:pt x="2037142" y="-12551"/>
+                  <a:pt x="2292531" y="0"/>
+                </a:cubicBezTo>
+                <a:cubicBezTo>
+                  <a:pt x="2547920" y="12551"/>
+                  <a:pt x="2810436" y="-20352"/>
+                  <a:pt x="2991394" y="0"/>
+                </a:cubicBezTo>
+                <a:cubicBezTo>
+                  <a:pt x="3172352" y="20352"/>
+                  <a:pt x="3530025" y="-13347"/>
+                  <a:pt x="3735977" y="0"/>
+                </a:cubicBezTo>
+                <a:cubicBezTo>
+                  <a:pt x="3941929" y="13347"/>
+                  <a:pt x="4161497" y="34086"/>
+                  <a:pt x="4572000" y="0"/>
+                </a:cubicBezTo>
+                <a:cubicBezTo>
+                  <a:pt x="4571545" y="6162"/>
+                  <a:pt x="4571903" y="11775"/>
+                  <a:pt x="4572000" y="18288"/>
+                </a:cubicBezTo>
+                <a:cubicBezTo>
+                  <a:pt x="4228040" y="36490"/>
+                  <a:pt x="4199736" y="42557"/>
+                  <a:pt x="3873137" y="18288"/>
+                </a:cubicBezTo>
+                <a:cubicBezTo>
+                  <a:pt x="3546538" y="-5981"/>
+                  <a:pt x="3472124" y="16809"/>
+                  <a:pt x="3128554" y="18288"/>
+                </a:cubicBezTo>
+                <a:cubicBezTo>
+                  <a:pt x="2784984" y="19767"/>
+                  <a:pt x="2735896" y="-17781"/>
+                  <a:pt x="2383971" y="18288"/>
+                </a:cubicBezTo>
+                <a:cubicBezTo>
+                  <a:pt x="2032046" y="54357"/>
+                  <a:pt x="2019324" y="2920"/>
+                  <a:pt x="1867989" y="18288"/>
+                </a:cubicBezTo>
+                <a:cubicBezTo>
+                  <a:pt x="1716654" y="33656"/>
+                  <a:pt x="1418675" y="32575"/>
+                  <a:pt x="1169126" y="18288"/>
+                </a:cubicBezTo>
+                <a:cubicBezTo>
+                  <a:pt x="919577" y="4001"/>
+                  <a:pt x="798537" y="16165"/>
+                  <a:pt x="561703" y="18288"/>
+                </a:cubicBezTo>
+                <a:cubicBezTo>
+                  <a:pt x="324869" y="20411"/>
+                  <a:pt x="221395" y="-912"/>
+                  <a:pt x="0" y="18288"/>
+                </a:cubicBezTo>
+                <a:cubicBezTo>
+                  <a:pt x="766" y="10800"/>
+                  <a:pt x="-457" y="8180"/>
+                  <a:pt x="0" y="0"/>
+                </a:cubicBezTo>
+                <a:close/>
+              </a:path>
+            </a:pathLst>
+          </a:custGeom>
+          <a:solidFill>
+            <a:schemeClr val="accent2"/>
+          </a:solidFill>
+          <a:ln w="41275" cap="rnd">
+            <a:solidFill>
+              <a:schemeClr val="accent2"/>
+            </a:solidFill>
+            <a:round/>
+            <a:extLst>
+              <a:ext uri="{C807C97D-BFC1-408E-A445-0C87EB9F89A2}">
+                <ask:lineSketchStyleProps xmlns:ask="http://schemas.microsoft.com/office/drawing/2018/sketchyshapes" sd="2727557108">
+                  <a:prstGeom prst="rect">
+                    <a:avLst/>
+                  </a:prstGeom>
+                  <ask:type>
+                    <ask:lineSketchFreehand/>
+                  </ask:type>
+                </ask:lineSketchStyleProps>
+              </a:ext>
+            </a:extLst>
+          </a:ln>
+        </p:spPr>
+        <p:style>
+          <a:lnRef idx="2">
+            <a:schemeClr val="accent1">
+              <a:shade val="50000"/>
+            </a:schemeClr>
+          </a:lnRef>
+          <a:fillRef idx="1">
+            <a:schemeClr val="accent1"/>
+          </a:fillRef>
+          <a:effectRef idx="0">
+            <a:schemeClr val="accent1"/>
+          </a:effectRef>
+          <a:fontRef idx="minor">
+            <a:schemeClr val="lt1"/>
+          </a:fontRef>
+        </p:style>
+        <p:txBody>
+          <a:bodyPr rtlCol="0" anchor="ctr"/>
+          <a:lstStyle/>
+          <a:p>
+            <a:pPr algn="ctr"/>
+            <a:endParaRPr lang="en-US"/>
+          </a:p>
+        </p:txBody>
+      </p:sp>
+      <p:pic>
+        <p:nvPicPr>
+          <p:cNvPr id="5" name="Content Placeholder 4">
+            <a:extLst>
+              <a:ext uri="{FF2B5EF4-FFF2-40B4-BE49-F238E27FC236}">
+                <a16:creationId xmlns:a16="http://schemas.microsoft.com/office/drawing/2014/main" id="{89D1A46E-F6F3-7974-F2BA-A0A12C6AF9AF}"/>
+              </a:ext>
+            </a:extLst>
+          </p:cNvPr>
+          <p:cNvPicPr>
+            <a:picLocks noGrp="1" noChangeAspect="1"/>
+          </p:cNvPicPr>
+          <p:nvPr>
+            <p:ph idx="1"/>
+          </p:nvPr>
+        </p:nvPicPr>
+        <p:blipFill>
+          <a:blip r:embed="rId2"/>
+          <a:stretch>
+            <a:fillRect/>
+          </a:stretch>
+        </p:blipFill>
+        <p:spPr>
+          <a:xfrm>
+            <a:off x="320040" y="3546047"/>
+            <a:ext cx="11548872" cy="1761202"/>
+          </a:xfrm>
+          <a:prstGeom prst="rect">
+            <a:avLst/>
+          </a:prstGeom>
+        </p:spPr>
+      </p:pic>
+    </p:spTree>
+    <p:extLst>
+      <p:ext uri="{BB962C8B-B14F-4D97-AF65-F5344CB8AC3E}">
+        <p14:creationId xmlns:p14="http://schemas.microsoft.com/office/powerpoint/2010/main" val="2675792913"/>
+      </p:ext>
+    </p:extLst>
+  </p:cSld>
+  <p:clrMapOvr>
+    <a:masterClrMapping/>
+  </p:clrMapOvr>
+</p:sld>
+</file>
+
+<file path=ppt/slides/slide25.xml><?xml version="1.0" encoding="utf-8"?>
 <p:sld xmlns:a="http://schemas.openxmlformats.org/drawingml/2006/main" xmlns:r="http://schemas.openxmlformats.org/officeDocument/2006/relationships" xmlns:p="http://schemas.openxmlformats.org/presentationml/2006/main">
   <p:cSld>
     <p:spTree>

--- a/Wieloboki_Voronoi.pptx
+++ b/Wieloboki_Voronoi.pptx
@@ -28,8 +28,37 @@
     <p:sldId id="284" r:id="rId22"/>
     <p:sldId id="281" r:id="rId23"/>
     <p:sldId id="283" r:id="rId24"/>
-    <p:sldId id="285" r:id="rId25"/>
-    <p:sldId id="268" r:id="rId26"/>
+    <p:sldId id="286" r:id="rId25"/>
+    <p:sldId id="287" r:id="rId26"/>
+    <p:sldId id="288" r:id="rId27"/>
+    <p:sldId id="296" r:id="rId28"/>
+    <p:sldId id="289" r:id="rId29"/>
+    <p:sldId id="290" r:id="rId30"/>
+    <p:sldId id="292" r:id="rId31"/>
+    <p:sldId id="291" r:id="rId32"/>
+    <p:sldId id="293" r:id="rId33"/>
+    <p:sldId id="294" r:id="rId34"/>
+    <p:sldId id="295" r:id="rId35"/>
+    <p:sldId id="303" r:id="rId36"/>
+    <p:sldId id="297" r:id="rId37"/>
+    <p:sldId id="298" r:id="rId38"/>
+    <p:sldId id="299" r:id="rId39"/>
+    <p:sldId id="300" r:id="rId40"/>
+    <p:sldId id="301" r:id="rId41"/>
+    <p:sldId id="302" r:id="rId42"/>
+    <p:sldId id="304" r:id="rId43"/>
+    <p:sldId id="305" r:id="rId44"/>
+    <p:sldId id="306" r:id="rId45"/>
+    <p:sldId id="307" r:id="rId46"/>
+    <p:sldId id="308" r:id="rId47"/>
+    <p:sldId id="309" r:id="rId48"/>
+    <p:sldId id="310" r:id="rId49"/>
+    <p:sldId id="311" r:id="rId50"/>
+    <p:sldId id="312" r:id="rId51"/>
+    <p:sldId id="313" r:id="rId52"/>
+    <p:sldId id="314" r:id="rId53"/>
+    <p:sldId id="315" r:id="rId54"/>
+    <p:sldId id="268" r:id="rId55"/>
   </p:sldIdLst>
   <p:sldSz cx="12192000" cy="6858000"/>
   <p:notesSz cx="6858000" cy="9144000"/>
@@ -774,7 +803,7 @@
           <p:cNvPr id="2" name="Title 1">
             <a:extLst>
               <a:ext uri="{FF2B5EF4-FFF2-40B4-BE49-F238E27FC236}">
-                <a16:creationId xmlns:a16="http://schemas.microsoft.com/office/drawing/2014/main" id="{541A7134-C5E1-9066-8084-0350E0C3EAC3}"/>
+                <a16:creationId xmlns:a16="http://schemas.microsoft.com/office/drawing/2014/main" xmlns="" id="{541A7134-C5E1-9066-8084-0350E0C3EAC3}"/>
               </a:ext>
             </a:extLst>
           </p:cNvPr>
@@ -812,7 +841,7 @@
           <p:cNvPr id="3" name="Subtitle 2">
             <a:extLst>
               <a:ext uri="{FF2B5EF4-FFF2-40B4-BE49-F238E27FC236}">
-                <a16:creationId xmlns:a16="http://schemas.microsoft.com/office/drawing/2014/main" id="{8376130C-C0AC-A8B2-8FAD-042449DF13A9}"/>
+                <a16:creationId xmlns:a16="http://schemas.microsoft.com/office/drawing/2014/main" xmlns="" id="{8376130C-C0AC-A8B2-8FAD-042449DF13A9}"/>
               </a:ext>
             </a:extLst>
           </p:cNvPr>
@@ -883,7 +912,7 @@
           <p:cNvPr id="4" name="Date Placeholder 3">
             <a:extLst>
               <a:ext uri="{FF2B5EF4-FFF2-40B4-BE49-F238E27FC236}">
-                <a16:creationId xmlns:a16="http://schemas.microsoft.com/office/drawing/2014/main" id="{A317C649-4F4D-A2E4-CF86-14806957F0E5}"/>
+                <a16:creationId xmlns:a16="http://schemas.microsoft.com/office/drawing/2014/main" xmlns="" id="{A317C649-4F4D-A2E4-CF86-14806957F0E5}"/>
               </a:ext>
             </a:extLst>
           </p:cNvPr>
@@ -901,7 +930,7 @@
           <a:p>
             <a:fld id="{56226301-5D8D-4107-9BAD-DDEF00431FD1}" type="datetimeFigureOut">
               <a:rPr lang="pl-PL" smtClean="0"/>
-              <a:t>02.01.2024</a:t>
+              <a:t>09.01.2024</a:t>
             </a:fld>
             <a:endParaRPr lang="pl-PL"/>
           </a:p>
@@ -912,7 +941,7 @@
           <p:cNvPr id="5" name="Footer Placeholder 4">
             <a:extLst>
               <a:ext uri="{FF2B5EF4-FFF2-40B4-BE49-F238E27FC236}">
-                <a16:creationId xmlns:a16="http://schemas.microsoft.com/office/drawing/2014/main" id="{86B4B831-0D25-4D25-3CC3-C6C34C1F6EB6}"/>
+                <a16:creationId xmlns:a16="http://schemas.microsoft.com/office/drawing/2014/main" xmlns="" id="{86B4B831-0D25-4D25-3CC3-C6C34C1F6EB6}"/>
               </a:ext>
             </a:extLst>
           </p:cNvPr>
@@ -937,7 +966,7 @@
           <p:cNvPr id="6" name="Slide Number Placeholder 5">
             <a:extLst>
               <a:ext uri="{FF2B5EF4-FFF2-40B4-BE49-F238E27FC236}">
-                <a16:creationId xmlns:a16="http://schemas.microsoft.com/office/drawing/2014/main" id="{F038A00B-FC7A-2B79-CC68-9249BE38BAFE}"/>
+                <a16:creationId xmlns:a16="http://schemas.microsoft.com/office/drawing/2014/main" xmlns="" id="{F038A00B-FC7A-2B79-CC68-9249BE38BAFE}"/>
               </a:ext>
             </a:extLst>
           </p:cNvPr>
@@ -996,7 +1025,7 @@
           <p:cNvPr id="2" name="Title 1">
             <a:extLst>
               <a:ext uri="{FF2B5EF4-FFF2-40B4-BE49-F238E27FC236}">
-                <a16:creationId xmlns:a16="http://schemas.microsoft.com/office/drawing/2014/main" id="{F4D84552-A45B-2FC4-6C12-4918AB54AE6C}"/>
+                <a16:creationId xmlns:a16="http://schemas.microsoft.com/office/drawing/2014/main" xmlns="" id="{F4D84552-A45B-2FC4-6C12-4918AB54AE6C}"/>
               </a:ext>
             </a:extLst>
           </p:cNvPr>
@@ -1025,7 +1054,7 @@
           <p:cNvPr id="3" name="Vertical Text Placeholder 2">
             <a:extLst>
               <a:ext uri="{FF2B5EF4-FFF2-40B4-BE49-F238E27FC236}">
-                <a16:creationId xmlns:a16="http://schemas.microsoft.com/office/drawing/2014/main" id="{FD3FE8B4-D86D-E706-BB07-5065CB69B6F4}"/>
+                <a16:creationId xmlns:a16="http://schemas.microsoft.com/office/drawing/2014/main" xmlns="" id="{FD3FE8B4-D86D-E706-BB07-5065CB69B6F4}"/>
               </a:ext>
             </a:extLst>
           </p:cNvPr>
@@ -1083,7 +1112,7 @@
           <p:cNvPr id="4" name="Date Placeholder 3">
             <a:extLst>
               <a:ext uri="{FF2B5EF4-FFF2-40B4-BE49-F238E27FC236}">
-                <a16:creationId xmlns:a16="http://schemas.microsoft.com/office/drawing/2014/main" id="{DA141205-46A8-5CEF-A3D3-607538E729EA}"/>
+                <a16:creationId xmlns:a16="http://schemas.microsoft.com/office/drawing/2014/main" xmlns="" id="{DA141205-46A8-5CEF-A3D3-607538E729EA}"/>
               </a:ext>
             </a:extLst>
           </p:cNvPr>
@@ -1101,7 +1130,7 @@
           <a:p>
             <a:fld id="{56226301-5D8D-4107-9BAD-DDEF00431FD1}" type="datetimeFigureOut">
               <a:rPr lang="pl-PL" smtClean="0"/>
-              <a:t>02.01.2024</a:t>
+              <a:t>09.01.2024</a:t>
             </a:fld>
             <a:endParaRPr lang="pl-PL"/>
           </a:p>
@@ -1112,7 +1141,7 @@
           <p:cNvPr id="5" name="Footer Placeholder 4">
             <a:extLst>
               <a:ext uri="{FF2B5EF4-FFF2-40B4-BE49-F238E27FC236}">
-                <a16:creationId xmlns:a16="http://schemas.microsoft.com/office/drawing/2014/main" id="{5C5B0F24-DD62-A5FC-4115-EB2D1F062368}"/>
+                <a16:creationId xmlns:a16="http://schemas.microsoft.com/office/drawing/2014/main" xmlns="" id="{5C5B0F24-DD62-A5FC-4115-EB2D1F062368}"/>
               </a:ext>
             </a:extLst>
           </p:cNvPr>
@@ -1137,7 +1166,7 @@
           <p:cNvPr id="6" name="Slide Number Placeholder 5">
             <a:extLst>
               <a:ext uri="{FF2B5EF4-FFF2-40B4-BE49-F238E27FC236}">
-                <a16:creationId xmlns:a16="http://schemas.microsoft.com/office/drawing/2014/main" id="{54D03FCB-AB35-C245-8CF5-B8A6C2C62E50}"/>
+                <a16:creationId xmlns:a16="http://schemas.microsoft.com/office/drawing/2014/main" xmlns="" id="{54D03FCB-AB35-C245-8CF5-B8A6C2C62E50}"/>
               </a:ext>
             </a:extLst>
           </p:cNvPr>
@@ -1196,7 +1225,7 @@
           <p:cNvPr id="2" name="Vertical Title 1">
             <a:extLst>
               <a:ext uri="{FF2B5EF4-FFF2-40B4-BE49-F238E27FC236}">
-                <a16:creationId xmlns:a16="http://schemas.microsoft.com/office/drawing/2014/main" id="{340130FD-6B4B-32F9-B509-46368F996392}"/>
+                <a16:creationId xmlns:a16="http://schemas.microsoft.com/office/drawing/2014/main" xmlns="" id="{340130FD-6B4B-32F9-B509-46368F996392}"/>
               </a:ext>
             </a:extLst>
           </p:cNvPr>
@@ -1230,7 +1259,7 @@
           <p:cNvPr id="3" name="Vertical Text Placeholder 2">
             <a:extLst>
               <a:ext uri="{FF2B5EF4-FFF2-40B4-BE49-F238E27FC236}">
-                <a16:creationId xmlns:a16="http://schemas.microsoft.com/office/drawing/2014/main" id="{B8F05C93-2C09-6598-C5F7-12978C00A298}"/>
+                <a16:creationId xmlns:a16="http://schemas.microsoft.com/office/drawing/2014/main" xmlns="" id="{B8F05C93-2C09-6598-C5F7-12978C00A298}"/>
               </a:ext>
             </a:extLst>
           </p:cNvPr>
@@ -1293,7 +1322,7 @@
           <p:cNvPr id="4" name="Date Placeholder 3">
             <a:extLst>
               <a:ext uri="{FF2B5EF4-FFF2-40B4-BE49-F238E27FC236}">
-                <a16:creationId xmlns:a16="http://schemas.microsoft.com/office/drawing/2014/main" id="{6C446BF0-5A2F-5292-8F48-CB6A49E23F8E}"/>
+                <a16:creationId xmlns:a16="http://schemas.microsoft.com/office/drawing/2014/main" xmlns="" id="{6C446BF0-5A2F-5292-8F48-CB6A49E23F8E}"/>
               </a:ext>
             </a:extLst>
           </p:cNvPr>
@@ -1311,7 +1340,7 @@
           <a:p>
             <a:fld id="{56226301-5D8D-4107-9BAD-DDEF00431FD1}" type="datetimeFigureOut">
               <a:rPr lang="pl-PL" smtClean="0"/>
-              <a:t>02.01.2024</a:t>
+              <a:t>09.01.2024</a:t>
             </a:fld>
             <a:endParaRPr lang="pl-PL"/>
           </a:p>
@@ -1322,7 +1351,7 @@
           <p:cNvPr id="5" name="Footer Placeholder 4">
             <a:extLst>
               <a:ext uri="{FF2B5EF4-FFF2-40B4-BE49-F238E27FC236}">
-                <a16:creationId xmlns:a16="http://schemas.microsoft.com/office/drawing/2014/main" id="{CC57B6C5-2210-4F32-DA53-13C3C884F729}"/>
+                <a16:creationId xmlns:a16="http://schemas.microsoft.com/office/drawing/2014/main" xmlns="" id="{CC57B6C5-2210-4F32-DA53-13C3C884F729}"/>
               </a:ext>
             </a:extLst>
           </p:cNvPr>
@@ -1347,7 +1376,7 @@
           <p:cNvPr id="6" name="Slide Number Placeholder 5">
             <a:extLst>
               <a:ext uri="{FF2B5EF4-FFF2-40B4-BE49-F238E27FC236}">
-                <a16:creationId xmlns:a16="http://schemas.microsoft.com/office/drawing/2014/main" id="{E41BF5CF-1904-5CC4-4A28-8990843D7CF0}"/>
+                <a16:creationId xmlns:a16="http://schemas.microsoft.com/office/drawing/2014/main" xmlns="" id="{E41BF5CF-1904-5CC4-4A28-8990843D7CF0}"/>
               </a:ext>
             </a:extLst>
           </p:cNvPr>
@@ -1406,7 +1435,7 @@
           <p:cNvPr id="2" name="Title 1">
             <a:extLst>
               <a:ext uri="{FF2B5EF4-FFF2-40B4-BE49-F238E27FC236}">
-                <a16:creationId xmlns:a16="http://schemas.microsoft.com/office/drawing/2014/main" id="{FE9C16F6-747C-E55B-0D0D-379213661743}"/>
+                <a16:creationId xmlns:a16="http://schemas.microsoft.com/office/drawing/2014/main" xmlns="" id="{FE9C16F6-747C-E55B-0D0D-379213661743}"/>
               </a:ext>
             </a:extLst>
           </p:cNvPr>
@@ -1435,7 +1464,7 @@
           <p:cNvPr id="3" name="Content Placeholder 2">
             <a:extLst>
               <a:ext uri="{FF2B5EF4-FFF2-40B4-BE49-F238E27FC236}">
-                <a16:creationId xmlns:a16="http://schemas.microsoft.com/office/drawing/2014/main" id="{F8621784-2831-458A-2E41-1B59B3736F58}"/>
+                <a16:creationId xmlns:a16="http://schemas.microsoft.com/office/drawing/2014/main" xmlns="" id="{F8621784-2831-458A-2E41-1B59B3736F58}"/>
               </a:ext>
             </a:extLst>
           </p:cNvPr>
@@ -1493,7 +1522,7 @@
           <p:cNvPr id="4" name="Date Placeholder 3">
             <a:extLst>
               <a:ext uri="{FF2B5EF4-FFF2-40B4-BE49-F238E27FC236}">
-                <a16:creationId xmlns:a16="http://schemas.microsoft.com/office/drawing/2014/main" id="{46AAB217-6418-2491-D83B-CAF45BB1E7A8}"/>
+                <a16:creationId xmlns:a16="http://schemas.microsoft.com/office/drawing/2014/main" xmlns="" id="{46AAB217-6418-2491-D83B-CAF45BB1E7A8}"/>
               </a:ext>
             </a:extLst>
           </p:cNvPr>
@@ -1511,7 +1540,7 @@
           <a:p>
             <a:fld id="{56226301-5D8D-4107-9BAD-DDEF00431FD1}" type="datetimeFigureOut">
               <a:rPr lang="pl-PL" smtClean="0"/>
-              <a:t>02.01.2024</a:t>
+              <a:t>09.01.2024</a:t>
             </a:fld>
             <a:endParaRPr lang="pl-PL"/>
           </a:p>
@@ -1522,7 +1551,7 @@
           <p:cNvPr id="5" name="Footer Placeholder 4">
             <a:extLst>
               <a:ext uri="{FF2B5EF4-FFF2-40B4-BE49-F238E27FC236}">
-                <a16:creationId xmlns:a16="http://schemas.microsoft.com/office/drawing/2014/main" id="{E87346B9-781A-AAE3-552A-2B5429EC94FD}"/>
+                <a16:creationId xmlns:a16="http://schemas.microsoft.com/office/drawing/2014/main" xmlns="" id="{E87346B9-781A-AAE3-552A-2B5429EC94FD}"/>
               </a:ext>
             </a:extLst>
           </p:cNvPr>
@@ -1547,7 +1576,7 @@
           <p:cNvPr id="6" name="Slide Number Placeholder 5">
             <a:extLst>
               <a:ext uri="{FF2B5EF4-FFF2-40B4-BE49-F238E27FC236}">
-                <a16:creationId xmlns:a16="http://schemas.microsoft.com/office/drawing/2014/main" id="{15339B32-2F0D-F0AC-0610-F425A536A9C1}"/>
+                <a16:creationId xmlns:a16="http://schemas.microsoft.com/office/drawing/2014/main" xmlns="" id="{15339B32-2F0D-F0AC-0610-F425A536A9C1}"/>
               </a:ext>
             </a:extLst>
           </p:cNvPr>
@@ -1606,7 +1635,7 @@
           <p:cNvPr id="2" name="Title 1">
             <a:extLst>
               <a:ext uri="{FF2B5EF4-FFF2-40B4-BE49-F238E27FC236}">
-                <a16:creationId xmlns:a16="http://schemas.microsoft.com/office/drawing/2014/main" id="{8813968F-E633-998F-4C22-93E6F554FDA0}"/>
+                <a16:creationId xmlns:a16="http://schemas.microsoft.com/office/drawing/2014/main" xmlns="" id="{8813968F-E633-998F-4C22-93E6F554FDA0}"/>
               </a:ext>
             </a:extLst>
           </p:cNvPr>
@@ -1644,7 +1673,7 @@
           <p:cNvPr id="3" name="Text Placeholder 2">
             <a:extLst>
               <a:ext uri="{FF2B5EF4-FFF2-40B4-BE49-F238E27FC236}">
-                <a16:creationId xmlns:a16="http://schemas.microsoft.com/office/drawing/2014/main" id="{DFF6B9CB-4C7B-94CC-050D-AF0152F3A7D4}"/>
+                <a16:creationId xmlns:a16="http://schemas.microsoft.com/office/drawing/2014/main" xmlns="" id="{DFF6B9CB-4C7B-94CC-050D-AF0152F3A7D4}"/>
               </a:ext>
             </a:extLst>
           </p:cNvPr>
@@ -1769,7 +1798,7 @@
           <p:cNvPr id="4" name="Date Placeholder 3">
             <a:extLst>
               <a:ext uri="{FF2B5EF4-FFF2-40B4-BE49-F238E27FC236}">
-                <a16:creationId xmlns:a16="http://schemas.microsoft.com/office/drawing/2014/main" id="{14237DE1-E9AF-B1C6-D4B7-4D4A9D92736A}"/>
+                <a16:creationId xmlns:a16="http://schemas.microsoft.com/office/drawing/2014/main" xmlns="" id="{14237DE1-E9AF-B1C6-D4B7-4D4A9D92736A}"/>
               </a:ext>
             </a:extLst>
           </p:cNvPr>
@@ -1787,7 +1816,7 @@
           <a:p>
             <a:fld id="{56226301-5D8D-4107-9BAD-DDEF00431FD1}" type="datetimeFigureOut">
               <a:rPr lang="pl-PL" smtClean="0"/>
-              <a:t>02.01.2024</a:t>
+              <a:t>09.01.2024</a:t>
             </a:fld>
             <a:endParaRPr lang="pl-PL"/>
           </a:p>
@@ -1798,7 +1827,7 @@
           <p:cNvPr id="5" name="Footer Placeholder 4">
             <a:extLst>
               <a:ext uri="{FF2B5EF4-FFF2-40B4-BE49-F238E27FC236}">
-                <a16:creationId xmlns:a16="http://schemas.microsoft.com/office/drawing/2014/main" id="{66A65784-6F7C-85C2-CAEB-484D0782AF71}"/>
+                <a16:creationId xmlns:a16="http://schemas.microsoft.com/office/drawing/2014/main" xmlns="" id="{66A65784-6F7C-85C2-CAEB-484D0782AF71}"/>
               </a:ext>
             </a:extLst>
           </p:cNvPr>
@@ -1823,7 +1852,7 @@
           <p:cNvPr id="6" name="Slide Number Placeholder 5">
             <a:extLst>
               <a:ext uri="{FF2B5EF4-FFF2-40B4-BE49-F238E27FC236}">
-                <a16:creationId xmlns:a16="http://schemas.microsoft.com/office/drawing/2014/main" id="{0CFE103E-577A-BD41-A548-CC12B109EEB9}"/>
+                <a16:creationId xmlns:a16="http://schemas.microsoft.com/office/drawing/2014/main" xmlns="" id="{0CFE103E-577A-BD41-A548-CC12B109EEB9}"/>
               </a:ext>
             </a:extLst>
           </p:cNvPr>
@@ -1882,7 +1911,7 @@
           <p:cNvPr id="2" name="Title 1">
             <a:extLst>
               <a:ext uri="{FF2B5EF4-FFF2-40B4-BE49-F238E27FC236}">
-                <a16:creationId xmlns:a16="http://schemas.microsoft.com/office/drawing/2014/main" id="{2D326AA7-48A7-C584-EB10-FB2EEE275CBD}"/>
+                <a16:creationId xmlns:a16="http://schemas.microsoft.com/office/drawing/2014/main" xmlns="" id="{2D326AA7-48A7-C584-EB10-FB2EEE275CBD}"/>
               </a:ext>
             </a:extLst>
           </p:cNvPr>
@@ -1911,7 +1940,7 @@
           <p:cNvPr id="3" name="Content Placeholder 2">
             <a:extLst>
               <a:ext uri="{FF2B5EF4-FFF2-40B4-BE49-F238E27FC236}">
-                <a16:creationId xmlns:a16="http://schemas.microsoft.com/office/drawing/2014/main" id="{1894C6A4-3164-C637-D949-59D399CC7872}"/>
+                <a16:creationId xmlns:a16="http://schemas.microsoft.com/office/drawing/2014/main" xmlns="" id="{1894C6A4-3164-C637-D949-59D399CC7872}"/>
               </a:ext>
             </a:extLst>
           </p:cNvPr>
@@ -1974,7 +2003,7 @@
           <p:cNvPr id="4" name="Content Placeholder 3">
             <a:extLst>
               <a:ext uri="{FF2B5EF4-FFF2-40B4-BE49-F238E27FC236}">
-                <a16:creationId xmlns:a16="http://schemas.microsoft.com/office/drawing/2014/main" id="{8478F268-F5AD-8F40-E455-3E62B495BAFC}"/>
+                <a16:creationId xmlns:a16="http://schemas.microsoft.com/office/drawing/2014/main" xmlns="" id="{8478F268-F5AD-8F40-E455-3E62B495BAFC}"/>
               </a:ext>
             </a:extLst>
           </p:cNvPr>
@@ -2037,7 +2066,7 @@
           <p:cNvPr id="5" name="Date Placeholder 4">
             <a:extLst>
               <a:ext uri="{FF2B5EF4-FFF2-40B4-BE49-F238E27FC236}">
-                <a16:creationId xmlns:a16="http://schemas.microsoft.com/office/drawing/2014/main" id="{BF728CFA-8F03-8C2C-C4B4-4DEAF99D2204}"/>
+                <a16:creationId xmlns:a16="http://schemas.microsoft.com/office/drawing/2014/main" xmlns="" id="{BF728CFA-8F03-8C2C-C4B4-4DEAF99D2204}"/>
               </a:ext>
             </a:extLst>
           </p:cNvPr>
@@ -2055,7 +2084,7 @@
           <a:p>
             <a:fld id="{56226301-5D8D-4107-9BAD-DDEF00431FD1}" type="datetimeFigureOut">
               <a:rPr lang="pl-PL" smtClean="0"/>
-              <a:t>02.01.2024</a:t>
+              <a:t>09.01.2024</a:t>
             </a:fld>
             <a:endParaRPr lang="pl-PL"/>
           </a:p>
@@ -2066,7 +2095,7 @@
           <p:cNvPr id="6" name="Footer Placeholder 5">
             <a:extLst>
               <a:ext uri="{FF2B5EF4-FFF2-40B4-BE49-F238E27FC236}">
-                <a16:creationId xmlns:a16="http://schemas.microsoft.com/office/drawing/2014/main" id="{845F15C3-4B7C-FAB7-D449-DB7A6121A47C}"/>
+                <a16:creationId xmlns:a16="http://schemas.microsoft.com/office/drawing/2014/main" xmlns="" id="{845F15C3-4B7C-FAB7-D449-DB7A6121A47C}"/>
               </a:ext>
             </a:extLst>
           </p:cNvPr>
@@ -2091,7 +2120,7 @@
           <p:cNvPr id="7" name="Slide Number Placeholder 6">
             <a:extLst>
               <a:ext uri="{FF2B5EF4-FFF2-40B4-BE49-F238E27FC236}">
-                <a16:creationId xmlns:a16="http://schemas.microsoft.com/office/drawing/2014/main" id="{8E0CFA68-3659-9646-82F7-68CF7718A3EF}"/>
+                <a16:creationId xmlns:a16="http://schemas.microsoft.com/office/drawing/2014/main" xmlns="" id="{8E0CFA68-3659-9646-82F7-68CF7718A3EF}"/>
               </a:ext>
             </a:extLst>
           </p:cNvPr>
@@ -2150,7 +2179,7 @@
           <p:cNvPr id="2" name="Title 1">
             <a:extLst>
               <a:ext uri="{FF2B5EF4-FFF2-40B4-BE49-F238E27FC236}">
-                <a16:creationId xmlns:a16="http://schemas.microsoft.com/office/drawing/2014/main" id="{EF0E2FA3-F7F9-852B-8375-47EA9C30A19A}"/>
+                <a16:creationId xmlns:a16="http://schemas.microsoft.com/office/drawing/2014/main" xmlns="" id="{EF0E2FA3-F7F9-852B-8375-47EA9C30A19A}"/>
               </a:ext>
             </a:extLst>
           </p:cNvPr>
@@ -2184,7 +2213,7 @@
           <p:cNvPr id="3" name="Text Placeholder 2">
             <a:extLst>
               <a:ext uri="{FF2B5EF4-FFF2-40B4-BE49-F238E27FC236}">
-                <a16:creationId xmlns:a16="http://schemas.microsoft.com/office/drawing/2014/main" id="{2049AE30-0936-6304-98C8-32D8FFBB2B8C}"/>
+                <a16:creationId xmlns:a16="http://schemas.microsoft.com/office/drawing/2014/main" xmlns="" id="{2049AE30-0936-6304-98C8-32D8FFBB2B8C}"/>
               </a:ext>
             </a:extLst>
           </p:cNvPr>
@@ -2255,7 +2284,7 @@
           <p:cNvPr id="4" name="Content Placeholder 3">
             <a:extLst>
               <a:ext uri="{FF2B5EF4-FFF2-40B4-BE49-F238E27FC236}">
-                <a16:creationId xmlns:a16="http://schemas.microsoft.com/office/drawing/2014/main" id="{1713A900-BC24-1778-3214-B09DC852C2C2}"/>
+                <a16:creationId xmlns:a16="http://schemas.microsoft.com/office/drawing/2014/main" xmlns="" id="{1713A900-BC24-1778-3214-B09DC852C2C2}"/>
               </a:ext>
             </a:extLst>
           </p:cNvPr>
@@ -2318,7 +2347,7 @@
           <p:cNvPr id="5" name="Text Placeholder 4">
             <a:extLst>
               <a:ext uri="{FF2B5EF4-FFF2-40B4-BE49-F238E27FC236}">
-                <a16:creationId xmlns:a16="http://schemas.microsoft.com/office/drawing/2014/main" id="{8368043B-C7FC-9646-5AD3-271A5FA2C656}"/>
+                <a16:creationId xmlns:a16="http://schemas.microsoft.com/office/drawing/2014/main" xmlns="" id="{8368043B-C7FC-9646-5AD3-271A5FA2C656}"/>
               </a:ext>
             </a:extLst>
           </p:cNvPr>
@@ -2389,7 +2418,7 @@
           <p:cNvPr id="6" name="Content Placeholder 5">
             <a:extLst>
               <a:ext uri="{FF2B5EF4-FFF2-40B4-BE49-F238E27FC236}">
-                <a16:creationId xmlns:a16="http://schemas.microsoft.com/office/drawing/2014/main" id="{CB83399B-E7E7-F2FA-8590-46A2AE94D533}"/>
+                <a16:creationId xmlns:a16="http://schemas.microsoft.com/office/drawing/2014/main" xmlns="" id="{CB83399B-E7E7-F2FA-8590-46A2AE94D533}"/>
               </a:ext>
             </a:extLst>
           </p:cNvPr>
@@ -2452,7 +2481,7 @@
           <p:cNvPr id="7" name="Date Placeholder 6">
             <a:extLst>
               <a:ext uri="{FF2B5EF4-FFF2-40B4-BE49-F238E27FC236}">
-                <a16:creationId xmlns:a16="http://schemas.microsoft.com/office/drawing/2014/main" id="{D503EFE8-E470-BC9A-B80B-C850BBDB2423}"/>
+                <a16:creationId xmlns:a16="http://schemas.microsoft.com/office/drawing/2014/main" xmlns="" id="{D503EFE8-E470-BC9A-B80B-C850BBDB2423}"/>
               </a:ext>
             </a:extLst>
           </p:cNvPr>
@@ -2470,7 +2499,7 @@
           <a:p>
             <a:fld id="{56226301-5D8D-4107-9BAD-DDEF00431FD1}" type="datetimeFigureOut">
               <a:rPr lang="pl-PL" smtClean="0"/>
-              <a:t>02.01.2024</a:t>
+              <a:t>09.01.2024</a:t>
             </a:fld>
             <a:endParaRPr lang="pl-PL"/>
           </a:p>
@@ -2481,7 +2510,7 @@
           <p:cNvPr id="8" name="Footer Placeholder 7">
             <a:extLst>
               <a:ext uri="{FF2B5EF4-FFF2-40B4-BE49-F238E27FC236}">
-                <a16:creationId xmlns:a16="http://schemas.microsoft.com/office/drawing/2014/main" id="{34DE0786-E8F5-B2B5-7C98-60BF97D5A8CD}"/>
+                <a16:creationId xmlns:a16="http://schemas.microsoft.com/office/drawing/2014/main" xmlns="" id="{34DE0786-E8F5-B2B5-7C98-60BF97D5A8CD}"/>
               </a:ext>
             </a:extLst>
           </p:cNvPr>
@@ -2506,7 +2535,7 @@
           <p:cNvPr id="9" name="Slide Number Placeholder 8">
             <a:extLst>
               <a:ext uri="{FF2B5EF4-FFF2-40B4-BE49-F238E27FC236}">
-                <a16:creationId xmlns:a16="http://schemas.microsoft.com/office/drawing/2014/main" id="{DB4284C6-90D2-A2AE-C7F8-A869CB4BCEEA}"/>
+                <a16:creationId xmlns:a16="http://schemas.microsoft.com/office/drawing/2014/main" xmlns="" id="{DB4284C6-90D2-A2AE-C7F8-A869CB4BCEEA}"/>
               </a:ext>
             </a:extLst>
           </p:cNvPr>
@@ -2565,7 +2594,7 @@
           <p:cNvPr id="2" name="Title 1">
             <a:extLst>
               <a:ext uri="{FF2B5EF4-FFF2-40B4-BE49-F238E27FC236}">
-                <a16:creationId xmlns:a16="http://schemas.microsoft.com/office/drawing/2014/main" id="{34B3CA61-240D-D544-A95B-6B10679CD518}"/>
+                <a16:creationId xmlns:a16="http://schemas.microsoft.com/office/drawing/2014/main" xmlns="" id="{34B3CA61-240D-D544-A95B-6B10679CD518}"/>
               </a:ext>
             </a:extLst>
           </p:cNvPr>
@@ -2594,7 +2623,7 @@
           <p:cNvPr id="3" name="Date Placeholder 2">
             <a:extLst>
               <a:ext uri="{FF2B5EF4-FFF2-40B4-BE49-F238E27FC236}">
-                <a16:creationId xmlns:a16="http://schemas.microsoft.com/office/drawing/2014/main" id="{EE760131-26C0-EBBF-329E-3D41BBCD42F8}"/>
+                <a16:creationId xmlns:a16="http://schemas.microsoft.com/office/drawing/2014/main" xmlns="" id="{EE760131-26C0-EBBF-329E-3D41BBCD42F8}"/>
               </a:ext>
             </a:extLst>
           </p:cNvPr>
@@ -2612,7 +2641,7 @@
           <a:p>
             <a:fld id="{56226301-5D8D-4107-9BAD-DDEF00431FD1}" type="datetimeFigureOut">
               <a:rPr lang="pl-PL" smtClean="0"/>
-              <a:t>02.01.2024</a:t>
+              <a:t>09.01.2024</a:t>
             </a:fld>
             <a:endParaRPr lang="pl-PL"/>
           </a:p>
@@ -2623,7 +2652,7 @@
           <p:cNvPr id="4" name="Footer Placeholder 3">
             <a:extLst>
               <a:ext uri="{FF2B5EF4-FFF2-40B4-BE49-F238E27FC236}">
-                <a16:creationId xmlns:a16="http://schemas.microsoft.com/office/drawing/2014/main" id="{C39A785D-2673-5ECC-4387-88A5FEF880EE}"/>
+                <a16:creationId xmlns:a16="http://schemas.microsoft.com/office/drawing/2014/main" xmlns="" id="{C39A785D-2673-5ECC-4387-88A5FEF880EE}"/>
               </a:ext>
             </a:extLst>
           </p:cNvPr>
@@ -2648,7 +2677,7 @@
           <p:cNvPr id="5" name="Slide Number Placeholder 4">
             <a:extLst>
               <a:ext uri="{FF2B5EF4-FFF2-40B4-BE49-F238E27FC236}">
-                <a16:creationId xmlns:a16="http://schemas.microsoft.com/office/drawing/2014/main" id="{F076CE58-21F4-E0C6-05B1-E429F88838CA}"/>
+                <a16:creationId xmlns:a16="http://schemas.microsoft.com/office/drawing/2014/main" xmlns="" id="{F076CE58-21F4-E0C6-05B1-E429F88838CA}"/>
               </a:ext>
             </a:extLst>
           </p:cNvPr>
@@ -2707,7 +2736,7 @@
           <p:cNvPr id="2" name="Date Placeholder 1">
             <a:extLst>
               <a:ext uri="{FF2B5EF4-FFF2-40B4-BE49-F238E27FC236}">
-                <a16:creationId xmlns:a16="http://schemas.microsoft.com/office/drawing/2014/main" id="{B6F43EBE-F0A2-6871-4DB2-DE61350E2279}"/>
+                <a16:creationId xmlns:a16="http://schemas.microsoft.com/office/drawing/2014/main" xmlns="" id="{B6F43EBE-F0A2-6871-4DB2-DE61350E2279}"/>
               </a:ext>
             </a:extLst>
           </p:cNvPr>
@@ -2725,7 +2754,7 @@
           <a:p>
             <a:fld id="{56226301-5D8D-4107-9BAD-DDEF00431FD1}" type="datetimeFigureOut">
               <a:rPr lang="pl-PL" smtClean="0"/>
-              <a:t>02.01.2024</a:t>
+              <a:t>09.01.2024</a:t>
             </a:fld>
             <a:endParaRPr lang="pl-PL"/>
           </a:p>
@@ -2736,7 +2765,7 @@
           <p:cNvPr id="3" name="Footer Placeholder 2">
             <a:extLst>
               <a:ext uri="{FF2B5EF4-FFF2-40B4-BE49-F238E27FC236}">
-                <a16:creationId xmlns:a16="http://schemas.microsoft.com/office/drawing/2014/main" id="{CB14F204-B444-C689-F0E5-BF58FBC41E67}"/>
+                <a16:creationId xmlns:a16="http://schemas.microsoft.com/office/drawing/2014/main" xmlns="" id="{CB14F204-B444-C689-F0E5-BF58FBC41E67}"/>
               </a:ext>
             </a:extLst>
           </p:cNvPr>
@@ -2761,7 +2790,7 @@
           <p:cNvPr id="4" name="Slide Number Placeholder 3">
             <a:extLst>
               <a:ext uri="{FF2B5EF4-FFF2-40B4-BE49-F238E27FC236}">
-                <a16:creationId xmlns:a16="http://schemas.microsoft.com/office/drawing/2014/main" id="{33603264-D7F7-612B-A7A4-96708B4B8A8A}"/>
+                <a16:creationId xmlns:a16="http://schemas.microsoft.com/office/drawing/2014/main" xmlns="" id="{33603264-D7F7-612B-A7A4-96708B4B8A8A}"/>
               </a:ext>
             </a:extLst>
           </p:cNvPr>
@@ -2820,7 +2849,7 @@
           <p:cNvPr id="2" name="Title 1">
             <a:extLst>
               <a:ext uri="{FF2B5EF4-FFF2-40B4-BE49-F238E27FC236}">
-                <a16:creationId xmlns:a16="http://schemas.microsoft.com/office/drawing/2014/main" id="{D1F8071D-325E-1A4E-4949-AB806309D7B6}"/>
+                <a16:creationId xmlns:a16="http://schemas.microsoft.com/office/drawing/2014/main" xmlns="" id="{D1F8071D-325E-1A4E-4949-AB806309D7B6}"/>
               </a:ext>
             </a:extLst>
           </p:cNvPr>
@@ -2858,7 +2887,7 @@
           <p:cNvPr id="3" name="Content Placeholder 2">
             <a:extLst>
               <a:ext uri="{FF2B5EF4-FFF2-40B4-BE49-F238E27FC236}">
-                <a16:creationId xmlns:a16="http://schemas.microsoft.com/office/drawing/2014/main" id="{F0845417-3D44-B22E-D152-B569193A8632}"/>
+                <a16:creationId xmlns:a16="http://schemas.microsoft.com/office/drawing/2014/main" xmlns="" id="{F0845417-3D44-B22E-D152-B569193A8632}"/>
               </a:ext>
             </a:extLst>
           </p:cNvPr>
@@ -2949,7 +2978,7 @@
           <p:cNvPr id="4" name="Text Placeholder 3">
             <a:extLst>
               <a:ext uri="{FF2B5EF4-FFF2-40B4-BE49-F238E27FC236}">
-                <a16:creationId xmlns:a16="http://schemas.microsoft.com/office/drawing/2014/main" id="{29A8406E-D796-712F-7543-04AB8667E4F5}"/>
+                <a16:creationId xmlns:a16="http://schemas.microsoft.com/office/drawing/2014/main" xmlns="" id="{29A8406E-D796-712F-7543-04AB8667E4F5}"/>
               </a:ext>
             </a:extLst>
           </p:cNvPr>
@@ -3020,7 +3049,7 @@
           <p:cNvPr id="5" name="Date Placeholder 4">
             <a:extLst>
               <a:ext uri="{FF2B5EF4-FFF2-40B4-BE49-F238E27FC236}">
-                <a16:creationId xmlns:a16="http://schemas.microsoft.com/office/drawing/2014/main" id="{CC2277AF-ADD7-3809-A7CD-204B6BA809F6}"/>
+                <a16:creationId xmlns:a16="http://schemas.microsoft.com/office/drawing/2014/main" xmlns="" id="{CC2277AF-ADD7-3809-A7CD-204B6BA809F6}"/>
               </a:ext>
             </a:extLst>
           </p:cNvPr>
@@ -3038,7 +3067,7 @@
           <a:p>
             <a:fld id="{56226301-5D8D-4107-9BAD-DDEF00431FD1}" type="datetimeFigureOut">
               <a:rPr lang="pl-PL" smtClean="0"/>
-              <a:t>02.01.2024</a:t>
+              <a:t>09.01.2024</a:t>
             </a:fld>
             <a:endParaRPr lang="pl-PL"/>
           </a:p>
@@ -3049,7 +3078,7 @@
           <p:cNvPr id="6" name="Footer Placeholder 5">
             <a:extLst>
               <a:ext uri="{FF2B5EF4-FFF2-40B4-BE49-F238E27FC236}">
-                <a16:creationId xmlns:a16="http://schemas.microsoft.com/office/drawing/2014/main" id="{B1AA2F66-8B1E-D724-E8BD-E624776AE715}"/>
+                <a16:creationId xmlns:a16="http://schemas.microsoft.com/office/drawing/2014/main" xmlns="" id="{B1AA2F66-8B1E-D724-E8BD-E624776AE715}"/>
               </a:ext>
             </a:extLst>
           </p:cNvPr>
@@ -3074,7 +3103,7 @@
           <p:cNvPr id="7" name="Slide Number Placeholder 6">
             <a:extLst>
               <a:ext uri="{FF2B5EF4-FFF2-40B4-BE49-F238E27FC236}">
-                <a16:creationId xmlns:a16="http://schemas.microsoft.com/office/drawing/2014/main" id="{E8955DAC-A6D0-B051-A34A-8E6523598BB7}"/>
+                <a16:creationId xmlns:a16="http://schemas.microsoft.com/office/drawing/2014/main" xmlns="" id="{E8955DAC-A6D0-B051-A34A-8E6523598BB7}"/>
               </a:ext>
             </a:extLst>
           </p:cNvPr>
@@ -3133,7 +3162,7 @@
           <p:cNvPr id="2" name="Title 1">
             <a:extLst>
               <a:ext uri="{FF2B5EF4-FFF2-40B4-BE49-F238E27FC236}">
-                <a16:creationId xmlns:a16="http://schemas.microsoft.com/office/drawing/2014/main" id="{8A195594-1E43-E39B-EA82-A4D2A038FF00}"/>
+                <a16:creationId xmlns:a16="http://schemas.microsoft.com/office/drawing/2014/main" xmlns="" id="{8A195594-1E43-E39B-EA82-A4D2A038FF00}"/>
               </a:ext>
             </a:extLst>
           </p:cNvPr>
@@ -3171,7 +3200,7 @@
           <p:cNvPr id="3" name="Picture Placeholder 2">
             <a:extLst>
               <a:ext uri="{FF2B5EF4-FFF2-40B4-BE49-F238E27FC236}">
-                <a16:creationId xmlns:a16="http://schemas.microsoft.com/office/drawing/2014/main" id="{A2BEDD65-A312-6B36-1CBD-41D0AC8044D8}"/>
+                <a16:creationId xmlns:a16="http://schemas.microsoft.com/office/drawing/2014/main" xmlns="" id="{A2BEDD65-A312-6B36-1CBD-41D0AC8044D8}"/>
               </a:ext>
             </a:extLst>
           </p:cNvPr>
@@ -3238,7 +3267,7 @@
           <p:cNvPr id="4" name="Text Placeholder 3">
             <a:extLst>
               <a:ext uri="{FF2B5EF4-FFF2-40B4-BE49-F238E27FC236}">
-                <a16:creationId xmlns:a16="http://schemas.microsoft.com/office/drawing/2014/main" id="{D7BF313F-387B-7C2B-52C1-219400D16346}"/>
+                <a16:creationId xmlns:a16="http://schemas.microsoft.com/office/drawing/2014/main" xmlns="" id="{D7BF313F-387B-7C2B-52C1-219400D16346}"/>
               </a:ext>
             </a:extLst>
           </p:cNvPr>
@@ -3309,7 +3338,7 @@
           <p:cNvPr id="5" name="Date Placeholder 4">
             <a:extLst>
               <a:ext uri="{FF2B5EF4-FFF2-40B4-BE49-F238E27FC236}">
-                <a16:creationId xmlns:a16="http://schemas.microsoft.com/office/drawing/2014/main" id="{DCB7237C-B2CA-25B3-8F8A-F1854012D43D}"/>
+                <a16:creationId xmlns:a16="http://schemas.microsoft.com/office/drawing/2014/main" xmlns="" id="{DCB7237C-B2CA-25B3-8F8A-F1854012D43D}"/>
               </a:ext>
             </a:extLst>
           </p:cNvPr>
@@ -3327,7 +3356,7 @@
           <a:p>
             <a:fld id="{56226301-5D8D-4107-9BAD-DDEF00431FD1}" type="datetimeFigureOut">
               <a:rPr lang="pl-PL" smtClean="0"/>
-              <a:t>02.01.2024</a:t>
+              <a:t>09.01.2024</a:t>
             </a:fld>
             <a:endParaRPr lang="pl-PL"/>
           </a:p>
@@ -3338,7 +3367,7 @@
           <p:cNvPr id="6" name="Footer Placeholder 5">
             <a:extLst>
               <a:ext uri="{FF2B5EF4-FFF2-40B4-BE49-F238E27FC236}">
-                <a16:creationId xmlns:a16="http://schemas.microsoft.com/office/drawing/2014/main" id="{461F178F-C90A-EE0B-734B-4CA9A5738017}"/>
+                <a16:creationId xmlns:a16="http://schemas.microsoft.com/office/drawing/2014/main" xmlns="" id="{461F178F-C90A-EE0B-734B-4CA9A5738017}"/>
               </a:ext>
             </a:extLst>
           </p:cNvPr>
@@ -3363,7 +3392,7 @@
           <p:cNvPr id="7" name="Slide Number Placeholder 6">
             <a:extLst>
               <a:ext uri="{FF2B5EF4-FFF2-40B4-BE49-F238E27FC236}">
-                <a16:creationId xmlns:a16="http://schemas.microsoft.com/office/drawing/2014/main" id="{D358B68D-A5C7-AA2A-A4D2-219571DE1E8D}"/>
+                <a16:creationId xmlns:a16="http://schemas.microsoft.com/office/drawing/2014/main" xmlns="" id="{D358B68D-A5C7-AA2A-A4D2-219571DE1E8D}"/>
               </a:ext>
             </a:extLst>
           </p:cNvPr>
@@ -3427,7 +3456,7 @@
           <p:cNvPr id="2" name="Title Placeholder 1">
             <a:extLst>
               <a:ext uri="{FF2B5EF4-FFF2-40B4-BE49-F238E27FC236}">
-                <a16:creationId xmlns:a16="http://schemas.microsoft.com/office/drawing/2014/main" id="{4E399F68-1D9F-6F04-44ED-3FF5605F5381}"/>
+                <a16:creationId xmlns:a16="http://schemas.microsoft.com/office/drawing/2014/main" xmlns="" id="{4E399F68-1D9F-6F04-44ED-3FF5605F5381}"/>
               </a:ext>
             </a:extLst>
           </p:cNvPr>
@@ -3466,7 +3495,7 @@
           <p:cNvPr id="3" name="Text Placeholder 2">
             <a:extLst>
               <a:ext uri="{FF2B5EF4-FFF2-40B4-BE49-F238E27FC236}">
-                <a16:creationId xmlns:a16="http://schemas.microsoft.com/office/drawing/2014/main" id="{1A5D6C6B-7992-B35A-3C9E-DEB36EB1AB87}"/>
+                <a16:creationId xmlns:a16="http://schemas.microsoft.com/office/drawing/2014/main" xmlns="" id="{1A5D6C6B-7992-B35A-3C9E-DEB36EB1AB87}"/>
               </a:ext>
             </a:extLst>
           </p:cNvPr>
@@ -3534,7 +3563,7 @@
           <p:cNvPr id="4" name="Date Placeholder 3">
             <a:extLst>
               <a:ext uri="{FF2B5EF4-FFF2-40B4-BE49-F238E27FC236}">
-                <a16:creationId xmlns:a16="http://schemas.microsoft.com/office/drawing/2014/main" id="{D7769C4F-1965-58FB-3DF4-42B86D859E34}"/>
+                <a16:creationId xmlns:a16="http://schemas.microsoft.com/office/drawing/2014/main" xmlns="" id="{D7769C4F-1965-58FB-3DF4-42B86D859E34}"/>
               </a:ext>
             </a:extLst>
           </p:cNvPr>
@@ -3570,7 +3599,7 @@
           <a:p>
             <a:fld id="{56226301-5D8D-4107-9BAD-DDEF00431FD1}" type="datetimeFigureOut">
               <a:rPr lang="pl-PL" smtClean="0"/>
-              <a:t>02.01.2024</a:t>
+              <a:t>09.01.2024</a:t>
             </a:fld>
             <a:endParaRPr lang="pl-PL"/>
           </a:p>
@@ -3581,7 +3610,7 @@
           <p:cNvPr id="5" name="Footer Placeholder 4">
             <a:extLst>
               <a:ext uri="{FF2B5EF4-FFF2-40B4-BE49-F238E27FC236}">
-                <a16:creationId xmlns:a16="http://schemas.microsoft.com/office/drawing/2014/main" id="{8FB50E99-3CB3-C65B-4CAE-E9931DCFD835}"/>
+                <a16:creationId xmlns:a16="http://schemas.microsoft.com/office/drawing/2014/main" xmlns="" id="{8FB50E99-3CB3-C65B-4CAE-E9931DCFD835}"/>
               </a:ext>
             </a:extLst>
           </p:cNvPr>
@@ -3624,7 +3653,7 @@
           <p:cNvPr id="6" name="Slide Number Placeholder 5">
             <a:extLst>
               <a:ext uri="{FF2B5EF4-FFF2-40B4-BE49-F238E27FC236}">
-                <a16:creationId xmlns:a16="http://schemas.microsoft.com/office/drawing/2014/main" id="{42EF9596-3C95-CC3B-9775-347BC84CEBEA}"/>
+                <a16:creationId xmlns:a16="http://schemas.microsoft.com/office/drawing/2014/main" xmlns="" id="{42EF9596-3C95-CC3B-9775-347BC84CEBEA}"/>
               </a:ext>
             </a:extLst>
           </p:cNvPr>
@@ -3992,7 +4021,7 @@
           <p:cNvPr id="2" name="Title 1">
             <a:extLst>
               <a:ext uri="{FF2B5EF4-FFF2-40B4-BE49-F238E27FC236}">
-                <a16:creationId xmlns:a16="http://schemas.microsoft.com/office/drawing/2014/main" id="{8B23FD79-2A7F-C843-4D49-E55B82A912EA}"/>
+                <a16:creationId xmlns:a16="http://schemas.microsoft.com/office/drawing/2014/main" xmlns="" id="{8B23FD79-2A7F-C843-4D49-E55B82A912EA}"/>
               </a:ext>
             </a:extLst>
           </p:cNvPr>
@@ -4025,7 +4054,7 @@
           <p:cNvPr id="3" name="Subtitle 2">
             <a:extLst>
               <a:ext uri="{FF2B5EF4-FFF2-40B4-BE49-F238E27FC236}">
-                <a16:creationId xmlns:a16="http://schemas.microsoft.com/office/drawing/2014/main" id="{6DA918BB-4C6D-ED82-3A63-526473D748CD}"/>
+                <a16:creationId xmlns:a16="http://schemas.microsoft.com/office/drawing/2014/main" xmlns="" id="{6DA918BB-4C6D-ED82-3A63-526473D748CD}"/>
               </a:ext>
             </a:extLst>
           </p:cNvPr>
@@ -4064,6 +4093,13 @@
   <p:clrMapOvr>
     <a:masterClrMapping/>
   </p:clrMapOvr>
+  <p:timing>
+    <p:tnLst>
+      <p:par>
+        <p:cTn id="1" dur="indefinite" restart="never" nodeType="tmRoot"/>
+      </p:par>
+    </p:tnLst>
+  </p:timing>
 </p:sld>
 </file>
 
@@ -4097,7 +4133,7 @@
           <p:cNvPr id="5" name="Content Placeholder 4">
             <a:extLst>
               <a:ext uri="{FF2B5EF4-FFF2-40B4-BE49-F238E27FC236}">
-                <a16:creationId xmlns:a16="http://schemas.microsoft.com/office/drawing/2014/main" id="{3FEE9EBB-F2A1-7938-918B-B6DBEEA75DD6}"/>
+                <a16:creationId xmlns:a16="http://schemas.microsoft.com/office/drawing/2014/main" xmlns="" id="{3FEE9EBB-F2A1-7938-918B-B6DBEEA75DD6}"/>
               </a:ext>
             </a:extLst>
           </p:cNvPr>
@@ -4134,6 +4170,13 @@
   <p:clrMapOvr>
     <a:masterClrMapping/>
   </p:clrMapOvr>
+  <p:timing>
+    <p:tnLst>
+      <p:par>
+        <p:cTn id="1" dur="indefinite" restart="never" nodeType="tmRoot"/>
+      </p:par>
+    </p:tnLst>
+  </p:timing>
 </p:sld>
 </file>
 
@@ -4167,7 +4210,7 @@
           <p:cNvPr id="9" name="Picture 8" descr="A screen shot of a computer program&#10;&#10;Description automatically generated">
             <a:extLst>
               <a:ext uri="{FF2B5EF4-FFF2-40B4-BE49-F238E27FC236}">
-                <a16:creationId xmlns:a16="http://schemas.microsoft.com/office/drawing/2014/main" id="{53B179B4-DED8-DA0C-43FB-DC2DF2CAA8D2}"/>
+                <a16:creationId xmlns:a16="http://schemas.microsoft.com/office/drawing/2014/main" xmlns="" id="{53B179B4-DED8-DA0C-43FB-DC2DF2CAA8D2}"/>
               </a:ext>
             </a:extLst>
           </p:cNvPr>
@@ -4197,7 +4240,7 @@
           <p:cNvPr id="11" name="Picture 10" descr="A computer screen with text&#10;&#10;Description automatically generated">
             <a:extLst>
               <a:ext uri="{FF2B5EF4-FFF2-40B4-BE49-F238E27FC236}">
-                <a16:creationId xmlns:a16="http://schemas.microsoft.com/office/drawing/2014/main" id="{2E291A84-B725-51B6-24FA-33318C4BA5C2}"/>
+                <a16:creationId xmlns:a16="http://schemas.microsoft.com/office/drawing/2014/main" xmlns="" id="{2E291A84-B725-51B6-24FA-33318C4BA5C2}"/>
               </a:ext>
             </a:extLst>
           </p:cNvPr>
@@ -4232,6 +4275,13 @@
   <p:clrMapOvr>
     <a:masterClrMapping/>
   </p:clrMapOvr>
+  <p:timing>
+    <p:tnLst>
+      <p:par>
+        <p:cTn id="1" dur="indefinite" restart="never" nodeType="tmRoot"/>
+      </p:par>
+    </p:tnLst>
+  </p:timing>
 </p:sld>
 </file>
 
@@ -4257,7 +4307,7 @@
           <p:cNvPr id="2" name="Title 1">
             <a:extLst>
               <a:ext uri="{FF2B5EF4-FFF2-40B4-BE49-F238E27FC236}">
-                <a16:creationId xmlns:a16="http://schemas.microsoft.com/office/drawing/2014/main" id="{C6333130-6CB7-FFDF-AB43-6D61D2F87295}"/>
+                <a16:creationId xmlns:a16="http://schemas.microsoft.com/office/drawing/2014/main" xmlns="" id="{C6333130-6CB7-FFDF-AB43-6D61D2F87295}"/>
               </a:ext>
             </a:extLst>
           </p:cNvPr>
@@ -4285,7 +4335,7 @@
           <p:cNvPr id="3" name="Subtitle 2">
             <a:extLst>
               <a:ext uri="{FF2B5EF4-FFF2-40B4-BE49-F238E27FC236}">
-                <a16:creationId xmlns:a16="http://schemas.microsoft.com/office/drawing/2014/main" id="{FD827903-2C9D-9C28-2BF4-CFA4A096BF72}"/>
+                <a16:creationId xmlns:a16="http://schemas.microsoft.com/office/drawing/2014/main" xmlns="" id="{FD827903-2C9D-9C28-2BF4-CFA4A096BF72}"/>
               </a:ext>
             </a:extLst>
           </p:cNvPr>
@@ -4319,6 +4369,13 @@
   <p:clrMapOvr>
     <a:masterClrMapping/>
   </p:clrMapOvr>
+  <p:timing>
+    <p:tnLst>
+      <p:par>
+        <p:cTn id="1" dur="indefinite" restart="never" nodeType="tmRoot"/>
+      </p:par>
+    </p:tnLst>
+  </p:timing>
 </p:sld>
 </file>
 
@@ -4352,10 +4409,10 @@
           <p:cNvPr id="31" name="Rectangle 30">
             <a:extLst>
               <a:ext uri="{FF2B5EF4-FFF2-40B4-BE49-F238E27FC236}">
-                <a16:creationId xmlns:a16="http://schemas.microsoft.com/office/drawing/2014/main" id="{9E90EB45-EEE9-4563-8179-65EF62AE0978}"/>
+                <a16:creationId xmlns:a16="http://schemas.microsoft.com/office/drawing/2014/main" xmlns="" id="{9E90EB45-EEE9-4563-8179-65EF62AE0978}"/>
               </a:ext>
               <a:ext uri="{C183D7F6-B498-43B3-948B-1728B52AA6E4}">
-                <adec:decorative xmlns:adec="http://schemas.microsoft.com/office/drawing/2017/decorative" val="1"/>
+                <adec:decorative xmlns:adec="http://schemas.microsoft.com/office/drawing/2017/decorative" xmlns="" val="1"/>
               </a:ext>
             </a:extLst>
           </p:cNvPr>
@@ -4365,7 +4422,7 @@
           <p:nvPr>
             <p:extLst>
               <p:ext uri="{386F3935-93C4-4BCD-93E2-E3B085C9AB24}">
-                <p16:designElem xmlns:p16="http://schemas.microsoft.com/office/powerpoint/2015/main" val="1"/>
+                <p16:designElem xmlns:p16="http://schemas.microsoft.com/office/powerpoint/2015/main" xmlns="" val="1"/>
               </p:ext>
             </p:extLst>
           </p:nvPr>
@@ -4415,10 +4472,10 @@
           <p:cNvPr id="33" name="Rectangle 32">
             <a:extLst>
               <a:ext uri="{FF2B5EF4-FFF2-40B4-BE49-F238E27FC236}">
-                <a16:creationId xmlns:a16="http://schemas.microsoft.com/office/drawing/2014/main" id="{23D0EF74-AD1E-4FD9-914D-8EC9058EBBA3}"/>
+                <a16:creationId xmlns:a16="http://schemas.microsoft.com/office/drawing/2014/main" xmlns="" id="{23D0EF74-AD1E-4FD9-914D-8EC9058EBBA3}"/>
               </a:ext>
               <a:ext uri="{C183D7F6-B498-43B3-948B-1728B52AA6E4}">
-                <adec:decorative xmlns:adec="http://schemas.microsoft.com/office/drawing/2017/decorative" val="1"/>
+                <adec:decorative xmlns:adec="http://schemas.microsoft.com/office/drawing/2017/decorative" xmlns="" val="1"/>
               </a:ext>
             </a:extLst>
           </p:cNvPr>
@@ -4428,7 +4485,7 @@
           <p:nvPr>
             <p:extLst>
               <p:ext uri="{386F3935-93C4-4BCD-93E2-E3B085C9AB24}">
-                <p16:designElem xmlns:p16="http://schemas.microsoft.com/office/powerpoint/2015/main" val="1"/>
+                <p16:designElem xmlns:p16="http://schemas.microsoft.com/office/powerpoint/2015/main" xmlns="" val="1"/>
               </p:ext>
             </p:extLst>
           </p:nvPr>
@@ -4478,7 +4535,7 @@
           <p:cNvPr id="10" name="Picture 9">
             <a:extLst>
               <a:ext uri="{FF2B5EF4-FFF2-40B4-BE49-F238E27FC236}">
-                <a16:creationId xmlns:a16="http://schemas.microsoft.com/office/drawing/2014/main" id="{5566D870-B759-AA9F-D18A-71C4AF8007CC}"/>
+                <a16:creationId xmlns:a16="http://schemas.microsoft.com/office/drawing/2014/main" xmlns="" id="{5566D870-B759-AA9F-D18A-71C4AF8007CC}"/>
               </a:ext>
             </a:extLst>
           </p:cNvPr>
@@ -4513,6 +4570,13 @@
   <p:clrMapOvr>
     <a:masterClrMapping/>
   </p:clrMapOvr>
+  <p:timing>
+    <p:tnLst>
+      <p:par>
+        <p:cTn id="1" dur="indefinite" restart="never" nodeType="tmRoot"/>
+      </p:par>
+    </p:tnLst>
+  </p:timing>
 </p:sld>
 </file>
 
@@ -4546,10 +4610,10 @@
           <p:cNvPr id="31" name="Rectangle 30">
             <a:extLst>
               <a:ext uri="{FF2B5EF4-FFF2-40B4-BE49-F238E27FC236}">
-                <a16:creationId xmlns:a16="http://schemas.microsoft.com/office/drawing/2014/main" id="{9E90EB45-EEE9-4563-8179-65EF62AE0978}"/>
+                <a16:creationId xmlns:a16="http://schemas.microsoft.com/office/drawing/2014/main" xmlns="" id="{9E90EB45-EEE9-4563-8179-65EF62AE0978}"/>
               </a:ext>
               <a:ext uri="{C183D7F6-B498-43B3-948B-1728B52AA6E4}">
-                <adec:decorative xmlns:adec="http://schemas.microsoft.com/office/drawing/2017/decorative" val="1"/>
+                <adec:decorative xmlns:adec="http://schemas.microsoft.com/office/drawing/2017/decorative" xmlns="" val="1"/>
               </a:ext>
             </a:extLst>
           </p:cNvPr>
@@ -4559,7 +4623,7 @@
           <p:nvPr>
             <p:extLst>
               <p:ext uri="{386F3935-93C4-4BCD-93E2-E3B085C9AB24}">
-                <p16:designElem xmlns:p16="http://schemas.microsoft.com/office/powerpoint/2015/main" val="1"/>
+                <p16:designElem xmlns:p16="http://schemas.microsoft.com/office/powerpoint/2015/main" xmlns="" val="1"/>
               </p:ext>
             </p:extLst>
           </p:nvPr>
@@ -4609,7 +4673,7 @@
           <p:cNvPr id="12" name="Picture 11">
             <a:extLst>
               <a:ext uri="{FF2B5EF4-FFF2-40B4-BE49-F238E27FC236}">
-                <a16:creationId xmlns:a16="http://schemas.microsoft.com/office/drawing/2014/main" id="{A70E6C03-BE2C-92D6-9DCD-AE3F5B161C2A}"/>
+                <a16:creationId xmlns:a16="http://schemas.microsoft.com/office/drawing/2014/main" xmlns="" id="{A70E6C03-BE2C-92D6-9DCD-AE3F5B161C2A}"/>
               </a:ext>
             </a:extLst>
           </p:cNvPr>
@@ -4639,10 +4703,10 @@
           <p:cNvPr id="33" name="Rectangle 32">
             <a:extLst>
               <a:ext uri="{FF2B5EF4-FFF2-40B4-BE49-F238E27FC236}">
-                <a16:creationId xmlns:a16="http://schemas.microsoft.com/office/drawing/2014/main" id="{23D0EF74-AD1E-4FD9-914D-8EC9058EBBA3}"/>
+                <a16:creationId xmlns:a16="http://schemas.microsoft.com/office/drawing/2014/main" xmlns="" id="{23D0EF74-AD1E-4FD9-914D-8EC9058EBBA3}"/>
               </a:ext>
               <a:ext uri="{C183D7F6-B498-43B3-948B-1728B52AA6E4}">
-                <adec:decorative xmlns:adec="http://schemas.microsoft.com/office/drawing/2017/decorative" val="1"/>
+                <adec:decorative xmlns:adec="http://schemas.microsoft.com/office/drawing/2017/decorative" xmlns="" val="1"/>
               </a:ext>
             </a:extLst>
           </p:cNvPr>
@@ -4652,7 +4716,7 @@
           <p:nvPr>
             <p:extLst>
               <p:ext uri="{386F3935-93C4-4BCD-93E2-E3B085C9AB24}">
-                <p16:designElem xmlns:p16="http://schemas.microsoft.com/office/powerpoint/2015/main" val="1"/>
+                <p16:designElem xmlns:p16="http://schemas.microsoft.com/office/powerpoint/2015/main" xmlns="" val="1"/>
               </p:ext>
             </p:extLst>
           </p:nvPr>
@@ -4702,7 +4766,7 @@
           <p:cNvPr id="2" name="Picture 1">
             <a:extLst>
               <a:ext uri="{FF2B5EF4-FFF2-40B4-BE49-F238E27FC236}">
-                <a16:creationId xmlns:a16="http://schemas.microsoft.com/office/drawing/2014/main" id="{7F91ED9B-CA77-3EF6-DC1F-D06F403038A2}"/>
+                <a16:creationId xmlns:a16="http://schemas.microsoft.com/office/drawing/2014/main" xmlns="" id="{7F91ED9B-CA77-3EF6-DC1F-D06F403038A2}"/>
               </a:ext>
             </a:extLst>
           </p:cNvPr>
@@ -4737,6 +4801,13 @@
   <p:clrMapOvr>
     <a:masterClrMapping/>
   </p:clrMapOvr>
+  <p:timing>
+    <p:tnLst>
+      <p:par>
+        <p:cTn id="1" dur="indefinite" restart="never" nodeType="tmRoot"/>
+      </p:par>
+    </p:tnLst>
+  </p:timing>
 </p:sld>
 </file>
 
@@ -4770,10 +4841,10 @@
           <p:cNvPr id="52" name="Rectangle 51">
             <a:extLst>
               <a:ext uri="{FF2B5EF4-FFF2-40B4-BE49-F238E27FC236}">
-                <a16:creationId xmlns:a16="http://schemas.microsoft.com/office/drawing/2014/main" id="{9E90EB45-EEE9-4563-8179-65EF62AE0978}"/>
+                <a16:creationId xmlns:a16="http://schemas.microsoft.com/office/drawing/2014/main" xmlns="" id="{9E90EB45-EEE9-4563-8179-65EF62AE0978}"/>
               </a:ext>
               <a:ext uri="{C183D7F6-B498-43B3-948B-1728B52AA6E4}">
-                <adec:decorative xmlns:adec="http://schemas.microsoft.com/office/drawing/2017/decorative" val="1"/>
+                <adec:decorative xmlns:adec="http://schemas.microsoft.com/office/drawing/2017/decorative" xmlns="" val="1"/>
               </a:ext>
             </a:extLst>
           </p:cNvPr>
@@ -4783,7 +4854,7 @@
           <p:nvPr>
             <p:extLst>
               <p:ext uri="{386F3935-93C4-4BCD-93E2-E3B085C9AB24}">
-                <p16:designElem xmlns:p16="http://schemas.microsoft.com/office/powerpoint/2015/main" val="1"/>
+                <p16:designElem xmlns:p16="http://schemas.microsoft.com/office/powerpoint/2015/main" xmlns="" val="1"/>
               </p:ext>
             </p:extLst>
           </p:nvPr>
@@ -4833,7 +4904,7 @@
           <p:cNvPr id="12" name="Picture 11">
             <a:extLst>
               <a:ext uri="{FF2B5EF4-FFF2-40B4-BE49-F238E27FC236}">
-                <a16:creationId xmlns:a16="http://schemas.microsoft.com/office/drawing/2014/main" id="{8037E95C-5D2E-4EFB-E1CE-713B54980CC0}"/>
+                <a16:creationId xmlns:a16="http://schemas.microsoft.com/office/drawing/2014/main" xmlns="" id="{8037E95C-5D2E-4EFB-E1CE-713B54980CC0}"/>
               </a:ext>
             </a:extLst>
           </p:cNvPr>
@@ -4863,10 +4934,10 @@
           <p:cNvPr id="54" name="Rectangle 53">
             <a:extLst>
               <a:ext uri="{FF2B5EF4-FFF2-40B4-BE49-F238E27FC236}">
-                <a16:creationId xmlns:a16="http://schemas.microsoft.com/office/drawing/2014/main" id="{23D0EF74-AD1E-4FD9-914D-8EC9058EBBA3}"/>
+                <a16:creationId xmlns:a16="http://schemas.microsoft.com/office/drawing/2014/main" xmlns="" id="{23D0EF74-AD1E-4FD9-914D-8EC9058EBBA3}"/>
               </a:ext>
               <a:ext uri="{C183D7F6-B498-43B3-948B-1728B52AA6E4}">
-                <adec:decorative xmlns:adec="http://schemas.microsoft.com/office/drawing/2017/decorative" val="1"/>
+                <adec:decorative xmlns:adec="http://schemas.microsoft.com/office/drawing/2017/decorative" xmlns="" val="1"/>
               </a:ext>
             </a:extLst>
           </p:cNvPr>
@@ -4876,7 +4947,7 @@
           <p:nvPr>
             <p:extLst>
               <p:ext uri="{386F3935-93C4-4BCD-93E2-E3B085C9AB24}">
-                <p16:designElem xmlns:p16="http://schemas.microsoft.com/office/powerpoint/2015/main" val="1"/>
+                <p16:designElem xmlns:p16="http://schemas.microsoft.com/office/powerpoint/2015/main" xmlns="" val="1"/>
               </p:ext>
             </p:extLst>
           </p:nvPr>
@@ -4926,7 +4997,7 @@
           <p:cNvPr id="11" name="Picture 10">
             <a:extLst>
               <a:ext uri="{FF2B5EF4-FFF2-40B4-BE49-F238E27FC236}">
-                <a16:creationId xmlns:a16="http://schemas.microsoft.com/office/drawing/2014/main" id="{1CBEA8AF-1AFD-1074-797D-578959CEA721}"/>
+                <a16:creationId xmlns:a16="http://schemas.microsoft.com/office/drawing/2014/main" xmlns="" id="{1CBEA8AF-1AFD-1074-797D-578959CEA721}"/>
               </a:ext>
             </a:extLst>
           </p:cNvPr>
@@ -4961,6 +5032,13 @@
   <p:clrMapOvr>
     <a:masterClrMapping/>
   </p:clrMapOvr>
+  <p:timing>
+    <p:tnLst>
+      <p:par>
+        <p:cTn id="1" dur="indefinite" restart="never" nodeType="tmRoot"/>
+      </p:par>
+    </p:tnLst>
+  </p:timing>
 </p:sld>
 </file>
 
@@ -4994,10 +5072,10 @@
           <p:cNvPr id="41" name="Rectangle 40">
             <a:extLst>
               <a:ext uri="{FF2B5EF4-FFF2-40B4-BE49-F238E27FC236}">
-                <a16:creationId xmlns:a16="http://schemas.microsoft.com/office/drawing/2014/main" id="{9E90EB45-EEE9-4563-8179-65EF62AE0978}"/>
+                <a16:creationId xmlns:a16="http://schemas.microsoft.com/office/drawing/2014/main" xmlns="" id="{9E90EB45-EEE9-4563-8179-65EF62AE0978}"/>
               </a:ext>
               <a:ext uri="{C183D7F6-B498-43B3-948B-1728B52AA6E4}">
-                <adec:decorative xmlns:adec="http://schemas.microsoft.com/office/drawing/2017/decorative" val="1"/>
+                <adec:decorative xmlns:adec="http://schemas.microsoft.com/office/drawing/2017/decorative" xmlns="" val="1"/>
               </a:ext>
             </a:extLst>
           </p:cNvPr>
@@ -5007,7 +5085,7 @@
           <p:nvPr>
             <p:extLst>
               <p:ext uri="{386F3935-93C4-4BCD-93E2-E3B085C9AB24}">
-                <p16:designElem xmlns:p16="http://schemas.microsoft.com/office/powerpoint/2015/main" val="1"/>
+                <p16:designElem xmlns:p16="http://schemas.microsoft.com/office/powerpoint/2015/main" xmlns="" val="1"/>
               </p:ext>
             </p:extLst>
           </p:nvPr>
@@ -5057,7 +5135,7 @@
           <p:cNvPr id="12" name="Picture 11">
             <a:extLst>
               <a:ext uri="{FF2B5EF4-FFF2-40B4-BE49-F238E27FC236}">
-                <a16:creationId xmlns:a16="http://schemas.microsoft.com/office/drawing/2014/main" id="{C1DB73AE-E596-52D0-4F67-497A81E0AC79}"/>
+                <a16:creationId xmlns:a16="http://schemas.microsoft.com/office/drawing/2014/main" xmlns="" id="{C1DB73AE-E596-52D0-4F67-497A81E0AC79}"/>
               </a:ext>
             </a:extLst>
           </p:cNvPr>
@@ -5087,10 +5165,10 @@
           <p:cNvPr id="43" name="Rectangle 42">
             <a:extLst>
               <a:ext uri="{FF2B5EF4-FFF2-40B4-BE49-F238E27FC236}">
-                <a16:creationId xmlns:a16="http://schemas.microsoft.com/office/drawing/2014/main" id="{23D0EF74-AD1E-4FD9-914D-8EC9058EBBA3}"/>
+                <a16:creationId xmlns:a16="http://schemas.microsoft.com/office/drawing/2014/main" xmlns="" id="{23D0EF74-AD1E-4FD9-914D-8EC9058EBBA3}"/>
               </a:ext>
               <a:ext uri="{C183D7F6-B498-43B3-948B-1728B52AA6E4}">
-                <adec:decorative xmlns:adec="http://schemas.microsoft.com/office/drawing/2017/decorative" val="1"/>
+                <adec:decorative xmlns:adec="http://schemas.microsoft.com/office/drawing/2017/decorative" xmlns="" val="1"/>
               </a:ext>
             </a:extLst>
           </p:cNvPr>
@@ -5100,7 +5178,7 @@
           <p:nvPr>
             <p:extLst>
               <p:ext uri="{386F3935-93C4-4BCD-93E2-E3B085C9AB24}">
-                <p16:designElem xmlns:p16="http://schemas.microsoft.com/office/powerpoint/2015/main" val="1"/>
+                <p16:designElem xmlns:p16="http://schemas.microsoft.com/office/powerpoint/2015/main" xmlns="" val="1"/>
               </p:ext>
             </p:extLst>
           </p:nvPr>
@@ -5150,7 +5228,7 @@
           <p:cNvPr id="16" name="Picture 15">
             <a:extLst>
               <a:ext uri="{FF2B5EF4-FFF2-40B4-BE49-F238E27FC236}">
-                <a16:creationId xmlns:a16="http://schemas.microsoft.com/office/drawing/2014/main" id="{09D380A8-325A-10A1-1C6E-87CF26672F93}"/>
+                <a16:creationId xmlns:a16="http://schemas.microsoft.com/office/drawing/2014/main" xmlns="" id="{09D380A8-325A-10A1-1C6E-87CF26672F93}"/>
               </a:ext>
             </a:extLst>
           </p:cNvPr>
@@ -5185,6 +5263,13 @@
   <p:clrMapOvr>
     <a:masterClrMapping/>
   </p:clrMapOvr>
+  <p:timing>
+    <p:tnLst>
+      <p:par>
+        <p:cTn id="1" dur="indefinite" restart="never" nodeType="tmRoot"/>
+      </p:par>
+    </p:tnLst>
+  </p:timing>
 </p:sld>
 </file>
 
@@ -5218,10 +5303,10 @@
           <p:cNvPr id="48" name="Rectangle 47">
             <a:extLst>
               <a:ext uri="{FF2B5EF4-FFF2-40B4-BE49-F238E27FC236}">
-                <a16:creationId xmlns:a16="http://schemas.microsoft.com/office/drawing/2014/main" id="{9E90EB45-EEE9-4563-8179-65EF62AE0978}"/>
+                <a16:creationId xmlns:a16="http://schemas.microsoft.com/office/drawing/2014/main" xmlns="" id="{9E90EB45-EEE9-4563-8179-65EF62AE0978}"/>
               </a:ext>
               <a:ext uri="{C183D7F6-B498-43B3-948B-1728B52AA6E4}">
-                <adec:decorative xmlns:adec="http://schemas.microsoft.com/office/drawing/2017/decorative" val="1"/>
+                <adec:decorative xmlns:adec="http://schemas.microsoft.com/office/drawing/2017/decorative" xmlns="" val="1"/>
               </a:ext>
             </a:extLst>
           </p:cNvPr>
@@ -5231,7 +5316,7 @@
           <p:nvPr>
             <p:extLst>
               <p:ext uri="{386F3935-93C4-4BCD-93E2-E3B085C9AB24}">
-                <p16:designElem xmlns:p16="http://schemas.microsoft.com/office/powerpoint/2015/main" val="1"/>
+                <p16:designElem xmlns:p16="http://schemas.microsoft.com/office/powerpoint/2015/main" xmlns="" val="1"/>
               </p:ext>
             </p:extLst>
           </p:nvPr>
@@ -5281,7 +5366,7 @@
           <p:cNvPr id="11" name="Picture 10">
             <a:extLst>
               <a:ext uri="{FF2B5EF4-FFF2-40B4-BE49-F238E27FC236}">
-                <a16:creationId xmlns:a16="http://schemas.microsoft.com/office/drawing/2014/main" id="{83AD9DF1-D359-ED85-3155-A0736E4ECA97}"/>
+                <a16:creationId xmlns:a16="http://schemas.microsoft.com/office/drawing/2014/main" xmlns="" id="{83AD9DF1-D359-ED85-3155-A0736E4ECA97}"/>
               </a:ext>
             </a:extLst>
           </p:cNvPr>
@@ -5311,10 +5396,10 @@
           <p:cNvPr id="50" name="Rectangle 49">
             <a:extLst>
               <a:ext uri="{FF2B5EF4-FFF2-40B4-BE49-F238E27FC236}">
-                <a16:creationId xmlns:a16="http://schemas.microsoft.com/office/drawing/2014/main" id="{23D0EF74-AD1E-4FD9-914D-8EC9058EBBA3}"/>
+                <a16:creationId xmlns:a16="http://schemas.microsoft.com/office/drawing/2014/main" xmlns="" id="{23D0EF74-AD1E-4FD9-914D-8EC9058EBBA3}"/>
               </a:ext>
               <a:ext uri="{C183D7F6-B498-43B3-948B-1728B52AA6E4}">
-                <adec:decorative xmlns:adec="http://schemas.microsoft.com/office/drawing/2017/decorative" val="1"/>
+                <adec:decorative xmlns:adec="http://schemas.microsoft.com/office/drawing/2017/decorative" xmlns="" val="1"/>
               </a:ext>
             </a:extLst>
           </p:cNvPr>
@@ -5324,7 +5409,7 @@
           <p:nvPr>
             <p:extLst>
               <p:ext uri="{386F3935-93C4-4BCD-93E2-E3B085C9AB24}">
-                <p16:designElem xmlns:p16="http://schemas.microsoft.com/office/powerpoint/2015/main" val="1"/>
+                <p16:designElem xmlns:p16="http://schemas.microsoft.com/office/powerpoint/2015/main" xmlns="" val="1"/>
               </p:ext>
             </p:extLst>
           </p:nvPr>
@@ -5374,7 +5459,7 @@
           <p:cNvPr id="9" name="Picture 8">
             <a:extLst>
               <a:ext uri="{FF2B5EF4-FFF2-40B4-BE49-F238E27FC236}">
-                <a16:creationId xmlns:a16="http://schemas.microsoft.com/office/drawing/2014/main" id="{69F66114-6CF8-0D24-0651-35D508887C2E}"/>
+                <a16:creationId xmlns:a16="http://schemas.microsoft.com/office/drawing/2014/main" xmlns="" id="{69F66114-6CF8-0D24-0651-35D508887C2E}"/>
               </a:ext>
             </a:extLst>
           </p:cNvPr>
@@ -5409,6 +5494,13 @@
   <p:clrMapOvr>
     <a:masterClrMapping/>
   </p:clrMapOvr>
+  <p:timing>
+    <p:tnLst>
+      <p:par>
+        <p:cTn id="1" dur="indefinite" restart="never" nodeType="tmRoot"/>
+      </p:par>
+    </p:tnLst>
+  </p:timing>
 </p:sld>
 </file>
 
@@ -5442,10 +5534,10 @@
           <p:cNvPr id="48" name="Rectangle 47">
             <a:extLst>
               <a:ext uri="{FF2B5EF4-FFF2-40B4-BE49-F238E27FC236}">
-                <a16:creationId xmlns:a16="http://schemas.microsoft.com/office/drawing/2014/main" id="{9E90EB45-EEE9-4563-8179-65EF62AE0978}"/>
+                <a16:creationId xmlns:a16="http://schemas.microsoft.com/office/drawing/2014/main" xmlns="" id="{9E90EB45-EEE9-4563-8179-65EF62AE0978}"/>
               </a:ext>
               <a:ext uri="{C183D7F6-B498-43B3-948B-1728B52AA6E4}">
-                <adec:decorative xmlns:adec="http://schemas.microsoft.com/office/drawing/2017/decorative" val="1"/>
+                <adec:decorative xmlns:adec="http://schemas.microsoft.com/office/drawing/2017/decorative" xmlns="" val="1"/>
               </a:ext>
             </a:extLst>
           </p:cNvPr>
@@ -5455,7 +5547,7 @@
           <p:nvPr>
             <p:extLst>
               <p:ext uri="{386F3935-93C4-4BCD-93E2-E3B085C9AB24}">
-                <p16:designElem xmlns:p16="http://schemas.microsoft.com/office/powerpoint/2015/main" val="1"/>
+                <p16:designElem xmlns:p16="http://schemas.microsoft.com/office/powerpoint/2015/main" xmlns="" val="1"/>
               </p:ext>
             </p:extLst>
           </p:nvPr>
@@ -5505,7 +5597,7 @@
           <p:cNvPr id="9" name="Picture 8">
             <a:extLst>
               <a:ext uri="{FF2B5EF4-FFF2-40B4-BE49-F238E27FC236}">
-                <a16:creationId xmlns:a16="http://schemas.microsoft.com/office/drawing/2014/main" id="{C989E38B-7248-9F4C-56D8-9EA19FE3431B}"/>
+                <a16:creationId xmlns:a16="http://schemas.microsoft.com/office/drawing/2014/main" xmlns="" id="{C989E38B-7248-9F4C-56D8-9EA19FE3431B}"/>
               </a:ext>
             </a:extLst>
           </p:cNvPr>
@@ -5535,10 +5627,10 @@
           <p:cNvPr id="50" name="Rectangle 49">
             <a:extLst>
               <a:ext uri="{FF2B5EF4-FFF2-40B4-BE49-F238E27FC236}">
-                <a16:creationId xmlns:a16="http://schemas.microsoft.com/office/drawing/2014/main" id="{23D0EF74-AD1E-4FD9-914D-8EC9058EBBA3}"/>
+                <a16:creationId xmlns:a16="http://schemas.microsoft.com/office/drawing/2014/main" xmlns="" id="{23D0EF74-AD1E-4FD9-914D-8EC9058EBBA3}"/>
               </a:ext>
               <a:ext uri="{C183D7F6-B498-43B3-948B-1728B52AA6E4}">
-                <adec:decorative xmlns:adec="http://schemas.microsoft.com/office/drawing/2017/decorative" val="1"/>
+                <adec:decorative xmlns:adec="http://schemas.microsoft.com/office/drawing/2017/decorative" xmlns="" val="1"/>
               </a:ext>
             </a:extLst>
           </p:cNvPr>
@@ -5548,7 +5640,7 @@
           <p:nvPr>
             <p:extLst>
               <p:ext uri="{386F3935-93C4-4BCD-93E2-E3B085C9AB24}">
-                <p16:designElem xmlns:p16="http://schemas.microsoft.com/office/powerpoint/2015/main" val="1"/>
+                <p16:designElem xmlns:p16="http://schemas.microsoft.com/office/powerpoint/2015/main" xmlns="" val="1"/>
               </p:ext>
             </p:extLst>
           </p:nvPr>
@@ -5598,7 +5690,7 @@
           <p:cNvPr id="7" name="Picture 6">
             <a:extLst>
               <a:ext uri="{FF2B5EF4-FFF2-40B4-BE49-F238E27FC236}">
-                <a16:creationId xmlns:a16="http://schemas.microsoft.com/office/drawing/2014/main" id="{9F4FA470-6BE2-A98A-62EC-B4AAB5A9F8C0}"/>
+                <a16:creationId xmlns:a16="http://schemas.microsoft.com/office/drawing/2014/main" xmlns="" id="{9F4FA470-6BE2-A98A-62EC-B4AAB5A9F8C0}"/>
               </a:ext>
             </a:extLst>
           </p:cNvPr>
@@ -5633,6 +5725,13 @@
   <p:clrMapOvr>
     <a:masterClrMapping/>
   </p:clrMapOvr>
+  <p:timing>
+    <p:tnLst>
+      <p:par>
+        <p:cTn id="1" dur="indefinite" restart="never" nodeType="tmRoot"/>
+      </p:par>
+    </p:tnLst>
+  </p:timing>
 </p:sld>
 </file>
 
@@ -5666,10 +5765,10 @@
           <p:cNvPr id="48" name="Rectangle 47">
             <a:extLst>
               <a:ext uri="{FF2B5EF4-FFF2-40B4-BE49-F238E27FC236}">
-                <a16:creationId xmlns:a16="http://schemas.microsoft.com/office/drawing/2014/main" id="{9E90EB45-EEE9-4563-8179-65EF62AE0978}"/>
+                <a16:creationId xmlns:a16="http://schemas.microsoft.com/office/drawing/2014/main" xmlns="" id="{9E90EB45-EEE9-4563-8179-65EF62AE0978}"/>
               </a:ext>
               <a:ext uri="{C183D7F6-B498-43B3-948B-1728B52AA6E4}">
-                <adec:decorative xmlns:adec="http://schemas.microsoft.com/office/drawing/2017/decorative" val="1"/>
+                <adec:decorative xmlns:adec="http://schemas.microsoft.com/office/drawing/2017/decorative" xmlns="" val="1"/>
               </a:ext>
             </a:extLst>
           </p:cNvPr>
@@ -5679,7 +5778,7 @@
           <p:nvPr>
             <p:extLst>
               <p:ext uri="{386F3935-93C4-4BCD-93E2-E3B085C9AB24}">
-                <p16:designElem xmlns:p16="http://schemas.microsoft.com/office/powerpoint/2015/main" val="1"/>
+                <p16:designElem xmlns:p16="http://schemas.microsoft.com/office/powerpoint/2015/main" xmlns="" val="1"/>
               </p:ext>
             </p:extLst>
           </p:nvPr>
@@ -5729,7 +5828,7 @@
           <p:cNvPr id="9" name="Picture 8">
             <a:extLst>
               <a:ext uri="{FF2B5EF4-FFF2-40B4-BE49-F238E27FC236}">
-                <a16:creationId xmlns:a16="http://schemas.microsoft.com/office/drawing/2014/main" id="{38AA44BC-F4CB-608D-49C7-384F5C241E1A}"/>
+                <a16:creationId xmlns:a16="http://schemas.microsoft.com/office/drawing/2014/main" xmlns="" id="{38AA44BC-F4CB-608D-49C7-384F5C241E1A}"/>
               </a:ext>
             </a:extLst>
           </p:cNvPr>
@@ -5759,10 +5858,10 @@
           <p:cNvPr id="50" name="Rectangle 49">
             <a:extLst>
               <a:ext uri="{FF2B5EF4-FFF2-40B4-BE49-F238E27FC236}">
-                <a16:creationId xmlns:a16="http://schemas.microsoft.com/office/drawing/2014/main" id="{23D0EF74-AD1E-4FD9-914D-8EC9058EBBA3}"/>
+                <a16:creationId xmlns:a16="http://schemas.microsoft.com/office/drawing/2014/main" xmlns="" id="{23D0EF74-AD1E-4FD9-914D-8EC9058EBBA3}"/>
               </a:ext>
               <a:ext uri="{C183D7F6-B498-43B3-948B-1728B52AA6E4}">
-                <adec:decorative xmlns:adec="http://schemas.microsoft.com/office/drawing/2017/decorative" val="1"/>
+                <adec:decorative xmlns:adec="http://schemas.microsoft.com/office/drawing/2017/decorative" xmlns="" val="1"/>
               </a:ext>
             </a:extLst>
           </p:cNvPr>
@@ -5772,7 +5871,7 @@
           <p:nvPr>
             <p:extLst>
               <p:ext uri="{386F3935-93C4-4BCD-93E2-E3B085C9AB24}">
-                <p16:designElem xmlns:p16="http://schemas.microsoft.com/office/powerpoint/2015/main" val="1"/>
+                <p16:designElem xmlns:p16="http://schemas.microsoft.com/office/powerpoint/2015/main" xmlns="" val="1"/>
               </p:ext>
             </p:extLst>
           </p:nvPr>
@@ -5822,7 +5921,7 @@
           <p:cNvPr id="7" name="Picture 6">
             <a:extLst>
               <a:ext uri="{FF2B5EF4-FFF2-40B4-BE49-F238E27FC236}">
-                <a16:creationId xmlns:a16="http://schemas.microsoft.com/office/drawing/2014/main" id="{CC0AD45C-A4B3-E0F9-6BAB-4E270A55E634}"/>
+                <a16:creationId xmlns:a16="http://schemas.microsoft.com/office/drawing/2014/main" xmlns="" id="{CC0AD45C-A4B3-E0F9-6BAB-4E270A55E634}"/>
               </a:ext>
             </a:extLst>
           </p:cNvPr>
@@ -5857,6 +5956,13 @@
   <p:clrMapOvr>
     <a:masterClrMapping/>
   </p:clrMapOvr>
+  <p:timing>
+    <p:tnLst>
+      <p:par>
+        <p:cTn id="1" dur="indefinite" restart="never" nodeType="tmRoot"/>
+      </p:par>
+    </p:tnLst>
+  </p:timing>
 </p:sld>
 </file>
 
@@ -5882,7 +5988,7 @@
           <p:cNvPr id="2" name="Title 1">
             <a:extLst>
               <a:ext uri="{FF2B5EF4-FFF2-40B4-BE49-F238E27FC236}">
-                <a16:creationId xmlns:a16="http://schemas.microsoft.com/office/drawing/2014/main" id="{36E77018-4969-BE45-0F12-FF54157C4B6D}"/>
+                <a16:creationId xmlns:a16="http://schemas.microsoft.com/office/drawing/2014/main" xmlns="" id="{36E77018-4969-BE45-0F12-FF54157C4B6D}"/>
               </a:ext>
             </a:extLst>
           </p:cNvPr>
@@ -5911,7 +6017,7 @@
           <p:cNvPr id="5" name="Content Placeholder 4">
             <a:extLst>
               <a:ext uri="{FF2B5EF4-FFF2-40B4-BE49-F238E27FC236}">
-                <a16:creationId xmlns:a16="http://schemas.microsoft.com/office/drawing/2014/main" id="{1843ABC1-4CB6-5326-4746-2ABE3D9E9105}"/>
+                <a16:creationId xmlns:a16="http://schemas.microsoft.com/office/drawing/2014/main" xmlns="" id="{1843ABC1-4CB6-5326-4746-2ABE3D9E9105}"/>
               </a:ext>
             </a:extLst>
           </p:cNvPr>
@@ -5940,7 +6046,7 @@
           <p:cNvPr id="6" name="TextBox 5">
             <a:extLst>
               <a:ext uri="{FF2B5EF4-FFF2-40B4-BE49-F238E27FC236}">
-                <a16:creationId xmlns:a16="http://schemas.microsoft.com/office/drawing/2014/main" id="{23834D75-3488-A878-D722-8DF04B15669A}"/>
+                <a16:creationId xmlns:a16="http://schemas.microsoft.com/office/drawing/2014/main" xmlns="" id="{23834D75-3488-A878-D722-8DF04B15669A}"/>
               </a:ext>
             </a:extLst>
           </p:cNvPr>
@@ -6015,6 +6121,13 @@
   <p:clrMapOvr>
     <a:masterClrMapping/>
   </p:clrMapOvr>
+  <p:timing>
+    <p:tnLst>
+      <p:par>
+        <p:cTn id="1" dur="indefinite" restart="never" nodeType="tmRoot"/>
+      </p:par>
+    </p:tnLst>
+  </p:timing>
 </p:sld>
 </file>
 
@@ -6048,10 +6161,10 @@
           <p:cNvPr id="48" name="Rectangle 47">
             <a:extLst>
               <a:ext uri="{FF2B5EF4-FFF2-40B4-BE49-F238E27FC236}">
-                <a16:creationId xmlns:a16="http://schemas.microsoft.com/office/drawing/2014/main" id="{9E90EB45-EEE9-4563-8179-65EF62AE0978}"/>
+                <a16:creationId xmlns:a16="http://schemas.microsoft.com/office/drawing/2014/main" xmlns="" id="{9E90EB45-EEE9-4563-8179-65EF62AE0978}"/>
               </a:ext>
               <a:ext uri="{C183D7F6-B498-43B3-948B-1728B52AA6E4}">
-                <adec:decorative xmlns:adec="http://schemas.microsoft.com/office/drawing/2017/decorative" val="1"/>
+                <adec:decorative xmlns:adec="http://schemas.microsoft.com/office/drawing/2017/decorative" xmlns="" val="1"/>
               </a:ext>
             </a:extLst>
           </p:cNvPr>
@@ -6061,7 +6174,7 @@
           <p:nvPr>
             <p:extLst>
               <p:ext uri="{386F3935-93C4-4BCD-93E2-E3B085C9AB24}">
-                <p16:designElem xmlns:p16="http://schemas.microsoft.com/office/powerpoint/2015/main" val="1"/>
+                <p16:designElem xmlns:p16="http://schemas.microsoft.com/office/powerpoint/2015/main" xmlns="" val="1"/>
               </p:ext>
             </p:extLst>
           </p:nvPr>
@@ -6111,7 +6224,7 @@
           <p:cNvPr id="9" name="Picture 8">
             <a:extLst>
               <a:ext uri="{FF2B5EF4-FFF2-40B4-BE49-F238E27FC236}">
-                <a16:creationId xmlns:a16="http://schemas.microsoft.com/office/drawing/2014/main" id="{C31CC77C-BEB7-C08F-C765-68F0D39CE5C9}"/>
+                <a16:creationId xmlns:a16="http://schemas.microsoft.com/office/drawing/2014/main" xmlns="" id="{C31CC77C-BEB7-C08F-C765-68F0D39CE5C9}"/>
               </a:ext>
             </a:extLst>
           </p:cNvPr>
@@ -6141,10 +6254,10 @@
           <p:cNvPr id="50" name="Rectangle 49">
             <a:extLst>
               <a:ext uri="{FF2B5EF4-FFF2-40B4-BE49-F238E27FC236}">
-                <a16:creationId xmlns:a16="http://schemas.microsoft.com/office/drawing/2014/main" id="{23D0EF74-AD1E-4FD9-914D-8EC9058EBBA3}"/>
+                <a16:creationId xmlns:a16="http://schemas.microsoft.com/office/drawing/2014/main" xmlns="" id="{23D0EF74-AD1E-4FD9-914D-8EC9058EBBA3}"/>
               </a:ext>
               <a:ext uri="{C183D7F6-B498-43B3-948B-1728B52AA6E4}">
-                <adec:decorative xmlns:adec="http://schemas.microsoft.com/office/drawing/2017/decorative" val="1"/>
+                <adec:decorative xmlns:adec="http://schemas.microsoft.com/office/drawing/2017/decorative" xmlns="" val="1"/>
               </a:ext>
             </a:extLst>
           </p:cNvPr>
@@ -6154,7 +6267,7 @@
           <p:nvPr>
             <p:extLst>
               <p:ext uri="{386F3935-93C4-4BCD-93E2-E3B085C9AB24}">
-                <p16:designElem xmlns:p16="http://schemas.microsoft.com/office/powerpoint/2015/main" val="1"/>
+                <p16:designElem xmlns:p16="http://schemas.microsoft.com/office/powerpoint/2015/main" xmlns="" val="1"/>
               </p:ext>
             </p:extLst>
           </p:nvPr>
@@ -6204,7 +6317,7 @@
           <p:cNvPr id="7" name="Picture 6">
             <a:extLst>
               <a:ext uri="{FF2B5EF4-FFF2-40B4-BE49-F238E27FC236}">
-                <a16:creationId xmlns:a16="http://schemas.microsoft.com/office/drawing/2014/main" id="{FBABCDCA-3B1F-4EC6-24CB-A17796F27C15}"/>
+                <a16:creationId xmlns:a16="http://schemas.microsoft.com/office/drawing/2014/main" xmlns="" id="{FBABCDCA-3B1F-4EC6-24CB-A17796F27C15}"/>
               </a:ext>
             </a:extLst>
           </p:cNvPr>
@@ -6239,6 +6352,13 @@
   <p:clrMapOvr>
     <a:masterClrMapping/>
   </p:clrMapOvr>
+  <p:timing>
+    <p:tnLst>
+      <p:par>
+        <p:cTn id="1" dur="indefinite" restart="never" nodeType="tmRoot"/>
+      </p:par>
+    </p:tnLst>
+  </p:timing>
 </p:sld>
 </file>
 
@@ -6272,10 +6392,10 @@
           <p:cNvPr id="55" name="Rectangle 54">
             <a:extLst>
               <a:ext uri="{FF2B5EF4-FFF2-40B4-BE49-F238E27FC236}">
-                <a16:creationId xmlns:a16="http://schemas.microsoft.com/office/drawing/2014/main" id="{32BC26D8-82FB-445E-AA49-62A77D7C1EE0}"/>
+                <a16:creationId xmlns:a16="http://schemas.microsoft.com/office/drawing/2014/main" xmlns="" id="{32BC26D8-82FB-445E-AA49-62A77D7C1EE0}"/>
               </a:ext>
               <a:ext uri="{C183D7F6-B498-43B3-948B-1728B52AA6E4}">
-                <adec:decorative xmlns:adec="http://schemas.microsoft.com/office/drawing/2017/decorative" val="1"/>
+                <adec:decorative xmlns:adec="http://schemas.microsoft.com/office/drawing/2017/decorative" xmlns="" val="1"/>
               </a:ext>
             </a:extLst>
           </p:cNvPr>
@@ -6285,7 +6405,7 @@
           <p:nvPr>
             <p:extLst>
               <p:ext uri="{386F3935-93C4-4BCD-93E2-E3B085C9AB24}">
-                <p16:designElem xmlns:p16="http://schemas.microsoft.com/office/powerpoint/2015/main" val="1"/>
+                <p16:designElem xmlns:p16="http://schemas.microsoft.com/office/powerpoint/2015/main" xmlns="" val="1"/>
               </p:ext>
             </p:extLst>
           </p:nvPr>
@@ -6338,10 +6458,10 @@
           <p:cNvPr id="57" name="Rectangle 56">
             <a:extLst>
               <a:ext uri="{FF2B5EF4-FFF2-40B4-BE49-F238E27FC236}">
-                <a16:creationId xmlns:a16="http://schemas.microsoft.com/office/drawing/2014/main" id="{CB44330D-EA18-4254-AA95-EB49948539B8}"/>
+                <a16:creationId xmlns:a16="http://schemas.microsoft.com/office/drawing/2014/main" xmlns="" id="{CB44330D-EA18-4254-AA95-EB49948539B8}"/>
               </a:ext>
               <a:ext uri="{C183D7F6-B498-43B3-948B-1728B52AA6E4}">
-                <adec:decorative xmlns:adec="http://schemas.microsoft.com/office/drawing/2017/decorative" val="1"/>
+                <adec:decorative xmlns:adec="http://schemas.microsoft.com/office/drawing/2017/decorative" xmlns="" val="1"/>
               </a:ext>
             </a:extLst>
           </p:cNvPr>
@@ -6351,7 +6471,7 @@
           <p:nvPr>
             <p:extLst>
               <p:ext uri="{386F3935-93C4-4BCD-93E2-E3B085C9AB24}">
-                <p16:designElem xmlns:p16="http://schemas.microsoft.com/office/powerpoint/2015/main" val="1"/>
+                <p16:designElem xmlns:p16="http://schemas.microsoft.com/office/powerpoint/2015/main" xmlns="" val="1"/>
               </p:ext>
             </p:extLst>
           </p:nvPr>
@@ -6401,7 +6521,7 @@
           <p:cNvPr id="31" name="Picture 30">
             <a:extLst>
               <a:ext uri="{FF2B5EF4-FFF2-40B4-BE49-F238E27FC236}">
-                <a16:creationId xmlns:a16="http://schemas.microsoft.com/office/drawing/2014/main" id="{46DE8AF6-5EA5-A304-E987-0A54D353F05C}"/>
+                <a16:creationId xmlns:a16="http://schemas.microsoft.com/office/drawing/2014/main" xmlns="" id="{46DE8AF6-5EA5-A304-E987-0A54D353F05C}"/>
               </a:ext>
             </a:extLst>
           </p:cNvPr>
@@ -6431,7 +6551,7 @@
           <p:cNvPr id="42" name="Group 41">
             <a:extLst>
               <a:ext uri="{FF2B5EF4-FFF2-40B4-BE49-F238E27FC236}">
-                <a16:creationId xmlns:a16="http://schemas.microsoft.com/office/drawing/2014/main" id="{441BB549-9EFF-41FF-2B8A-E018EC1DD753}"/>
+                <a16:creationId xmlns:a16="http://schemas.microsoft.com/office/drawing/2014/main" xmlns="" id="{441BB549-9EFF-41FF-2B8A-E018EC1DD753}"/>
               </a:ext>
             </a:extLst>
           </p:cNvPr>
@@ -6453,7 +6573,7 @@
                 <p14:cNvPr id="34" name="Ink 33">
                   <a:extLst>
                     <a:ext uri="{FF2B5EF4-FFF2-40B4-BE49-F238E27FC236}">
-                      <a16:creationId xmlns:a16="http://schemas.microsoft.com/office/drawing/2014/main" id="{0802194E-E619-7BCA-F7E6-3BA4000E5342}"/>
+                      <a16:creationId xmlns:a16="http://schemas.microsoft.com/office/drawing/2014/main" xmlns="" id="{0802194E-E619-7BCA-F7E6-3BA4000E5342}"/>
                     </a:ext>
                   </a:extLst>
                 </p14:cNvPr>
@@ -6504,7 +6624,7 @@
                 <p14:cNvPr id="35" name="Ink 34">
                   <a:extLst>
                     <a:ext uri="{FF2B5EF4-FFF2-40B4-BE49-F238E27FC236}">
-                      <a16:creationId xmlns:a16="http://schemas.microsoft.com/office/drawing/2014/main" id="{CE663C6E-1FF1-2897-782B-0EC42870CD10}"/>
+                      <a16:creationId xmlns:a16="http://schemas.microsoft.com/office/drawing/2014/main" xmlns="" id="{CE663C6E-1FF1-2897-782B-0EC42870CD10}"/>
                     </a:ext>
                   </a:extLst>
                 </p14:cNvPr>
@@ -6554,7 +6674,7 @@
           <p:cNvPr id="41" name="Group 40">
             <a:extLst>
               <a:ext uri="{FF2B5EF4-FFF2-40B4-BE49-F238E27FC236}">
-                <a16:creationId xmlns:a16="http://schemas.microsoft.com/office/drawing/2014/main" id="{3130D385-AE6A-EA49-B032-9DABBF315ACF}"/>
+                <a16:creationId xmlns:a16="http://schemas.microsoft.com/office/drawing/2014/main" xmlns="" id="{3130D385-AE6A-EA49-B032-9DABBF315ACF}"/>
               </a:ext>
             </a:extLst>
           </p:cNvPr>
@@ -6576,7 +6696,7 @@
                 <p14:cNvPr id="36" name="Ink 35">
                   <a:extLst>
                     <a:ext uri="{FF2B5EF4-FFF2-40B4-BE49-F238E27FC236}">
-                      <a16:creationId xmlns:a16="http://schemas.microsoft.com/office/drawing/2014/main" id="{7B2BC853-6A2C-27D4-CE0D-9863E52D77FF}"/>
+                      <a16:creationId xmlns:a16="http://schemas.microsoft.com/office/drawing/2014/main" xmlns="" id="{7B2BC853-6A2C-27D4-CE0D-9863E52D77FF}"/>
                     </a:ext>
                   </a:extLst>
                 </p14:cNvPr>
@@ -6627,7 +6747,7 @@
                 <p14:cNvPr id="37" name="Ink 36">
                   <a:extLst>
                     <a:ext uri="{FF2B5EF4-FFF2-40B4-BE49-F238E27FC236}">
-                      <a16:creationId xmlns:a16="http://schemas.microsoft.com/office/drawing/2014/main" id="{3EBFC42C-980A-7231-FA1C-E0C31368EBF0}"/>
+                      <a16:creationId xmlns:a16="http://schemas.microsoft.com/office/drawing/2014/main" xmlns="" id="{3EBFC42C-980A-7231-FA1C-E0C31368EBF0}"/>
                     </a:ext>
                   </a:extLst>
                 </p14:cNvPr>
@@ -6677,7 +6797,7 @@
           <p:cNvPr id="45" name="Group 44">
             <a:extLst>
               <a:ext uri="{FF2B5EF4-FFF2-40B4-BE49-F238E27FC236}">
-                <a16:creationId xmlns:a16="http://schemas.microsoft.com/office/drawing/2014/main" id="{29025E9A-2B79-239E-EC11-FD79EB549079}"/>
+                <a16:creationId xmlns:a16="http://schemas.microsoft.com/office/drawing/2014/main" xmlns="" id="{29025E9A-2B79-239E-EC11-FD79EB549079}"/>
               </a:ext>
             </a:extLst>
           </p:cNvPr>
@@ -6699,7 +6819,7 @@
                 <p14:cNvPr id="38" name="Ink 37">
                   <a:extLst>
                     <a:ext uri="{FF2B5EF4-FFF2-40B4-BE49-F238E27FC236}">
-                      <a16:creationId xmlns:a16="http://schemas.microsoft.com/office/drawing/2014/main" id="{D1D783BE-A8A9-8BA5-DFC4-233BBF44E435}"/>
+                      <a16:creationId xmlns:a16="http://schemas.microsoft.com/office/drawing/2014/main" xmlns="" id="{D1D783BE-A8A9-8BA5-DFC4-233BBF44E435}"/>
                     </a:ext>
                   </a:extLst>
                 </p14:cNvPr>
@@ -6750,7 +6870,7 @@
                 <p14:cNvPr id="39" name="Ink 38">
                   <a:extLst>
                     <a:ext uri="{FF2B5EF4-FFF2-40B4-BE49-F238E27FC236}">
-                      <a16:creationId xmlns:a16="http://schemas.microsoft.com/office/drawing/2014/main" id="{0CDC1CA7-96DC-7C04-5005-D49A1BB305B6}"/>
+                      <a16:creationId xmlns:a16="http://schemas.microsoft.com/office/drawing/2014/main" xmlns="" id="{0CDC1CA7-96DC-7C04-5005-D49A1BB305B6}"/>
                     </a:ext>
                   </a:extLst>
                 </p14:cNvPr>
@@ -6801,7 +6921,7 @@
                 <p14:cNvPr id="43" name="Ink 42">
                   <a:extLst>
                     <a:ext uri="{FF2B5EF4-FFF2-40B4-BE49-F238E27FC236}">
-                      <a16:creationId xmlns:a16="http://schemas.microsoft.com/office/drawing/2014/main" id="{FFAC8CBE-ED8B-4047-104E-4B6B740A52F4}"/>
+                      <a16:creationId xmlns:a16="http://schemas.microsoft.com/office/drawing/2014/main" xmlns="" id="{FFAC8CBE-ED8B-4047-104E-4B6B740A52F4}"/>
                     </a:ext>
                   </a:extLst>
                 </p14:cNvPr>
@@ -6852,7 +6972,7 @@
                 <p14:cNvPr id="44" name="Ink 43">
                   <a:extLst>
                     <a:ext uri="{FF2B5EF4-FFF2-40B4-BE49-F238E27FC236}">
-                      <a16:creationId xmlns:a16="http://schemas.microsoft.com/office/drawing/2014/main" id="{A2E981AF-C77A-BAA4-75D8-072A6C3932E6}"/>
+                      <a16:creationId xmlns:a16="http://schemas.microsoft.com/office/drawing/2014/main" xmlns="" id="{A2E981AF-C77A-BAA4-75D8-072A6C3932E6}"/>
                     </a:ext>
                   </a:extLst>
                 </p14:cNvPr>
@@ -6902,7 +7022,7 @@
           <p:cNvPr id="56" name="Group 55">
             <a:extLst>
               <a:ext uri="{FF2B5EF4-FFF2-40B4-BE49-F238E27FC236}">
-                <a16:creationId xmlns:a16="http://schemas.microsoft.com/office/drawing/2014/main" id="{1413BEEA-AF5A-235D-9E6F-DC40C3A499C9}"/>
+                <a16:creationId xmlns:a16="http://schemas.microsoft.com/office/drawing/2014/main" xmlns="" id="{1413BEEA-AF5A-235D-9E6F-DC40C3A499C9}"/>
               </a:ext>
             </a:extLst>
           </p:cNvPr>
@@ -6924,7 +7044,7 @@
                 <p14:cNvPr id="46" name="Ink 45">
                   <a:extLst>
                     <a:ext uri="{FF2B5EF4-FFF2-40B4-BE49-F238E27FC236}">
-                      <a16:creationId xmlns:a16="http://schemas.microsoft.com/office/drawing/2014/main" id="{5F0B270A-6CCC-55B7-A2F9-83907A3C46F0}"/>
+                      <a16:creationId xmlns:a16="http://schemas.microsoft.com/office/drawing/2014/main" xmlns="" id="{5F0B270A-6CCC-55B7-A2F9-83907A3C46F0}"/>
                     </a:ext>
                   </a:extLst>
                 </p14:cNvPr>
@@ -6975,7 +7095,7 @@
                 <p14:cNvPr id="47" name="Ink 46">
                   <a:extLst>
                     <a:ext uri="{FF2B5EF4-FFF2-40B4-BE49-F238E27FC236}">
-                      <a16:creationId xmlns:a16="http://schemas.microsoft.com/office/drawing/2014/main" id="{1F7070A3-8367-E211-9C2F-76B8FB199520}"/>
+                      <a16:creationId xmlns:a16="http://schemas.microsoft.com/office/drawing/2014/main" xmlns="" id="{1F7070A3-8367-E211-9C2F-76B8FB199520}"/>
                     </a:ext>
                   </a:extLst>
                 </p14:cNvPr>
@@ -7026,7 +7146,7 @@
                 <p14:cNvPr id="51" name="Ink 50">
                   <a:extLst>
                     <a:ext uri="{FF2B5EF4-FFF2-40B4-BE49-F238E27FC236}">
-                      <a16:creationId xmlns:a16="http://schemas.microsoft.com/office/drawing/2014/main" id="{C0F5DFE4-311D-927F-8897-08A16E3A8BCF}"/>
+                      <a16:creationId xmlns:a16="http://schemas.microsoft.com/office/drawing/2014/main" xmlns="" id="{C0F5DFE4-311D-927F-8897-08A16E3A8BCF}"/>
                     </a:ext>
                   </a:extLst>
                 </p14:cNvPr>
@@ -7077,7 +7197,7 @@
                 <p14:cNvPr id="52" name="Ink 51">
                   <a:extLst>
                     <a:ext uri="{FF2B5EF4-FFF2-40B4-BE49-F238E27FC236}">
-                      <a16:creationId xmlns:a16="http://schemas.microsoft.com/office/drawing/2014/main" id="{EA7F4BF8-E8C5-C5FC-4E7C-C0AF8AC4390F}"/>
+                      <a16:creationId xmlns:a16="http://schemas.microsoft.com/office/drawing/2014/main" xmlns="" id="{EA7F4BF8-E8C5-C5FC-4E7C-C0AF8AC4390F}"/>
                     </a:ext>
                   </a:extLst>
                 </p14:cNvPr>
@@ -7128,7 +7248,7 @@
                 <p14:cNvPr id="53" name="Ink 52">
                   <a:extLst>
                     <a:ext uri="{FF2B5EF4-FFF2-40B4-BE49-F238E27FC236}">
-                      <a16:creationId xmlns:a16="http://schemas.microsoft.com/office/drawing/2014/main" id="{CE37ADC0-BCC9-7D5B-3F42-942CC11811B5}"/>
+                      <a16:creationId xmlns:a16="http://schemas.microsoft.com/office/drawing/2014/main" xmlns="" id="{CE37ADC0-BCC9-7D5B-3F42-942CC11811B5}"/>
                     </a:ext>
                   </a:extLst>
                 </p14:cNvPr>
@@ -7179,7 +7299,7 @@
                 <p14:cNvPr id="54" name="Ink 53">
                   <a:extLst>
                     <a:ext uri="{FF2B5EF4-FFF2-40B4-BE49-F238E27FC236}">
-                      <a16:creationId xmlns:a16="http://schemas.microsoft.com/office/drawing/2014/main" id="{426B0ECD-1FC3-9AD1-DC4A-CFA951DA4855}"/>
+                      <a16:creationId xmlns:a16="http://schemas.microsoft.com/office/drawing/2014/main" xmlns="" id="{426B0ECD-1FC3-9AD1-DC4A-CFA951DA4855}"/>
                     </a:ext>
                   </a:extLst>
                 </p14:cNvPr>
@@ -7229,7 +7349,7 @@
           <p:cNvPr id="63" name="Group 62">
             <a:extLst>
               <a:ext uri="{FF2B5EF4-FFF2-40B4-BE49-F238E27FC236}">
-                <a16:creationId xmlns:a16="http://schemas.microsoft.com/office/drawing/2014/main" id="{878E965F-43D1-5460-7F0E-6D5841D43525}"/>
+                <a16:creationId xmlns:a16="http://schemas.microsoft.com/office/drawing/2014/main" xmlns="" id="{878E965F-43D1-5460-7F0E-6D5841D43525}"/>
               </a:ext>
             </a:extLst>
           </p:cNvPr>
@@ -7251,7 +7371,7 @@
                 <p14:cNvPr id="58" name="Ink 57">
                   <a:extLst>
                     <a:ext uri="{FF2B5EF4-FFF2-40B4-BE49-F238E27FC236}">
-                      <a16:creationId xmlns:a16="http://schemas.microsoft.com/office/drawing/2014/main" id="{11F4C5E0-F84B-F68A-3E45-3CF0BA8B5BC3}"/>
+                      <a16:creationId xmlns:a16="http://schemas.microsoft.com/office/drawing/2014/main" xmlns="" id="{11F4C5E0-F84B-F68A-3E45-3CF0BA8B5BC3}"/>
                     </a:ext>
                   </a:extLst>
                 </p14:cNvPr>
@@ -7302,7 +7422,7 @@
                 <p14:cNvPr id="59" name="Ink 58">
                   <a:extLst>
                     <a:ext uri="{FF2B5EF4-FFF2-40B4-BE49-F238E27FC236}">
-                      <a16:creationId xmlns:a16="http://schemas.microsoft.com/office/drawing/2014/main" id="{4B5CFD31-249E-4163-742F-5B96C6A14A22}"/>
+                      <a16:creationId xmlns:a16="http://schemas.microsoft.com/office/drawing/2014/main" xmlns="" id="{4B5CFD31-249E-4163-742F-5B96C6A14A22}"/>
                     </a:ext>
                   </a:extLst>
                 </p14:cNvPr>
@@ -7353,7 +7473,7 @@
                 <p14:cNvPr id="61" name="Ink 60">
                   <a:extLst>
                     <a:ext uri="{FF2B5EF4-FFF2-40B4-BE49-F238E27FC236}">
-                      <a16:creationId xmlns:a16="http://schemas.microsoft.com/office/drawing/2014/main" id="{88BA0C94-5500-320E-A399-122E2B6CF627}"/>
+                      <a16:creationId xmlns:a16="http://schemas.microsoft.com/office/drawing/2014/main" xmlns="" id="{88BA0C94-5500-320E-A399-122E2B6CF627}"/>
                     </a:ext>
                   </a:extLst>
                 </p14:cNvPr>
@@ -7404,7 +7524,7 @@
                 <p14:cNvPr id="62" name="Ink 61">
                   <a:extLst>
                     <a:ext uri="{FF2B5EF4-FFF2-40B4-BE49-F238E27FC236}">
-                      <a16:creationId xmlns:a16="http://schemas.microsoft.com/office/drawing/2014/main" id="{690C9451-717C-53D2-A47A-981F5997FE88}"/>
+                      <a16:creationId xmlns:a16="http://schemas.microsoft.com/office/drawing/2014/main" xmlns="" id="{690C9451-717C-53D2-A47A-981F5997FE88}"/>
                     </a:ext>
                   </a:extLst>
                 </p14:cNvPr>
@@ -7456,7 +7576,7 @@
               <p14:cNvPr id="65" name="Ink 64">
                 <a:extLst>
                   <a:ext uri="{FF2B5EF4-FFF2-40B4-BE49-F238E27FC236}">
-                    <a16:creationId xmlns:a16="http://schemas.microsoft.com/office/drawing/2014/main" id="{8060818A-3028-6756-9604-9A19E0B5BB86}"/>
+                    <a16:creationId xmlns:a16="http://schemas.microsoft.com/office/drawing/2014/main" xmlns="" id="{8060818A-3028-6756-9604-9A19E0B5BB86}"/>
                   </a:ext>
                 </a:extLst>
               </p14:cNvPr>
@@ -7507,7 +7627,7 @@
               <p14:cNvPr id="66" name="Ink 65">
                 <a:extLst>
                   <a:ext uri="{FF2B5EF4-FFF2-40B4-BE49-F238E27FC236}">
-                    <a16:creationId xmlns:a16="http://schemas.microsoft.com/office/drawing/2014/main" id="{9A5D286F-2045-6986-6E01-FBCCBFFB2C9F}"/>
+                    <a16:creationId xmlns:a16="http://schemas.microsoft.com/office/drawing/2014/main" xmlns="" id="{9A5D286F-2045-6986-6E01-FBCCBFFB2C9F}"/>
                   </a:ext>
                 </a:extLst>
               </p14:cNvPr>
@@ -7558,7 +7678,7 @@
               <p14:cNvPr id="67" name="Ink 66">
                 <a:extLst>
                   <a:ext uri="{FF2B5EF4-FFF2-40B4-BE49-F238E27FC236}">
-                    <a16:creationId xmlns:a16="http://schemas.microsoft.com/office/drawing/2014/main" id="{4B116FDB-E9CA-59DB-F565-B242612B09B3}"/>
+                    <a16:creationId xmlns:a16="http://schemas.microsoft.com/office/drawing/2014/main" xmlns="" id="{4B116FDB-E9CA-59DB-F565-B242612B09B3}"/>
                   </a:ext>
                 </a:extLst>
               </p14:cNvPr>
@@ -7609,7 +7729,7 @@
               <p14:cNvPr id="68" name="Ink 67">
                 <a:extLst>
                   <a:ext uri="{FF2B5EF4-FFF2-40B4-BE49-F238E27FC236}">
-                    <a16:creationId xmlns:a16="http://schemas.microsoft.com/office/drawing/2014/main" id="{6293FAB4-9BD3-F736-88A5-6ADED0155856}"/>
+                    <a16:creationId xmlns:a16="http://schemas.microsoft.com/office/drawing/2014/main" xmlns="" id="{6293FAB4-9BD3-F736-88A5-6ADED0155856}"/>
                   </a:ext>
                 </a:extLst>
               </p14:cNvPr>
@@ -7663,6 +7783,13 @@
   <p:clrMapOvr>
     <a:masterClrMapping/>
   </p:clrMapOvr>
+  <p:timing>
+    <p:tnLst>
+      <p:par>
+        <p:cTn id="1" dur="indefinite" restart="never" nodeType="tmRoot"/>
+      </p:par>
+    </p:tnLst>
+  </p:timing>
 </p:sld>
 </file>
 
@@ -7696,10 +7823,10 @@
           <p:cNvPr id="48" name="Rectangle 47">
             <a:extLst>
               <a:ext uri="{FF2B5EF4-FFF2-40B4-BE49-F238E27FC236}">
-                <a16:creationId xmlns:a16="http://schemas.microsoft.com/office/drawing/2014/main" id="{32BC26D8-82FB-445E-AA49-62A77D7C1EE0}"/>
+                <a16:creationId xmlns:a16="http://schemas.microsoft.com/office/drawing/2014/main" xmlns="" id="{32BC26D8-82FB-445E-AA49-62A77D7C1EE0}"/>
               </a:ext>
               <a:ext uri="{C183D7F6-B498-43B3-948B-1728B52AA6E4}">
-                <adec:decorative xmlns:adec="http://schemas.microsoft.com/office/drawing/2017/decorative" val="1"/>
+                <adec:decorative xmlns:adec="http://schemas.microsoft.com/office/drawing/2017/decorative" xmlns="" val="1"/>
               </a:ext>
             </a:extLst>
           </p:cNvPr>
@@ -7709,7 +7836,7 @@
           <p:nvPr>
             <p:extLst>
               <p:ext uri="{386F3935-93C4-4BCD-93E2-E3B085C9AB24}">
-                <p16:designElem xmlns:p16="http://schemas.microsoft.com/office/powerpoint/2015/main" val="1"/>
+                <p16:designElem xmlns:p16="http://schemas.microsoft.com/office/powerpoint/2015/main" xmlns="" val="1"/>
               </p:ext>
             </p:extLst>
           </p:nvPr>
@@ -7762,10 +7889,10 @@
           <p:cNvPr id="50" name="Rectangle 49">
             <a:extLst>
               <a:ext uri="{FF2B5EF4-FFF2-40B4-BE49-F238E27FC236}">
-                <a16:creationId xmlns:a16="http://schemas.microsoft.com/office/drawing/2014/main" id="{CB44330D-EA18-4254-AA95-EB49948539B8}"/>
+                <a16:creationId xmlns:a16="http://schemas.microsoft.com/office/drawing/2014/main" xmlns="" id="{CB44330D-EA18-4254-AA95-EB49948539B8}"/>
               </a:ext>
               <a:ext uri="{C183D7F6-B498-43B3-948B-1728B52AA6E4}">
-                <adec:decorative xmlns:adec="http://schemas.microsoft.com/office/drawing/2017/decorative" val="1"/>
+                <adec:decorative xmlns:adec="http://schemas.microsoft.com/office/drawing/2017/decorative" xmlns="" val="1"/>
               </a:ext>
             </a:extLst>
           </p:cNvPr>
@@ -7775,7 +7902,7 @@
           <p:nvPr>
             <p:extLst>
               <p:ext uri="{386F3935-93C4-4BCD-93E2-E3B085C9AB24}">
-                <p16:designElem xmlns:p16="http://schemas.microsoft.com/office/powerpoint/2015/main" val="1"/>
+                <p16:designElem xmlns:p16="http://schemas.microsoft.com/office/powerpoint/2015/main" xmlns="" val="1"/>
               </p:ext>
             </p:extLst>
           </p:nvPr>
@@ -7825,7 +7952,7 @@
           <p:cNvPr id="7" name="Picture 6">
             <a:extLst>
               <a:ext uri="{FF2B5EF4-FFF2-40B4-BE49-F238E27FC236}">
-                <a16:creationId xmlns:a16="http://schemas.microsoft.com/office/drawing/2014/main" id="{3C513A13-6774-F34D-BF5D-AD983136A8AF}"/>
+                <a16:creationId xmlns:a16="http://schemas.microsoft.com/office/drawing/2014/main" xmlns="" id="{3C513A13-6774-F34D-BF5D-AD983136A8AF}"/>
               </a:ext>
             </a:extLst>
           </p:cNvPr>
@@ -7860,6 +7987,13 @@
   <p:clrMapOvr>
     <a:masterClrMapping/>
   </p:clrMapOvr>
+  <p:timing>
+    <p:tnLst>
+      <p:par>
+        <p:cTn id="1" dur="indefinite" restart="never" nodeType="tmRoot"/>
+      </p:par>
+    </p:tnLst>
+  </p:timing>
 </p:sld>
 </file>
 
@@ -7893,10 +8027,10 @@
           <p:cNvPr id="48" name="Rectangle 47">
             <a:extLst>
               <a:ext uri="{FF2B5EF4-FFF2-40B4-BE49-F238E27FC236}">
-                <a16:creationId xmlns:a16="http://schemas.microsoft.com/office/drawing/2014/main" id="{32BC26D8-82FB-445E-AA49-62A77D7C1EE0}"/>
+                <a16:creationId xmlns:a16="http://schemas.microsoft.com/office/drawing/2014/main" xmlns="" id="{32BC26D8-82FB-445E-AA49-62A77D7C1EE0}"/>
               </a:ext>
               <a:ext uri="{C183D7F6-B498-43B3-948B-1728B52AA6E4}">
-                <adec:decorative xmlns:adec="http://schemas.microsoft.com/office/drawing/2017/decorative" val="1"/>
+                <adec:decorative xmlns:adec="http://schemas.microsoft.com/office/drawing/2017/decorative" xmlns="" val="1"/>
               </a:ext>
             </a:extLst>
           </p:cNvPr>
@@ -7906,7 +8040,7 @@
           <p:nvPr>
             <p:extLst>
               <p:ext uri="{386F3935-93C4-4BCD-93E2-E3B085C9AB24}">
-                <p16:designElem xmlns:p16="http://schemas.microsoft.com/office/powerpoint/2015/main" val="1"/>
+                <p16:designElem xmlns:p16="http://schemas.microsoft.com/office/powerpoint/2015/main" xmlns="" val="1"/>
               </p:ext>
             </p:extLst>
           </p:nvPr>
@@ -7959,10 +8093,10 @@
           <p:cNvPr id="50" name="Rectangle 49">
             <a:extLst>
               <a:ext uri="{FF2B5EF4-FFF2-40B4-BE49-F238E27FC236}">
-                <a16:creationId xmlns:a16="http://schemas.microsoft.com/office/drawing/2014/main" id="{CB44330D-EA18-4254-AA95-EB49948539B8}"/>
+                <a16:creationId xmlns:a16="http://schemas.microsoft.com/office/drawing/2014/main" xmlns="" id="{CB44330D-EA18-4254-AA95-EB49948539B8}"/>
               </a:ext>
               <a:ext uri="{C183D7F6-B498-43B3-948B-1728B52AA6E4}">
-                <adec:decorative xmlns:adec="http://schemas.microsoft.com/office/drawing/2017/decorative" val="1"/>
+                <adec:decorative xmlns:adec="http://schemas.microsoft.com/office/drawing/2017/decorative" xmlns="" val="1"/>
               </a:ext>
             </a:extLst>
           </p:cNvPr>
@@ -7972,7 +8106,7 @@
           <p:nvPr>
             <p:extLst>
               <p:ext uri="{386F3935-93C4-4BCD-93E2-E3B085C9AB24}">
-                <p16:designElem xmlns:p16="http://schemas.microsoft.com/office/powerpoint/2015/main" val="1"/>
+                <p16:designElem xmlns:p16="http://schemas.microsoft.com/office/powerpoint/2015/main" xmlns="" val="1"/>
               </p:ext>
             </p:extLst>
           </p:nvPr>
@@ -8022,7 +8156,7 @@
           <p:cNvPr id="3" name="Picture 2">
             <a:extLst>
               <a:ext uri="{FF2B5EF4-FFF2-40B4-BE49-F238E27FC236}">
-                <a16:creationId xmlns:a16="http://schemas.microsoft.com/office/drawing/2014/main" id="{6213DF9F-30A3-2A77-B740-71234FA59A53}"/>
+                <a16:creationId xmlns:a16="http://schemas.microsoft.com/office/drawing/2014/main" xmlns="" id="{6213DF9F-30A3-2A77-B740-71234FA59A53}"/>
               </a:ext>
             </a:extLst>
           </p:cNvPr>
@@ -8057,20 +8191,19 @@
   <p:clrMapOvr>
     <a:masterClrMapping/>
   </p:clrMapOvr>
+  <p:timing>
+    <p:tnLst>
+      <p:par>
+        <p:cTn id="1" dur="indefinite" restart="never" nodeType="tmRoot"/>
+      </p:par>
+    </p:tnLst>
+  </p:timing>
 </p:sld>
 </file>
 
 <file path=ppt/slides/slide24.xml><?xml version="1.0" encoding="utf-8"?>
 <p:sld xmlns:a="http://schemas.openxmlformats.org/drawingml/2006/main" xmlns:r="http://schemas.openxmlformats.org/officeDocument/2006/relationships" xmlns:p="http://schemas.openxmlformats.org/presentationml/2006/main">
   <p:cSld>
-    <p:bg>
-      <p:bgPr>
-        <a:solidFill>
-          <a:schemeClr val="bg1"/>
-        </a:solidFill>
-        <a:effectLst/>
-      </p:bgPr>
-    </p:bg>
     <p:spTree>
       <p:nvGrpSpPr>
         <p:cNvPr id="1" name=""/>
@@ -8085,75 +8218,9 @@
           <a:chExt cx="0" cy="0"/>
         </a:xfrm>
       </p:grpSpPr>
-      <p:sp useBgFill="1">
-        <p:nvSpPr>
-          <p:cNvPr id="13" name="Rectangle 12">
-            <a:extLst>
-              <a:ext uri="{FF2B5EF4-FFF2-40B4-BE49-F238E27FC236}">
-                <a16:creationId xmlns:a16="http://schemas.microsoft.com/office/drawing/2014/main" id="{BCED4D40-4B67-4331-AC48-79B82B4A47D8}"/>
-              </a:ext>
-              <a:ext uri="{C183D7F6-B498-43B3-948B-1728B52AA6E4}">
-                <adec:decorative xmlns:adec="http://schemas.microsoft.com/office/drawing/2017/decorative" val="1"/>
-              </a:ext>
-            </a:extLst>
-          </p:cNvPr>
-          <p:cNvSpPr>
-            <a:spLocks noGrp="1" noRot="1" noChangeAspect="1" noMove="1" noResize="1" noEditPoints="1" noAdjustHandles="1" noChangeArrowheads="1" noChangeShapeType="1" noTextEdit="1"/>
-          </p:cNvSpPr>
-          <p:nvPr>
-            <p:extLst>
-              <p:ext uri="{386F3935-93C4-4BCD-93E2-E3B085C9AB24}">
-                <p16:designElem xmlns:p16="http://schemas.microsoft.com/office/powerpoint/2015/main" val="1"/>
-              </p:ext>
-            </p:extLst>
-          </p:nvPr>
-        </p:nvSpPr>
-        <p:spPr>
-          <a:xfrm>
-            <a:off x="0" y="0"/>
-            <a:ext cx="12192000" cy="6858000"/>
-          </a:xfrm>
-          <a:prstGeom prst="rect">
-            <a:avLst/>
-          </a:prstGeom>
-          <a:ln>
-            <a:noFill/>
-          </a:ln>
-        </p:spPr>
-        <p:style>
-          <a:lnRef idx="2">
-            <a:schemeClr val="accent1">
-              <a:shade val="50000"/>
-            </a:schemeClr>
-          </a:lnRef>
-          <a:fillRef idx="1">
-            <a:schemeClr val="accent1"/>
-          </a:fillRef>
-          <a:effectRef idx="0">
-            <a:schemeClr val="accent1"/>
-          </a:effectRef>
-          <a:fontRef idx="minor">
-            <a:schemeClr val="lt1"/>
-          </a:fontRef>
-        </p:style>
-        <p:txBody>
-          <a:bodyPr rtlCol="0" anchor="ctr"/>
-          <a:lstStyle/>
-          <a:p>
-            <a:pPr algn="ctr"/>
-            <a:endParaRPr lang="en-US"/>
-          </a:p>
-        </p:txBody>
-      </p:sp>
       <p:sp>
         <p:nvSpPr>
-          <p:cNvPr id="2" name="Title 1">
-            <a:extLst>
-              <a:ext uri="{FF2B5EF4-FFF2-40B4-BE49-F238E27FC236}">
-                <a16:creationId xmlns:a16="http://schemas.microsoft.com/office/drawing/2014/main" id="{609FE2AC-1BE8-7865-9167-2FD7C6AAD58B}"/>
-              </a:ext>
-            </a:extLst>
-          </p:cNvPr>
+          <p:cNvPr id="2" name="Tytuł 1"/>
           <p:cNvSpPr>
             <a:spLocks noGrp="1"/>
           </p:cNvSpPr>
@@ -8161,418 +8228,147 @@
             <p:ph type="title"/>
           </p:nvPr>
         </p:nvSpPr>
-        <p:spPr>
-          <a:xfrm>
-            <a:off x="638881" y="417576"/>
-            <a:ext cx="10909640" cy="1249394"/>
-          </a:xfrm>
-        </p:spPr>
+        <p:spPr/>
         <p:txBody>
-          <a:bodyPr vert="horz" lIns="91440" tIns="45720" rIns="91440" bIns="45720" rtlCol="0" anchor="ctr">
-            <a:normAutofit/>
-          </a:bodyPr>
+          <a:bodyPr/>
           <a:lstStyle/>
           <a:p>
-            <a:pPr algn="ctr"/>
-            <a:r>
-              <a:rPr lang="en-US" sz="6600" kern="1200">
-                <a:solidFill>
-                  <a:schemeClr val="tx1"/>
-                </a:solidFill>
-                <a:latin typeface="+mj-lt"/>
-                <a:ea typeface="+mj-ea"/>
-                <a:cs typeface="+mj-cs"/>
-              </a:rPr>
-              <a:t>Testy czasowe algorytmu</a:t>
-            </a:r>
+            <a:r>
+              <a:rPr lang="pl-PL" dirty="0" smtClean="0"/>
+              <a:t>Algorytm </a:t>
+            </a:r>
+            <a:r>
+              <a:rPr lang="pl-PL" dirty="0" err="1" smtClean="0"/>
+              <a:t>Fortune’a</a:t>
+            </a:r>
+            <a:endParaRPr lang="pl-PL" dirty="0"/>
           </a:p>
         </p:txBody>
       </p:sp>
       <p:sp>
         <p:nvSpPr>
-          <p:cNvPr id="12" name="sketch line">
-            <a:extLst>
-              <a:ext uri="{FF2B5EF4-FFF2-40B4-BE49-F238E27FC236}">
-                <a16:creationId xmlns:a16="http://schemas.microsoft.com/office/drawing/2014/main" id="{670CEDEF-4F34-412E-84EE-329C1E936AF5}"/>
-              </a:ext>
-              <a:ext uri="{C183D7F6-B498-43B3-948B-1728B52AA6E4}">
-                <adec:decorative xmlns:adec="http://schemas.microsoft.com/office/drawing/2017/decorative" val="1"/>
-              </a:ext>
-            </a:extLst>
-          </p:cNvPr>
+          <p:cNvPr id="3" name="Symbol zastępczy zawartości 2"/>
           <p:cNvSpPr>
-            <a:spLocks noGrp="1" noRot="1" noChangeAspect="1" noMove="1" noResize="1" noEditPoints="1" noAdjustHandles="1" noChangeArrowheads="1" noChangeShapeType="1" noTextEdit="1"/>
+            <a:spLocks noGrp="1"/>
           </p:cNvSpPr>
-          <p:nvPr>
-            <p:extLst>
-              <p:ext uri="{386F3935-93C4-4BCD-93E2-E3B085C9AB24}">
-                <p16:designElem xmlns:p16="http://schemas.microsoft.com/office/powerpoint/2015/main" val="1"/>
-              </p:ext>
-            </p:extLst>
-          </p:nvPr>
-        </p:nvSpPr>
-        <p:spPr>
-          <a:xfrm>
-            <a:off x="3807702" y="1733454"/>
-            <a:ext cx="4572000" cy="18288"/>
-          </a:xfrm>
-          <a:custGeom>
-            <a:avLst/>
-            <a:gdLst>
-              <a:gd name="connsiteX0" fmla="*/ 0 w 4572000"/>
-              <a:gd name="connsiteY0" fmla="*/ 0 h 18288"/>
-              <a:gd name="connsiteX1" fmla="*/ 515983 w 4572000"/>
-              <a:gd name="connsiteY1" fmla="*/ 0 h 18288"/>
-              <a:gd name="connsiteX2" fmla="*/ 1031966 w 4572000"/>
-              <a:gd name="connsiteY2" fmla="*/ 0 h 18288"/>
-              <a:gd name="connsiteX3" fmla="*/ 1639389 w 4572000"/>
-              <a:gd name="connsiteY3" fmla="*/ 0 h 18288"/>
-              <a:gd name="connsiteX4" fmla="*/ 2383971 w 4572000"/>
-              <a:gd name="connsiteY4" fmla="*/ 0 h 18288"/>
-              <a:gd name="connsiteX5" fmla="*/ 2945674 w 4572000"/>
-              <a:gd name="connsiteY5" fmla="*/ 0 h 18288"/>
-              <a:gd name="connsiteX6" fmla="*/ 3507377 w 4572000"/>
-              <a:gd name="connsiteY6" fmla="*/ 0 h 18288"/>
-              <a:gd name="connsiteX7" fmla="*/ 4572000 w 4572000"/>
-              <a:gd name="connsiteY7" fmla="*/ 0 h 18288"/>
-              <a:gd name="connsiteX8" fmla="*/ 4572000 w 4572000"/>
-              <a:gd name="connsiteY8" fmla="*/ 18288 h 18288"/>
-              <a:gd name="connsiteX9" fmla="*/ 3873137 w 4572000"/>
-              <a:gd name="connsiteY9" fmla="*/ 18288 h 18288"/>
-              <a:gd name="connsiteX10" fmla="*/ 3311434 w 4572000"/>
-              <a:gd name="connsiteY10" fmla="*/ 18288 h 18288"/>
-              <a:gd name="connsiteX11" fmla="*/ 2749731 w 4572000"/>
-              <a:gd name="connsiteY11" fmla="*/ 18288 h 18288"/>
-              <a:gd name="connsiteX12" fmla="*/ 2050869 w 4572000"/>
-              <a:gd name="connsiteY12" fmla="*/ 18288 h 18288"/>
-              <a:gd name="connsiteX13" fmla="*/ 1306286 w 4572000"/>
-              <a:gd name="connsiteY13" fmla="*/ 18288 h 18288"/>
-              <a:gd name="connsiteX14" fmla="*/ 790303 w 4572000"/>
-              <a:gd name="connsiteY14" fmla="*/ 18288 h 18288"/>
-              <a:gd name="connsiteX15" fmla="*/ 0 w 4572000"/>
-              <a:gd name="connsiteY15" fmla="*/ 18288 h 18288"/>
-              <a:gd name="connsiteX16" fmla="*/ 0 w 4572000"/>
-              <a:gd name="connsiteY16" fmla="*/ 0 h 18288"/>
-            </a:gdLst>
-            <a:ahLst/>
-            <a:cxnLst>
-              <a:cxn ang="0">
-                <a:pos x="connsiteX0" y="connsiteY0"/>
-              </a:cxn>
-              <a:cxn ang="0">
-                <a:pos x="connsiteX1" y="connsiteY1"/>
-              </a:cxn>
-              <a:cxn ang="0">
-                <a:pos x="connsiteX2" y="connsiteY2"/>
-              </a:cxn>
-              <a:cxn ang="0">
-                <a:pos x="connsiteX3" y="connsiteY3"/>
-              </a:cxn>
-              <a:cxn ang="0">
-                <a:pos x="connsiteX4" y="connsiteY4"/>
-              </a:cxn>
-              <a:cxn ang="0">
-                <a:pos x="connsiteX5" y="connsiteY5"/>
-              </a:cxn>
-              <a:cxn ang="0">
-                <a:pos x="connsiteX6" y="connsiteY6"/>
-              </a:cxn>
-              <a:cxn ang="0">
-                <a:pos x="connsiteX7" y="connsiteY7"/>
-              </a:cxn>
-              <a:cxn ang="0">
-                <a:pos x="connsiteX8" y="connsiteY8"/>
-              </a:cxn>
-              <a:cxn ang="0">
-                <a:pos x="connsiteX9" y="connsiteY9"/>
-              </a:cxn>
-              <a:cxn ang="0">
-                <a:pos x="connsiteX10" y="connsiteY10"/>
-              </a:cxn>
-              <a:cxn ang="0">
-                <a:pos x="connsiteX11" y="connsiteY11"/>
-              </a:cxn>
-              <a:cxn ang="0">
-                <a:pos x="connsiteX12" y="connsiteY12"/>
-              </a:cxn>
-              <a:cxn ang="0">
-                <a:pos x="connsiteX13" y="connsiteY13"/>
-              </a:cxn>
-              <a:cxn ang="0">
-                <a:pos x="connsiteX14" y="connsiteY14"/>
-              </a:cxn>
-              <a:cxn ang="0">
-                <a:pos x="connsiteX15" y="connsiteY15"/>
-              </a:cxn>
-              <a:cxn ang="0">
-                <a:pos x="connsiteX16" y="connsiteY16"/>
-              </a:cxn>
-            </a:cxnLst>
-            <a:rect l="l" t="t" r="r" b="b"/>
-            <a:pathLst>
-              <a:path w="4572000" h="18288" fill="none" extrusionOk="0">
-                <a:moveTo>
-                  <a:pt x="0" y="0"/>
-                </a:moveTo>
-                <a:cubicBezTo>
-                  <a:pt x="105156" y="-20963"/>
-                  <a:pt x="340432" y="822"/>
-                  <a:pt x="515983" y="0"/>
-                </a:cubicBezTo>
-                <a:cubicBezTo>
-                  <a:pt x="691534" y="-822"/>
-                  <a:pt x="850679" y="16479"/>
-                  <a:pt x="1031966" y="0"/>
-                </a:cubicBezTo>
-                <a:cubicBezTo>
-                  <a:pt x="1213253" y="-16479"/>
-                  <a:pt x="1443646" y="-18730"/>
-                  <a:pt x="1639389" y="0"/>
-                </a:cubicBezTo>
-                <a:cubicBezTo>
-                  <a:pt x="1835132" y="18730"/>
-                  <a:pt x="2159975" y="18531"/>
-                  <a:pt x="2383971" y="0"/>
-                </a:cubicBezTo>
-                <a:cubicBezTo>
-                  <a:pt x="2607967" y="-18531"/>
-                  <a:pt x="2719096" y="-12030"/>
-                  <a:pt x="2945674" y="0"/>
-                </a:cubicBezTo>
-                <a:cubicBezTo>
-                  <a:pt x="3172252" y="12030"/>
-                  <a:pt x="3269167" y="27666"/>
-                  <a:pt x="3507377" y="0"/>
-                </a:cubicBezTo>
-                <a:cubicBezTo>
-                  <a:pt x="3745587" y="-27666"/>
-                  <a:pt x="4116741" y="18705"/>
-                  <a:pt x="4572000" y="0"/>
-                </a:cubicBezTo>
-                <a:cubicBezTo>
-                  <a:pt x="4572895" y="8974"/>
-                  <a:pt x="4571454" y="9359"/>
-                  <a:pt x="4572000" y="18288"/>
-                </a:cubicBezTo>
-                <a:cubicBezTo>
-                  <a:pt x="4374698" y="3942"/>
-                  <a:pt x="4098874" y="-11042"/>
-                  <a:pt x="3873137" y="18288"/>
-                </a:cubicBezTo>
-                <a:cubicBezTo>
-                  <a:pt x="3647400" y="47618"/>
-                  <a:pt x="3517055" y="5421"/>
-                  <a:pt x="3311434" y="18288"/>
-                </a:cubicBezTo>
-                <a:cubicBezTo>
-                  <a:pt x="3105813" y="31155"/>
-                  <a:pt x="3025168" y="17856"/>
-                  <a:pt x="2749731" y="18288"/>
-                </a:cubicBezTo>
-                <a:cubicBezTo>
-                  <a:pt x="2474294" y="18720"/>
-                  <a:pt x="2291766" y="-14168"/>
-                  <a:pt x="2050869" y="18288"/>
-                </a:cubicBezTo>
-                <a:cubicBezTo>
-                  <a:pt x="1809972" y="50744"/>
-                  <a:pt x="1540276" y="46798"/>
-                  <a:pt x="1306286" y="18288"/>
-                </a:cubicBezTo>
-                <a:cubicBezTo>
-                  <a:pt x="1072296" y="-10222"/>
-                  <a:pt x="972445" y="19645"/>
-                  <a:pt x="790303" y="18288"/>
-                </a:cubicBezTo>
-                <a:cubicBezTo>
-                  <a:pt x="608161" y="16931"/>
-                  <a:pt x="200981" y="8241"/>
-                  <a:pt x="0" y="18288"/>
-                </a:cubicBezTo>
-                <a:cubicBezTo>
-                  <a:pt x="-229" y="14222"/>
-                  <a:pt x="509" y="5816"/>
-                  <a:pt x="0" y="0"/>
-                </a:cubicBezTo>
-                <a:close/>
-              </a:path>
-              <a:path w="4572000" h="18288" stroke="0" extrusionOk="0">
-                <a:moveTo>
-                  <a:pt x="0" y="0"/>
-                </a:moveTo>
-                <a:cubicBezTo>
-                  <a:pt x="143285" y="-9565"/>
-                  <a:pt x="327959" y="-11498"/>
-                  <a:pt x="561703" y="0"/>
-                </a:cubicBezTo>
-                <a:cubicBezTo>
-                  <a:pt x="795447" y="11498"/>
-                  <a:pt x="838260" y="18255"/>
-                  <a:pt x="1077686" y="0"/>
-                </a:cubicBezTo>
-                <a:cubicBezTo>
-                  <a:pt x="1317112" y="-18255"/>
-                  <a:pt x="1437472" y="23514"/>
-                  <a:pt x="1639389" y="0"/>
-                </a:cubicBezTo>
-                <a:cubicBezTo>
-                  <a:pt x="1841306" y="-23514"/>
-                  <a:pt x="2037142" y="-12551"/>
-                  <a:pt x="2292531" y="0"/>
-                </a:cubicBezTo>
-                <a:cubicBezTo>
-                  <a:pt x="2547920" y="12551"/>
-                  <a:pt x="2810436" y="-20352"/>
-                  <a:pt x="2991394" y="0"/>
-                </a:cubicBezTo>
-                <a:cubicBezTo>
-                  <a:pt x="3172352" y="20352"/>
-                  <a:pt x="3530025" y="-13347"/>
-                  <a:pt x="3735977" y="0"/>
-                </a:cubicBezTo>
-                <a:cubicBezTo>
-                  <a:pt x="3941929" y="13347"/>
-                  <a:pt x="4161497" y="34086"/>
-                  <a:pt x="4572000" y="0"/>
-                </a:cubicBezTo>
-                <a:cubicBezTo>
-                  <a:pt x="4571545" y="6162"/>
-                  <a:pt x="4571903" y="11775"/>
-                  <a:pt x="4572000" y="18288"/>
-                </a:cubicBezTo>
-                <a:cubicBezTo>
-                  <a:pt x="4228040" y="36490"/>
-                  <a:pt x="4199736" y="42557"/>
-                  <a:pt x="3873137" y="18288"/>
-                </a:cubicBezTo>
-                <a:cubicBezTo>
-                  <a:pt x="3546538" y="-5981"/>
-                  <a:pt x="3472124" y="16809"/>
-                  <a:pt x="3128554" y="18288"/>
-                </a:cubicBezTo>
-                <a:cubicBezTo>
-                  <a:pt x="2784984" y="19767"/>
-                  <a:pt x="2735896" y="-17781"/>
-                  <a:pt x="2383971" y="18288"/>
-                </a:cubicBezTo>
-                <a:cubicBezTo>
-                  <a:pt x="2032046" y="54357"/>
-                  <a:pt x="2019324" y="2920"/>
-                  <a:pt x="1867989" y="18288"/>
-                </a:cubicBezTo>
-                <a:cubicBezTo>
-                  <a:pt x="1716654" y="33656"/>
-                  <a:pt x="1418675" y="32575"/>
-                  <a:pt x="1169126" y="18288"/>
-                </a:cubicBezTo>
-                <a:cubicBezTo>
-                  <a:pt x="919577" y="4001"/>
-                  <a:pt x="798537" y="16165"/>
-                  <a:pt x="561703" y="18288"/>
-                </a:cubicBezTo>
-                <a:cubicBezTo>
-                  <a:pt x="324869" y="20411"/>
-                  <a:pt x="221395" y="-912"/>
-                  <a:pt x="0" y="18288"/>
-                </a:cubicBezTo>
-                <a:cubicBezTo>
-                  <a:pt x="766" y="10800"/>
-                  <a:pt x="-457" y="8180"/>
-                  <a:pt x="0" y="0"/>
-                </a:cubicBezTo>
-                <a:close/>
-              </a:path>
-            </a:pathLst>
-          </a:custGeom>
-          <a:solidFill>
-            <a:schemeClr val="accent2"/>
-          </a:solidFill>
-          <a:ln w="41275" cap="rnd">
-            <a:solidFill>
-              <a:schemeClr val="accent2"/>
-            </a:solidFill>
-            <a:round/>
-            <a:extLst>
-              <a:ext uri="{C807C97D-BFC1-408E-A445-0C87EB9F89A2}">
-                <ask:lineSketchStyleProps xmlns:ask="http://schemas.microsoft.com/office/drawing/2018/sketchyshapes" sd="2727557108">
-                  <a:prstGeom prst="rect">
-                    <a:avLst/>
-                  </a:prstGeom>
-                  <ask:type>
-                    <ask:lineSketchFreehand/>
-                  </ask:type>
-                </ask:lineSketchStyleProps>
-              </a:ext>
-            </a:extLst>
-          </a:ln>
-        </p:spPr>
-        <p:style>
-          <a:lnRef idx="2">
-            <a:schemeClr val="accent1">
-              <a:shade val="50000"/>
-            </a:schemeClr>
-          </a:lnRef>
-          <a:fillRef idx="1">
-            <a:schemeClr val="accent1"/>
-          </a:fillRef>
-          <a:effectRef idx="0">
-            <a:schemeClr val="accent1"/>
-          </a:effectRef>
-          <a:fontRef idx="minor">
-            <a:schemeClr val="lt1"/>
-          </a:fontRef>
-        </p:style>
-        <p:txBody>
-          <a:bodyPr rtlCol="0" anchor="ctr"/>
-          <a:lstStyle/>
-          <a:p>
-            <a:pPr algn="ctr"/>
-            <a:endParaRPr lang="en-US"/>
-          </a:p>
-        </p:txBody>
-      </p:sp>
-      <p:pic>
-        <p:nvPicPr>
-          <p:cNvPr id="5" name="Content Placeholder 4">
-            <a:extLst>
-              <a:ext uri="{FF2B5EF4-FFF2-40B4-BE49-F238E27FC236}">
-                <a16:creationId xmlns:a16="http://schemas.microsoft.com/office/drawing/2014/main" id="{89D1A46E-F6F3-7974-F2BA-A0A12C6AF9AF}"/>
-              </a:ext>
-            </a:extLst>
-          </p:cNvPr>
-          <p:cNvPicPr>
-            <a:picLocks noGrp="1" noChangeAspect="1"/>
-          </p:cNvPicPr>
           <p:nvPr>
             <p:ph idx="1"/>
           </p:nvPr>
-        </p:nvPicPr>
-        <p:blipFill>
-          <a:blip r:embed="rId2"/>
-          <a:stretch>
-            <a:fillRect/>
-          </a:stretch>
-        </p:blipFill>
-        <p:spPr>
-          <a:xfrm>
-            <a:off x="320040" y="3546047"/>
-            <a:ext cx="11548872" cy="1761202"/>
-          </a:xfrm>
-          <a:prstGeom prst="rect">
-            <a:avLst/>
-          </a:prstGeom>
-        </p:spPr>
-      </p:pic>
+        </p:nvSpPr>
+        <p:spPr/>
+        <p:txBody>
+          <a:bodyPr/>
+          <a:lstStyle/>
+          <a:p>
+            <a:r>
+              <a:rPr lang="pl-PL" dirty="0" smtClean="0"/>
+              <a:t>Zaprezentowany przez Stevena </a:t>
+            </a:r>
+            <a:r>
+              <a:rPr lang="pl-PL" dirty="0" err="1" smtClean="0"/>
+              <a:t>Fortune’a</a:t>
+            </a:r>
+            <a:r>
+              <a:rPr lang="pl-PL" dirty="0" smtClean="0"/>
+              <a:t> w 1986 roku.</a:t>
+            </a:r>
+          </a:p>
+          <a:p>
+            <a:r>
+              <a:rPr lang="pl-PL" dirty="0"/>
+              <a:t>Algorytm wykorzystuje technikę zamiatania </a:t>
+            </a:r>
+            <a:r>
+              <a:rPr lang="pl-PL" dirty="0" err="1"/>
+              <a:t>płasczyzny</a:t>
+            </a:r>
+            <a:r>
+              <a:rPr lang="pl-PL" dirty="0"/>
+              <a:t> (ang. </a:t>
+            </a:r>
+            <a:r>
+              <a:rPr lang="pl-PL" dirty="0" err="1"/>
+              <a:t>sweep</a:t>
+            </a:r>
+            <a:r>
+              <a:rPr lang="pl-PL" dirty="0"/>
+              <a:t> </a:t>
+            </a:r>
+            <a:r>
+              <a:rPr lang="pl-PL" dirty="0" err="1"/>
+              <a:t>line</a:t>
+            </a:r>
+            <a:r>
+              <a:rPr lang="pl-PL" dirty="0"/>
+              <a:t> </a:t>
+            </a:r>
+            <a:r>
+              <a:rPr lang="pl-PL" dirty="0" err="1"/>
+              <a:t>technique</a:t>
+            </a:r>
+            <a:r>
+              <a:rPr lang="pl-PL" dirty="0"/>
+              <a:t>) do znajdowania diagramu </a:t>
+            </a:r>
+            <a:r>
+              <a:rPr lang="pl-PL" dirty="0" err="1"/>
+              <a:t>Voronoi</a:t>
+            </a:r>
+            <a:r>
+              <a:rPr lang="pl-PL" dirty="0"/>
+              <a:t>.</a:t>
+            </a:r>
+          </a:p>
+          <a:p>
+            <a:r>
+              <a:rPr lang="pl-PL" dirty="0" err="1" smtClean="0"/>
+              <a:t>Złożonośc</a:t>
+            </a:r>
+            <a:r>
+              <a:rPr lang="pl-PL" dirty="0"/>
+              <a:t> </a:t>
+            </a:r>
+            <a:r>
+              <a:rPr lang="pl-PL" dirty="0" smtClean="0"/>
+              <a:t>czasowa algorytmu to O(</a:t>
+            </a:r>
+            <a:r>
+              <a:rPr lang="pl-PL" dirty="0" err="1" smtClean="0"/>
+              <a:t>nlogn</a:t>
+            </a:r>
+            <a:r>
+              <a:rPr lang="pl-PL" dirty="0" smtClean="0"/>
+              <a:t>). </a:t>
+            </a:r>
+          </a:p>
+          <a:p>
+            <a:pPr marL="0" indent="0">
+              <a:buNone/>
+            </a:pPr>
+            <a:endParaRPr lang="pl-PL" dirty="0" smtClean="0"/>
+          </a:p>
+          <a:p>
+            <a:endParaRPr lang="pl-PL" dirty="0"/>
+          </a:p>
+        </p:txBody>
+      </p:sp>
     </p:spTree>
     <p:extLst>
       <p:ext uri="{BB962C8B-B14F-4D97-AF65-F5344CB8AC3E}">
-        <p14:creationId xmlns:p14="http://schemas.microsoft.com/office/powerpoint/2010/main" val="2675792913"/>
+        <p14:creationId xmlns:p14="http://schemas.microsoft.com/office/powerpoint/2010/main" val="402784159"/>
       </p:ext>
     </p:extLst>
   </p:cSld>
   <p:clrMapOvr>
     <a:masterClrMapping/>
   </p:clrMapOvr>
+  <p:timing>
+    <p:tnLst>
+      <p:par>
+        <p:cTn id="1" dur="indefinite" restart="never" nodeType="tmRoot"/>
+      </p:par>
+    </p:tnLst>
+  </p:timing>
 </p:sld>
 </file>
 
@@ -8595,13 +8391,7 @@
       </p:grpSpPr>
       <p:sp>
         <p:nvSpPr>
-          <p:cNvPr id="2" name="Title 1">
-            <a:extLst>
-              <a:ext uri="{FF2B5EF4-FFF2-40B4-BE49-F238E27FC236}">
-                <a16:creationId xmlns:a16="http://schemas.microsoft.com/office/drawing/2014/main" id="{CE2BDAB7-0BBD-13D6-DE9D-E1CD87C26286}"/>
-              </a:ext>
-            </a:extLst>
-          </p:cNvPr>
+          <p:cNvPr id="2" name="Tytuł 1"/>
           <p:cNvSpPr>
             <a:spLocks noGrp="1"/>
           </p:cNvSpPr>
@@ -8615,37 +8405,100 @@
           <a:lstStyle/>
           <a:p>
             <a:r>
-              <a:rPr lang="pl-PL" b="1" dirty="0">
-                <a:solidFill>
-                  <a:srgbClr val="569CD6"/>
-                </a:solidFill>
-                <a:effectLst/>
-                <a:latin typeface="Consolas" panose="020B0609020204030204" pitchFamily="49" charset="0"/>
-              </a:rPr>
-              <a:t>Źródła:</a:t>
-            </a:r>
-            <a:br>
-              <a:rPr lang="pl-PL" b="0" dirty="0">
-                <a:solidFill>
-                  <a:srgbClr val="CCCCCC"/>
-                </a:solidFill>
-                <a:effectLst/>
-                <a:latin typeface="Consolas" panose="020B0609020204030204" pitchFamily="49" charset="0"/>
-              </a:rPr>
-            </a:br>
+              <a:rPr lang="pl-PL" dirty="0" smtClean="0"/>
+              <a:t>Problematyka algorytmu:</a:t>
+            </a:r>
+            <a:endParaRPr lang="pl-PL" dirty="0"/>
+          </a:p>
+        </p:txBody>
+      </p:sp>
+      <p:pic>
+        <p:nvPicPr>
+          <p:cNvPr id="4" name="Obraz 3"/>
+          <p:cNvPicPr>
+            <a:picLocks noChangeAspect="1"/>
+          </p:cNvPicPr>
+          <p:nvPr/>
+        </p:nvPicPr>
+        <p:blipFill>
+          <a:blip r:embed="rId2"/>
+          <a:stretch>
+            <a:fillRect/>
+          </a:stretch>
+        </p:blipFill>
+        <p:spPr>
+          <a:xfrm>
+            <a:off x="2147977" y="1825625"/>
+            <a:ext cx="6761672" cy="4039813"/>
+          </a:xfrm>
+          <a:prstGeom prst="rect">
+            <a:avLst/>
+          </a:prstGeom>
+        </p:spPr>
+      </p:pic>
+    </p:spTree>
+    <p:extLst>
+      <p:ext uri="{BB962C8B-B14F-4D97-AF65-F5344CB8AC3E}">
+        <p14:creationId xmlns:p14="http://schemas.microsoft.com/office/powerpoint/2010/main" val="783150722"/>
+      </p:ext>
+    </p:extLst>
+  </p:cSld>
+  <p:clrMapOvr>
+    <a:masterClrMapping/>
+  </p:clrMapOvr>
+  <p:timing>
+    <p:tnLst>
+      <p:par>
+        <p:cTn id="1" dur="indefinite" restart="never" nodeType="tmRoot"/>
+      </p:par>
+    </p:tnLst>
+  </p:timing>
+</p:sld>
+</file>
+
+<file path=ppt/slides/slide26.xml><?xml version="1.0" encoding="utf-8"?>
+<p:sld xmlns:a="http://schemas.openxmlformats.org/drawingml/2006/main" xmlns:r="http://schemas.openxmlformats.org/officeDocument/2006/relationships" xmlns:p="http://schemas.openxmlformats.org/presentationml/2006/main">
+  <p:cSld>
+    <p:spTree>
+      <p:nvGrpSpPr>
+        <p:cNvPr id="1" name=""/>
+        <p:cNvGrpSpPr/>
+        <p:nvPr/>
+      </p:nvGrpSpPr>
+      <p:grpSpPr>
+        <a:xfrm>
+          <a:off x="0" y="0"/>
+          <a:ext cx="0" cy="0"/>
+          <a:chOff x="0" y="0"/>
+          <a:chExt cx="0" cy="0"/>
+        </a:xfrm>
+      </p:grpSpPr>
+      <p:sp>
+        <p:nvSpPr>
+          <p:cNvPr id="2" name="Tytuł 1"/>
+          <p:cNvSpPr>
+            <a:spLocks noGrp="1"/>
+          </p:cNvSpPr>
+          <p:nvPr>
+            <p:ph type="title"/>
+          </p:nvPr>
+        </p:nvSpPr>
+        <p:spPr/>
+        <p:txBody>
+          <a:bodyPr/>
+          <a:lstStyle/>
+          <a:p>
+            <a:r>
+              <a:rPr lang="pl-PL" dirty="0" smtClean="0"/>
+              <a:t>Struktury Danych</a:t>
+            </a:r>
             <a:endParaRPr lang="pl-PL" dirty="0"/>
           </a:p>
         </p:txBody>
       </p:sp>
       <p:sp>
         <p:nvSpPr>
-          <p:cNvPr id="3" name="Content Placeholder 2">
-            <a:extLst>
-              <a:ext uri="{FF2B5EF4-FFF2-40B4-BE49-F238E27FC236}">
-                <a16:creationId xmlns:a16="http://schemas.microsoft.com/office/drawing/2014/main" id="{5CE53849-7EDA-FBE9-039F-D3D7487DE1FA}"/>
-              </a:ext>
-            </a:extLst>
-          </p:cNvPr>
+          <p:cNvPr id="3" name="Symbol zastępczy zawartości 2"/>
           <p:cNvSpPr>
             <a:spLocks noGrp="1"/>
           </p:cNvSpPr>
@@ -8659,32 +8512,26 @@
           <a:lstStyle/>
           <a:p>
             <a:r>
-              <a:rPr lang="pl-PL" sz="1200" dirty="0">
-                <a:effectLst/>
-                <a:latin typeface="Consolas" panose="020B0609020204030204" pitchFamily="49" charset="0"/>
-              </a:rPr>
-              <a:t>https://en.wikipedia.org/wiki/Voronoi_diagram</a:t>
-            </a:r>
-          </a:p>
-          <a:p>
-            <a:r>
-              <a:rPr lang="pl-PL" sz="1200" dirty="0">
-                <a:effectLst/>
-                <a:latin typeface="Consolas" panose="020B0609020204030204" pitchFamily="49" charset="0"/>
-              </a:rPr>
-              <a:t>https://en.wikipedia.org/wiki/Bowyer%E2%80%93Watson_algorithm</a:t>
-            </a:r>
-          </a:p>
-          <a:p>
-            <a:r>
-              <a:rPr lang="pl-PL" sz="1200" dirty="0">
-                <a:effectLst/>
-                <a:latin typeface="Consolas" panose="020B0609020204030204" pitchFamily="49" charset="0"/>
-              </a:rPr>
-              <a:t>https://www.baeldung.com/cs/voronoi-diagram</a:t>
-            </a:r>
-          </a:p>
-          <a:p>
+              <a:rPr lang="pl-PL" dirty="0" smtClean="0"/>
+              <a:t>Kolejka priorytetowa (struktura zdarzeń)</a:t>
+            </a:r>
+          </a:p>
+          <a:p>
+            <a:r>
+              <a:rPr lang="pl-PL" dirty="0" smtClean="0"/>
+              <a:t>Drzewo AVL (struktura brzegu)</a:t>
+            </a:r>
+          </a:p>
+          <a:p>
+            <a:r>
+              <a:rPr lang="pl-PL" dirty="0" smtClean="0"/>
+              <a:t>Podwójnie łączona lista krawędzi (struktura wyznaczonego już diagramu)</a:t>
+            </a:r>
+          </a:p>
+          <a:p>
+            <a:pPr marL="0" indent="0">
+              <a:buNone/>
+            </a:pPr>
             <a:endParaRPr lang="pl-PL" dirty="0"/>
           </a:p>
         </p:txBody>
@@ -8692,13 +8539,336 @@
     </p:spTree>
     <p:extLst>
       <p:ext uri="{BB962C8B-B14F-4D97-AF65-F5344CB8AC3E}">
-        <p14:creationId xmlns:p14="http://schemas.microsoft.com/office/powerpoint/2010/main" val="2221076155"/>
+        <p14:creationId xmlns:p14="http://schemas.microsoft.com/office/powerpoint/2010/main" val="3738701036"/>
       </p:ext>
     </p:extLst>
   </p:cSld>
   <p:clrMapOvr>
     <a:masterClrMapping/>
   </p:clrMapOvr>
+  <p:timing>
+    <p:tnLst>
+      <p:par>
+        <p:cTn id="1" dur="indefinite" restart="never" nodeType="tmRoot"/>
+      </p:par>
+    </p:tnLst>
+  </p:timing>
+</p:sld>
+</file>
+
+<file path=ppt/slides/slide27.xml><?xml version="1.0" encoding="utf-8"?>
+<p:sld xmlns:a="http://schemas.openxmlformats.org/drawingml/2006/main" xmlns:r="http://schemas.openxmlformats.org/officeDocument/2006/relationships" xmlns:p="http://schemas.openxmlformats.org/presentationml/2006/main">
+  <p:cSld>
+    <p:spTree>
+      <p:nvGrpSpPr>
+        <p:cNvPr id="1" name=""/>
+        <p:cNvGrpSpPr/>
+        <p:nvPr/>
+      </p:nvGrpSpPr>
+      <p:grpSpPr>
+        <a:xfrm>
+          <a:off x="0" y="0"/>
+          <a:ext cx="0" cy="0"/>
+          <a:chOff x="0" y="0"/>
+          <a:chExt cx="0" cy="0"/>
+        </a:xfrm>
+      </p:grpSpPr>
+      <p:sp>
+        <p:nvSpPr>
+          <p:cNvPr id="2" name="Tytuł 1"/>
+          <p:cNvSpPr>
+            <a:spLocks noGrp="1"/>
+          </p:cNvSpPr>
+          <p:nvPr>
+            <p:ph type="title"/>
+          </p:nvPr>
+        </p:nvSpPr>
+        <p:spPr/>
+        <p:txBody>
+          <a:bodyPr/>
+          <a:lstStyle/>
+          <a:p>
+            <a:r>
+              <a:rPr lang="pl-PL" dirty="0" smtClean="0"/>
+              <a:t>Schemat Algorytmu</a:t>
+            </a:r>
+            <a:endParaRPr lang="pl-PL" dirty="0"/>
+          </a:p>
+        </p:txBody>
+      </p:sp>
+      <p:pic>
+        <p:nvPicPr>
+          <p:cNvPr id="4" name="Obraz 3"/>
+          <p:cNvPicPr>
+            <a:picLocks noChangeAspect="1"/>
+          </p:cNvPicPr>
+          <p:nvPr/>
+        </p:nvPicPr>
+        <p:blipFill>
+          <a:blip r:embed="rId2"/>
+          <a:stretch>
+            <a:fillRect/>
+          </a:stretch>
+        </p:blipFill>
+        <p:spPr>
+          <a:xfrm>
+            <a:off x="838200" y="1569738"/>
+            <a:ext cx="8258175" cy="4943475"/>
+          </a:xfrm>
+          <a:prstGeom prst="rect">
+            <a:avLst/>
+          </a:prstGeom>
+        </p:spPr>
+      </p:pic>
+    </p:spTree>
+    <p:extLst>
+      <p:ext uri="{BB962C8B-B14F-4D97-AF65-F5344CB8AC3E}">
+        <p14:creationId xmlns:p14="http://schemas.microsoft.com/office/powerpoint/2010/main" val="946089646"/>
+      </p:ext>
+    </p:extLst>
+  </p:cSld>
+  <p:clrMapOvr>
+    <a:masterClrMapping/>
+  </p:clrMapOvr>
+  <p:timing>
+    <p:tnLst>
+      <p:par>
+        <p:cTn id="1" dur="indefinite" restart="never" nodeType="tmRoot"/>
+      </p:par>
+    </p:tnLst>
+  </p:timing>
+</p:sld>
+</file>
+
+<file path=ppt/slides/slide28.xml><?xml version="1.0" encoding="utf-8"?>
+<p:sld xmlns:a="http://schemas.openxmlformats.org/drawingml/2006/main" xmlns:r="http://schemas.openxmlformats.org/officeDocument/2006/relationships" xmlns:p="http://schemas.openxmlformats.org/presentationml/2006/main">
+  <p:cSld>
+    <p:bg>
+      <p:bgPr>
+        <a:solidFill>
+          <a:srgbClr val="1F1F1F"/>
+        </a:solidFill>
+        <a:effectLst/>
+      </p:bgPr>
+    </p:bg>
+    <p:spTree>
+      <p:nvGrpSpPr>
+        <p:cNvPr id="1" name=""/>
+        <p:cNvGrpSpPr/>
+        <p:nvPr/>
+      </p:nvGrpSpPr>
+      <p:grpSpPr>
+        <a:xfrm>
+          <a:off x="0" y="0"/>
+          <a:ext cx="0" cy="0"/>
+          <a:chOff x="0" y="0"/>
+          <a:chExt cx="0" cy="0"/>
+        </a:xfrm>
+      </p:grpSpPr>
+      <p:sp>
+        <p:nvSpPr>
+          <p:cNvPr id="2" name="Tytuł 1"/>
+          <p:cNvSpPr>
+            <a:spLocks noGrp="1"/>
+          </p:cNvSpPr>
+          <p:nvPr>
+            <p:ph type="title"/>
+          </p:nvPr>
+        </p:nvSpPr>
+        <p:spPr>
+          <a:xfrm>
+            <a:off x="838200" y="-92075"/>
+            <a:ext cx="10515600" cy="1325563"/>
+          </a:xfrm>
+          <a:solidFill>
+            <a:srgbClr val="1F1F1F"/>
+          </a:solidFill>
+        </p:spPr>
+        <p:txBody>
+          <a:bodyPr/>
+          <a:lstStyle/>
+          <a:p>
+            <a:r>
+              <a:rPr lang="pl-PL" dirty="0" smtClean="0">
+                <a:solidFill>
+                  <a:schemeClr val="bg1"/>
+                </a:solidFill>
+              </a:rPr>
+              <a:t>Dodatkowe metody w drzewie AVL</a:t>
+            </a:r>
+            <a:endParaRPr lang="pl-PL" dirty="0">
+              <a:solidFill>
+                <a:schemeClr val="bg1"/>
+              </a:solidFill>
+            </a:endParaRPr>
+          </a:p>
+        </p:txBody>
+      </p:sp>
+      <p:pic>
+        <p:nvPicPr>
+          <p:cNvPr id="4" name="Obraz 3"/>
+          <p:cNvPicPr>
+            <a:picLocks noChangeAspect="1"/>
+          </p:cNvPicPr>
+          <p:nvPr/>
+        </p:nvPicPr>
+        <p:blipFill>
+          <a:blip r:embed="rId2"/>
+          <a:stretch>
+            <a:fillRect/>
+          </a:stretch>
+        </p:blipFill>
+        <p:spPr>
+          <a:xfrm>
+            <a:off x="3150078" y="1233488"/>
+            <a:ext cx="5157158" cy="2595003"/>
+          </a:xfrm>
+          <a:prstGeom prst="rect">
+            <a:avLst/>
+          </a:prstGeom>
+        </p:spPr>
+      </p:pic>
+      <p:pic>
+        <p:nvPicPr>
+          <p:cNvPr id="5" name="Obraz 4"/>
+          <p:cNvPicPr>
+            <a:picLocks noChangeAspect="1"/>
+          </p:cNvPicPr>
+          <p:nvPr/>
+        </p:nvPicPr>
+        <p:blipFill>
+          <a:blip r:embed="rId3"/>
+          <a:stretch>
+            <a:fillRect/>
+          </a:stretch>
+        </p:blipFill>
+        <p:spPr>
+          <a:xfrm>
+            <a:off x="2917164" y="4044152"/>
+            <a:ext cx="5622985" cy="2616551"/>
+          </a:xfrm>
+          <a:prstGeom prst="rect">
+            <a:avLst/>
+          </a:prstGeom>
+        </p:spPr>
+      </p:pic>
+    </p:spTree>
+    <p:extLst>
+      <p:ext uri="{BB962C8B-B14F-4D97-AF65-F5344CB8AC3E}">
+        <p14:creationId xmlns:p14="http://schemas.microsoft.com/office/powerpoint/2010/main" val="491088759"/>
+      </p:ext>
+    </p:extLst>
+  </p:cSld>
+  <p:clrMapOvr>
+    <a:masterClrMapping/>
+  </p:clrMapOvr>
+  <p:timing>
+    <p:tnLst>
+      <p:par>
+        <p:cTn id="1" dur="indefinite" restart="never" nodeType="tmRoot"/>
+      </p:par>
+    </p:tnLst>
+  </p:timing>
+</p:sld>
+</file>
+
+<file path=ppt/slides/slide29.xml><?xml version="1.0" encoding="utf-8"?>
+<p:sld xmlns:a="http://schemas.openxmlformats.org/drawingml/2006/main" xmlns:r="http://schemas.openxmlformats.org/officeDocument/2006/relationships" xmlns:p="http://schemas.openxmlformats.org/presentationml/2006/main">
+  <p:cSld>
+    <p:bg>
+      <p:bgPr>
+        <a:solidFill>
+          <a:srgbClr val="1F1F1F"/>
+        </a:solidFill>
+        <a:effectLst/>
+      </p:bgPr>
+    </p:bg>
+    <p:spTree>
+      <p:nvGrpSpPr>
+        <p:cNvPr id="1" name=""/>
+        <p:cNvGrpSpPr/>
+        <p:nvPr/>
+      </p:nvGrpSpPr>
+      <p:grpSpPr>
+        <a:xfrm>
+          <a:off x="0" y="0"/>
+          <a:ext cx="0" cy="0"/>
+          <a:chOff x="0" y="0"/>
+          <a:chExt cx="0" cy="0"/>
+        </a:xfrm>
+      </p:grpSpPr>
+      <p:sp>
+        <p:nvSpPr>
+          <p:cNvPr id="2" name="Tytuł 1"/>
+          <p:cNvSpPr>
+            <a:spLocks noGrp="1"/>
+          </p:cNvSpPr>
+          <p:nvPr>
+            <p:ph type="title"/>
+          </p:nvPr>
+        </p:nvSpPr>
+        <p:spPr/>
+        <p:txBody>
+          <a:bodyPr/>
+          <a:lstStyle/>
+          <a:p>
+            <a:r>
+              <a:rPr lang="pl-PL" dirty="0" smtClean="0">
+                <a:solidFill>
+                  <a:schemeClr val="bg1"/>
+                </a:solidFill>
+              </a:rPr>
+              <a:t>Dodatkowe metody w drzewie AVL</a:t>
+            </a:r>
+            <a:endParaRPr lang="pl-PL" dirty="0">
+              <a:solidFill>
+                <a:schemeClr val="bg1"/>
+              </a:solidFill>
+            </a:endParaRPr>
+          </a:p>
+        </p:txBody>
+      </p:sp>
+      <p:pic>
+        <p:nvPicPr>
+          <p:cNvPr id="4" name="Obraz 3"/>
+          <p:cNvPicPr>
+            <a:picLocks noChangeAspect="1"/>
+          </p:cNvPicPr>
+          <p:nvPr/>
+        </p:nvPicPr>
+        <p:blipFill>
+          <a:blip r:embed="rId2"/>
+          <a:stretch>
+            <a:fillRect/>
+          </a:stretch>
+        </p:blipFill>
+        <p:spPr>
+          <a:xfrm>
+            <a:off x="2881402" y="2130274"/>
+            <a:ext cx="6153150" cy="3667125"/>
+          </a:xfrm>
+          <a:prstGeom prst="rect">
+            <a:avLst/>
+          </a:prstGeom>
+        </p:spPr>
+      </p:pic>
+    </p:spTree>
+    <p:extLst>
+      <p:ext uri="{BB962C8B-B14F-4D97-AF65-F5344CB8AC3E}">
+        <p14:creationId xmlns:p14="http://schemas.microsoft.com/office/powerpoint/2010/main" val="602935250"/>
+      </p:ext>
+    </p:extLst>
+  </p:cSld>
+  <p:clrMapOvr>
+    <a:masterClrMapping/>
+  </p:clrMapOvr>
+  <p:timing>
+    <p:tnLst>
+      <p:par>
+        <p:cTn id="1" dur="indefinite" restart="never" nodeType="tmRoot"/>
+      </p:par>
+    </p:tnLst>
+  </p:timing>
 </p:sld>
 </file>
 
@@ -8732,10 +8902,10 @@
           <p:cNvPr id="1031" name="Rectangle 1030">
             <a:extLst>
               <a:ext uri="{FF2B5EF4-FFF2-40B4-BE49-F238E27FC236}">
-                <a16:creationId xmlns:a16="http://schemas.microsoft.com/office/drawing/2014/main" id="{42A4FC2C-047E-45A5-965D-8E1E3BF09BC6}"/>
+                <a16:creationId xmlns:a16="http://schemas.microsoft.com/office/drawing/2014/main" xmlns="" id="{42A4FC2C-047E-45A5-965D-8E1E3BF09BC6}"/>
               </a:ext>
               <a:ext uri="{C183D7F6-B498-43B3-948B-1728B52AA6E4}">
-                <adec:decorative xmlns:adec="http://schemas.microsoft.com/office/drawing/2017/decorative" val="1"/>
+                <adec:decorative xmlns:adec="http://schemas.microsoft.com/office/drawing/2017/decorative" xmlns="" val="1"/>
               </a:ext>
             </a:extLst>
           </p:cNvPr>
@@ -8745,7 +8915,7 @@
           <p:nvPr>
             <p:extLst>
               <p:ext uri="{386F3935-93C4-4BCD-93E2-E3B085C9AB24}">
-                <p16:designElem xmlns:p16="http://schemas.microsoft.com/office/powerpoint/2015/main" val="1"/>
+                <p16:designElem xmlns:p16="http://schemas.microsoft.com/office/powerpoint/2015/main" xmlns="" val="1"/>
               </p:ext>
             </p:extLst>
           </p:nvPr>
@@ -8887,7 +9057,7 @@
           <p:cNvPr id="1026" name="Picture 2" descr="undefined">
             <a:extLst>
               <a:ext uri="{FF2B5EF4-FFF2-40B4-BE49-F238E27FC236}">
-                <a16:creationId xmlns:a16="http://schemas.microsoft.com/office/drawing/2014/main" id="{A6EAEB65-AD97-1980-35B1-BBE5F711C7A2}"/>
+                <a16:creationId xmlns:a16="http://schemas.microsoft.com/office/drawing/2014/main" xmlns="" id="{A6EAEB65-AD97-1980-35B1-BBE5F711C7A2}"/>
               </a:ext>
             </a:extLst>
           </p:cNvPr>
@@ -8939,6 +9109,1128 @@
   <p:clrMapOvr>
     <a:masterClrMapping/>
   </p:clrMapOvr>
+  <p:timing>
+    <p:tnLst>
+      <p:par>
+        <p:cTn id="1" dur="indefinite" restart="never" nodeType="tmRoot"/>
+      </p:par>
+    </p:tnLst>
+  </p:timing>
+</p:sld>
+</file>
+
+<file path=ppt/slides/slide30.xml><?xml version="1.0" encoding="utf-8"?>
+<p:sld xmlns:a="http://schemas.openxmlformats.org/drawingml/2006/main" xmlns:r="http://schemas.openxmlformats.org/officeDocument/2006/relationships" xmlns:p="http://schemas.openxmlformats.org/presentationml/2006/main">
+  <p:cSld>
+    <p:bg>
+      <p:bgPr>
+        <a:solidFill>
+          <a:srgbClr val="1F1F1F"/>
+        </a:solidFill>
+        <a:effectLst/>
+      </p:bgPr>
+    </p:bg>
+    <p:spTree>
+      <p:nvGrpSpPr>
+        <p:cNvPr id="1" name=""/>
+        <p:cNvGrpSpPr/>
+        <p:nvPr/>
+      </p:nvGrpSpPr>
+      <p:grpSpPr>
+        <a:xfrm>
+          <a:off x="0" y="0"/>
+          <a:ext cx="0" cy="0"/>
+          <a:chOff x="0" y="0"/>
+          <a:chExt cx="0" cy="0"/>
+        </a:xfrm>
+      </p:grpSpPr>
+      <p:sp>
+        <p:nvSpPr>
+          <p:cNvPr id="2" name="Tytuł 1"/>
+          <p:cNvSpPr>
+            <a:spLocks noGrp="1"/>
+          </p:cNvSpPr>
+          <p:nvPr>
+            <p:ph type="title"/>
+          </p:nvPr>
+        </p:nvSpPr>
+        <p:spPr>
+          <a:xfrm>
+            <a:off x="672861" y="0"/>
+            <a:ext cx="10515600" cy="1325563"/>
+          </a:xfrm>
+        </p:spPr>
+        <p:txBody>
+          <a:bodyPr>
+            <a:normAutofit/>
+          </a:bodyPr>
+          <a:lstStyle/>
+          <a:p>
+            <a:r>
+              <a:rPr lang="pl-PL" sz="2800" dirty="0" smtClean="0">
+                <a:solidFill>
+                  <a:schemeClr val="bg1"/>
+                </a:solidFill>
+              </a:rPr>
+              <a:t>Podwójnie łączona lista krawędzi (moduł </a:t>
+            </a:r>
+            <a:r>
+              <a:rPr lang="pl-PL" sz="2800" dirty="0" err="1" smtClean="0">
+                <a:solidFill>
+                  <a:schemeClr val="bg1"/>
+                </a:solidFill>
+              </a:rPr>
+              <a:t>dcel</a:t>
+            </a:r>
+            <a:r>
+              <a:rPr lang="pl-PL" sz="2800" dirty="0" smtClean="0">
+                <a:solidFill>
+                  <a:schemeClr val="bg1"/>
+                </a:solidFill>
+              </a:rPr>
+              <a:t>)</a:t>
+            </a:r>
+            <a:endParaRPr lang="pl-PL" sz="2800" dirty="0">
+              <a:solidFill>
+                <a:schemeClr val="bg1"/>
+              </a:solidFill>
+            </a:endParaRPr>
+          </a:p>
+        </p:txBody>
+      </p:sp>
+      <p:pic>
+        <p:nvPicPr>
+          <p:cNvPr id="4" name="Obraz 3"/>
+          <p:cNvPicPr>
+            <a:picLocks noChangeAspect="1"/>
+          </p:cNvPicPr>
+          <p:nvPr/>
+        </p:nvPicPr>
+        <p:blipFill>
+          <a:blip r:embed="rId2"/>
+          <a:stretch>
+            <a:fillRect/>
+          </a:stretch>
+        </p:blipFill>
+        <p:spPr>
+          <a:xfrm>
+            <a:off x="3519577" y="1102841"/>
+            <a:ext cx="3062377" cy="1302937"/>
+          </a:xfrm>
+          <a:prstGeom prst="rect">
+            <a:avLst/>
+          </a:prstGeom>
+        </p:spPr>
+      </p:pic>
+      <p:pic>
+        <p:nvPicPr>
+          <p:cNvPr id="5" name="Obraz 4"/>
+          <p:cNvPicPr>
+            <a:picLocks noChangeAspect="1"/>
+          </p:cNvPicPr>
+          <p:nvPr/>
+        </p:nvPicPr>
+        <p:blipFill>
+          <a:blip r:embed="rId3"/>
+          <a:stretch>
+            <a:fillRect/>
+          </a:stretch>
+        </p:blipFill>
+        <p:spPr>
+          <a:xfrm>
+            <a:off x="3519577" y="3104253"/>
+            <a:ext cx="4678225" cy="1601152"/>
+          </a:xfrm>
+          <a:prstGeom prst="rect">
+            <a:avLst/>
+          </a:prstGeom>
+        </p:spPr>
+      </p:pic>
+      <p:sp>
+        <p:nvSpPr>
+          <p:cNvPr id="6" name="pole tekstowe 5"/>
+          <p:cNvSpPr txBox="1"/>
+          <p:nvPr/>
+        </p:nvSpPr>
+        <p:spPr>
+          <a:xfrm>
+            <a:off x="672861" y="2465711"/>
+            <a:ext cx="11231592" cy="523220"/>
+          </a:xfrm>
+          <a:prstGeom prst="rect">
+            <a:avLst/>
+          </a:prstGeom>
+          <a:noFill/>
+        </p:spPr>
+        <p:txBody>
+          <a:bodyPr wrap="square" rtlCol="0">
+            <a:spAutoFit/>
+          </a:bodyPr>
+          <a:lstStyle/>
+          <a:p>
+            <a:r>
+              <a:rPr lang="pl-PL" sz="2800" dirty="0" smtClean="0">
+                <a:solidFill>
+                  <a:schemeClr val="bg1"/>
+                </a:solidFill>
+                <a:latin typeface="+mj-lt"/>
+              </a:rPr>
+              <a:t>Klasa </a:t>
+            </a:r>
+            <a:r>
+              <a:rPr lang="pl-PL" sz="2800" dirty="0" err="1" smtClean="0">
+                <a:solidFill>
+                  <a:schemeClr val="bg1"/>
+                </a:solidFill>
+                <a:latin typeface="+mj-lt"/>
+              </a:rPr>
+              <a:t>Vertex</a:t>
+            </a:r>
+            <a:r>
+              <a:rPr lang="pl-PL" sz="2800" dirty="0" smtClean="0">
+                <a:solidFill>
+                  <a:schemeClr val="bg1"/>
+                </a:solidFill>
+                <a:latin typeface="+mj-lt"/>
+              </a:rPr>
+              <a:t> (moduł </a:t>
+            </a:r>
+            <a:r>
+              <a:rPr lang="pl-PL" sz="2800" dirty="0" err="1" smtClean="0">
+                <a:solidFill>
+                  <a:schemeClr val="bg1"/>
+                </a:solidFill>
+                <a:latin typeface="+mj-lt"/>
+              </a:rPr>
+              <a:t>dcel</a:t>
+            </a:r>
+            <a:r>
+              <a:rPr lang="pl-PL" sz="2800" dirty="0" smtClean="0">
+                <a:solidFill>
+                  <a:schemeClr val="bg1"/>
+                </a:solidFill>
+                <a:latin typeface="+mj-lt"/>
+              </a:rPr>
+              <a:t>)</a:t>
+            </a:r>
+            <a:endParaRPr lang="pl-PL" sz="2800" dirty="0">
+              <a:solidFill>
+                <a:schemeClr val="bg1"/>
+              </a:solidFill>
+              <a:latin typeface="+mj-lt"/>
+            </a:endParaRPr>
+          </a:p>
+        </p:txBody>
+      </p:sp>
+      <p:pic>
+        <p:nvPicPr>
+          <p:cNvPr id="7" name="Obraz 6"/>
+          <p:cNvPicPr>
+            <a:picLocks noChangeAspect="1"/>
+          </p:cNvPicPr>
+          <p:nvPr/>
+        </p:nvPicPr>
+        <p:blipFill>
+          <a:blip r:embed="rId4"/>
+          <a:stretch>
+            <a:fillRect/>
+          </a:stretch>
+        </p:blipFill>
+        <p:spPr>
+          <a:xfrm>
+            <a:off x="3519577" y="5195969"/>
+            <a:ext cx="5784280" cy="1593020"/>
+          </a:xfrm>
+          <a:prstGeom prst="rect">
+            <a:avLst/>
+          </a:prstGeom>
+        </p:spPr>
+      </p:pic>
+      <p:sp>
+        <p:nvSpPr>
+          <p:cNvPr id="8" name="pole tekstowe 7"/>
+          <p:cNvSpPr txBox="1"/>
+          <p:nvPr/>
+        </p:nvSpPr>
+        <p:spPr>
+          <a:xfrm>
+            <a:off x="672861" y="4653180"/>
+            <a:ext cx="4433977" cy="523220"/>
+          </a:xfrm>
+          <a:prstGeom prst="rect">
+            <a:avLst/>
+          </a:prstGeom>
+          <a:noFill/>
+        </p:spPr>
+        <p:txBody>
+          <a:bodyPr wrap="square" rtlCol="0">
+            <a:spAutoFit/>
+          </a:bodyPr>
+          <a:lstStyle/>
+          <a:p>
+            <a:r>
+              <a:rPr lang="pl-PL" sz="2800" dirty="0" smtClean="0">
+                <a:solidFill>
+                  <a:schemeClr val="bg1"/>
+                </a:solidFill>
+                <a:latin typeface="+mj-lt"/>
+              </a:rPr>
+              <a:t>Klasa Face (moduł </a:t>
+            </a:r>
+            <a:r>
+              <a:rPr lang="pl-PL" sz="2800" dirty="0" err="1" smtClean="0">
+                <a:solidFill>
+                  <a:schemeClr val="bg1"/>
+                </a:solidFill>
+                <a:latin typeface="+mj-lt"/>
+              </a:rPr>
+              <a:t>dcel</a:t>
+            </a:r>
+            <a:r>
+              <a:rPr lang="pl-PL" sz="2800" dirty="0" smtClean="0">
+                <a:solidFill>
+                  <a:schemeClr val="bg1"/>
+                </a:solidFill>
+                <a:latin typeface="+mj-lt"/>
+              </a:rPr>
+              <a:t>)</a:t>
+            </a:r>
+            <a:endParaRPr lang="pl-PL" sz="2800" dirty="0">
+              <a:solidFill>
+                <a:schemeClr val="bg1"/>
+              </a:solidFill>
+              <a:latin typeface="+mj-lt"/>
+            </a:endParaRPr>
+          </a:p>
+        </p:txBody>
+      </p:sp>
+    </p:spTree>
+    <p:extLst>
+      <p:ext uri="{BB962C8B-B14F-4D97-AF65-F5344CB8AC3E}">
+        <p14:creationId xmlns:p14="http://schemas.microsoft.com/office/powerpoint/2010/main" val="2540211224"/>
+      </p:ext>
+    </p:extLst>
+  </p:cSld>
+  <p:clrMapOvr>
+    <a:masterClrMapping/>
+  </p:clrMapOvr>
+  <p:timing>
+    <p:tnLst>
+      <p:par>
+        <p:cTn id="1" dur="indefinite" restart="never" nodeType="tmRoot"/>
+      </p:par>
+    </p:tnLst>
+  </p:timing>
+</p:sld>
+</file>
+
+<file path=ppt/slides/slide31.xml><?xml version="1.0" encoding="utf-8"?>
+<p:sld xmlns:a="http://schemas.openxmlformats.org/drawingml/2006/main" xmlns:r="http://schemas.openxmlformats.org/officeDocument/2006/relationships" xmlns:p="http://schemas.openxmlformats.org/presentationml/2006/main">
+  <p:cSld>
+    <p:bg>
+      <p:bgPr>
+        <a:solidFill>
+          <a:srgbClr val="1F1F1F"/>
+        </a:solidFill>
+        <a:effectLst/>
+      </p:bgPr>
+    </p:bg>
+    <p:spTree>
+      <p:nvGrpSpPr>
+        <p:cNvPr id="1" name=""/>
+        <p:cNvGrpSpPr/>
+        <p:nvPr/>
+      </p:nvGrpSpPr>
+      <p:grpSpPr>
+        <a:xfrm>
+          <a:off x="0" y="0"/>
+          <a:ext cx="0" cy="0"/>
+          <a:chOff x="0" y="0"/>
+          <a:chExt cx="0" cy="0"/>
+        </a:xfrm>
+      </p:grpSpPr>
+      <p:sp>
+        <p:nvSpPr>
+          <p:cNvPr id="2" name="Tytuł 1"/>
+          <p:cNvSpPr>
+            <a:spLocks noGrp="1"/>
+          </p:cNvSpPr>
+          <p:nvPr>
+            <p:ph type="title"/>
+          </p:nvPr>
+        </p:nvSpPr>
+        <p:spPr/>
+        <p:txBody>
+          <a:bodyPr>
+            <a:normAutofit/>
+          </a:bodyPr>
+          <a:lstStyle/>
+          <a:p>
+            <a:r>
+              <a:rPr lang="pl-PL" sz="4000" dirty="0" smtClean="0">
+                <a:solidFill>
+                  <a:schemeClr val="bg1"/>
+                </a:solidFill>
+              </a:rPr>
+              <a:t>Klasa </a:t>
+            </a:r>
+            <a:r>
+              <a:rPr lang="pl-PL" sz="4000" dirty="0" err="1" smtClean="0">
+                <a:solidFill>
+                  <a:schemeClr val="bg1"/>
+                </a:solidFill>
+              </a:rPr>
+              <a:t>HalfEdge</a:t>
+            </a:r>
+            <a:r>
+              <a:rPr lang="pl-PL" sz="4000" dirty="0" smtClean="0">
+                <a:solidFill>
+                  <a:schemeClr val="bg1"/>
+                </a:solidFill>
+              </a:rPr>
+              <a:t> (moduł </a:t>
+            </a:r>
+            <a:r>
+              <a:rPr lang="pl-PL" sz="4000" dirty="0" err="1" smtClean="0">
+                <a:solidFill>
+                  <a:schemeClr val="bg1"/>
+                </a:solidFill>
+              </a:rPr>
+              <a:t>dcel</a:t>
+            </a:r>
+            <a:r>
+              <a:rPr lang="pl-PL" sz="4000" dirty="0" smtClean="0">
+                <a:solidFill>
+                  <a:schemeClr val="bg1"/>
+                </a:solidFill>
+              </a:rPr>
+              <a:t>)</a:t>
+            </a:r>
+            <a:endParaRPr lang="pl-PL" sz="4000" dirty="0">
+              <a:solidFill>
+                <a:schemeClr val="bg1"/>
+              </a:solidFill>
+            </a:endParaRPr>
+          </a:p>
+        </p:txBody>
+      </p:sp>
+      <p:pic>
+        <p:nvPicPr>
+          <p:cNvPr id="4" name="Symbol zastępczy zawartości 3"/>
+          <p:cNvPicPr>
+            <a:picLocks noGrp="1" noChangeAspect="1"/>
+          </p:cNvPicPr>
+          <p:nvPr>
+            <p:ph idx="1"/>
+          </p:nvPr>
+        </p:nvPicPr>
+        <p:blipFill>
+          <a:blip r:embed="rId2"/>
+          <a:stretch>
+            <a:fillRect/>
+          </a:stretch>
+        </p:blipFill>
+        <p:spPr>
+          <a:xfrm>
+            <a:off x="1477644" y="1600253"/>
+            <a:ext cx="7789748" cy="4351338"/>
+          </a:xfrm>
+          <a:prstGeom prst="rect">
+            <a:avLst/>
+          </a:prstGeom>
+        </p:spPr>
+      </p:pic>
+    </p:spTree>
+    <p:extLst>
+      <p:ext uri="{BB962C8B-B14F-4D97-AF65-F5344CB8AC3E}">
+        <p14:creationId xmlns:p14="http://schemas.microsoft.com/office/powerpoint/2010/main" val="4064061204"/>
+      </p:ext>
+    </p:extLst>
+  </p:cSld>
+  <p:clrMapOvr>
+    <a:masterClrMapping/>
+  </p:clrMapOvr>
+  <p:timing>
+    <p:tnLst>
+      <p:par>
+        <p:cTn id="1" dur="indefinite" restart="never" nodeType="tmRoot"/>
+      </p:par>
+    </p:tnLst>
+  </p:timing>
+</p:sld>
+</file>
+
+<file path=ppt/slides/slide32.xml><?xml version="1.0" encoding="utf-8"?>
+<p:sld xmlns:a="http://schemas.openxmlformats.org/drawingml/2006/main" xmlns:r="http://schemas.openxmlformats.org/officeDocument/2006/relationships" xmlns:p="http://schemas.openxmlformats.org/presentationml/2006/main">
+  <p:cSld>
+    <p:bg>
+      <p:bgPr>
+        <a:solidFill>
+          <a:srgbClr val="1F1F1F"/>
+        </a:solidFill>
+        <a:effectLst/>
+      </p:bgPr>
+    </p:bg>
+    <p:spTree>
+      <p:nvGrpSpPr>
+        <p:cNvPr id="1" name=""/>
+        <p:cNvGrpSpPr/>
+        <p:nvPr/>
+      </p:nvGrpSpPr>
+      <p:grpSpPr>
+        <a:xfrm>
+          <a:off x="0" y="0"/>
+          <a:ext cx="0" cy="0"/>
+          <a:chOff x="0" y="0"/>
+          <a:chExt cx="0" cy="0"/>
+        </a:xfrm>
+      </p:grpSpPr>
+      <p:sp>
+        <p:nvSpPr>
+          <p:cNvPr id="2" name="Tytuł 1"/>
+          <p:cNvSpPr>
+            <a:spLocks noGrp="1"/>
+          </p:cNvSpPr>
+          <p:nvPr>
+            <p:ph type="title"/>
+          </p:nvPr>
+        </p:nvSpPr>
+        <p:spPr/>
+        <p:txBody>
+          <a:bodyPr/>
+          <a:lstStyle/>
+          <a:p>
+            <a:r>
+              <a:rPr lang="pl-PL" dirty="0" smtClean="0">
+                <a:solidFill>
+                  <a:schemeClr val="bg1"/>
+                </a:solidFill>
+              </a:rPr>
+              <a:t>Klasa Arc</a:t>
+            </a:r>
+            <a:endParaRPr lang="pl-PL" dirty="0">
+              <a:solidFill>
+                <a:schemeClr val="bg1"/>
+              </a:solidFill>
+            </a:endParaRPr>
+          </a:p>
+        </p:txBody>
+      </p:sp>
+      <p:pic>
+        <p:nvPicPr>
+          <p:cNvPr id="4" name="Obraz 3"/>
+          <p:cNvPicPr>
+            <a:picLocks noChangeAspect="1"/>
+          </p:cNvPicPr>
+          <p:nvPr/>
+        </p:nvPicPr>
+        <p:blipFill>
+          <a:blip r:embed="rId2"/>
+          <a:stretch>
+            <a:fillRect/>
+          </a:stretch>
+        </p:blipFill>
+        <p:spPr>
+          <a:xfrm>
+            <a:off x="2600325" y="2205037"/>
+            <a:ext cx="6991350" cy="2447925"/>
+          </a:xfrm>
+          <a:prstGeom prst="rect">
+            <a:avLst/>
+          </a:prstGeom>
+        </p:spPr>
+      </p:pic>
+    </p:spTree>
+    <p:extLst>
+      <p:ext uri="{BB962C8B-B14F-4D97-AF65-F5344CB8AC3E}">
+        <p14:creationId xmlns:p14="http://schemas.microsoft.com/office/powerpoint/2010/main" val="3190101093"/>
+      </p:ext>
+    </p:extLst>
+  </p:cSld>
+  <p:clrMapOvr>
+    <a:masterClrMapping/>
+  </p:clrMapOvr>
+  <p:timing>
+    <p:tnLst>
+      <p:par>
+        <p:cTn id="1" dur="indefinite" restart="never" nodeType="tmRoot"/>
+      </p:par>
+    </p:tnLst>
+  </p:timing>
+</p:sld>
+</file>
+
+<file path=ppt/slides/slide33.xml><?xml version="1.0" encoding="utf-8"?>
+<p:sld xmlns:a="http://schemas.openxmlformats.org/drawingml/2006/main" xmlns:r="http://schemas.openxmlformats.org/officeDocument/2006/relationships" xmlns:p="http://schemas.openxmlformats.org/presentationml/2006/main">
+  <p:cSld>
+    <p:bg>
+      <p:bgPr>
+        <a:solidFill>
+          <a:srgbClr val="1F1F1F"/>
+        </a:solidFill>
+        <a:effectLst/>
+      </p:bgPr>
+    </p:bg>
+    <p:spTree>
+      <p:nvGrpSpPr>
+        <p:cNvPr id="1" name=""/>
+        <p:cNvGrpSpPr/>
+        <p:nvPr/>
+      </p:nvGrpSpPr>
+      <p:grpSpPr>
+        <a:xfrm>
+          <a:off x="0" y="0"/>
+          <a:ext cx="0" cy="0"/>
+          <a:chOff x="0" y="0"/>
+          <a:chExt cx="0" cy="0"/>
+        </a:xfrm>
+      </p:grpSpPr>
+      <p:sp>
+        <p:nvSpPr>
+          <p:cNvPr id="2" name="Tytuł 1"/>
+          <p:cNvSpPr>
+            <a:spLocks noGrp="1"/>
+          </p:cNvSpPr>
+          <p:nvPr>
+            <p:ph type="title"/>
+          </p:nvPr>
+        </p:nvSpPr>
+        <p:spPr/>
+        <p:txBody>
+          <a:bodyPr/>
+          <a:lstStyle/>
+          <a:p>
+            <a:r>
+              <a:rPr lang="pl-PL" dirty="0" smtClean="0">
+                <a:solidFill>
+                  <a:schemeClr val="bg1"/>
+                </a:solidFill>
+              </a:rPr>
+              <a:t>Klasa </a:t>
+            </a:r>
+            <a:r>
+              <a:rPr lang="pl-PL" dirty="0" err="1" smtClean="0">
+                <a:solidFill>
+                  <a:schemeClr val="bg1"/>
+                </a:solidFill>
+              </a:rPr>
+              <a:t>Breakpoint</a:t>
+            </a:r>
+            <a:endParaRPr lang="pl-PL" dirty="0">
+              <a:solidFill>
+                <a:schemeClr val="bg1"/>
+              </a:solidFill>
+            </a:endParaRPr>
+          </a:p>
+        </p:txBody>
+      </p:sp>
+      <p:pic>
+        <p:nvPicPr>
+          <p:cNvPr id="4" name="Obraz 3"/>
+          <p:cNvPicPr>
+            <a:picLocks noChangeAspect="1"/>
+          </p:cNvPicPr>
+          <p:nvPr/>
+        </p:nvPicPr>
+        <p:blipFill>
+          <a:blip r:embed="rId2"/>
+          <a:stretch>
+            <a:fillRect/>
+          </a:stretch>
+        </p:blipFill>
+        <p:spPr>
+          <a:xfrm>
+            <a:off x="2339303" y="2562045"/>
+            <a:ext cx="6775674" cy="1662742"/>
+          </a:xfrm>
+          <a:prstGeom prst="rect">
+            <a:avLst/>
+          </a:prstGeom>
+        </p:spPr>
+      </p:pic>
+    </p:spTree>
+    <p:extLst>
+      <p:ext uri="{BB962C8B-B14F-4D97-AF65-F5344CB8AC3E}">
+        <p14:creationId xmlns:p14="http://schemas.microsoft.com/office/powerpoint/2010/main" val="598486248"/>
+      </p:ext>
+    </p:extLst>
+  </p:cSld>
+  <p:clrMapOvr>
+    <a:masterClrMapping/>
+  </p:clrMapOvr>
+  <p:timing>
+    <p:tnLst>
+      <p:par>
+        <p:cTn id="1" dur="indefinite" restart="never" nodeType="tmRoot"/>
+      </p:par>
+    </p:tnLst>
+  </p:timing>
+</p:sld>
+</file>
+
+<file path=ppt/slides/slide34.xml><?xml version="1.0" encoding="utf-8"?>
+<p:sld xmlns:a="http://schemas.openxmlformats.org/drawingml/2006/main" xmlns:r="http://schemas.openxmlformats.org/officeDocument/2006/relationships" xmlns:p="http://schemas.openxmlformats.org/presentationml/2006/main">
+  <p:cSld>
+    <p:bg>
+      <p:bgPr>
+        <a:solidFill>
+          <a:srgbClr val="1F1F1F"/>
+        </a:solidFill>
+        <a:effectLst/>
+      </p:bgPr>
+    </p:bg>
+    <p:spTree>
+      <p:nvGrpSpPr>
+        <p:cNvPr id="1" name=""/>
+        <p:cNvGrpSpPr/>
+        <p:nvPr/>
+      </p:nvGrpSpPr>
+      <p:grpSpPr>
+        <a:xfrm>
+          <a:off x="0" y="0"/>
+          <a:ext cx="0" cy="0"/>
+          <a:chOff x="0" y="0"/>
+          <a:chExt cx="0" cy="0"/>
+        </a:xfrm>
+      </p:grpSpPr>
+      <p:sp>
+        <p:nvSpPr>
+          <p:cNvPr id="2" name="Tytuł 1"/>
+          <p:cNvSpPr>
+            <a:spLocks noGrp="1"/>
+          </p:cNvSpPr>
+          <p:nvPr>
+            <p:ph type="title"/>
+          </p:nvPr>
+        </p:nvSpPr>
+        <p:spPr/>
+        <p:txBody>
+          <a:bodyPr/>
+          <a:lstStyle/>
+          <a:p>
+            <a:r>
+              <a:rPr lang="pl-PL" dirty="0" smtClean="0">
+                <a:solidFill>
+                  <a:schemeClr val="bg1"/>
+                </a:solidFill>
+              </a:rPr>
+              <a:t>Klasa Event </a:t>
+            </a:r>
+            <a:endParaRPr lang="pl-PL" dirty="0">
+              <a:solidFill>
+                <a:schemeClr val="bg1"/>
+              </a:solidFill>
+            </a:endParaRPr>
+          </a:p>
+        </p:txBody>
+      </p:sp>
+      <p:pic>
+        <p:nvPicPr>
+          <p:cNvPr id="5" name="Obraz 4"/>
+          <p:cNvPicPr>
+            <a:picLocks noChangeAspect="1"/>
+          </p:cNvPicPr>
+          <p:nvPr/>
+        </p:nvPicPr>
+        <p:blipFill>
+          <a:blip r:embed="rId2"/>
+          <a:stretch>
+            <a:fillRect/>
+          </a:stretch>
+        </p:blipFill>
+        <p:spPr>
+          <a:xfrm>
+            <a:off x="2371261" y="2253470"/>
+            <a:ext cx="6791699" cy="3025895"/>
+          </a:xfrm>
+          <a:prstGeom prst="rect">
+            <a:avLst/>
+          </a:prstGeom>
+        </p:spPr>
+      </p:pic>
+    </p:spTree>
+    <p:extLst>
+      <p:ext uri="{BB962C8B-B14F-4D97-AF65-F5344CB8AC3E}">
+        <p14:creationId xmlns:p14="http://schemas.microsoft.com/office/powerpoint/2010/main" val="2832367319"/>
+      </p:ext>
+    </p:extLst>
+  </p:cSld>
+  <p:clrMapOvr>
+    <a:masterClrMapping/>
+  </p:clrMapOvr>
+  <p:timing>
+    <p:tnLst>
+      <p:par>
+        <p:cTn id="1" dur="indefinite" restart="never" nodeType="tmRoot"/>
+      </p:par>
+    </p:tnLst>
+  </p:timing>
+</p:sld>
+</file>
+
+<file path=ppt/slides/slide35.xml><?xml version="1.0" encoding="utf-8"?>
+<p:sld xmlns:a="http://schemas.openxmlformats.org/drawingml/2006/main" xmlns:r="http://schemas.openxmlformats.org/officeDocument/2006/relationships" xmlns:p="http://schemas.openxmlformats.org/presentationml/2006/main">
+  <p:cSld>
+    <p:spTree>
+      <p:nvGrpSpPr>
+        <p:cNvPr id="1" name=""/>
+        <p:cNvGrpSpPr/>
+        <p:nvPr/>
+      </p:nvGrpSpPr>
+      <p:grpSpPr>
+        <a:xfrm>
+          <a:off x="0" y="0"/>
+          <a:ext cx="0" cy="0"/>
+          <a:chOff x="0" y="0"/>
+          <a:chExt cx="0" cy="0"/>
+        </a:xfrm>
+      </p:grpSpPr>
+      <p:sp>
+        <p:nvSpPr>
+          <p:cNvPr id="2" name="Tytuł 1"/>
+          <p:cNvSpPr>
+            <a:spLocks noGrp="1"/>
+          </p:cNvSpPr>
+          <p:nvPr>
+            <p:ph type="title"/>
+          </p:nvPr>
+        </p:nvSpPr>
+        <p:spPr>
+          <a:xfrm>
+            <a:off x="950344" y="2616620"/>
+            <a:ext cx="10515600" cy="1325563"/>
+          </a:xfrm>
+        </p:spPr>
+        <p:txBody>
+          <a:bodyPr/>
+          <a:lstStyle/>
+          <a:p>
+            <a:pPr algn="ctr"/>
+            <a:r>
+              <a:rPr lang="pl-PL" dirty="0" smtClean="0"/>
+              <a:t>IMPLEMENTACJA ALGORYTMU</a:t>
+            </a:r>
+            <a:endParaRPr lang="pl-PL" dirty="0"/>
+          </a:p>
+        </p:txBody>
+      </p:sp>
+    </p:spTree>
+    <p:extLst>
+      <p:ext uri="{BB962C8B-B14F-4D97-AF65-F5344CB8AC3E}">
+        <p14:creationId xmlns:p14="http://schemas.microsoft.com/office/powerpoint/2010/main" val="1994142377"/>
+      </p:ext>
+    </p:extLst>
+  </p:cSld>
+  <p:clrMapOvr>
+    <a:masterClrMapping/>
+  </p:clrMapOvr>
+  <p:timing>
+    <p:tnLst>
+      <p:par>
+        <p:cTn id="1" dur="indefinite" restart="never" nodeType="tmRoot"/>
+      </p:par>
+    </p:tnLst>
+  </p:timing>
+</p:sld>
+</file>
+
+<file path=ppt/slides/slide36.xml><?xml version="1.0" encoding="utf-8"?>
+<p:sld xmlns:a="http://schemas.openxmlformats.org/drawingml/2006/main" xmlns:r="http://schemas.openxmlformats.org/officeDocument/2006/relationships" xmlns:p="http://schemas.openxmlformats.org/presentationml/2006/main">
+  <p:cSld>
+    <p:bg>
+      <p:bgPr>
+        <a:solidFill>
+          <a:srgbClr val="1F1F1F"/>
+        </a:solidFill>
+        <a:effectLst/>
+      </p:bgPr>
+    </p:bg>
+    <p:spTree>
+      <p:nvGrpSpPr>
+        <p:cNvPr id="1" name=""/>
+        <p:cNvGrpSpPr/>
+        <p:nvPr/>
+      </p:nvGrpSpPr>
+      <p:grpSpPr>
+        <a:xfrm>
+          <a:off x="0" y="0"/>
+          <a:ext cx="0" cy="0"/>
+          <a:chOff x="0" y="0"/>
+          <a:chExt cx="0" cy="0"/>
+        </a:xfrm>
+      </p:grpSpPr>
+      <p:pic>
+        <p:nvPicPr>
+          <p:cNvPr id="5" name="Obraz 4"/>
+          <p:cNvPicPr>
+            <a:picLocks noChangeAspect="1"/>
+          </p:cNvPicPr>
+          <p:nvPr/>
+        </p:nvPicPr>
+        <p:blipFill>
+          <a:blip r:embed="rId2"/>
+          <a:stretch>
+            <a:fillRect/>
+          </a:stretch>
+        </p:blipFill>
+        <p:spPr>
+          <a:xfrm>
+            <a:off x="3238500" y="52387"/>
+            <a:ext cx="5715000" cy="6753225"/>
+          </a:xfrm>
+          <a:prstGeom prst="rect">
+            <a:avLst/>
+          </a:prstGeom>
+        </p:spPr>
+      </p:pic>
+    </p:spTree>
+    <p:extLst>
+      <p:ext uri="{BB962C8B-B14F-4D97-AF65-F5344CB8AC3E}">
+        <p14:creationId xmlns:p14="http://schemas.microsoft.com/office/powerpoint/2010/main" val="1352602426"/>
+      </p:ext>
+    </p:extLst>
+  </p:cSld>
+  <p:clrMapOvr>
+    <a:masterClrMapping/>
+  </p:clrMapOvr>
+  <p:timing>
+    <p:tnLst>
+      <p:par>
+        <p:cTn id="1" dur="indefinite" restart="never" nodeType="tmRoot"/>
+      </p:par>
+    </p:tnLst>
+  </p:timing>
+</p:sld>
+</file>
+
+<file path=ppt/slides/slide37.xml><?xml version="1.0" encoding="utf-8"?>
+<p:sld xmlns:a="http://schemas.openxmlformats.org/drawingml/2006/main" xmlns:r="http://schemas.openxmlformats.org/officeDocument/2006/relationships" xmlns:p="http://schemas.openxmlformats.org/presentationml/2006/main">
+  <p:cSld>
+    <p:bg>
+      <p:bgPr>
+        <a:solidFill>
+          <a:srgbClr val="1F1F1F"/>
+        </a:solidFill>
+        <a:effectLst/>
+      </p:bgPr>
+    </p:bg>
+    <p:spTree>
+      <p:nvGrpSpPr>
+        <p:cNvPr id="1" name=""/>
+        <p:cNvGrpSpPr/>
+        <p:nvPr/>
+      </p:nvGrpSpPr>
+      <p:grpSpPr>
+        <a:xfrm>
+          <a:off x="0" y="0"/>
+          <a:ext cx="0" cy="0"/>
+          <a:chOff x="0" y="0"/>
+          <a:chExt cx="0" cy="0"/>
+        </a:xfrm>
+      </p:grpSpPr>
+      <p:pic>
+        <p:nvPicPr>
+          <p:cNvPr id="4" name="Obraz 3"/>
+          <p:cNvPicPr>
+            <a:picLocks noChangeAspect="1"/>
+          </p:cNvPicPr>
+          <p:nvPr/>
+        </p:nvPicPr>
+        <p:blipFill>
+          <a:blip r:embed="rId2"/>
+          <a:stretch>
+            <a:fillRect/>
+          </a:stretch>
+        </p:blipFill>
+        <p:spPr>
+          <a:xfrm>
+            <a:off x="110797" y="1464309"/>
+            <a:ext cx="5717785" cy="4310087"/>
+          </a:xfrm>
+          <a:prstGeom prst="rect">
+            <a:avLst/>
+          </a:prstGeom>
+        </p:spPr>
+      </p:pic>
+      <p:pic>
+        <p:nvPicPr>
+          <p:cNvPr id="5" name="Obraz 4"/>
+          <p:cNvPicPr>
+            <a:picLocks noChangeAspect="1"/>
+          </p:cNvPicPr>
+          <p:nvPr/>
+        </p:nvPicPr>
+        <p:blipFill>
+          <a:blip r:embed="rId3"/>
+          <a:stretch>
+            <a:fillRect/>
+          </a:stretch>
+        </p:blipFill>
+        <p:spPr>
+          <a:xfrm>
+            <a:off x="5933739" y="1464309"/>
+            <a:ext cx="6258261" cy="3306099"/>
+          </a:xfrm>
+          <a:prstGeom prst="rect">
+            <a:avLst/>
+          </a:prstGeom>
+        </p:spPr>
+      </p:pic>
+    </p:spTree>
+    <p:extLst>
+      <p:ext uri="{BB962C8B-B14F-4D97-AF65-F5344CB8AC3E}">
+        <p14:creationId xmlns:p14="http://schemas.microsoft.com/office/powerpoint/2010/main" val="709388911"/>
+      </p:ext>
+    </p:extLst>
+  </p:cSld>
+  <p:clrMapOvr>
+    <a:masterClrMapping/>
+  </p:clrMapOvr>
+  <p:timing>
+    <p:tnLst>
+      <p:par>
+        <p:cTn id="1" dur="indefinite" restart="never" nodeType="tmRoot"/>
+      </p:par>
+    </p:tnLst>
+  </p:timing>
+</p:sld>
+</file>
+
+<file path=ppt/slides/slide38.xml><?xml version="1.0" encoding="utf-8"?>
+<p:sld xmlns:a="http://schemas.openxmlformats.org/drawingml/2006/main" xmlns:r="http://schemas.openxmlformats.org/officeDocument/2006/relationships" xmlns:p="http://schemas.openxmlformats.org/presentationml/2006/main">
+  <p:cSld>
+    <p:bg>
+      <p:bgPr>
+        <a:solidFill>
+          <a:srgbClr val="1F1F1F"/>
+        </a:solidFill>
+        <a:effectLst/>
+      </p:bgPr>
+    </p:bg>
+    <p:spTree>
+      <p:nvGrpSpPr>
+        <p:cNvPr id="1" name=""/>
+        <p:cNvGrpSpPr/>
+        <p:nvPr/>
+      </p:nvGrpSpPr>
+      <p:grpSpPr>
+        <a:xfrm>
+          <a:off x="0" y="0"/>
+          <a:ext cx="0" cy="0"/>
+          <a:chOff x="0" y="0"/>
+          <a:chExt cx="0" cy="0"/>
+        </a:xfrm>
+      </p:grpSpPr>
+      <p:pic>
+        <p:nvPicPr>
+          <p:cNvPr id="5" name="Obraz 4"/>
+          <p:cNvPicPr>
+            <a:picLocks noChangeAspect="1"/>
+          </p:cNvPicPr>
+          <p:nvPr/>
+        </p:nvPicPr>
+        <p:blipFill>
+          <a:blip r:embed="rId2"/>
+          <a:stretch>
+            <a:fillRect/>
+          </a:stretch>
+        </p:blipFill>
+        <p:spPr>
+          <a:xfrm>
+            <a:off x="1134136" y="0"/>
+            <a:ext cx="8785042" cy="6858000"/>
+          </a:xfrm>
+          <a:prstGeom prst="rect">
+            <a:avLst/>
+          </a:prstGeom>
+        </p:spPr>
+      </p:pic>
+    </p:spTree>
+    <p:extLst>
+      <p:ext uri="{BB962C8B-B14F-4D97-AF65-F5344CB8AC3E}">
+        <p14:creationId xmlns:p14="http://schemas.microsoft.com/office/powerpoint/2010/main" val="4203588981"/>
+      </p:ext>
+    </p:extLst>
+  </p:cSld>
+  <p:clrMapOvr>
+    <a:masterClrMapping/>
+  </p:clrMapOvr>
+  <p:timing>
+    <p:tnLst>
+      <p:par>
+        <p:cTn id="1" dur="indefinite" restart="never" nodeType="tmRoot"/>
+      </p:par>
+    </p:tnLst>
+  </p:timing>
+</p:sld>
+</file>
+
+<file path=ppt/slides/slide39.xml><?xml version="1.0" encoding="utf-8"?>
+<p:sld xmlns:a="http://schemas.openxmlformats.org/drawingml/2006/main" xmlns:r="http://schemas.openxmlformats.org/officeDocument/2006/relationships" xmlns:p="http://schemas.openxmlformats.org/presentationml/2006/main">
+  <p:cSld>
+    <p:bg>
+      <p:bgPr>
+        <a:solidFill>
+          <a:srgbClr val="1F1F1F"/>
+        </a:solidFill>
+        <a:effectLst/>
+      </p:bgPr>
+    </p:bg>
+    <p:spTree>
+      <p:nvGrpSpPr>
+        <p:cNvPr id="1" name=""/>
+        <p:cNvGrpSpPr/>
+        <p:nvPr/>
+      </p:nvGrpSpPr>
+      <p:grpSpPr>
+        <a:xfrm>
+          <a:off x="0" y="0"/>
+          <a:ext cx="0" cy="0"/>
+          <a:chOff x="0" y="0"/>
+          <a:chExt cx="0" cy="0"/>
+        </a:xfrm>
+      </p:grpSpPr>
+      <p:pic>
+        <p:nvPicPr>
+          <p:cNvPr id="4" name="Obraz 3"/>
+          <p:cNvPicPr>
+            <a:picLocks noChangeAspect="1"/>
+          </p:cNvPicPr>
+          <p:nvPr/>
+        </p:nvPicPr>
+        <p:blipFill>
+          <a:blip r:embed="rId2"/>
+          <a:stretch>
+            <a:fillRect/>
+          </a:stretch>
+        </p:blipFill>
+        <p:spPr>
+          <a:xfrm>
+            <a:off x="2347912" y="581025"/>
+            <a:ext cx="7496175" cy="5695950"/>
+          </a:xfrm>
+          <a:prstGeom prst="rect">
+            <a:avLst/>
+          </a:prstGeom>
+        </p:spPr>
+      </p:pic>
+    </p:spTree>
+    <p:extLst>
+      <p:ext uri="{BB962C8B-B14F-4D97-AF65-F5344CB8AC3E}">
+        <p14:creationId xmlns:p14="http://schemas.microsoft.com/office/powerpoint/2010/main" val="1123035293"/>
+      </p:ext>
+    </p:extLst>
+  </p:cSld>
+  <p:clrMapOvr>
+    <a:masterClrMapping/>
+  </p:clrMapOvr>
+  <p:timing>
+    <p:tnLst>
+      <p:par>
+        <p:cTn id="1" dur="indefinite" restart="never" nodeType="tmRoot"/>
+      </p:par>
+    </p:tnLst>
+  </p:timing>
 </p:sld>
 </file>
 
@@ -8972,10 +10264,10 @@
           <p:cNvPr id="2055" name="Rectangle 2054">
             <a:extLst>
               <a:ext uri="{FF2B5EF4-FFF2-40B4-BE49-F238E27FC236}">
-                <a16:creationId xmlns:a16="http://schemas.microsoft.com/office/drawing/2014/main" id="{42A4FC2C-047E-45A5-965D-8E1E3BF09BC6}"/>
+                <a16:creationId xmlns:a16="http://schemas.microsoft.com/office/drawing/2014/main" xmlns="" id="{42A4FC2C-047E-45A5-965D-8E1E3BF09BC6}"/>
               </a:ext>
               <a:ext uri="{C183D7F6-B498-43B3-948B-1728B52AA6E4}">
-                <adec:decorative xmlns:adec="http://schemas.microsoft.com/office/drawing/2017/decorative" val="1"/>
+                <adec:decorative xmlns:adec="http://schemas.microsoft.com/office/drawing/2017/decorative" xmlns="" val="1"/>
               </a:ext>
             </a:extLst>
           </p:cNvPr>
@@ -8985,7 +10277,7 @@
           <p:nvPr>
             <p:extLst>
               <p:ext uri="{386F3935-93C4-4BCD-93E2-E3B085C9AB24}">
-                <p16:designElem xmlns:p16="http://schemas.microsoft.com/office/powerpoint/2015/main" val="1"/>
+                <p16:designElem xmlns:p16="http://schemas.microsoft.com/office/powerpoint/2015/main" xmlns="" val="1"/>
               </p:ext>
             </p:extLst>
           </p:nvPr>
@@ -9127,7 +10419,7 @@
           <p:cNvPr id="2050" name="Picture 2" descr="Voronoi diagram under Manhattan distance">
             <a:extLst>
               <a:ext uri="{FF2B5EF4-FFF2-40B4-BE49-F238E27FC236}">
-                <a16:creationId xmlns:a16="http://schemas.microsoft.com/office/drawing/2014/main" id="{7826ABD4-2A31-1226-F26F-64B83AF32783}"/>
+                <a16:creationId xmlns:a16="http://schemas.microsoft.com/office/drawing/2014/main" xmlns="" id="{7826ABD4-2A31-1226-F26F-64B83AF32783}"/>
               </a:ext>
             </a:extLst>
           </p:cNvPr>
@@ -9179,6 +10471,724 @@
   <p:clrMapOvr>
     <a:masterClrMapping/>
   </p:clrMapOvr>
+  <p:timing>
+    <p:tnLst>
+      <p:par>
+        <p:cTn id="1" dur="indefinite" restart="never" nodeType="tmRoot"/>
+      </p:par>
+    </p:tnLst>
+  </p:timing>
+</p:sld>
+</file>
+
+<file path=ppt/slides/slide40.xml><?xml version="1.0" encoding="utf-8"?>
+<p:sld xmlns:a="http://schemas.openxmlformats.org/drawingml/2006/main" xmlns:r="http://schemas.openxmlformats.org/officeDocument/2006/relationships" xmlns:p="http://schemas.openxmlformats.org/presentationml/2006/main">
+  <p:cSld>
+    <p:bg>
+      <p:bgPr>
+        <a:solidFill>
+          <a:srgbClr val="1F1F1F"/>
+        </a:solidFill>
+        <a:effectLst/>
+      </p:bgPr>
+    </p:bg>
+    <p:spTree>
+      <p:nvGrpSpPr>
+        <p:cNvPr id="1" name=""/>
+        <p:cNvGrpSpPr/>
+        <p:nvPr/>
+      </p:nvGrpSpPr>
+      <p:grpSpPr>
+        <a:xfrm>
+          <a:off x="0" y="0"/>
+          <a:ext cx="0" cy="0"/>
+          <a:chOff x="0" y="0"/>
+          <a:chExt cx="0" cy="0"/>
+        </a:xfrm>
+      </p:grpSpPr>
+      <p:pic>
+        <p:nvPicPr>
+          <p:cNvPr id="4" name="Obraz 3"/>
+          <p:cNvPicPr>
+            <a:picLocks noChangeAspect="1"/>
+          </p:cNvPicPr>
+          <p:nvPr/>
+        </p:nvPicPr>
+        <p:blipFill>
+          <a:blip r:embed="rId2"/>
+          <a:stretch>
+            <a:fillRect/>
+          </a:stretch>
+        </p:blipFill>
+        <p:spPr>
+          <a:xfrm>
+            <a:off x="745016" y="338767"/>
+            <a:ext cx="9839325" cy="6076950"/>
+          </a:xfrm>
+          <a:prstGeom prst="rect">
+            <a:avLst/>
+          </a:prstGeom>
+          <a:solidFill>
+            <a:srgbClr val="1F1F1F"/>
+          </a:solidFill>
+        </p:spPr>
+      </p:pic>
+    </p:spTree>
+    <p:extLst>
+      <p:ext uri="{BB962C8B-B14F-4D97-AF65-F5344CB8AC3E}">
+        <p14:creationId xmlns:p14="http://schemas.microsoft.com/office/powerpoint/2010/main" val="2473877380"/>
+      </p:ext>
+    </p:extLst>
+  </p:cSld>
+  <p:clrMapOvr>
+    <a:masterClrMapping/>
+  </p:clrMapOvr>
+  <p:timing>
+    <p:tnLst>
+      <p:par>
+        <p:cTn id="1" dur="indefinite" restart="never" nodeType="tmRoot"/>
+      </p:par>
+    </p:tnLst>
+  </p:timing>
+</p:sld>
+</file>
+
+<file path=ppt/slides/slide41.xml><?xml version="1.0" encoding="utf-8"?>
+<p:sld xmlns:a="http://schemas.openxmlformats.org/drawingml/2006/main" xmlns:r="http://schemas.openxmlformats.org/officeDocument/2006/relationships" xmlns:p="http://schemas.openxmlformats.org/presentationml/2006/main">
+  <p:cSld>
+    <p:bg>
+      <p:bgPr>
+        <a:solidFill>
+          <a:srgbClr val="1F1F1F"/>
+        </a:solidFill>
+        <a:effectLst/>
+      </p:bgPr>
+    </p:bg>
+    <p:spTree>
+      <p:nvGrpSpPr>
+        <p:cNvPr id="1" name=""/>
+        <p:cNvGrpSpPr/>
+        <p:nvPr/>
+      </p:nvGrpSpPr>
+      <p:grpSpPr>
+        <a:xfrm>
+          <a:off x="0" y="0"/>
+          <a:ext cx="0" cy="0"/>
+          <a:chOff x="0" y="0"/>
+          <a:chExt cx="0" cy="0"/>
+        </a:xfrm>
+      </p:grpSpPr>
+      <p:pic>
+        <p:nvPicPr>
+          <p:cNvPr id="4" name="Obraz 3"/>
+          <p:cNvPicPr>
+            <a:picLocks noChangeAspect="1"/>
+          </p:cNvPicPr>
+          <p:nvPr/>
+        </p:nvPicPr>
+        <p:blipFill>
+          <a:blip r:embed="rId2"/>
+          <a:stretch>
+            <a:fillRect/>
+          </a:stretch>
+        </p:blipFill>
+        <p:spPr>
+          <a:xfrm>
+            <a:off x="1906836" y="0"/>
+            <a:ext cx="8378328" cy="6858000"/>
+          </a:xfrm>
+          <a:prstGeom prst="rect">
+            <a:avLst/>
+          </a:prstGeom>
+        </p:spPr>
+      </p:pic>
+    </p:spTree>
+    <p:extLst>
+      <p:ext uri="{BB962C8B-B14F-4D97-AF65-F5344CB8AC3E}">
+        <p14:creationId xmlns:p14="http://schemas.microsoft.com/office/powerpoint/2010/main" val="2042602518"/>
+      </p:ext>
+    </p:extLst>
+  </p:cSld>
+  <p:clrMapOvr>
+    <a:masterClrMapping/>
+  </p:clrMapOvr>
+  <p:timing>
+    <p:tnLst>
+      <p:par>
+        <p:cTn id="1" dur="indefinite" restart="never" nodeType="tmRoot"/>
+      </p:par>
+    </p:tnLst>
+  </p:timing>
+</p:sld>
+</file>
+
+<file path=ppt/slides/slide42.xml><?xml version="1.0" encoding="utf-8"?>
+<p:sld xmlns:a="http://schemas.openxmlformats.org/drawingml/2006/main" xmlns:r="http://schemas.openxmlformats.org/officeDocument/2006/relationships" xmlns:p="http://schemas.openxmlformats.org/presentationml/2006/main">
+  <p:cSld>
+    <p:spTree>
+      <p:nvGrpSpPr>
+        <p:cNvPr id="1" name=""/>
+        <p:cNvGrpSpPr/>
+        <p:nvPr/>
+      </p:nvGrpSpPr>
+      <p:grpSpPr>
+        <a:xfrm>
+          <a:off x="0" y="0"/>
+          <a:ext cx="0" cy="0"/>
+          <a:chOff x="0" y="0"/>
+          <a:chExt cx="0" cy="0"/>
+        </a:xfrm>
+      </p:grpSpPr>
+      <p:sp>
+        <p:nvSpPr>
+          <p:cNvPr id="2" name="Tytuł 1"/>
+          <p:cNvSpPr>
+            <a:spLocks noGrp="1"/>
+          </p:cNvSpPr>
+          <p:nvPr>
+            <p:ph type="title"/>
+          </p:nvPr>
+        </p:nvSpPr>
+        <p:spPr>
+          <a:xfrm>
+            <a:off x="2140789" y="2185299"/>
+            <a:ext cx="10515600" cy="1325563"/>
+          </a:xfrm>
+        </p:spPr>
+        <p:txBody>
+          <a:bodyPr/>
+          <a:lstStyle/>
+          <a:p>
+            <a:r>
+              <a:rPr lang="pl-PL" dirty="0" smtClean="0"/>
+              <a:t>WIZUALIZACJA NA PRZYKŁADZIE</a:t>
+            </a:r>
+            <a:endParaRPr lang="pl-PL" dirty="0"/>
+          </a:p>
+        </p:txBody>
+      </p:sp>
+    </p:spTree>
+    <p:extLst>
+      <p:ext uri="{BB962C8B-B14F-4D97-AF65-F5344CB8AC3E}">
+        <p14:creationId xmlns:p14="http://schemas.microsoft.com/office/powerpoint/2010/main" val="58599324"/>
+      </p:ext>
+    </p:extLst>
+  </p:cSld>
+  <p:clrMapOvr>
+    <a:masterClrMapping/>
+  </p:clrMapOvr>
+  <p:timing>
+    <p:tnLst>
+      <p:par>
+        <p:cTn id="1" dur="indefinite" restart="never" nodeType="tmRoot"/>
+      </p:par>
+    </p:tnLst>
+  </p:timing>
+</p:sld>
+</file>
+
+<file path=ppt/slides/slide43.xml><?xml version="1.0" encoding="utf-8"?>
+<p:sld xmlns:a="http://schemas.openxmlformats.org/drawingml/2006/main" xmlns:r="http://schemas.openxmlformats.org/officeDocument/2006/relationships" xmlns:p="http://schemas.openxmlformats.org/presentationml/2006/main">
+  <p:cSld>
+    <p:spTree>
+      <p:nvGrpSpPr>
+        <p:cNvPr id="1" name=""/>
+        <p:cNvGrpSpPr/>
+        <p:nvPr/>
+      </p:nvGrpSpPr>
+      <p:grpSpPr>
+        <a:xfrm>
+          <a:off x="0" y="0"/>
+          <a:ext cx="0" cy="0"/>
+          <a:chOff x="0" y="0"/>
+          <a:chExt cx="0" cy="0"/>
+        </a:xfrm>
+      </p:grpSpPr>
+      <p:pic>
+        <p:nvPicPr>
+          <p:cNvPr id="4" name="Obraz 3"/>
+          <p:cNvPicPr>
+            <a:picLocks noChangeAspect="1"/>
+          </p:cNvPicPr>
+          <p:nvPr/>
+        </p:nvPicPr>
+        <p:blipFill>
+          <a:blip r:embed="rId2"/>
+          <a:stretch>
+            <a:fillRect/>
+          </a:stretch>
+        </p:blipFill>
+        <p:spPr>
+          <a:xfrm>
+            <a:off x="3968150" y="781550"/>
+            <a:ext cx="7478563" cy="5748646"/>
+          </a:xfrm>
+          <a:prstGeom prst="rect">
+            <a:avLst/>
+          </a:prstGeom>
+        </p:spPr>
+      </p:pic>
+      <p:sp>
+        <p:nvSpPr>
+          <p:cNvPr id="5" name="pole tekstowe 4"/>
+          <p:cNvSpPr txBox="1"/>
+          <p:nvPr/>
+        </p:nvSpPr>
+        <p:spPr>
+          <a:xfrm>
+            <a:off x="1147313" y="1570007"/>
+            <a:ext cx="3579962" cy="3816429"/>
+          </a:xfrm>
+          <a:prstGeom prst="rect">
+            <a:avLst/>
+          </a:prstGeom>
+          <a:noFill/>
+        </p:spPr>
+        <p:txBody>
+          <a:bodyPr wrap="square" rtlCol="0">
+            <a:spAutoFit/>
+          </a:bodyPr>
+          <a:lstStyle/>
+          <a:p>
+            <a:r>
+              <a:rPr lang="pl-PL" sz="3200" dirty="0" smtClean="0"/>
+              <a:t>Punkty:</a:t>
+            </a:r>
+          </a:p>
+          <a:p>
+            <a:r>
+              <a:rPr lang="fr-FR" sz="3200" dirty="0"/>
+              <a:t>(6, 9)</a:t>
+            </a:r>
+          </a:p>
+          <a:p>
+            <a:r>
+              <a:rPr lang="fr-FR" sz="3200" dirty="0"/>
+              <a:t>(4, 7.5</a:t>
+            </a:r>
+            <a:r>
+              <a:rPr lang="fr-FR" sz="3200" dirty="0" smtClean="0"/>
+              <a:t>)</a:t>
+            </a:r>
+            <a:endParaRPr lang="pl-PL" sz="3200" dirty="0" smtClean="0"/>
+          </a:p>
+          <a:p>
+            <a:r>
+              <a:rPr lang="fr-FR" sz="3200" dirty="0" smtClean="0"/>
+              <a:t>(</a:t>
+            </a:r>
+            <a:r>
+              <a:rPr lang="fr-FR" sz="3200" dirty="0"/>
+              <a:t>4, 4)</a:t>
+            </a:r>
+          </a:p>
+          <a:p>
+            <a:r>
+              <a:rPr lang="fr-FR" sz="3200" dirty="0" smtClean="0"/>
+              <a:t>(</a:t>
+            </a:r>
+            <a:r>
+              <a:rPr lang="fr-FR" sz="3200" dirty="0"/>
+              <a:t>7.5, 3)</a:t>
+            </a:r>
+          </a:p>
+          <a:p>
+            <a:r>
+              <a:rPr lang="fr-FR" sz="3200" dirty="0" smtClean="0"/>
+              <a:t>(</a:t>
+            </a:r>
+            <a:r>
+              <a:rPr lang="fr-FR" sz="3200" dirty="0"/>
+              <a:t>2.5, 2.5</a:t>
+            </a:r>
+            <a:r>
+              <a:rPr lang="fr-FR" sz="3200" dirty="0" smtClean="0"/>
+              <a:t>)</a:t>
+            </a:r>
+            <a:endParaRPr lang="fr-FR" sz="3200" dirty="0"/>
+          </a:p>
+          <a:p>
+            <a:r>
+              <a:rPr lang="fr-FR" sz="3200" dirty="0"/>
+              <a:t>          </a:t>
+            </a:r>
+            <a:endParaRPr lang="fr-FR" dirty="0"/>
+          </a:p>
+          <a:p>
+            <a:endParaRPr lang="pl-PL" dirty="0"/>
+          </a:p>
+        </p:txBody>
+      </p:sp>
+    </p:spTree>
+    <p:extLst>
+      <p:ext uri="{BB962C8B-B14F-4D97-AF65-F5344CB8AC3E}">
+        <p14:creationId xmlns:p14="http://schemas.microsoft.com/office/powerpoint/2010/main" val="1397718834"/>
+      </p:ext>
+    </p:extLst>
+  </p:cSld>
+  <p:clrMapOvr>
+    <a:masterClrMapping/>
+  </p:clrMapOvr>
+  <p:timing>
+    <p:tnLst>
+      <p:par>
+        <p:cTn id="1" dur="indefinite" restart="never" nodeType="tmRoot"/>
+      </p:par>
+    </p:tnLst>
+  </p:timing>
+</p:sld>
+</file>
+
+<file path=ppt/slides/slide44.xml><?xml version="1.0" encoding="utf-8"?>
+<p:sld xmlns:a="http://schemas.openxmlformats.org/drawingml/2006/main" xmlns:r="http://schemas.openxmlformats.org/officeDocument/2006/relationships" xmlns:p="http://schemas.openxmlformats.org/presentationml/2006/main">
+  <p:cSld>
+    <p:bg>
+      <p:bgPr>
+        <a:solidFill>
+          <a:schemeClr val="bg1"/>
+        </a:solidFill>
+        <a:effectLst/>
+      </p:bgPr>
+    </p:bg>
+    <p:spTree>
+      <p:nvGrpSpPr>
+        <p:cNvPr id="1" name=""/>
+        <p:cNvGrpSpPr/>
+        <p:nvPr/>
+      </p:nvGrpSpPr>
+      <p:grpSpPr>
+        <a:xfrm>
+          <a:off x="0" y="0"/>
+          <a:ext cx="0" cy="0"/>
+          <a:chOff x="0" y="0"/>
+          <a:chExt cx="0" cy="0"/>
+        </a:xfrm>
+      </p:grpSpPr>
+      <p:pic>
+        <p:nvPicPr>
+          <p:cNvPr id="4" name="Obraz 3"/>
+          <p:cNvPicPr>
+            <a:picLocks noChangeAspect="1"/>
+          </p:cNvPicPr>
+          <p:nvPr/>
+        </p:nvPicPr>
+        <p:blipFill>
+          <a:blip r:embed="rId2"/>
+          <a:stretch>
+            <a:fillRect/>
+          </a:stretch>
+        </p:blipFill>
+        <p:spPr>
+          <a:xfrm>
+            <a:off x="2663215" y="0"/>
+            <a:ext cx="6865570" cy="6858000"/>
+          </a:xfrm>
+          <a:prstGeom prst="rect">
+            <a:avLst/>
+          </a:prstGeom>
+        </p:spPr>
+      </p:pic>
+    </p:spTree>
+    <p:extLst>
+      <p:ext uri="{BB962C8B-B14F-4D97-AF65-F5344CB8AC3E}">
+        <p14:creationId xmlns:p14="http://schemas.microsoft.com/office/powerpoint/2010/main" val="2815396009"/>
+      </p:ext>
+    </p:extLst>
+  </p:cSld>
+  <p:clrMapOvr>
+    <a:masterClrMapping/>
+  </p:clrMapOvr>
+  <p:timing>
+    <p:tnLst>
+      <p:par>
+        <p:cTn id="1" dur="indefinite" restart="never" nodeType="tmRoot"/>
+      </p:par>
+    </p:tnLst>
+  </p:timing>
+</p:sld>
+</file>
+
+<file path=ppt/slides/slide45.xml><?xml version="1.0" encoding="utf-8"?>
+<p:sld xmlns:a="http://schemas.openxmlformats.org/drawingml/2006/main" xmlns:r="http://schemas.openxmlformats.org/officeDocument/2006/relationships" xmlns:p="http://schemas.openxmlformats.org/presentationml/2006/main">
+  <p:cSld>
+    <p:spTree>
+      <p:nvGrpSpPr>
+        <p:cNvPr id="1" name=""/>
+        <p:cNvGrpSpPr/>
+        <p:nvPr/>
+      </p:nvGrpSpPr>
+      <p:grpSpPr>
+        <a:xfrm>
+          <a:off x="0" y="0"/>
+          <a:ext cx="0" cy="0"/>
+          <a:chOff x="0" y="0"/>
+          <a:chExt cx="0" cy="0"/>
+        </a:xfrm>
+      </p:grpSpPr>
+      <p:pic>
+        <p:nvPicPr>
+          <p:cNvPr id="4" name="Obraz 3"/>
+          <p:cNvPicPr>
+            <a:picLocks noChangeAspect="1"/>
+          </p:cNvPicPr>
+          <p:nvPr/>
+        </p:nvPicPr>
+        <p:blipFill>
+          <a:blip r:embed="rId2"/>
+          <a:stretch>
+            <a:fillRect/>
+          </a:stretch>
+        </p:blipFill>
+        <p:spPr>
+          <a:xfrm>
+            <a:off x="2489664" y="0"/>
+            <a:ext cx="7022892" cy="6858000"/>
+          </a:xfrm>
+          <a:prstGeom prst="rect">
+            <a:avLst/>
+          </a:prstGeom>
+        </p:spPr>
+      </p:pic>
+    </p:spTree>
+    <p:extLst>
+      <p:ext uri="{BB962C8B-B14F-4D97-AF65-F5344CB8AC3E}">
+        <p14:creationId xmlns:p14="http://schemas.microsoft.com/office/powerpoint/2010/main" val="213623423"/>
+      </p:ext>
+    </p:extLst>
+  </p:cSld>
+  <p:clrMapOvr>
+    <a:masterClrMapping/>
+  </p:clrMapOvr>
+  <p:timing>
+    <p:tnLst>
+      <p:par>
+        <p:cTn id="1" dur="indefinite" restart="never" nodeType="tmRoot"/>
+      </p:par>
+    </p:tnLst>
+  </p:timing>
+</p:sld>
+</file>
+
+<file path=ppt/slides/slide46.xml><?xml version="1.0" encoding="utf-8"?>
+<p:sld xmlns:a="http://schemas.openxmlformats.org/drawingml/2006/main" xmlns:r="http://schemas.openxmlformats.org/officeDocument/2006/relationships" xmlns:p="http://schemas.openxmlformats.org/presentationml/2006/main">
+  <p:cSld>
+    <p:spTree>
+      <p:nvGrpSpPr>
+        <p:cNvPr id="1" name=""/>
+        <p:cNvGrpSpPr/>
+        <p:nvPr/>
+      </p:nvGrpSpPr>
+      <p:grpSpPr>
+        <a:xfrm>
+          <a:off x="0" y="0"/>
+          <a:ext cx="0" cy="0"/>
+          <a:chOff x="0" y="0"/>
+          <a:chExt cx="0" cy="0"/>
+        </a:xfrm>
+      </p:grpSpPr>
+      <p:pic>
+        <p:nvPicPr>
+          <p:cNvPr id="4" name="Obraz 3"/>
+          <p:cNvPicPr>
+            <a:picLocks noChangeAspect="1"/>
+          </p:cNvPicPr>
+          <p:nvPr/>
+        </p:nvPicPr>
+        <p:blipFill>
+          <a:blip r:embed="rId2"/>
+          <a:stretch>
+            <a:fillRect/>
+          </a:stretch>
+        </p:blipFill>
+        <p:spPr>
+          <a:xfrm>
+            <a:off x="2785902" y="0"/>
+            <a:ext cx="6620195" cy="6858000"/>
+          </a:xfrm>
+          <a:prstGeom prst="rect">
+            <a:avLst/>
+          </a:prstGeom>
+        </p:spPr>
+      </p:pic>
+    </p:spTree>
+    <p:extLst>
+      <p:ext uri="{BB962C8B-B14F-4D97-AF65-F5344CB8AC3E}">
+        <p14:creationId xmlns:p14="http://schemas.microsoft.com/office/powerpoint/2010/main" val="2452416614"/>
+      </p:ext>
+    </p:extLst>
+  </p:cSld>
+  <p:clrMapOvr>
+    <a:masterClrMapping/>
+  </p:clrMapOvr>
+  <p:timing>
+    <p:tnLst>
+      <p:par>
+        <p:cTn id="1" dur="indefinite" restart="never" nodeType="tmRoot"/>
+      </p:par>
+    </p:tnLst>
+  </p:timing>
+</p:sld>
+</file>
+
+<file path=ppt/slides/slide47.xml><?xml version="1.0" encoding="utf-8"?>
+<p:sld xmlns:a="http://schemas.openxmlformats.org/drawingml/2006/main" xmlns:r="http://schemas.openxmlformats.org/officeDocument/2006/relationships" xmlns:p="http://schemas.openxmlformats.org/presentationml/2006/main">
+  <p:cSld>
+    <p:spTree>
+      <p:nvGrpSpPr>
+        <p:cNvPr id="1" name=""/>
+        <p:cNvGrpSpPr/>
+        <p:nvPr/>
+      </p:nvGrpSpPr>
+      <p:grpSpPr>
+        <a:xfrm>
+          <a:off x="0" y="0"/>
+          <a:ext cx="0" cy="0"/>
+          <a:chOff x="0" y="0"/>
+          <a:chExt cx="0" cy="0"/>
+        </a:xfrm>
+      </p:grpSpPr>
+      <p:pic>
+        <p:nvPicPr>
+          <p:cNvPr id="4" name="Obraz 3"/>
+          <p:cNvPicPr>
+            <a:picLocks noChangeAspect="1"/>
+          </p:cNvPicPr>
+          <p:nvPr/>
+        </p:nvPicPr>
+        <p:blipFill>
+          <a:blip r:embed="rId2"/>
+          <a:stretch>
+            <a:fillRect/>
+          </a:stretch>
+        </p:blipFill>
+        <p:spPr>
+          <a:xfrm>
+            <a:off x="2681892" y="0"/>
+            <a:ext cx="6828215" cy="6858000"/>
+          </a:xfrm>
+          <a:prstGeom prst="rect">
+            <a:avLst/>
+          </a:prstGeom>
+        </p:spPr>
+      </p:pic>
+    </p:spTree>
+    <p:extLst>
+      <p:ext uri="{BB962C8B-B14F-4D97-AF65-F5344CB8AC3E}">
+        <p14:creationId xmlns:p14="http://schemas.microsoft.com/office/powerpoint/2010/main" val="651073908"/>
+      </p:ext>
+    </p:extLst>
+  </p:cSld>
+  <p:clrMapOvr>
+    <a:masterClrMapping/>
+  </p:clrMapOvr>
+</p:sld>
+</file>
+
+<file path=ppt/slides/slide48.xml><?xml version="1.0" encoding="utf-8"?>
+<p:sld xmlns:a="http://schemas.openxmlformats.org/drawingml/2006/main" xmlns:r="http://schemas.openxmlformats.org/officeDocument/2006/relationships" xmlns:p="http://schemas.openxmlformats.org/presentationml/2006/main">
+  <p:cSld>
+    <p:spTree>
+      <p:nvGrpSpPr>
+        <p:cNvPr id="1" name=""/>
+        <p:cNvGrpSpPr/>
+        <p:nvPr/>
+      </p:nvGrpSpPr>
+      <p:grpSpPr>
+        <a:xfrm>
+          <a:off x="0" y="0"/>
+          <a:ext cx="0" cy="0"/>
+          <a:chOff x="0" y="0"/>
+          <a:chExt cx="0" cy="0"/>
+        </a:xfrm>
+      </p:grpSpPr>
+      <p:pic>
+        <p:nvPicPr>
+          <p:cNvPr id="4" name="Obraz 3"/>
+          <p:cNvPicPr>
+            <a:picLocks noChangeAspect="1"/>
+          </p:cNvPicPr>
+          <p:nvPr/>
+        </p:nvPicPr>
+        <p:blipFill>
+          <a:blip r:embed="rId2"/>
+          <a:stretch>
+            <a:fillRect/>
+          </a:stretch>
+        </p:blipFill>
+        <p:spPr>
+          <a:xfrm>
+            <a:off x="2761100" y="0"/>
+            <a:ext cx="6669800" cy="6858000"/>
+          </a:xfrm>
+          <a:prstGeom prst="rect">
+            <a:avLst/>
+          </a:prstGeom>
+        </p:spPr>
+      </p:pic>
+    </p:spTree>
+    <p:extLst>
+      <p:ext uri="{BB962C8B-B14F-4D97-AF65-F5344CB8AC3E}">
+        <p14:creationId xmlns:p14="http://schemas.microsoft.com/office/powerpoint/2010/main" val="459338862"/>
+      </p:ext>
+    </p:extLst>
+  </p:cSld>
+  <p:clrMapOvr>
+    <a:masterClrMapping/>
+  </p:clrMapOvr>
+</p:sld>
+</file>
+
+<file path=ppt/slides/slide49.xml><?xml version="1.0" encoding="utf-8"?>
+<p:sld xmlns:a="http://schemas.openxmlformats.org/drawingml/2006/main" xmlns:r="http://schemas.openxmlformats.org/officeDocument/2006/relationships" xmlns:p="http://schemas.openxmlformats.org/presentationml/2006/main">
+  <p:cSld>
+    <p:spTree>
+      <p:nvGrpSpPr>
+        <p:cNvPr id="1" name=""/>
+        <p:cNvGrpSpPr/>
+        <p:nvPr/>
+      </p:nvGrpSpPr>
+      <p:grpSpPr>
+        <a:xfrm>
+          <a:off x="0" y="0"/>
+          <a:ext cx="0" cy="0"/>
+          <a:chOff x="0" y="0"/>
+          <a:chExt cx="0" cy="0"/>
+        </a:xfrm>
+      </p:grpSpPr>
+      <p:pic>
+        <p:nvPicPr>
+          <p:cNvPr id="4" name="Obraz 3"/>
+          <p:cNvPicPr>
+            <a:picLocks noChangeAspect="1"/>
+          </p:cNvPicPr>
+          <p:nvPr/>
+        </p:nvPicPr>
+        <p:blipFill>
+          <a:blip r:embed="rId2"/>
+          <a:stretch>
+            <a:fillRect/>
+          </a:stretch>
+        </p:blipFill>
+        <p:spPr>
+          <a:xfrm>
+            <a:off x="2678255" y="0"/>
+            <a:ext cx="6835490" cy="6858000"/>
+          </a:xfrm>
+          <a:prstGeom prst="rect">
+            <a:avLst/>
+          </a:prstGeom>
+        </p:spPr>
+      </p:pic>
+    </p:spTree>
+    <p:extLst>
+      <p:ext uri="{BB962C8B-B14F-4D97-AF65-F5344CB8AC3E}">
+        <p14:creationId xmlns:p14="http://schemas.microsoft.com/office/powerpoint/2010/main" val="1813761033"/>
+      </p:ext>
+    </p:extLst>
+  </p:cSld>
+  <p:clrMapOvr>
+    <a:masterClrMapping/>
+  </p:clrMapOvr>
 </p:sld>
 </file>
 
@@ -9204,7 +11214,7 @@
           <p:cNvPr id="2" name="Title 1">
             <a:extLst>
               <a:ext uri="{FF2B5EF4-FFF2-40B4-BE49-F238E27FC236}">
-                <a16:creationId xmlns:a16="http://schemas.microsoft.com/office/drawing/2014/main" id="{5E8BF8CF-D6EE-150B-4226-D68ECE7E9F50}"/>
+                <a16:creationId xmlns:a16="http://schemas.microsoft.com/office/drawing/2014/main" xmlns="" id="{5E8BF8CF-D6EE-150B-4226-D68ECE7E9F50}"/>
               </a:ext>
             </a:extLst>
           </p:cNvPr>
@@ -9240,7 +11250,7 @@
           <p:cNvPr id="3" name="Content Placeholder 2">
             <a:extLst>
               <a:ext uri="{FF2B5EF4-FFF2-40B4-BE49-F238E27FC236}">
-                <a16:creationId xmlns:a16="http://schemas.microsoft.com/office/drawing/2014/main" id="{C0B23861-9E00-0783-04C6-CF20D51468AA}"/>
+                <a16:creationId xmlns:a16="http://schemas.microsoft.com/office/drawing/2014/main" xmlns="" id="{C0B23861-9E00-0783-04C6-CF20D51468AA}"/>
               </a:ext>
             </a:extLst>
           </p:cNvPr>
@@ -9308,6 +11318,1746 @@
   <p:clrMapOvr>
     <a:masterClrMapping/>
   </p:clrMapOvr>
+  <p:timing>
+    <p:tnLst>
+      <p:par>
+        <p:cTn id="1" dur="indefinite" restart="never" nodeType="tmRoot"/>
+      </p:par>
+    </p:tnLst>
+  </p:timing>
+</p:sld>
+</file>
+
+<file path=ppt/slides/slide50.xml><?xml version="1.0" encoding="utf-8"?>
+<p:sld xmlns:a="http://schemas.openxmlformats.org/drawingml/2006/main" xmlns:r="http://schemas.openxmlformats.org/officeDocument/2006/relationships" xmlns:p="http://schemas.openxmlformats.org/presentationml/2006/main">
+  <p:cSld>
+    <p:spTree>
+      <p:nvGrpSpPr>
+        <p:cNvPr id="1" name=""/>
+        <p:cNvGrpSpPr/>
+        <p:nvPr/>
+      </p:nvGrpSpPr>
+      <p:grpSpPr>
+        <a:xfrm>
+          <a:off x="0" y="0"/>
+          <a:ext cx="0" cy="0"/>
+          <a:chOff x="0" y="0"/>
+          <a:chExt cx="0" cy="0"/>
+        </a:xfrm>
+      </p:grpSpPr>
+      <p:pic>
+        <p:nvPicPr>
+          <p:cNvPr id="4" name="Obraz 3"/>
+          <p:cNvPicPr>
+            <a:picLocks noChangeAspect="1"/>
+          </p:cNvPicPr>
+          <p:nvPr/>
+        </p:nvPicPr>
+        <p:blipFill>
+          <a:blip r:embed="rId2"/>
+          <a:stretch>
+            <a:fillRect/>
+          </a:stretch>
+        </p:blipFill>
+        <p:spPr>
+          <a:xfrm>
+            <a:off x="2644165" y="0"/>
+            <a:ext cx="6903669" cy="6858000"/>
+          </a:xfrm>
+          <a:prstGeom prst="rect">
+            <a:avLst/>
+          </a:prstGeom>
+        </p:spPr>
+      </p:pic>
+    </p:spTree>
+    <p:extLst>
+      <p:ext uri="{BB962C8B-B14F-4D97-AF65-F5344CB8AC3E}">
+        <p14:creationId xmlns:p14="http://schemas.microsoft.com/office/powerpoint/2010/main" val="4215255332"/>
+      </p:ext>
+    </p:extLst>
+  </p:cSld>
+  <p:clrMapOvr>
+    <a:masterClrMapping/>
+  </p:clrMapOvr>
+</p:sld>
+</file>
+
+<file path=ppt/slides/slide51.xml><?xml version="1.0" encoding="utf-8"?>
+<p:sld xmlns:a="http://schemas.openxmlformats.org/drawingml/2006/main" xmlns:r="http://schemas.openxmlformats.org/officeDocument/2006/relationships" xmlns:p="http://schemas.openxmlformats.org/presentationml/2006/main">
+  <p:cSld>
+    <p:spTree>
+      <p:nvGrpSpPr>
+        <p:cNvPr id="1" name=""/>
+        <p:cNvGrpSpPr/>
+        <p:nvPr/>
+      </p:nvGrpSpPr>
+      <p:grpSpPr>
+        <a:xfrm>
+          <a:off x="0" y="0"/>
+          <a:ext cx="0" cy="0"/>
+          <a:chOff x="0" y="0"/>
+          <a:chExt cx="0" cy="0"/>
+        </a:xfrm>
+      </p:grpSpPr>
+      <p:pic>
+        <p:nvPicPr>
+          <p:cNvPr id="4" name="Obraz 3"/>
+          <p:cNvPicPr>
+            <a:picLocks noChangeAspect="1"/>
+          </p:cNvPicPr>
+          <p:nvPr/>
+        </p:nvPicPr>
+        <p:blipFill>
+          <a:blip r:embed="rId2"/>
+          <a:stretch>
+            <a:fillRect/>
+          </a:stretch>
+        </p:blipFill>
+        <p:spPr>
+          <a:xfrm>
+            <a:off x="2557771" y="0"/>
+            <a:ext cx="7076457" cy="6858000"/>
+          </a:xfrm>
+          <a:prstGeom prst="rect">
+            <a:avLst/>
+          </a:prstGeom>
+        </p:spPr>
+      </p:pic>
+    </p:spTree>
+    <p:extLst>
+      <p:ext uri="{BB962C8B-B14F-4D97-AF65-F5344CB8AC3E}">
+        <p14:creationId xmlns:p14="http://schemas.microsoft.com/office/powerpoint/2010/main" val="1635140756"/>
+      </p:ext>
+    </p:extLst>
+  </p:cSld>
+  <p:clrMapOvr>
+    <a:masterClrMapping/>
+  </p:clrMapOvr>
+</p:sld>
+</file>
+
+<file path=ppt/slides/slide52.xml><?xml version="1.0" encoding="utf-8"?>
+<p:sld xmlns:a="http://schemas.openxmlformats.org/drawingml/2006/main" xmlns:r="http://schemas.openxmlformats.org/officeDocument/2006/relationships" xmlns:p="http://schemas.openxmlformats.org/presentationml/2006/main">
+  <p:cSld>
+    <p:spTree>
+      <p:nvGrpSpPr>
+        <p:cNvPr id="1" name=""/>
+        <p:cNvGrpSpPr/>
+        <p:nvPr/>
+      </p:nvGrpSpPr>
+      <p:grpSpPr>
+        <a:xfrm>
+          <a:off x="0" y="0"/>
+          <a:ext cx="0" cy="0"/>
+          <a:chOff x="0" y="0"/>
+          <a:chExt cx="0" cy="0"/>
+        </a:xfrm>
+      </p:grpSpPr>
+      <p:pic>
+        <p:nvPicPr>
+          <p:cNvPr id="4" name="Obraz 3"/>
+          <p:cNvPicPr>
+            <a:picLocks noChangeAspect="1"/>
+          </p:cNvPicPr>
+          <p:nvPr/>
+        </p:nvPicPr>
+        <p:blipFill>
+          <a:blip r:embed="rId2"/>
+          <a:stretch>
+            <a:fillRect/>
+          </a:stretch>
+        </p:blipFill>
+        <p:spPr>
+          <a:xfrm>
+            <a:off x="2759776" y="0"/>
+            <a:ext cx="6672448" cy="6858000"/>
+          </a:xfrm>
+          <a:prstGeom prst="rect">
+            <a:avLst/>
+          </a:prstGeom>
+        </p:spPr>
+      </p:pic>
+    </p:spTree>
+    <p:extLst>
+      <p:ext uri="{BB962C8B-B14F-4D97-AF65-F5344CB8AC3E}">
+        <p14:creationId xmlns:p14="http://schemas.microsoft.com/office/powerpoint/2010/main" val="861902127"/>
+      </p:ext>
+    </p:extLst>
+  </p:cSld>
+  <p:clrMapOvr>
+    <a:masterClrMapping/>
+  </p:clrMapOvr>
+</p:sld>
+</file>
+
+<file path=ppt/slides/slide53.xml><?xml version="1.0" encoding="utf-8"?>
+<p:sld xmlns:a="http://schemas.openxmlformats.org/drawingml/2006/main" xmlns:r="http://schemas.openxmlformats.org/officeDocument/2006/relationships" xmlns:p="http://schemas.openxmlformats.org/presentationml/2006/main">
+  <p:cSld>
+    <p:spTree>
+      <p:nvGrpSpPr>
+        <p:cNvPr id="1" name=""/>
+        <p:cNvGrpSpPr/>
+        <p:nvPr/>
+      </p:nvGrpSpPr>
+      <p:grpSpPr>
+        <a:xfrm>
+          <a:off x="0" y="0"/>
+          <a:ext cx="0" cy="0"/>
+          <a:chOff x="0" y="0"/>
+          <a:chExt cx="0" cy="0"/>
+        </a:xfrm>
+      </p:grpSpPr>
+      <p:sp>
+        <p:nvSpPr>
+          <p:cNvPr id="2" name="Tytuł 1"/>
+          <p:cNvSpPr>
+            <a:spLocks noGrp="1"/>
+          </p:cNvSpPr>
+          <p:nvPr>
+            <p:ph type="title"/>
+          </p:nvPr>
+        </p:nvSpPr>
+        <p:spPr/>
+        <p:txBody>
+          <a:bodyPr/>
+          <a:lstStyle/>
+          <a:p>
+            <a:r>
+              <a:rPr lang="pl-PL" dirty="0" smtClean="0"/>
+              <a:t>Porównanie czasów działania algorytmów</a:t>
+            </a:r>
+            <a:endParaRPr lang="pl-PL" dirty="0"/>
+          </a:p>
+        </p:txBody>
+      </p:sp>
+      <p:graphicFrame>
+        <p:nvGraphicFramePr>
+          <p:cNvPr id="4" name="Symbol zastępczy zawartości 3"/>
+          <p:cNvGraphicFramePr>
+            <a:graphicFrameLocks noGrp="1"/>
+          </p:cNvGraphicFramePr>
+          <p:nvPr>
+            <p:ph idx="1"/>
+          </p:nvPr>
+        </p:nvGraphicFramePr>
+        <p:xfrm>
+          <a:off x="1433853" y="1821438"/>
+          <a:ext cx="9324294" cy="4359712"/>
+        </p:xfrm>
+        <a:graphic>
+          <a:graphicData uri="http://schemas.openxmlformats.org/drawingml/2006/table">
+            <a:tbl>
+              <a:tblPr/>
+              <a:tblGrid>
+                <a:gridCol w="3108098"/>
+                <a:gridCol w="3108098"/>
+                <a:gridCol w="3108098"/>
+              </a:tblGrid>
+              <a:tr h="310810">
+                <a:tc>
+                  <a:txBody>
+                    <a:bodyPr/>
+                    <a:lstStyle/>
+                    <a:p>
+                      <a:pPr algn="l"/>
+                      <a:r>
+                        <a:rPr lang="pl-PL" sz="1600">
+                          <a:effectLst/>
+                        </a:rPr>
+                        <a:t>Liczba Punktów</a:t>
+                      </a:r>
+                    </a:p>
+                  </a:txBody>
+                  <a:tcPr marL="67567" marR="67567" marT="33784" marB="33784" anchor="ctr">
+                    <a:lnL>
+                      <a:noFill/>
+                    </a:lnL>
+                    <a:lnR>
+                      <a:noFill/>
+                    </a:lnR>
+                    <a:lnT>
+                      <a:noFill/>
+                    </a:lnT>
+                    <a:lnB>
+                      <a:noFill/>
+                    </a:lnB>
+                  </a:tcPr>
+                </a:tc>
+                <a:tc>
+                  <a:txBody>
+                    <a:bodyPr/>
+                    <a:lstStyle/>
+                    <a:p>
+                      <a:pPr algn="l"/>
+                      <a:r>
+                        <a:rPr lang="pl-PL" sz="1600">
+                          <a:effectLst/>
+                        </a:rPr>
+                        <a:t>Czas Bowyer-Watson</a:t>
+                      </a:r>
+                    </a:p>
+                  </a:txBody>
+                  <a:tcPr marL="67567" marR="67567" marT="33784" marB="33784" anchor="ctr">
+                    <a:lnL>
+                      <a:noFill/>
+                    </a:lnL>
+                    <a:lnR>
+                      <a:noFill/>
+                    </a:lnR>
+                    <a:lnT>
+                      <a:noFill/>
+                    </a:lnT>
+                    <a:lnB>
+                      <a:noFill/>
+                    </a:lnB>
+                  </a:tcPr>
+                </a:tc>
+                <a:tc>
+                  <a:txBody>
+                    <a:bodyPr/>
+                    <a:lstStyle/>
+                    <a:p>
+                      <a:pPr algn="l"/>
+                      <a:r>
+                        <a:rPr lang="pl-PL" sz="1600">
+                          <a:effectLst/>
+                        </a:rPr>
+                        <a:t>Czas Fortune</a:t>
+                      </a:r>
+                    </a:p>
+                  </a:txBody>
+                  <a:tcPr marL="67567" marR="67567" marT="33784" marB="33784" anchor="ctr">
+                    <a:lnL>
+                      <a:noFill/>
+                    </a:lnL>
+                    <a:lnR>
+                      <a:noFill/>
+                    </a:lnR>
+                    <a:lnT>
+                      <a:noFill/>
+                    </a:lnT>
+                    <a:lnB>
+                      <a:noFill/>
+                    </a:lnB>
+                  </a:tcPr>
+                </a:tc>
+              </a:tr>
+              <a:tr h="310810">
+                <a:tc>
+                  <a:txBody>
+                    <a:bodyPr/>
+                    <a:lstStyle/>
+                    <a:p>
+                      <a:r>
+                        <a:rPr lang="pl-PL" sz="1600">
+                          <a:effectLst/>
+                        </a:rPr>
+                        <a:t>10</a:t>
+                      </a:r>
+                    </a:p>
+                  </a:txBody>
+                  <a:tcPr marL="67567" marR="67567" marT="33784" marB="33784" anchor="ctr">
+                    <a:lnL>
+                      <a:noFill/>
+                    </a:lnL>
+                    <a:lnR>
+                      <a:noFill/>
+                    </a:lnR>
+                    <a:lnT>
+                      <a:noFill/>
+                    </a:lnT>
+                    <a:lnB>
+                      <a:noFill/>
+                    </a:lnB>
+                  </a:tcPr>
+                </a:tc>
+                <a:tc>
+                  <a:txBody>
+                    <a:bodyPr/>
+                    <a:lstStyle/>
+                    <a:p>
+                      <a:r>
+                        <a:rPr lang="pl-PL" sz="1600">
+                          <a:effectLst/>
+                        </a:rPr>
+                        <a:t>0.00099778</a:t>
+                      </a:r>
+                    </a:p>
+                  </a:txBody>
+                  <a:tcPr marL="67567" marR="67567" marT="33784" marB="33784" anchor="ctr">
+                    <a:lnL>
+                      <a:noFill/>
+                    </a:lnL>
+                    <a:lnR>
+                      <a:noFill/>
+                    </a:lnR>
+                    <a:lnT>
+                      <a:noFill/>
+                    </a:lnT>
+                    <a:lnB>
+                      <a:noFill/>
+                    </a:lnB>
+                  </a:tcPr>
+                </a:tc>
+                <a:tc>
+                  <a:txBody>
+                    <a:bodyPr/>
+                    <a:lstStyle/>
+                    <a:p>
+                      <a:r>
+                        <a:rPr lang="pl-PL" sz="1600">
+                          <a:effectLst/>
+                        </a:rPr>
+                        <a:t>0.03200364</a:t>
+                      </a:r>
+                    </a:p>
+                  </a:txBody>
+                  <a:tcPr marL="67567" marR="67567" marT="33784" marB="33784" anchor="ctr">
+                    <a:lnL>
+                      <a:noFill/>
+                    </a:lnL>
+                    <a:lnR>
+                      <a:noFill/>
+                    </a:lnR>
+                    <a:lnT>
+                      <a:noFill/>
+                    </a:lnT>
+                    <a:lnB>
+                      <a:noFill/>
+                    </a:lnB>
+                  </a:tcPr>
+                </a:tc>
+              </a:tr>
+              <a:tr h="310810">
+                <a:tc>
+                  <a:txBody>
+                    <a:bodyPr/>
+                    <a:lstStyle/>
+                    <a:p>
+                      <a:r>
+                        <a:rPr lang="pl-PL" sz="1600">
+                          <a:effectLst/>
+                        </a:rPr>
+                        <a:t>50</a:t>
+                      </a:r>
+                    </a:p>
+                  </a:txBody>
+                  <a:tcPr marL="67567" marR="67567" marT="33784" marB="33784" anchor="ctr">
+                    <a:lnL>
+                      <a:noFill/>
+                    </a:lnL>
+                    <a:lnR>
+                      <a:noFill/>
+                    </a:lnR>
+                    <a:lnT>
+                      <a:noFill/>
+                    </a:lnT>
+                    <a:lnB>
+                      <a:noFill/>
+                    </a:lnB>
+                  </a:tcPr>
+                </a:tc>
+                <a:tc>
+                  <a:txBody>
+                    <a:bodyPr/>
+                    <a:lstStyle/>
+                    <a:p>
+                      <a:r>
+                        <a:rPr lang="pl-PL" sz="1600">
+                          <a:effectLst/>
+                        </a:rPr>
+                        <a:t>0.03199816</a:t>
+                      </a:r>
+                    </a:p>
+                  </a:txBody>
+                  <a:tcPr marL="67567" marR="67567" marT="33784" marB="33784" anchor="ctr">
+                    <a:lnL>
+                      <a:noFill/>
+                    </a:lnL>
+                    <a:lnR>
+                      <a:noFill/>
+                    </a:lnR>
+                    <a:lnT>
+                      <a:noFill/>
+                    </a:lnT>
+                    <a:lnB>
+                      <a:noFill/>
+                    </a:lnB>
+                  </a:tcPr>
+                </a:tc>
+                <a:tc>
+                  <a:txBody>
+                    <a:bodyPr/>
+                    <a:lstStyle/>
+                    <a:p>
+                      <a:r>
+                        <a:rPr lang="pl-PL" sz="1600">
+                          <a:effectLst/>
+                        </a:rPr>
+                        <a:t>0.13499832</a:t>
+                      </a:r>
+                    </a:p>
+                  </a:txBody>
+                  <a:tcPr marL="67567" marR="67567" marT="33784" marB="33784" anchor="ctr">
+                    <a:lnL>
+                      <a:noFill/>
+                    </a:lnL>
+                    <a:lnR>
+                      <a:noFill/>
+                    </a:lnR>
+                    <a:lnT>
+                      <a:noFill/>
+                    </a:lnT>
+                    <a:lnB>
+                      <a:noFill/>
+                    </a:lnB>
+                  </a:tcPr>
+                </a:tc>
+              </a:tr>
+              <a:tr h="310810">
+                <a:tc>
+                  <a:txBody>
+                    <a:bodyPr/>
+                    <a:lstStyle/>
+                    <a:p>
+                      <a:r>
+                        <a:rPr lang="pl-PL" sz="1600">
+                          <a:effectLst/>
+                        </a:rPr>
+                        <a:t>100</a:t>
+                      </a:r>
+                    </a:p>
+                  </a:txBody>
+                  <a:tcPr marL="67567" marR="67567" marT="33784" marB="33784" anchor="ctr">
+                    <a:lnL>
+                      <a:noFill/>
+                    </a:lnL>
+                    <a:lnR>
+                      <a:noFill/>
+                    </a:lnR>
+                    <a:lnT>
+                      <a:noFill/>
+                    </a:lnT>
+                    <a:lnB>
+                      <a:noFill/>
+                    </a:lnB>
+                  </a:tcPr>
+                </a:tc>
+                <a:tc>
+                  <a:txBody>
+                    <a:bodyPr/>
+                    <a:lstStyle/>
+                    <a:p>
+                      <a:r>
+                        <a:rPr lang="pl-PL" sz="1600">
+                          <a:effectLst/>
+                        </a:rPr>
+                        <a:t>0.05299902</a:t>
+                      </a:r>
+                    </a:p>
+                  </a:txBody>
+                  <a:tcPr marL="67567" marR="67567" marT="33784" marB="33784" anchor="ctr">
+                    <a:lnL>
+                      <a:noFill/>
+                    </a:lnL>
+                    <a:lnR>
+                      <a:noFill/>
+                    </a:lnR>
+                    <a:lnT>
+                      <a:noFill/>
+                    </a:lnT>
+                    <a:lnB>
+                      <a:noFill/>
+                    </a:lnB>
+                  </a:tcPr>
+                </a:tc>
+                <a:tc>
+                  <a:txBody>
+                    <a:bodyPr/>
+                    <a:lstStyle/>
+                    <a:p>
+                      <a:r>
+                        <a:rPr lang="pl-PL" sz="1600">
+                          <a:effectLst/>
+                        </a:rPr>
+                        <a:t>0.20900416</a:t>
+                      </a:r>
+                    </a:p>
+                  </a:txBody>
+                  <a:tcPr marL="67567" marR="67567" marT="33784" marB="33784" anchor="ctr">
+                    <a:lnL>
+                      <a:noFill/>
+                    </a:lnL>
+                    <a:lnR>
+                      <a:noFill/>
+                    </a:lnR>
+                    <a:lnT>
+                      <a:noFill/>
+                    </a:lnT>
+                    <a:lnB>
+                      <a:noFill/>
+                    </a:lnB>
+                  </a:tcPr>
+                </a:tc>
+              </a:tr>
+              <a:tr h="310810">
+                <a:tc>
+                  <a:txBody>
+                    <a:bodyPr/>
+                    <a:lstStyle/>
+                    <a:p>
+                      <a:r>
+                        <a:rPr lang="pl-PL" sz="1600">
+                          <a:effectLst/>
+                        </a:rPr>
+                        <a:t>500</a:t>
+                      </a:r>
+                    </a:p>
+                  </a:txBody>
+                  <a:tcPr marL="67567" marR="67567" marT="33784" marB="33784" anchor="ctr">
+                    <a:lnL>
+                      <a:noFill/>
+                    </a:lnL>
+                    <a:lnR>
+                      <a:noFill/>
+                    </a:lnR>
+                    <a:lnT>
+                      <a:noFill/>
+                    </a:lnT>
+                    <a:lnB>
+                      <a:noFill/>
+                    </a:lnB>
+                  </a:tcPr>
+                </a:tc>
+                <a:tc>
+                  <a:txBody>
+                    <a:bodyPr/>
+                    <a:lstStyle/>
+                    <a:p>
+                      <a:r>
+                        <a:rPr lang="pl-PL" sz="1600">
+                          <a:effectLst/>
+                        </a:rPr>
+                        <a:t>1.09801841</a:t>
+                      </a:r>
+                    </a:p>
+                  </a:txBody>
+                  <a:tcPr marL="67567" marR="67567" marT="33784" marB="33784" anchor="ctr">
+                    <a:lnL>
+                      <a:noFill/>
+                    </a:lnL>
+                    <a:lnR>
+                      <a:noFill/>
+                    </a:lnR>
+                    <a:lnT>
+                      <a:noFill/>
+                    </a:lnT>
+                    <a:lnB>
+                      <a:noFill/>
+                    </a:lnB>
+                  </a:tcPr>
+                </a:tc>
+                <a:tc>
+                  <a:txBody>
+                    <a:bodyPr/>
+                    <a:lstStyle/>
+                    <a:p>
+                      <a:r>
+                        <a:rPr lang="pl-PL" sz="1600">
+                          <a:effectLst/>
+                        </a:rPr>
+                        <a:t>0.91598392</a:t>
+                      </a:r>
+                    </a:p>
+                  </a:txBody>
+                  <a:tcPr marL="67567" marR="67567" marT="33784" marB="33784" anchor="ctr">
+                    <a:lnL>
+                      <a:noFill/>
+                    </a:lnL>
+                    <a:lnR>
+                      <a:noFill/>
+                    </a:lnR>
+                    <a:lnT>
+                      <a:noFill/>
+                    </a:lnT>
+                    <a:lnB>
+                      <a:noFill/>
+                    </a:lnB>
+                  </a:tcPr>
+                </a:tc>
+              </a:tr>
+              <a:tr h="310810">
+                <a:tc>
+                  <a:txBody>
+                    <a:bodyPr/>
+                    <a:lstStyle/>
+                    <a:p>
+                      <a:r>
+                        <a:rPr lang="pl-PL" sz="1600">
+                          <a:effectLst/>
+                        </a:rPr>
+                        <a:t>1000</a:t>
+                      </a:r>
+                    </a:p>
+                  </a:txBody>
+                  <a:tcPr marL="67567" marR="67567" marT="33784" marB="33784" anchor="ctr">
+                    <a:lnL>
+                      <a:noFill/>
+                    </a:lnL>
+                    <a:lnR>
+                      <a:noFill/>
+                    </a:lnR>
+                    <a:lnT>
+                      <a:noFill/>
+                    </a:lnT>
+                    <a:lnB>
+                      <a:noFill/>
+                    </a:lnB>
+                  </a:tcPr>
+                </a:tc>
+                <a:tc>
+                  <a:txBody>
+                    <a:bodyPr/>
+                    <a:lstStyle/>
+                    <a:p>
+                      <a:r>
+                        <a:rPr lang="pl-PL" sz="1600">
+                          <a:effectLst/>
+                        </a:rPr>
+                        <a:t>3.40800023</a:t>
+                      </a:r>
+                    </a:p>
+                  </a:txBody>
+                  <a:tcPr marL="67567" marR="67567" marT="33784" marB="33784" anchor="ctr">
+                    <a:lnL>
+                      <a:noFill/>
+                    </a:lnL>
+                    <a:lnR>
+                      <a:noFill/>
+                    </a:lnR>
+                    <a:lnT>
+                      <a:noFill/>
+                    </a:lnT>
+                    <a:lnB>
+                      <a:noFill/>
+                    </a:lnB>
+                  </a:tcPr>
+                </a:tc>
+                <a:tc>
+                  <a:txBody>
+                    <a:bodyPr/>
+                    <a:lstStyle/>
+                    <a:p>
+                      <a:r>
+                        <a:rPr lang="pl-PL" sz="1600">
+                          <a:effectLst/>
+                        </a:rPr>
+                        <a:t>1.92497969</a:t>
+                      </a:r>
+                    </a:p>
+                  </a:txBody>
+                  <a:tcPr marL="67567" marR="67567" marT="33784" marB="33784" anchor="ctr">
+                    <a:lnL>
+                      <a:noFill/>
+                    </a:lnL>
+                    <a:lnR>
+                      <a:noFill/>
+                    </a:lnR>
+                    <a:lnT>
+                      <a:noFill/>
+                    </a:lnT>
+                    <a:lnB>
+                      <a:noFill/>
+                    </a:lnB>
+                  </a:tcPr>
+                </a:tc>
+              </a:tr>
+              <a:tr h="310810">
+                <a:tc>
+                  <a:txBody>
+                    <a:bodyPr/>
+                    <a:lstStyle/>
+                    <a:p>
+                      <a:r>
+                        <a:rPr lang="pl-PL" sz="1600">
+                          <a:effectLst/>
+                        </a:rPr>
+                        <a:t>1500</a:t>
+                      </a:r>
+                    </a:p>
+                  </a:txBody>
+                  <a:tcPr marL="67567" marR="67567" marT="33784" marB="33784" anchor="ctr">
+                    <a:lnL>
+                      <a:noFill/>
+                    </a:lnL>
+                    <a:lnR>
+                      <a:noFill/>
+                    </a:lnR>
+                    <a:lnT>
+                      <a:noFill/>
+                    </a:lnT>
+                    <a:lnB>
+                      <a:noFill/>
+                    </a:lnB>
+                  </a:tcPr>
+                </a:tc>
+                <a:tc>
+                  <a:txBody>
+                    <a:bodyPr/>
+                    <a:lstStyle/>
+                    <a:p>
+                      <a:r>
+                        <a:rPr lang="pl-PL" sz="1600">
+                          <a:effectLst/>
+                        </a:rPr>
+                        <a:t>7.77997637</a:t>
+                      </a:r>
+                    </a:p>
+                  </a:txBody>
+                  <a:tcPr marL="67567" marR="67567" marT="33784" marB="33784" anchor="ctr">
+                    <a:lnL>
+                      <a:noFill/>
+                    </a:lnL>
+                    <a:lnR>
+                      <a:noFill/>
+                    </a:lnR>
+                    <a:lnT>
+                      <a:noFill/>
+                    </a:lnT>
+                    <a:lnB>
+                      <a:noFill/>
+                    </a:lnB>
+                  </a:tcPr>
+                </a:tc>
+                <a:tc>
+                  <a:txBody>
+                    <a:bodyPr/>
+                    <a:lstStyle/>
+                    <a:p>
+                      <a:r>
+                        <a:rPr lang="pl-PL" sz="1600">
+                          <a:effectLst/>
+                        </a:rPr>
+                        <a:t>2.99100327</a:t>
+                      </a:r>
+                    </a:p>
+                  </a:txBody>
+                  <a:tcPr marL="67567" marR="67567" marT="33784" marB="33784" anchor="ctr">
+                    <a:lnL>
+                      <a:noFill/>
+                    </a:lnL>
+                    <a:lnR>
+                      <a:noFill/>
+                    </a:lnR>
+                    <a:lnT>
+                      <a:noFill/>
+                    </a:lnT>
+                    <a:lnB>
+                      <a:noFill/>
+                    </a:lnB>
+                  </a:tcPr>
+                </a:tc>
+              </a:tr>
+              <a:tr h="310810">
+                <a:tc>
+                  <a:txBody>
+                    <a:bodyPr/>
+                    <a:lstStyle/>
+                    <a:p>
+                      <a:r>
+                        <a:rPr lang="pl-PL" sz="1600">
+                          <a:effectLst/>
+                        </a:rPr>
+                        <a:t>2000</a:t>
+                      </a:r>
+                    </a:p>
+                  </a:txBody>
+                  <a:tcPr marL="67567" marR="67567" marT="33784" marB="33784" anchor="ctr">
+                    <a:lnL>
+                      <a:noFill/>
+                    </a:lnL>
+                    <a:lnR>
+                      <a:noFill/>
+                    </a:lnR>
+                    <a:lnT>
+                      <a:noFill/>
+                    </a:lnT>
+                    <a:lnB>
+                      <a:noFill/>
+                    </a:lnB>
+                  </a:tcPr>
+                </a:tc>
+                <a:tc>
+                  <a:txBody>
+                    <a:bodyPr/>
+                    <a:lstStyle/>
+                    <a:p>
+                      <a:r>
+                        <a:rPr lang="pl-PL" sz="1600">
+                          <a:effectLst/>
+                        </a:rPr>
+                        <a:t>13.92299891</a:t>
+                      </a:r>
+                    </a:p>
+                  </a:txBody>
+                  <a:tcPr marL="67567" marR="67567" marT="33784" marB="33784" anchor="ctr">
+                    <a:lnL>
+                      <a:noFill/>
+                    </a:lnL>
+                    <a:lnR>
+                      <a:noFill/>
+                    </a:lnR>
+                    <a:lnT>
+                      <a:noFill/>
+                    </a:lnT>
+                    <a:lnB>
+                      <a:noFill/>
+                    </a:lnB>
+                  </a:tcPr>
+                </a:tc>
+                <a:tc>
+                  <a:txBody>
+                    <a:bodyPr/>
+                    <a:lstStyle/>
+                    <a:p>
+                      <a:r>
+                        <a:rPr lang="pl-PL" sz="1600">
+                          <a:effectLst/>
+                        </a:rPr>
+                        <a:t>4.09999799</a:t>
+                      </a:r>
+                    </a:p>
+                  </a:txBody>
+                  <a:tcPr marL="67567" marR="67567" marT="33784" marB="33784" anchor="ctr">
+                    <a:lnL>
+                      <a:noFill/>
+                    </a:lnL>
+                    <a:lnR>
+                      <a:noFill/>
+                    </a:lnR>
+                    <a:lnT>
+                      <a:noFill/>
+                    </a:lnT>
+                    <a:lnB>
+                      <a:noFill/>
+                    </a:lnB>
+                  </a:tcPr>
+                </a:tc>
+              </a:tr>
+              <a:tr h="310810">
+                <a:tc>
+                  <a:txBody>
+                    <a:bodyPr/>
+                    <a:lstStyle/>
+                    <a:p>
+                      <a:r>
+                        <a:rPr lang="pl-PL" sz="1600">
+                          <a:effectLst/>
+                        </a:rPr>
+                        <a:t>2500</a:t>
+                      </a:r>
+                    </a:p>
+                  </a:txBody>
+                  <a:tcPr marL="67567" marR="67567" marT="33784" marB="33784" anchor="ctr">
+                    <a:lnL>
+                      <a:noFill/>
+                    </a:lnL>
+                    <a:lnR>
+                      <a:noFill/>
+                    </a:lnR>
+                    <a:lnT>
+                      <a:noFill/>
+                    </a:lnT>
+                    <a:lnB>
+                      <a:noFill/>
+                    </a:lnB>
+                  </a:tcPr>
+                </a:tc>
+                <a:tc>
+                  <a:txBody>
+                    <a:bodyPr/>
+                    <a:lstStyle/>
+                    <a:p>
+                      <a:r>
+                        <a:rPr lang="pl-PL" sz="1600">
+                          <a:effectLst/>
+                        </a:rPr>
+                        <a:t>21.87798142</a:t>
+                      </a:r>
+                    </a:p>
+                  </a:txBody>
+                  <a:tcPr marL="67567" marR="67567" marT="33784" marB="33784" anchor="ctr">
+                    <a:lnL>
+                      <a:noFill/>
+                    </a:lnL>
+                    <a:lnR>
+                      <a:noFill/>
+                    </a:lnR>
+                    <a:lnT>
+                      <a:noFill/>
+                    </a:lnT>
+                    <a:lnB>
+                      <a:noFill/>
+                    </a:lnB>
+                  </a:tcPr>
+                </a:tc>
+                <a:tc>
+                  <a:txBody>
+                    <a:bodyPr/>
+                    <a:lstStyle/>
+                    <a:p>
+                      <a:r>
+                        <a:rPr lang="pl-PL" sz="1600">
+                          <a:effectLst/>
+                        </a:rPr>
+                        <a:t>5.63699698</a:t>
+                      </a:r>
+                    </a:p>
+                  </a:txBody>
+                  <a:tcPr marL="67567" marR="67567" marT="33784" marB="33784" anchor="ctr">
+                    <a:lnL>
+                      <a:noFill/>
+                    </a:lnL>
+                    <a:lnR>
+                      <a:noFill/>
+                    </a:lnR>
+                    <a:lnT>
+                      <a:noFill/>
+                    </a:lnT>
+                    <a:lnB>
+                      <a:noFill/>
+                    </a:lnB>
+                  </a:tcPr>
+                </a:tc>
+              </a:tr>
+              <a:tr h="310810">
+                <a:tc>
+                  <a:txBody>
+                    <a:bodyPr/>
+                    <a:lstStyle/>
+                    <a:p>
+                      <a:r>
+                        <a:rPr lang="pl-PL" sz="1600">
+                          <a:effectLst/>
+                        </a:rPr>
+                        <a:t>3000</a:t>
+                      </a:r>
+                    </a:p>
+                  </a:txBody>
+                  <a:tcPr marL="67567" marR="67567" marT="33784" marB="33784" anchor="ctr">
+                    <a:lnL>
+                      <a:noFill/>
+                    </a:lnL>
+                    <a:lnR>
+                      <a:noFill/>
+                    </a:lnR>
+                    <a:lnT>
+                      <a:noFill/>
+                    </a:lnT>
+                    <a:lnB>
+                      <a:noFill/>
+                    </a:lnB>
+                  </a:tcPr>
+                </a:tc>
+                <a:tc>
+                  <a:txBody>
+                    <a:bodyPr/>
+                    <a:lstStyle/>
+                    <a:p>
+                      <a:r>
+                        <a:rPr lang="pl-PL" sz="1600">
+                          <a:effectLst/>
+                        </a:rPr>
+                        <a:t>32.47299290</a:t>
+                      </a:r>
+                    </a:p>
+                  </a:txBody>
+                  <a:tcPr marL="67567" marR="67567" marT="33784" marB="33784" anchor="ctr">
+                    <a:lnL>
+                      <a:noFill/>
+                    </a:lnL>
+                    <a:lnR>
+                      <a:noFill/>
+                    </a:lnR>
+                    <a:lnT>
+                      <a:noFill/>
+                    </a:lnT>
+                    <a:lnB>
+                      <a:noFill/>
+                    </a:lnB>
+                  </a:tcPr>
+                </a:tc>
+                <a:tc>
+                  <a:txBody>
+                    <a:bodyPr/>
+                    <a:lstStyle/>
+                    <a:p>
+                      <a:r>
+                        <a:rPr lang="pl-PL" sz="1600">
+                          <a:effectLst/>
+                        </a:rPr>
+                        <a:t>6.35400343</a:t>
+                      </a:r>
+                    </a:p>
+                  </a:txBody>
+                  <a:tcPr marL="67567" marR="67567" marT="33784" marB="33784" anchor="ctr">
+                    <a:lnL>
+                      <a:noFill/>
+                    </a:lnL>
+                    <a:lnR>
+                      <a:noFill/>
+                    </a:lnR>
+                    <a:lnT>
+                      <a:noFill/>
+                    </a:lnT>
+                    <a:lnB>
+                      <a:noFill/>
+                    </a:lnB>
+                  </a:tcPr>
+                </a:tc>
+              </a:tr>
+              <a:tr h="310810">
+                <a:tc>
+                  <a:txBody>
+                    <a:bodyPr/>
+                    <a:lstStyle/>
+                    <a:p>
+                      <a:r>
+                        <a:rPr lang="pl-PL" sz="1600">
+                          <a:effectLst/>
+                        </a:rPr>
+                        <a:t>3500</a:t>
+                      </a:r>
+                    </a:p>
+                  </a:txBody>
+                  <a:tcPr marL="67567" marR="67567" marT="33784" marB="33784" anchor="ctr">
+                    <a:lnL>
+                      <a:noFill/>
+                    </a:lnL>
+                    <a:lnR>
+                      <a:noFill/>
+                    </a:lnR>
+                    <a:lnT>
+                      <a:noFill/>
+                    </a:lnT>
+                    <a:lnB>
+                      <a:noFill/>
+                    </a:lnB>
+                  </a:tcPr>
+                </a:tc>
+                <a:tc>
+                  <a:txBody>
+                    <a:bodyPr/>
+                    <a:lstStyle/>
+                    <a:p>
+                      <a:r>
+                        <a:rPr lang="pl-PL" sz="1600">
+                          <a:effectLst/>
+                        </a:rPr>
+                        <a:t>43.91099811</a:t>
+                      </a:r>
+                    </a:p>
+                  </a:txBody>
+                  <a:tcPr marL="67567" marR="67567" marT="33784" marB="33784" anchor="ctr">
+                    <a:lnL>
+                      <a:noFill/>
+                    </a:lnL>
+                    <a:lnR>
+                      <a:noFill/>
+                    </a:lnR>
+                    <a:lnT>
+                      <a:noFill/>
+                    </a:lnT>
+                    <a:lnB>
+                      <a:noFill/>
+                    </a:lnB>
+                  </a:tcPr>
+                </a:tc>
+                <a:tc>
+                  <a:txBody>
+                    <a:bodyPr/>
+                    <a:lstStyle/>
+                    <a:p>
+                      <a:r>
+                        <a:rPr lang="pl-PL" sz="1600">
+                          <a:effectLst/>
+                        </a:rPr>
+                        <a:t>8.97300267</a:t>
+                      </a:r>
+                    </a:p>
+                  </a:txBody>
+                  <a:tcPr marL="67567" marR="67567" marT="33784" marB="33784" anchor="ctr">
+                    <a:lnL>
+                      <a:noFill/>
+                    </a:lnL>
+                    <a:lnR>
+                      <a:noFill/>
+                    </a:lnR>
+                    <a:lnT>
+                      <a:noFill/>
+                    </a:lnT>
+                    <a:lnB>
+                      <a:noFill/>
+                    </a:lnB>
+                  </a:tcPr>
+                </a:tc>
+              </a:tr>
+              <a:tr h="310810">
+                <a:tc>
+                  <a:txBody>
+                    <a:bodyPr/>
+                    <a:lstStyle/>
+                    <a:p>
+                      <a:r>
+                        <a:rPr lang="pl-PL" sz="1600">
+                          <a:effectLst/>
+                        </a:rPr>
+                        <a:t>4000</a:t>
+                      </a:r>
+                    </a:p>
+                  </a:txBody>
+                  <a:tcPr marL="67567" marR="67567" marT="33784" marB="33784" anchor="ctr">
+                    <a:lnL>
+                      <a:noFill/>
+                    </a:lnL>
+                    <a:lnR>
+                      <a:noFill/>
+                    </a:lnR>
+                    <a:lnT>
+                      <a:noFill/>
+                    </a:lnT>
+                    <a:lnB>
+                      <a:noFill/>
+                    </a:lnB>
+                  </a:tcPr>
+                </a:tc>
+                <a:tc>
+                  <a:txBody>
+                    <a:bodyPr/>
+                    <a:lstStyle/>
+                    <a:p>
+                      <a:r>
+                        <a:rPr lang="pl-PL" sz="1600">
+                          <a:effectLst/>
+                        </a:rPr>
+                        <a:t>60.44501853</a:t>
+                      </a:r>
+                    </a:p>
+                  </a:txBody>
+                  <a:tcPr marL="67567" marR="67567" marT="33784" marB="33784" anchor="ctr">
+                    <a:lnL>
+                      <a:noFill/>
+                    </a:lnL>
+                    <a:lnR>
+                      <a:noFill/>
+                    </a:lnR>
+                    <a:lnT>
+                      <a:noFill/>
+                    </a:lnT>
+                    <a:lnB>
+                      <a:noFill/>
+                    </a:lnB>
+                  </a:tcPr>
+                </a:tc>
+                <a:tc>
+                  <a:txBody>
+                    <a:bodyPr/>
+                    <a:lstStyle/>
+                    <a:p>
+                      <a:r>
+                        <a:rPr lang="pl-PL" sz="1600">
+                          <a:effectLst/>
+                        </a:rPr>
+                        <a:t>8.69200325</a:t>
+                      </a:r>
+                    </a:p>
+                  </a:txBody>
+                  <a:tcPr marL="67567" marR="67567" marT="33784" marB="33784" anchor="ctr">
+                    <a:lnL>
+                      <a:noFill/>
+                    </a:lnL>
+                    <a:lnR>
+                      <a:noFill/>
+                    </a:lnR>
+                    <a:lnT>
+                      <a:noFill/>
+                    </a:lnT>
+                    <a:lnB>
+                      <a:noFill/>
+                    </a:lnB>
+                  </a:tcPr>
+                </a:tc>
+              </a:tr>
+              <a:tr h="310810">
+                <a:tc>
+                  <a:txBody>
+                    <a:bodyPr/>
+                    <a:lstStyle/>
+                    <a:p>
+                      <a:r>
+                        <a:rPr lang="pl-PL" sz="1600">
+                          <a:effectLst/>
+                        </a:rPr>
+                        <a:t>4500</a:t>
+                      </a:r>
+                    </a:p>
+                  </a:txBody>
+                  <a:tcPr marL="67567" marR="67567" marT="33784" marB="33784" anchor="ctr">
+                    <a:lnL>
+                      <a:noFill/>
+                    </a:lnL>
+                    <a:lnR>
+                      <a:noFill/>
+                    </a:lnR>
+                    <a:lnT>
+                      <a:noFill/>
+                    </a:lnT>
+                    <a:lnB>
+                      <a:noFill/>
+                    </a:lnB>
+                  </a:tcPr>
+                </a:tc>
+                <a:tc>
+                  <a:txBody>
+                    <a:bodyPr/>
+                    <a:lstStyle/>
+                    <a:p>
+                      <a:r>
+                        <a:rPr lang="pl-PL" sz="1600">
+                          <a:effectLst/>
+                        </a:rPr>
+                        <a:t>78.48697853</a:t>
+                      </a:r>
+                    </a:p>
+                  </a:txBody>
+                  <a:tcPr marL="67567" marR="67567" marT="33784" marB="33784" anchor="ctr">
+                    <a:lnL>
+                      <a:noFill/>
+                    </a:lnL>
+                    <a:lnR>
+                      <a:noFill/>
+                    </a:lnR>
+                    <a:lnT>
+                      <a:noFill/>
+                    </a:lnT>
+                    <a:lnB>
+                      <a:noFill/>
+                    </a:lnB>
+                  </a:tcPr>
+                </a:tc>
+                <a:tc>
+                  <a:txBody>
+                    <a:bodyPr/>
+                    <a:lstStyle/>
+                    <a:p>
+                      <a:r>
+                        <a:rPr lang="pl-PL" sz="1600">
+                          <a:effectLst/>
+                        </a:rPr>
+                        <a:t>9.77899957</a:t>
+                      </a:r>
+                    </a:p>
+                  </a:txBody>
+                  <a:tcPr marL="67567" marR="67567" marT="33784" marB="33784" anchor="ctr">
+                    <a:lnL>
+                      <a:noFill/>
+                    </a:lnL>
+                    <a:lnR>
+                      <a:noFill/>
+                    </a:lnR>
+                    <a:lnT>
+                      <a:noFill/>
+                    </a:lnT>
+                    <a:lnB>
+                      <a:noFill/>
+                    </a:lnB>
+                  </a:tcPr>
+                </a:tc>
+              </a:tr>
+              <a:tr h="310810">
+                <a:tc>
+                  <a:txBody>
+                    <a:bodyPr/>
+                    <a:lstStyle/>
+                    <a:p>
+                      <a:r>
+                        <a:rPr lang="pl-PL" sz="1600">
+                          <a:effectLst/>
+                        </a:rPr>
+                        <a:t>5000</a:t>
+                      </a:r>
+                    </a:p>
+                  </a:txBody>
+                  <a:tcPr marL="67567" marR="67567" marT="33784" marB="33784" anchor="ctr">
+                    <a:lnL>
+                      <a:noFill/>
+                    </a:lnL>
+                    <a:lnR>
+                      <a:noFill/>
+                    </a:lnR>
+                    <a:lnT>
+                      <a:noFill/>
+                    </a:lnT>
+                    <a:lnB>
+                      <a:noFill/>
+                    </a:lnB>
+                  </a:tcPr>
+                </a:tc>
+                <a:tc>
+                  <a:txBody>
+                    <a:bodyPr/>
+                    <a:lstStyle/>
+                    <a:p>
+                      <a:r>
+                        <a:rPr lang="pl-PL" sz="1600">
+                          <a:effectLst/>
+                        </a:rPr>
+                        <a:t>92.68800616</a:t>
+                      </a:r>
+                    </a:p>
+                  </a:txBody>
+                  <a:tcPr marL="67567" marR="67567" marT="33784" marB="33784" anchor="ctr">
+                    <a:lnL>
+                      <a:noFill/>
+                    </a:lnL>
+                    <a:lnR>
+                      <a:noFill/>
+                    </a:lnR>
+                    <a:lnT>
+                      <a:noFill/>
+                    </a:lnT>
+                    <a:lnB>
+                      <a:noFill/>
+                    </a:lnB>
+                  </a:tcPr>
+                </a:tc>
+                <a:tc>
+                  <a:txBody>
+                    <a:bodyPr/>
+                    <a:lstStyle/>
+                    <a:p>
+                      <a:r>
+                        <a:rPr lang="pl-PL" sz="1600" dirty="0">
+                          <a:effectLst/>
+                        </a:rPr>
+                        <a:t>11.12399650</a:t>
+                      </a:r>
+                    </a:p>
+                  </a:txBody>
+                  <a:tcPr marL="67567" marR="67567" marT="33784" marB="33784" anchor="ctr">
+                    <a:lnL>
+                      <a:noFill/>
+                    </a:lnL>
+                    <a:lnR>
+                      <a:noFill/>
+                    </a:lnR>
+                    <a:lnT>
+                      <a:noFill/>
+                    </a:lnT>
+                    <a:lnB>
+                      <a:noFill/>
+                    </a:lnB>
+                  </a:tcPr>
+                </a:tc>
+              </a:tr>
+            </a:tbl>
+          </a:graphicData>
+        </a:graphic>
+      </p:graphicFrame>
+    </p:spTree>
+    <p:extLst>
+      <p:ext uri="{BB962C8B-B14F-4D97-AF65-F5344CB8AC3E}">
+        <p14:creationId xmlns:p14="http://schemas.microsoft.com/office/powerpoint/2010/main" val="1135650623"/>
+      </p:ext>
+    </p:extLst>
+  </p:cSld>
+  <p:clrMapOvr>
+    <a:masterClrMapping/>
+  </p:clrMapOvr>
+</p:sld>
+</file>
+
+<file path=ppt/slides/slide54.xml><?xml version="1.0" encoding="utf-8"?>
+<p:sld xmlns:a="http://schemas.openxmlformats.org/drawingml/2006/main" xmlns:r="http://schemas.openxmlformats.org/officeDocument/2006/relationships" xmlns:p="http://schemas.openxmlformats.org/presentationml/2006/main">
+  <p:cSld>
+    <p:spTree>
+      <p:nvGrpSpPr>
+        <p:cNvPr id="1" name=""/>
+        <p:cNvGrpSpPr/>
+        <p:nvPr/>
+      </p:nvGrpSpPr>
+      <p:grpSpPr>
+        <a:xfrm>
+          <a:off x="0" y="0"/>
+          <a:ext cx="0" cy="0"/>
+          <a:chOff x="0" y="0"/>
+          <a:chExt cx="0" cy="0"/>
+        </a:xfrm>
+      </p:grpSpPr>
+      <p:sp>
+        <p:nvSpPr>
+          <p:cNvPr id="2" name="Title 1">
+            <a:extLst>
+              <a:ext uri="{FF2B5EF4-FFF2-40B4-BE49-F238E27FC236}">
+                <a16:creationId xmlns:a16="http://schemas.microsoft.com/office/drawing/2014/main" xmlns="" id="{CE2BDAB7-0BBD-13D6-DE9D-E1CD87C26286}"/>
+              </a:ext>
+            </a:extLst>
+          </p:cNvPr>
+          <p:cNvSpPr>
+            <a:spLocks noGrp="1"/>
+          </p:cNvSpPr>
+          <p:nvPr>
+            <p:ph type="title"/>
+          </p:nvPr>
+        </p:nvSpPr>
+        <p:spPr/>
+        <p:txBody>
+          <a:bodyPr/>
+          <a:lstStyle/>
+          <a:p>
+            <a:r>
+              <a:rPr lang="pl-PL" b="1" dirty="0">
+                <a:solidFill>
+                  <a:srgbClr val="569CD6"/>
+                </a:solidFill>
+                <a:effectLst/>
+                <a:latin typeface="Consolas" panose="020B0609020204030204" pitchFamily="49" charset="0"/>
+              </a:rPr>
+              <a:t>Źródła:</a:t>
+            </a:r>
+            <a:r>
+              <a:rPr lang="pl-PL" b="0" dirty="0">
+                <a:solidFill>
+                  <a:srgbClr val="CCCCCC"/>
+                </a:solidFill>
+                <a:effectLst/>
+                <a:latin typeface="Consolas" panose="020B0609020204030204" pitchFamily="49" charset="0"/>
+              </a:rPr>
+              <a:t/>
+            </a:r>
+            <a:br>
+              <a:rPr lang="pl-PL" b="0" dirty="0">
+                <a:solidFill>
+                  <a:srgbClr val="CCCCCC"/>
+                </a:solidFill>
+                <a:effectLst/>
+                <a:latin typeface="Consolas" panose="020B0609020204030204" pitchFamily="49" charset="0"/>
+              </a:rPr>
+            </a:br>
+            <a:endParaRPr lang="pl-PL" dirty="0"/>
+          </a:p>
+        </p:txBody>
+      </p:sp>
+      <p:sp>
+        <p:nvSpPr>
+          <p:cNvPr id="3" name="Content Placeholder 2">
+            <a:extLst>
+              <a:ext uri="{FF2B5EF4-FFF2-40B4-BE49-F238E27FC236}">
+                <a16:creationId xmlns:a16="http://schemas.microsoft.com/office/drawing/2014/main" xmlns="" id="{5CE53849-7EDA-FBE9-039F-D3D7487DE1FA}"/>
+              </a:ext>
+            </a:extLst>
+          </p:cNvPr>
+          <p:cNvSpPr>
+            <a:spLocks noGrp="1"/>
+          </p:cNvSpPr>
+          <p:nvPr>
+            <p:ph idx="1"/>
+          </p:nvPr>
+        </p:nvSpPr>
+        <p:spPr/>
+        <p:txBody>
+          <a:bodyPr>
+            <a:normAutofit/>
+          </a:bodyPr>
+          <a:lstStyle/>
+          <a:p>
+            <a:r>
+              <a:rPr lang="pl-PL" sz="1200" dirty="0">
+                <a:effectLst/>
+                <a:latin typeface="Consolas" panose="020B0609020204030204" pitchFamily="49" charset="0"/>
+              </a:rPr>
+              <a:t>https://en.wikipedia.org/wiki/Voronoi_diagram</a:t>
+            </a:r>
+          </a:p>
+          <a:p>
+            <a:r>
+              <a:rPr lang="pl-PL" sz="1200" dirty="0">
+                <a:effectLst/>
+                <a:latin typeface="Consolas" panose="020B0609020204030204" pitchFamily="49" charset="0"/>
+              </a:rPr>
+              <a:t>https://en.wikipedia.org/wiki/Bowyer%E2%80%93Watson_algorithm</a:t>
+            </a:r>
+          </a:p>
+          <a:p>
+            <a:r>
+              <a:rPr lang="pl-PL" sz="1200" dirty="0">
+                <a:effectLst/>
+                <a:latin typeface="Consolas" panose="020B0609020204030204" pitchFamily="49" charset="0"/>
+              </a:rPr>
+              <a:t>https://www.baeldung.com/cs/voronoi-diagram</a:t>
+            </a:r>
+          </a:p>
+          <a:p>
+            <a:r>
+              <a:rPr lang="pl-PL" sz="1300" dirty="0">
+                <a:latin typeface="Consolas" panose="020B0609020204030204" pitchFamily="49" charset="0"/>
+              </a:rPr>
+              <a:t>https://github.com/anglyan/dcel</a:t>
+            </a:r>
+          </a:p>
+          <a:p>
+            <a:r>
+              <a:rPr lang="pl-PL" sz="1300" dirty="0" smtClean="0">
+                <a:latin typeface="Consolas" panose="020B0609020204030204" pitchFamily="49" charset="0"/>
+              </a:rPr>
+              <a:t>https</a:t>
+            </a:r>
+            <a:r>
+              <a:rPr lang="pl-PL" sz="1300" dirty="0">
+                <a:latin typeface="Consolas" panose="020B0609020204030204" pitchFamily="49" charset="0"/>
+              </a:rPr>
+              <a:t>://ufkapano.github.io/download/Mateusz_Malczewski_2021.pdf</a:t>
+            </a:r>
+          </a:p>
+          <a:p>
+            <a:r>
+              <a:rPr lang="pl-PL" sz="1300" dirty="0" smtClean="0">
+                <a:latin typeface="Consolas" panose="020B0609020204030204" pitchFamily="49" charset="0"/>
+              </a:rPr>
+              <a:t>https</a:t>
+            </a:r>
+            <a:r>
+              <a:rPr lang="pl-PL" sz="1300" dirty="0">
+                <a:latin typeface="Consolas" panose="020B0609020204030204" pitchFamily="49" charset="0"/>
+              </a:rPr>
+              <a:t>://github.com/ufkapano/planegeometry</a:t>
+            </a:r>
+          </a:p>
+          <a:p>
+            <a:r>
+              <a:rPr lang="pl-PL" sz="1300" dirty="0" smtClean="0">
+                <a:latin typeface="Consolas" panose="020B0609020204030204" pitchFamily="49" charset="0"/>
+              </a:rPr>
+              <a:t>https</a:t>
+            </a:r>
+            <a:r>
+              <a:rPr lang="pl-PL" sz="1300" dirty="0">
+                <a:latin typeface="Consolas" panose="020B0609020204030204" pitchFamily="49" charset="0"/>
+              </a:rPr>
+              <a:t>://github.com/Yatoom/foronoi</a:t>
+            </a:r>
+          </a:p>
+          <a:p>
+            <a:r>
+              <a:rPr lang="pl-PL" sz="1300" dirty="0" err="1" smtClean="0">
+                <a:latin typeface="Consolas" panose="020B0609020204030204" pitchFamily="49" charset="0"/>
+              </a:rPr>
+              <a:t>Computational</a:t>
+            </a:r>
+            <a:r>
+              <a:rPr lang="pl-PL" sz="1300" dirty="0" smtClean="0">
+                <a:latin typeface="Consolas" panose="020B0609020204030204" pitchFamily="49" charset="0"/>
+              </a:rPr>
+              <a:t> </a:t>
+            </a:r>
+            <a:r>
+              <a:rPr lang="pl-PL" sz="1300" dirty="0">
+                <a:latin typeface="Consolas" panose="020B0609020204030204" pitchFamily="49" charset="0"/>
+              </a:rPr>
+              <a:t>Geometry - </a:t>
+            </a:r>
+            <a:r>
+              <a:rPr lang="pl-PL" sz="1300" dirty="0" err="1">
+                <a:latin typeface="Consolas" panose="020B0609020204030204" pitchFamily="49" charset="0"/>
+              </a:rPr>
+              <a:t>Algorithms</a:t>
+            </a:r>
+            <a:r>
+              <a:rPr lang="pl-PL" sz="1300" dirty="0">
+                <a:latin typeface="Consolas" panose="020B0609020204030204" pitchFamily="49" charset="0"/>
+              </a:rPr>
+              <a:t> and Applications by Mark de Berg, </a:t>
+            </a:r>
+            <a:r>
+              <a:rPr lang="pl-PL" sz="1300" dirty="0" err="1">
+                <a:latin typeface="Consolas" panose="020B0609020204030204" pitchFamily="49" charset="0"/>
+              </a:rPr>
+              <a:t>Otfried</a:t>
+            </a:r>
+            <a:r>
+              <a:rPr lang="pl-PL" sz="1300" dirty="0">
+                <a:latin typeface="Consolas" panose="020B0609020204030204" pitchFamily="49" charset="0"/>
+              </a:rPr>
+              <a:t> </a:t>
+            </a:r>
+            <a:r>
+              <a:rPr lang="pl-PL" sz="1300" dirty="0" err="1">
+                <a:latin typeface="Consolas" panose="020B0609020204030204" pitchFamily="49" charset="0"/>
+              </a:rPr>
+              <a:t>Cheong</a:t>
+            </a:r>
+            <a:r>
+              <a:rPr lang="pl-PL" sz="1300" dirty="0">
+                <a:latin typeface="Consolas" panose="020B0609020204030204" pitchFamily="49" charset="0"/>
+              </a:rPr>
+              <a:t>, </a:t>
+            </a:r>
+            <a:r>
+              <a:rPr lang="pl-PL" sz="1300" dirty="0" err="1">
+                <a:latin typeface="Consolas" panose="020B0609020204030204" pitchFamily="49" charset="0"/>
+              </a:rPr>
+              <a:t>Marc</a:t>
+            </a:r>
+            <a:r>
+              <a:rPr lang="pl-PL" sz="1300" dirty="0">
+                <a:latin typeface="Consolas" panose="020B0609020204030204" pitchFamily="49" charset="0"/>
+              </a:rPr>
+              <a:t> van </a:t>
+            </a:r>
+            <a:r>
+              <a:rPr lang="pl-PL" sz="1300" dirty="0" err="1">
+                <a:latin typeface="Consolas" panose="020B0609020204030204" pitchFamily="49" charset="0"/>
+              </a:rPr>
+              <a:t>Kreveld</a:t>
+            </a:r>
+            <a:r>
+              <a:rPr lang="pl-PL" sz="1300" dirty="0">
+                <a:latin typeface="Consolas" panose="020B0609020204030204" pitchFamily="49" charset="0"/>
+              </a:rPr>
+              <a:t>, Mark </a:t>
+            </a:r>
+            <a:r>
+              <a:rPr lang="pl-PL" sz="1300" dirty="0" err="1">
+                <a:latin typeface="Consolas" panose="020B0609020204030204" pitchFamily="49" charset="0"/>
+              </a:rPr>
+              <a:t>Overmars</a:t>
+            </a:r>
+            <a:endParaRPr lang="pl-PL" sz="1300" dirty="0">
+              <a:latin typeface="Consolas" panose="020B0609020204030204" pitchFamily="49" charset="0"/>
+            </a:endParaRPr>
+          </a:p>
+          <a:p>
+            <a:endParaRPr lang="pl-PL" dirty="0"/>
+          </a:p>
+        </p:txBody>
+      </p:sp>
+    </p:spTree>
+    <p:extLst>
+      <p:ext uri="{BB962C8B-B14F-4D97-AF65-F5344CB8AC3E}">
+        <p14:creationId xmlns:p14="http://schemas.microsoft.com/office/powerpoint/2010/main" val="2221076155"/>
+      </p:ext>
+    </p:extLst>
+  </p:cSld>
+  <p:clrMapOvr>
+    <a:masterClrMapping/>
+  </p:clrMapOvr>
+  <p:timing>
+    <p:tnLst>
+      <p:par>
+        <p:cTn id="1" dur="indefinite" restart="never" nodeType="tmRoot"/>
+      </p:par>
+    </p:tnLst>
+  </p:timing>
 </p:sld>
 </file>
 
@@ -9341,10 +13091,10 @@
           <p:cNvPr id="10" name="Down Arrow 7">
             <a:extLst>
               <a:ext uri="{FF2B5EF4-FFF2-40B4-BE49-F238E27FC236}">
-                <a16:creationId xmlns:a16="http://schemas.microsoft.com/office/drawing/2014/main" id="{D4771268-CB57-404A-9271-370EB28F6090}"/>
+                <a16:creationId xmlns:a16="http://schemas.microsoft.com/office/drawing/2014/main" xmlns="" id="{D4771268-CB57-404A-9271-370EB28F6090}"/>
               </a:ext>
               <a:ext uri="{C183D7F6-B498-43B3-948B-1728B52AA6E4}">
-                <adec:decorative xmlns:adec="http://schemas.microsoft.com/office/drawing/2017/decorative" val="1"/>
+                <adec:decorative xmlns:adec="http://schemas.microsoft.com/office/drawing/2017/decorative" xmlns="" val="1"/>
               </a:ext>
             </a:extLst>
           </p:cNvPr>
@@ -9354,7 +13104,7 @@
           <p:nvPr>
             <p:extLst>
               <p:ext uri="{386F3935-93C4-4BCD-93E2-E3B085C9AB24}">
-                <p16:designElem xmlns:p16="http://schemas.microsoft.com/office/powerpoint/2015/main" val="1"/>
+                <p16:designElem xmlns:p16="http://schemas.microsoft.com/office/powerpoint/2015/main" xmlns="" val="1"/>
               </p:ext>
             </p:extLst>
           </p:nvPr>
@@ -9407,7 +13157,7 @@
           <p:cNvPr id="2" name="Title 1">
             <a:extLst>
               <a:ext uri="{FF2B5EF4-FFF2-40B4-BE49-F238E27FC236}">
-                <a16:creationId xmlns:a16="http://schemas.microsoft.com/office/drawing/2014/main" id="{5B47F663-7008-31DA-930F-CCB482A936B7}"/>
+                <a16:creationId xmlns:a16="http://schemas.microsoft.com/office/drawing/2014/main" xmlns="" id="{5B47F663-7008-31DA-930F-CCB482A936B7}"/>
               </a:ext>
             </a:extLst>
           </p:cNvPr>
@@ -9451,7 +13201,7 @@
           <p:cNvPr id="5" name="Content Placeholder 4">
             <a:extLst>
               <a:ext uri="{FF2B5EF4-FFF2-40B4-BE49-F238E27FC236}">
-                <a16:creationId xmlns:a16="http://schemas.microsoft.com/office/drawing/2014/main" id="{4F908E6C-1B3B-CA87-25B8-E4E1AB151B08}"/>
+                <a16:creationId xmlns:a16="http://schemas.microsoft.com/office/drawing/2014/main" xmlns="" id="{4F908E6C-1B3B-CA87-25B8-E4E1AB151B08}"/>
               </a:ext>
             </a:extLst>
           </p:cNvPr>
@@ -9488,6 +13238,13 @@
   <p:clrMapOvr>
     <a:masterClrMapping/>
   </p:clrMapOvr>
+  <p:timing>
+    <p:tnLst>
+      <p:par>
+        <p:cTn id="1" dur="indefinite" restart="never" nodeType="tmRoot"/>
+      </p:par>
+    </p:tnLst>
+  </p:timing>
 </p:sld>
 </file>
 
@@ -9521,10 +13278,10 @@
           <p:cNvPr id="10" name="Down Arrow 7">
             <a:extLst>
               <a:ext uri="{FF2B5EF4-FFF2-40B4-BE49-F238E27FC236}">
-                <a16:creationId xmlns:a16="http://schemas.microsoft.com/office/drawing/2014/main" id="{D4771268-CB57-404A-9271-370EB28F6090}"/>
+                <a16:creationId xmlns:a16="http://schemas.microsoft.com/office/drawing/2014/main" xmlns="" id="{D4771268-CB57-404A-9271-370EB28F6090}"/>
               </a:ext>
               <a:ext uri="{C183D7F6-B498-43B3-948B-1728B52AA6E4}">
-                <adec:decorative xmlns:adec="http://schemas.microsoft.com/office/drawing/2017/decorative" val="1"/>
+                <adec:decorative xmlns:adec="http://schemas.microsoft.com/office/drawing/2017/decorative" xmlns="" val="1"/>
               </a:ext>
             </a:extLst>
           </p:cNvPr>
@@ -9534,7 +13291,7 @@
           <p:nvPr>
             <p:extLst>
               <p:ext uri="{386F3935-93C4-4BCD-93E2-E3B085C9AB24}">
-                <p16:designElem xmlns:p16="http://schemas.microsoft.com/office/powerpoint/2015/main" val="1"/>
+                <p16:designElem xmlns:p16="http://schemas.microsoft.com/office/powerpoint/2015/main" xmlns="" val="1"/>
               </p:ext>
             </p:extLst>
           </p:nvPr>
@@ -9587,7 +13344,7 @@
           <p:cNvPr id="2" name="Title 1">
             <a:extLst>
               <a:ext uri="{FF2B5EF4-FFF2-40B4-BE49-F238E27FC236}">
-                <a16:creationId xmlns:a16="http://schemas.microsoft.com/office/drawing/2014/main" id="{AC86753C-8459-8402-D097-7C0CCA92A6D9}"/>
+                <a16:creationId xmlns:a16="http://schemas.microsoft.com/office/drawing/2014/main" xmlns="" id="{AC86753C-8459-8402-D097-7C0CCA92A6D9}"/>
               </a:ext>
             </a:extLst>
           </p:cNvPr>
@@ -9661,7 +13418,7 @@
           <p:cNvPr id="5" name="Content Placeholder 5">
             <a:extLst>
               <a:ext uri="{FF2B5EF4-FFF2-40B4-BE49-F238E27FC236}">
-                <a16:creationId xmlns:a16="http://schemas.microsoft.com/office/drawing/2014/main" id="{583DC926-2B06-4207-8504-F8D013365702}"/>
+                <a16:creationId xmlns:a16="http://schemas.microsoft.com/office/drawing/2014/main" xmlns="" id="{583DC926-2B06-4207-8504-F8D013365702}"/>
               </a:ext>
             </a:extLst>
           </p:cNvPr>
@@ -9698,6 +13455,13 @@
   <p:clrMapOvr>
     <a:masterClrMapping/>
   </p:clrMapOvr>
+  <p:timing>
+    <p:tnLst>
+      <p:par>
+        <p:cTn id="1" dur="indefinite" restart="never" nodeType="tmRoot"/>
+      </p:par>
+    </p:tnLst>
+  </p:timing>
 </p:sld>
 </file>
 
@@ -9723,7 +13487,7 @@
           <p:cNvPr id="2" name="Title 1">
             <a:extLst>
               <a:ext uri="{FF2B5EF4-FFF2-40B4-BE49-F238E27FC236}">
-                <a16:creationId xmlns:a16="http://schemas.microsoft.com/office/drawing/2014/main" id="{2463D552-8041-61C8-B164-21301F4134F6}"/>
+                <a16:creationId xmlns:a16="http://schemas.microsoft.com/office/drawing/2014/main" xmlns="" id="{2463D552-8041-61C8-B164-21301F4134F6}"/>
               </a:ext>
             </a:extLst>
           </p:cNvPr>
@@ -9751,7 +13515,7 @@
           <p:cNvPr id="3" name="Subtitle 2">
             <a:extLst>
               <a:ext uri="{FF2B5EF4-FFF2-40B4-BE49-F238E27FC236}">
-                <a16:creationId xmlns:a16="http://schemas.microsoft.com/office/drawing/2014/main" id="{BEB9D3B4-C5F2-E997-AF58-C5859552FA21}"/>
+                <a16:creationId xmlns:a16="http://schemas.microsoft.com/office/drawing/2014/main" xmlns="" id="{BEB9D3B4-C5F2-E997-AF58-C5859552FA21}"/>
               </a:ext>
             </a:extLst>
           </p:cNvPr>
@@ -9781,6 +13545,13 @@
   <p:clrMapOvr>
     <a:masterClrMapping/>
   </p:clrMapOvr>
+  <p:timing>
+    <p:tnLst>
+      <p:par>
+        <p:cTn id="1" dur="indefinite" restart="never" nodeType="tmRoot"/>
+      </p:par>
+    </p:tnLst>
+  </p:timing>
 </p:sld>
 </file>
 
@@ -9814,7 +13585,7 @@
           <p:cNvPr id="5" name="Content Placeholder 4">
             <a:extLst>
               <a:ext uri="{FF2B5EF4-FFF2-40B4-BE49-F238E27FC236}">
-                <a16:creationId xmlns:a16="http://schemas.microsoft.com/office/drawing/2014/main" id="{FD9A6ED2-0545-9B8B-1FE1-0E1BECECB185}"/>
+                <a16:creationId xmlns:a16="http://schemas.microsoft.com/office/drawing/2014/main" xmlns="" id="{FD9A6ED2-0545-9B8B-1FE1-0E1BECECB185}"/>
               </a:ext>
             </a:extLst>
           </p:cNvPr>
@@ -9851,6 +13622,13 @@
   <p:clrMapOvr>
     <a:masterClrMapping/>
   </p:clrMapOvr>
+  <p:timing>
+    <p:tnLst>
+      <p:par>
+        <p:cTn id="1" dur="indefinite" restart="never" nodeType="tmRoot"/>
+      </p:par>
+    </p:tnLst>
+  </p:timing>
 </p:sld>
 </file>
 

--- a/Wieloboki_Voronoi.pptx
+++ b/Wieloboki_Voronoi.pptx
@@ -30,35 +30,38 @@
     <p:sldId id="283" r:id="rId24"/>
     <p:sldId id="286" r:id="rId25"/>
     <p:sldId id="287" r:id="rId26"/>
-    <p:sldId id="288" r:id="rId27"/>
-    <p:sldId id="296" r:id="rId28"/>
-    <p:sldId id="289" r:id="rId29"/>
-    <p:sldId id="290" r:id="rId30"/>
-    <p:sldId id="292" r:id="rId31"/>
-    <p:sldId id="291" r:id="rId32"/>
-    <p:sldId id="293" r:id="rId33"/>
-    <p:sldId id="294" r:id="rId34"/>
-    <p:sldId id="295" r:id="rId35"/>
-    <p:sldId id="303" r:id="rId36"/>
-    <p:sldId id="297" r:id="rId37"/>
-    <p:sldId id="298" r:id="rId38"/>
-    <p:sldId id="299" r:id="rId39"/>
-    <p:sldId id="300" r:id="rId40"/>
-    <p:sldId id="301" r:id="rId41"/>
-    <p:sldId id="302" r:id="rId42"/>
-    <p:sldId id="304" r:id="rId43"/>
-    <p:sldId id="305" r:id="rId44"/>
-    <p:sldId id="306" r:id="rId45"/>
-    <p:sldId id="307" r:id="rId46"/>
-    <p:sldId id="308" r:id="rId47"/>
-    <p:sldId id="309" r:id="rId48"/>
-    <p:sldId id="310" r:id="rId49"/>
-    <p:sldId id="311" r:id="rId50"/>
-    <p:sldId id="312" r:id="rId51"/>
-    <p:sldId id="313" r:id="rId52"/>
-    <p:sldId id="314" r:id="rId53"/>
-    <p:sldId id="315" r:id="rId54"/>
-    <p:sldId id="268" r:id="rId55"/>
+    <p:sldId id="296" r:id="rId27"/>
+    <p:sldId id="316" r:id="rId28"/>
+    <p:sldId id="318" r:id="rId29"/>
+    <p:sldId id="288" r:id="rId30"/>
+    <p:sldId id="317" r:id="rId31"/>
+    <p:sldId id="289" r:id="rId32"/>
+    <p:sldId id="290" r:id="rId33"/>
+    <p:sldId id="292" r:id="rId34"/>
+    <p:sldId id="291" r:id="rId35"/>
+    <p:sldId id="293" r:id="rId36"/>
+    <p:sldId id="294" r:id="rId37"/>
+    <p:sldId id="295" r:id="rId38"/>
+    <p:sldId id="303" r:id="rId39"/>
+    <p:sldId id="297" r:id="rId40"/>
+    <p:sldId id="298" r:id="rId41"/>
+    <p:sldId id="299" r:id="rId42"/>
+    <p:sldId id="300" r:id="rId43"/>
+    <p:sldId id="301" r:id="rId44"/>
+    <p:sldId id="302" r:id="rId45"/>
+    <p:sldId id="304" r:id="rId46"/>
+    <p:sldId id="305" r:id="rId47"/>
+    <p:sldId id="306" r:id="rId48"/>
+    <p:sldId id="307" r:id="rId49"/>
+    <p:sldId id="308" r:id="rId50"/>
+    <p:sldId id="309" r:id="rId51"/>
+    <p:sldId id="310" r:id="rId52"/>
+    <p:sldId id="311" r:id="rId53"/>
+    <p:sldId id="312" r:id="rId54"/>
+    <p:sldId id="313" r:id="rId55"/>
+    <p:sldId id="314" r:id="rId56"/>
+    <p:sldId id="315" r:id="rId57"/>
+    <p:sldId id="268" r:id="rId58"/>
   </p:sldIdLst>
   <p:sldSz cx="12192000" cy="6858000"/>
   <p:notesSz cx="6858000" cy="9144000"/>
@@ -803,7 +806,7 @@
           <p:cNvPr id="2" name="Title 1">
             <a:extLst>
               <a:ext uri="{FF2B5EF4-FFF2-40B4-BE49-F238E27FC236}">
-                <a16:creationId xmlns:a16="http://schemas.microsoft.com/office/drawing/2014/main" xmlns="" id="{541A7134-C5E1-9066-8084-0350E0C3EAC3}"/>
+                <a16:creationId xmlns="" xmlns:a16="http://schemas.microsoft.com/office/drawing/2014/main" id="{541A7134-C5E1-9066-8084-0350E0C3EAC3}"/>
               </a:ext>
             </a:extLst>
           </p:cNvPr>
@@ -841,7 +844,7 @@
           <p:cNvPr id="3" name="Subtitle 2">
             <a:extLst>
               <a:ext uri="{FF2B5EF4-FFF2-40B4-BE49-F238E27FC236}">
-                <a16:creationId xmlns:a16="http://schemas.microsoft.com/office/drawing/2014/main" xmlns="" id="{8376130C-C0AC-A8B2-8FAD-042449DF13A9}"/>
+                <a16:creationId xmlns="" xmlns:a16="http://schemas.microsoft.com/office/drawing/2014/main" id="{8376130C-C0AC-A8B2-8FAD-042449DF13A9}"/>
               </a:ext>
             </a:extLst>
           </p:cNvPr>
@@ -912,7 +915,7 @@
           <p:cNvPr id="4" name="Date Placeholder 3">
             <a:extLst>
               <a:ext uri="{FF2B5EF4-FFF2-40B4-BE49-F238E27FC236}">
-                <a16:creationId xmlns:a16="http://schemas.microsoft.com/office/drawing/2014/main" xmlns="" id="{A317C649-4F4D-A2E4-CF86-14806957F0E5}"/>
+                <a16:creationId xmlns="" xmlns:a16="http://schemas.microsoft.com/office/drawing/2014/main" id="{A317C649-4F4D-A2E4-CF86-14806957F0E5}"/>
               </a:ext>
             </a:extLst>
           </p:cNvPr>
@@ -930,7 +933,7 @@
           <a:p>
             <a:fld id="{56226301-5D8D-4107-9BAD-DDEF00431FD1}" type="datetimeFigureOut">
               <a:rPr lang="pl-PL" smtClean="0"/>
-              <a:t>09.01.2024</a:t>
+              <a:t>10.01.2024</a:t>
             </a:fld>
             <a:endParaRPr lang="pl-PL"/>
           </a:p>
@@ -941,7 +944,7 @@
           <p:cNvPr id="5" name="Footer Placeholder 4">
             <a:extLst>
               <a:ext uri="{FF2B5EF4-FFF2-40B4-BE49-F238E27FC236}">
-                <a16:creationId xmlns:a16="http://schemas.microsoft.com/office/drawing/2014/main" xmlns="" id="{86B4B831-0D25-4D25-3CC3-C6C34C1F6EB6}"/>
+                <a16:creationId xmlns="" xmlns:a16="http://schemas.microsoft.com/office/drawing/2014/main" id="{86B4B831-0D25-4D25-3CC3-C6C34C1F6EB6}"/>
               </a:ext>
             </a:extLst>
           </p:cNvPr>
@@ -966,7 +969,7 @@
           <p:cNvPr id="6" name="Slide Number Placeholder 5">
             <a:extLst>
               <a:ext uri="{FF2B5EF4-FFF2-40B4-BE49-F238E27FC236}">
-                <a16:creationId xmlns:a16="http://schemas.microsoft.com/office/drawing/2014/main" xmlns="" id="{F038A00B-FC7A-2B79-CC68-9249BE38BAFE}"/>
+                <a16:creationId xmlns="" xmlns:a16="http://schemas.microsoft.com/office/drawing/2014/main" id="{F038A00B-FC7A-2B79-CC68-9249BE38BAFE}"/>
               </a:ext>
             </a:extLst>
           </p:cNvPr>
@@ -1025,7 +1028,7 @@
           <p:cNvPr id="2" name="Title 1">
             <a:extLst>
               <a:ext uri="{FF2B5EF4-FFF2-40B4-BE49-F238E27FC236}">
-                <a16:creationId xmlns:a16="http://schemas.microsoft.com/office/drawing/2014/main" xmlns="" id="{F4D84552-A45B-2FC4-6C12-4918AB54AE6C}"/>
+                <a16:creationId xmlns="" xmlns:a16="http://schemas.microsoft.com/office/drawing/2014/main" id="{F4D84552-A45B-2FC4-6C12-4918AB54AE6C}"/>
               </a:ext>
             </a:extLst>
           </p:cNvPr>
@@ -1054,7 +1057,7 @@
           <p:cNvPr id="3" name="Vertical Text Placeholder 2">
             <a:extLst>
               <a:ext uri="{FF2B5EF4-FFF2-40B4-BE49-F238E27FC236}">
-                <a16:creationId xmlns:a16="http://schemas.microsoft.com/office/drawing/2014/main" xmlns="" id="{FD3FE8B4-D86D-E706-BB07-5065CB69B6F4}"/>
+                <a16:creationId xmlns="" xmlns:a16="http://schemas.microsoft.com/office/drawing/2014/main" id="{FD3FE8B4-D86D-E706-BB07-5065CB69B6F4}"/>
               </a:ext>
             </a:extLst>
           </p:cNvPr>
@@ -1112,7 +1115,7 @@
           <p:cNvPr id="4" name="Date Placeholder 3">
             <a:extLst>
               <a:ext uri="{FF2B5EF4-FFF2-40B4-BE49-F238E27FC236}">
-                <a16:creationId xmlns:a16="http://schemas.microsoft.com/office/drawing/2014/main" xmlns="" id="{DA141205-46A8-5CEF-A3D3-607538E729EA}"/>
+                <a16:creationId xmlns="" xmlns:a16="http://schemas.microsoft.com/office/drawing/2014/main" id="{DA141205-46A8-5CEF-A3D3-607538E729EA}"/>
               </a:ext>
             </a:extLst>
           </p:cNvPr>
@@ -1130,7 +1133,7 @@
           <a:p>
             <a:fld id="{56226301-5D8D-4107-9BAD-DDEF00431FD1}" type="datetimeFigureOut">
               <a:rPr lang="pl-PL" smtClean="0"/>
-              <a:t>09.01.2024</a:t>
+              <a:t>10.01.2024</a:t>
             </a:fld>
             <a:endParaRPr lang="pl-PL"/>
           </a:p>
@@ -1141,7 +1144,7 @@
           <p:cNvPr id="5" name="Footer Placeholder 4">
             <a:extLst>
               <a:ext uri="{FF2B5EF4-FFF2-40B4-BE49-F238E27FC236}">
-                <a16:creationId xmlns:a16="http://schemas.microsoft.com/office/drawing/2014/main" xmlns="" id="{5C5B0F24-DD62-A5FC-4115-EB2D1F062368}"/>
+                <a16:creationId xmlns="" xmlns:a16="http://schemas.microsoft.com/office/drawing/2014/main" id="{5C5B0F24-DD62-A5FC-4115-EB2D1F062368}"/>
               </a:ext>
             </a:extLst>
           </p:cNvPr>
@@ -1166,7 +1169,7 @@
           <p:cNvPr id="6" name="Slide Number Placeholder 5">
             <a:extLst>
               <a:ext uri="{FF2B5EF4-FFF2-40B4-BE49-F238E27FC236}">
-                <a16:creationId xmlns:a16="http://schemas.microsoft.com/office/drawing/2014/main" xmlns="" id="{54D03FCB-AB35-C245-8CF5-B8A6C2C62E50}"/>
+                <a16:creationId xmlns="" xmlns:a16="http://schemas.microsoft.com/office/drawing/2014/main" id="{54D03FCB-AB35-C245-8CF5-B8A6C2C62E50}"/>
               </a:ext>
             </a:extLst>
           </p:cNvPr>
@@ -1225,7 +1228,7 @@
           <p:cNvPr id="2" name="Vertical Title 1">
             <a:extLst>
               <a:ext uri="{FF2B5EF4-FFF2-40B4-BE49-F238E27FC236}">
-                <a16:creationId xmlns:a16="http://schemas.microsoft.com/office/drawing/2014/main" xmlns="" id="{340130FD-6B4B-32F9-B509-46368F996392}"/>
+                <a16:creationId xmlns="" xmlns:a16="http://schemas.microsoft.com/office/drawing/2014/main" id="{340130FD-6B4B-32F9-B509-46368F996392}"/>
               </a:ext>
             </a:extLst>
           </p:cNvPr>
@@ -1259,7 +1262,7 @@
           <p:cNvPr id="3" name="Vertical Text Placeholder 2">
             <a:extLst>
               <a:ext uri="{FF2B5EF4-FFF2-40B4-BE49-F238E27FC236}">
-                <a16:creationId xmlns:a16="http://schemas.microsoft.com/office/drawing/2014/main" xmlns="" id="{B8F05C93-2C09-6598-C5F7-12978C00A298}"/>
+                <a16:creationId xmlns="" xmlns:a16="http://schemas.microsoft.com/office/drawing/2014/main" id="{B8F05C93-2C09-6598-C5F7-12978C00A298}"/>
               </a:ext>
             </a:extLst>
           </p:cNvPr>
@@ -1322,7 +1325,7 @@
           <p:cNvPr id="4" name="Date Placeholder 3">
             <a:extLst>
               <a:ext uri="{FF2B5EF4-FFF2-40B4-BE49-F238E27FC236}">
-                <a16:creationId xmlns:a16="http://schemas.microsoft.com/office/drawing/2014/main" xmlns="" id="{6C446BF0-5A2F-5292-8F48-CB6A49E23F8E}"/>
+                <a16:creationId xmlns="" xmlns:a16="http://schemas.microsoft.com/office/drawing/2014/main" id="{6C446BF0-5A2F-5292-8F48-CB6A49E23F8E}"/>
               </a:ext>
             </a:extLst>
           </p:cNvPr>
@@ -1340,7 +1343,7 @@
           <a:p>
             <a:fld id="{56226301-5D8D-4107-9BAD-DDEF00431FD1}" type="datetimeFigureOut">
               <a:rPr lang="pl-PL" smtClean="0"/>
-              <a:t>09.01.2024</a:t>
+              <a:t>10.01.2024</a:t>
             </a:fld>
             <a:endParaRPr lang="pl-PL"/>
           </a:p>
@@ -1351,7 +1354,7 @@
           <p:cNvPr id="5" name="Footer Placeholder 4">
             <a:extLst>
               <a:ext uri="{FF2B5EF4-FFF2-40B4-BE49-F238E27FC236}">
-                <a16:creationId xmlns:a16="http://schemas.microsoft.com/office/drawing/2014/main" xmlns="" id="{CC57B6C5-2210-4F32-DA53-13C3C884F729}"/>
+                <a16:creationId xmlns="" xmlns:a16="http://schemas.microsoft.com/office/drawing/2014/main" id="{CC57B6C5-2210-4F32-DA53-13C3C884F729}"/>
               </a:ext>
             </a:extLst>
           </p:cNvPr>
@@ -1376,7 +1379,7 @@
           <p:cNvPr id="6" name="Slide Number Placeholder 5">
             <a:extLst>
               <a:ext uri="{FF2B5EF4-FFF2-40B4-BE49-F238E27FC236}">
-                <a16:creationId xmlns:a16="http://schemas.microsoft.com/office/drawing/2014/main" xmlns="" id="{E41BF5CF-1904-5CC4-4A28-8990843D7CF0}"/>
+                <a16:creationId xmlns="" xmlns:a16="http://schemas.microsoft.com/office/drawing/2014/main" id="{E41BF5CF-1904-5CC4-4A28-8990843D7CF0}"/>
               </a:ext>
             </a:extLst>
           </p:cNvPr>
@@ -1435,7 +1438,7 @@
           <p:cNvPr id="2" name="Title 1">
             <a:extLst>
               <a:ext uri="{FF2B5EF4-FFF2-40B4-BE49-F238E27FC236}">
-                <a16:creationId xmlns:a16="http://schemas.microsoft.com/office/drawing/2014/main" xmlns="" id="{FE9C16F6-747C-E55B-0D0D-379213661743}"/>
+                <a16:creationId xmlns="" xmlns:a16="http://schemas.microsoft.com/office/drawing/2014/main" id="{FE9C16F6-747C-E55B-0D0D-379213661743}"/>
               </a:ext>
             </a:extLst>
           </p:cNvPr>
@@ -1464,7 +1467,7 @@
           <p:cNvPr id="3" name="Content Placeholder 2">
             <a:extLst>
               <a:ext uri="{FF2B5EF4-FFF2-40B4-BE49-F238E27FC236}">
-                <a16:creationId xmlns:a16="http://schemas.microsoft.com/office/drawing/2014/main" xmlns="" id="{F8621784-2831-458A-2E41-1B59B3736F58}"/>
+                <a16:creationId xmlns="" xmlns:a16="http://schemas.microsoft.com/office/drawing/2014/main" id="{F8621784-2831-458A-2E41-1B59B3736F58}"/>
               </a:ext>
             </a:extLst>
           </p:cNvPr>
@@ -1522,7 +1525,7 @@
           <p:cNvPr id="4" name="Date Placeholder 3">
             <a:extLst>
               <a:ext uri="{FF2B5EF4-FFF2-40B4-BE49-F238E27FC236}">
-                <a16:creationId xmlns:a16="http://schemas.microsoft.com/office/drawing/2014/main" xmlns="" id="{46AAB217-6418-2491-D83B-CAF45BB1E7A8}"/>
+                <a16:creationId xmlns="" xmlns:a16="http://schemas.microsoft.com/office/drawing/2014/main" id="{46AAB217-6418-2491-D83B-CAF45BB1E7A8}"/>
               </a:ext>
             </a:extLst>
           </p:cNvPr>
@@ -1540,7 +1543,7 @@
           <a:p>
             <a:fld id="{56226301-5D8D-4107-9BAD-DDEF00431FD1}" type="datetimeFigureOut">
               <a:rPr lang="pl-PL" smtClean="0"/>
-              <a:t>09.01.2024</a:t>
+              <a:t>10.01.2024</a:t>
             </a:fld>
             <a:endParaRPr lang="pl-PL"/>
           </a:p>
@@ -1551,7 +1554,7 @@
           <p:cNvPr id="5" name="Footer Placeholder 4">
             <a:extLst>
               <a:ext uri="{FF2B5EF4-FFF2-40B4-BE49-F238E27FC236}">
-                <a16:creationId xmlns:a16="http://schemas.microsoft.com/office/drawing/2014/main" xmlns="" id="{E87346B9-781A-AAE3-552A-2B5429EC94FD}"/>
+                <a16:creationId xmlns="" xmlns:a16="http://schemas.microsoft.com/office/drawing/2014/main" id="{E87346B9-781A-AAE3-552A-2B5429EC94FD}"/>
               </a:ext>
             </a:extLst>
           </p:cNvPr>
@@ -1576,7 +1579,7 @@
           <p:cNvPr id="6" name="Slide Number Placeholder 5">
             <a:extLst>
               <a:ext uri="{FF2B5EF4-FFF2-40B4-BE49-F238E27FC236}">
-                <a16:creationId xmlns:a16="http://schemas.microsoft.com/office/drawing/2014/main" xmlns="" id="{15339B32-2F0D-F0AC-0610-F425A536A9C1}"/>
+                <a16:creationId xmlns="" xmlns:a16="http://schemas.microsoft.com/office/drawing/2014/main" id="{15339B32-2F0D-F0AC-0610-F425A536A9C1}"/>
               </a:ext>
             </a:extLst>
           </p:cNvPr>
@@ -1635,7 +1638,7 @@
           <p:cNvPr id="2" name="Title 1">
             <a:extLst>
               <a:ext uri="{FF2B5EF4-FFF2-40B4-BE49-F238E27FC236}">
-                <a16:creationId xmlns:a16="http://schemas.microsoft.com/office/drawing/2014/main" xmlns="" id="{8813968F-E633-998F-4C22-93E6F554FDA0}"/>
+                <a16:creationId xmlns="" xmlns:a16="http://schemas.microsoft.com/office/drawing/2014/main" id="{8813968F-E633-998F-4C22-93E6F554FDA0}"/>
               </a:ext>
             </a:extLst>
           </p:cNvPr>
@@ -1673,7 +1676,7 @@
           <p:cNvPr id="3" name="Text Placeholder 2">
             <a:extLst>
               <a:ext uri="{FF2B5EF4-FFF2-40B4-BE49-F238E27FC236}">
-                <a16:creationId xmlns:a16="http://schemas.microsoft.com/office/drawing/2014/main" xmlns="" id="{DFF6B9CB-4C7B-94CC-050D-AF0152F3A7D4}"/>
+                <a16:creationId xmlns="" xmlns:a16="http://schemas.microsoft.com/office/drawing/2014/main" id="{DFF6B9CB-4C7B-94CC-050D-AF0152F3A7D4}"/>
               </a:ext>
             </a:extLst>
           </p:cNvPr>
@@ -1798,7 +1801,7 @@
           <p:cNvPr id="4" name="Date Placeholder 3">
             <a:extLst>
               <a:ext uri="{FF2B5EF4-FFF2-40B4-BE49-F238E27FC236}">
-                <a16:creationId xmlns:a16="http://schemas.microsoft.com/office/drawing/2014/main" xmlns="" id="{14237DE1-E9AF-B1C6-D4B7-4D4A9D92736A}"/>
+                <a16:creationId xmlns="" xmlns:a16="http://schemas.microsoft.com/office/drawing/2014/main" id="{14237DE1-E9AF-B1C6-D4B7-4D4A9D92736A}"/>
               </a:ext>
             </a:extLst>
           </p:cNvPr>
@@ -1816,7 +1819,7 @@
           <a:p>
             <a:fld id="{56226301-5D8D-4107-9BAD-DDEF00431FD1}" type="datetimeFigureOut">
               <a:rPr lang="pl-PL" smtClean="0"/>
-              <a:t>09.01.2024</a:t>
+              <a:t>10.01.2024</a:t>
             </a:fld>
             <a:endParaRPr lang="pl-PL"/>
           </a:p>
@@ -1827,7 +1830,7 @@
           <p:cNvPr id="5" name="Footer Placeholder 4">
             <a:extLst>
               <a:ext uri="{FF2B5EF4-FFF2-40B4-BE49-F238E27FC236}">
-                <a16:creationId xmlns:a16="http://schemas.microsoft.com/office/drawing/2014/main" xmlns="" id="{66A65784-6F7C-85C2-CAEB-484D0782AF71}"/>
+                <a16:creationId xmlns="" xmlns:a16="http://schemas.microsoft.com/office/drawing/2014/main" id="{66A65784-6F7C-85C2-CAEB-484D0782AF71}"/>
               </a:ext>
             </a:extLst>
           </p:cNvPr>
@@ -1852,7 +1855,7 @@
           <p:cNvPr id="6" name="Slide Number Placeholder 5">
             <a:extLst>
               <a:ext uri="{FF2B5EF4-FFF2-40B4-BE49-F238E27FC236}">
-                <a16:creationId xmlns:a16="http://schemas.microsoft.com/office/drawing/2014/main" xmlns="" id="{0CFE103E-577A-BD41-A548-CC12B109EEB9}"/>
+                <a16:creationId xmlns="" xmlns:a16="http://schemas.microsoft.com/office/drawing/2014/main" id="{0CFE103E-577A-BD41-A548-CC12B109EEB9}"/>
               </a:ext>
             </a:extLst>
           </p:cNvPr>
@@ -1911,7 +1914,7 @@
           <p:cNvPr id="2" name="Title 1">
             <a:extLst>
               <a:ext uri="{FF2B5EF4-FFF2-40B4-BE49-F238E27FC236}">
-                <a16:creationId xmlns:a16="http://schemas.microsoft.com/office/drawing/2014/main" xmlns="" id="{2D326AA7-48A7-C584-EB10-FB2EEE275CBD}"/>
+                <a16:creationId xmlns="" xmlns:a16="http://schemas.microsoft.com/office/drawing/2014/main" id="{2D326AA7-48A7-C584-EB10-FB2EEE275CBD}"/>
               </a:ext>
             </a:extLst>
           </p:cNvPr>
@@ -1940,7 +1943,7 @@
           <p:cNvPr id="3" name="Content Placeholder 2">
             <a:extLst>
               <a:ext uri="{FF2B5EF4-FFF2-40B4-BE49-F238E27FC236}">
-                <a16:creationId xmlns:a16="http://schemas.microsoft.com/office/drawing/2014/main" xmlns="" id="{1894C6A4-3164-C637-D949-59D399CC7872}"/>
+                <a16:creationId xmlns="" xmlns:a16="http://schemas.microsoft.com/office/drawing/2014/main" id="{1894C6A4-3164-C637-D949-59D399CC7872}"/>
               </a:ext>
             </a:extLst>
           </p:cNvPr>
@@ -2003,7 +2006,7 @@
           <p:cNvPr id="4" name="Content Placeholder 3">
             <a:extLst>
               <a:ext uri="{FF2B5EF4-FFF2-40B4-BE49-F238E27FC236}">
-                <a16:creationId xmlns:a16="http://schemas.microsoft.com/office/drawing/2014/main" xmlns="" id="{8478F268-F5AD-8F40-E455-3E62B495BAFC}"/>
+                <a16:creationId xmlns="" xmlns:a16="http://schemas.microsoft.com/office/drawing/2014/main" id="{8478F268-F5AD-8F40-E455-3E62B495BAFC}"/>
               </a:ext>
             </a:extLst>
           </p:cNvPr>
@@ -2066,7 +2069,7 @@
           <p:cNvPr id="5" name="Date Placeholder 4">
             <a:extLst>
               <a:ext uri="{FF2B5EF4-FFF2-40B4-BE49-F238E27FC236}">
-                <a16:creationId xmlns:a16="http://schemas.microsoft.com/office/drawing/2014/main" xmlns="" id="{BF728CFA-8F03-8C2C-C4B4-4DEAF99D2204}"/>
+                <a16:creationId xmlns="" xmlns:a16="http://schemas.microsoft.com/office/drawing/2014/main" id="{BF728CFA-8F03-8C2C-C4B4-4DEAF99D2204}"/>
               </a:ext>
             </a:extLst>
           </p:cNvPr>
@@ -2084,7 +2087,7 @@
           <a:p>
             <a:fld id="{56226301-5D8D-4107-9BAD-DDEF00431FD1}" type="datetimeFigureOut">
               <a:rPr lang="pl-PL" smtClean="0"/>
-              <a:t>09.01.2024</a:t>
+              <a:t>10.01.2024</a:t>
             </a:fld>
             <a:endParaRPr lang="pl-PL"/>
           </a:p>
@@ -2095,7 +2098,7 @@
           <p:cNvPr id="6" name="Footer Placeholder 5">
             <a:extLst>
               <a:ext uri="{FF2B5EF4-FFF2-40B4-BE49-F238E27FC236}">
-                <a16:creationId xmlns:a16="http://schemas.microsoft.com/office/drawing/2014/main" xmlns="" id="{845F15C3-4B7C-FAB7-D449-DB7A6121A47C}"/>
+                <a16:creationId xmlns="" xmlns:a16="http://schemas.microsoft.com/office/drawing/2014/main" id="{845F15C3-4B7C-FAB7-D449-DB7A6121A47C}"/>
               </a:ext>
             </a:extLst>
           </p:cNvPr>
@@ -2120,7 +2123,7 @@
           <p:cNvPr id="7" name="Slide Number Placeholder 6">
             <a:extLst>
               <a:ext uri="{FF2B5EF4-FFF2-40B4-BE49-F238E27FC236}">
-                <a16:creationId xmlns:a16="http://schemas.microsoft.com/office/drawing/2014/main" xmlns="" id="{8E0CFA68-3659-9646-82F7-68CF7718A3EF}"/>
+                <a16:creationId xmlns="" xmlns:a16="http://schemas.microsoft.com/office/drawing/2014/main" id="{8E0CFA68-3659-9646-82F7-68CF7718A3EF}"/>
               </a:ext>
             </a:extLst>
           </p:cNvPr>
@@ -2179,7 +2182,7 @@
           <p:cNvPr id="2" name="Title 1">
             <a:extLst>
               <a:ext uri="{FF2B5EF4-FFF2-40B4-BE49-F238E27FC236}">
-                <a16:creationId xmlns:a16="http://schemas.microsoft.com/office/drawing/2014/main" xmlns="" id="{EF0E2FA3-F7F9-852B-8375-47EA9C30A19A}"/>
+                <a16:creationId xmlns="" xmlns:a16="http://schemas.microsoft.com/office/drawing/2014/main" id="{EF0E2FA3-F7F9-852B-8375-47EA9C30A19A}"/>
               </a:ext>
             </a:extLst>
           </p:cNvPr>
@@ -2213,7 +2216,7 @@
           <p:cNvPr id="3" name="Text Placeholder 2">
             <a:extLst>
               <a:ext uri="{FF2B5EF4-FFF2-40B4-BE49-F238E27FC236}">
-                <a16:creationId xmlns:a16="http://schemas.microsoft.com/office/drawing/2014/main" xmlns="" id="{2049AE30-0936-6304-98C8-32D8FFBB2B8C}"/>
+                <a16:creationId xmlns="" xmlns:a16="http://schemas.microsoft.com/office/drawing/2014/main" id="{2049AE30-0936-6304-98C8-32D8FFBB2B8C}"/>
               </a:ext>
             </a:extLst>
           </p:cNvPr>
@@ -2284,7 +2287,7 @@
           <p:cNvPr id="4" name="Content Placeholder 3">
             <a:extLst>
               <a:ext uri="{FF2B5EF4-FFF2-40B4-BE49-F238E27FC236}">
-                <a16:creationId xmlns:a16="http://schemas.microsoft.com/office/drawing/2014/main" xmlns="" id="{1713A900-BC24-1778-3214-B09DC852C2C2}"/>
+                <a16:creationId xmlns="" xmlns:a16="http://schemas.microsoft.com/office/drawing/2014/main" id="{1713A900-BC24-1778-3214-B09DC852C2C2}"/>
               </a:ext>
             </a:extLst>
           </p:cNvPr>
@@ -2347,7 +2350,7 @@
           <p:cNvPr id="5" name="Text Placeholder 4">
             <a:extLst>
               <a:ext uri="{FF2B5EF4-FFF2-40B4-BE49-F238E27FC236}">
-                <a16:creationId xmlns:a16="http://schemas.microsoft.com/office/drawing/2014/main" xmlns="" id="{8368043B-C7FC-9646-5AD3-271A5FA2C656}"/>
+                <a16:creationId xmlns="" xmlns:a16="http://schemas.microsoft.com/office/drawing/2014/main" id="{8368043B-C7FC-9646-5AD3-271A5FA2C656}"/>
               </a:ext>
             </a:extLst>
           </p:cNvPr>
@@ -2418,7 +2421,7 @@
           <p:cNvPr id="6" name="Content Placeholder 5">
             <a:extLst>
               <a:ext uri="{FF2B5EF4-FFF2-40B4-BE49-F238E27FC236}">
-                <a16:creationId xmlns:a16="http://schemas.microsoft.com/office/drawing/2014/main" xmlns="" id="{CB83399B-E7E7-F2FA-8590-46A2AE94D533}"/>
+                <a16:creationId xmlns="" xmlns:a16="http://schemas.microsoft.com/office/drawing/2014/main" id="{CB83399B-E7E7-F2FA-8590-46A2AE94D533}"/>
               </a:ext>
             </a:extLst>
           </p:cNvPr>
@@ -2481,7 +2484,7 @@
           <p:cNvPr id="7" name="Date Placeholder 6">
             <a:extLst>
               <a:ext uri="{FF2B5EF4-FFF2-40B4-BE49-F238E27FC236}">
-                <a16:creationId xmlns:a16="http://schemas.microsoft.com/office/drawing/2014/main" xmlns="" id="{D503EFE8-E470-BC9A-B80B-C850BBDB2423}"/>
+                <a16:creationId xmlns="" xmlns:a16="http://schemas.microsoft.com/office/drawing/2014/main" id="{D503EFE8-E470-BC9A-B80B-C850BBDB2423}"/>
               </a:ext>
             </a:extLst>
           </p:cNvPr>
@@ -2499,7 +2502,7 @@
           <a:p>
             <a:fld id="{56226301-5D8D-4107-9BAD-DDEF00431FD1}" type="datetimeFigureOut">
               <a:rPr lang="pl-PL" smtClean="0"/>
-              <a:t>09.01.2024</a:t>
+              <a:t>10.01.2024</a:t>
             </a:fld>
             <a:endParaRPr lang="pl-PL"/>
           </a:p>
@@ -2510,7 +2513,7 @@
           <p:cNvPr id="8" name="Footer Placeholder 7">
             <a:extLst>
               <a:ext uri="{FF2B5EF4-FFF2-40B4-BE49-F238E27FC236}">
-                <a16:creationId xmlns:a16="http://schemas.microsoft.com/office/drawing/2014/main" xmlns="" id="{34DE0786-E8F5-B2B5-7C98-60BF97D5A8CD}"/>
+                <a16:creationId xmlns="" xmlns:a16="http://schemas.microsoft.com/office/drawing/2014/main" id="{34DE0786-E8F5-B2B5-7C98-60BF97D5A8CD}"/>
               </a:ext>
             </a:extLst>
           </p:cNvPr>
@@ -2535,7 +2538,7 @@
           <p:cNvPr id="9" name="Slide Number Placeholder 8">
             <a:extLst>
               <a:ext uri="{FF2B5EF4-FFF2-40B4-BE49-F238E27FC236}">
-                <a16:creationId xmlns:a16="http://schemas.microsoft.com/office/drawing/2014/main" xmlns="" id="{DB4284C6-90D2-A2AE-C7F8-A869CB4BCEEA}"/>
+                <a16:creationId xmlns="" xmlns:a16="http://schemas.microsoft.com/office/drawing/2014/main" id="{DB4284C6-90D2-A2AE-C7F8-A869CB4BCEEA}"/>
               </a:ext>
             </a:extLst>
           </p:cNvPr>
@@ -2594,7 +2597,7 @@
           <p:cNvPr id="2" name="Title 1">
             <a:extLst>
               <a:ext uri="{FF2B5EF4-FFF2-40B4-BE49-F238E27FC236}">
-                <a16:creationId xmlns:a16="http://schemas.microsoft.com/office/drawing/2014/main" xmlns="" id="{34B3CA61-240D-D544-A95B-6B10679CD518}"/>
+                <a16:creationId xmlns="" xmlns:a16="http://schemas.microsoft.com/office/drawing/2014/main" id="{34B3CA61-240D-D544-A95B-6B10679CD518}"/>
               </a:ext>
             </a:extLst>
           </p:cNvPr>
@@ -2623,7 +2626,7 @@
           <p:cNvPr id="3" name="Date Placeholder 2">
             <a:extLst>
               <a:ext uri="{FF2B5EF4-FFF2-40B4-BE49-F238E27FC236}">
-                <a16:creationId xmlns:a16="http://schemas.microsoft.com/office/drawing/2014/main" xmlns="" id="{EE760131-26C0-EBBF-329E-3D41BBCD42F8}"/>
+                <a16:creationId xmlns="" xmlns:a16="http://schemas.microsoft.com/office/drawing/2014/main" id="{EE760131-26C0-EBBF-329E-3D41BBCD42F8}"/>
               </a:ext>
             </a:extLst>
           </p:cNvPr>
@@ -2641,7 +2644,7 @@
           <a:p>
             <a:fld id="{56226301-5D8D-4107-9BAD-DDEF00431FD1}" type="datetimeFigureOut">
               <a:rPr lang="pl-PL" smtClean="0"/>
-              <a:t>09.01.2024</a:t>
+              <a:t>10.01.2024</a:t>
             </a:fld>
             <a:endParaRPr lang="pl-PL"/>
           </a:p>
@@ -2652,7 +2655,7 @@
           <p:cNvPr id="4" name="Footer Placeholder 3">
             <a:extLst>
               <a:ext uri="{FF2B5EF4-FFF2-40B4-BE49-F238E27FC236}">
-                <a16:creationId xmlns:a16="http://schemas.microsoft.com/office/drawing/2014/main" xmlns="" id="{C39A785D-2673-5ECC-4387-88A5FEF880EE}"/>
+                <a16:creationId xmlns="" xmlns:a16="http://schemas.microsoft.com/office/drawing/2014/main" id="{C39A785D-2673-5ECC-4387-88A5FEF880EE}"/>
               </a:ext>
             </a:extLst>
           </p:cNvPr>
@@ -2677,7 +2680,7 @@
           <p:cNvPr id="5" name="Slide Number Placeholder 4">
             <a:extLst>
               <a:ext uri="{FF2B5EF4-FFF2-40B4-BE49-F238E27FC236}">
-                <a16:creationId xmlns:a16="http://schemas.microsoft.com/office/drawing/2014/main" xmlns="" id="{F076CE58-21F4-E0C6-05B1-E429F88838CA}"/>
+                <a16:creationId xmlns="" xmlns:a16="http://schemas.microsoft.com/office/drawing/2014/main" id="{F076CE58-21F4-E0C6-05B1-E429F88838CA}"/>
               </a:ext>
             </a:extLst>
           </p:cNvPr>
@@ -2736,7 +2739,7 @@
           <p:cNvPr id="2" name="Date Placeholder 1">
             <a:extLst>
               <a:ext uri="{FF2B5EF4-FFF2-40B4-BE49-F238E27FC236}">
-                <a16:creationId xmlns:a16="http://schemas.microsoft.com/office/drawing/2014/main" xmlns="" id="{B6F43EBE-F0A2-6871-4DB2-DE61350E2279}"/>
+                <a16:creationId xmlns="" xmlns:a16="http://schemas.microsoft.com/office/drawing/2014/main" id="{B6F43EBE-F0A2-6871-4DB2-DE61350E2279}"/>
               </a:ext>
             </a:extLst>
           </p:cNvPr>
@@ -2754,7 +2757,7 @@
           <a:p>
             <a:fld id="{56226301-5D8D-4107-9BAD-DDEF00431FD1}" type="datetimeFigureOut">
               <a:rPr lang="pl-PL" smtClean="0"/>
-              <a:t>09.01.2024</a:t>
+              <a:t>10.01.2024</a:t>
             </a:fld>
             <a:endParaRPr lang="pl-PL"/>
           </a:p>
@@ -2765,7 +2768,7 @@
           <p:cNvPr id="3" name="Footer Placeholder 2">
             <a:extLst>
               <a:ext uri="{FF2B5EF4-FFF2-40B4-BE49-F238E27FC236}">
-                <a16:creationId xmlns:a16="http://schemas.microsoft.com/office/drawing/2014/main" xmlns="" id="{CB14F204-B444-C689-F0E5-BF58FBC41E67}"/>
+                <a16:creationId xmlns="" xmlns:a16="http://schemas.microsoft.com/office/drawing/2014/main" id="{CB14F204-B444-C689-F0E5-BF58FBC41E67}"/>
               </a:ext>
             </a:extLst>
           </p:cNvPr>
@@ -2790,7 +2793,7 @@
           <p:cNvPr id="4" name="Slide Number Placeholder 3">
             <a:extLst>
               <a:ext uri="{FF2B5EF4-FFF2-40B4-BE49-F238E27FC236}">
-                <a16:creationId xmlns:a16="http://schemas.microsoft.com/office/drawing/2014/main" xmlns="" id="{33603264-D7F7-612B-A7A4-96708B4B8A8A}"/>
+                <a16:creationId xmlns="" xmlns:a16="http://schemas.microsoft.com/office/drawing/2014/main" id="{33603264-D7F7-612B-A7A4-96708B4B8A8A}"/>
               </a:ext>
             </a:extLst>
           </p:cNvPr>
@@ -2849,7 +2852,7 @@
           <p:cNvPr id="2" name="Title 1">
             <a:extLst>
               <a:ext uri="{FF2B5EF4-FFF2-40B4-BE49-F238E27FC236}">
-                <a16:creationId xmlns:a16="http://schemas.microsoft.com/office/drawing/2014/main" xmlns="" id="{D1F8071D-325E-1A4E-4949-AB806309D7B6}"/>
+                <a16:creationId xmlns="" xmlns:a16="http://schemas.microsoft.com/office/drawing/2014/main" id="{D1F8071D-325E-1A4E-4949-AB806309D7B6}"/>
               </a:ext>
             </a:extLst>
           </p:cNvPr>
@@ -2887,7 +2890,7 @@
           <p:cNvPr id="3" name="Content Placeholder 2">
             <a:extLst>
               <a:ext uri="{FF2B5EF4-FFF2-40B4-BE49-F238E27FC236}">
-                <a16:creationId xmlns:a16="http://schemas.microsoft.com/office/drawing/2014/main" xmlns="" id="{F0845417-3D44-B22E-D152-B569193A8632}"/>
+                <a16:creationId xmlns="" xmlns:a16="http://schemas.microsoft.com/office/drawing/2014/main" id="{F0845417-3D44-B22E-D152-B569193A8632}"/>
               </a:ext>
             </a:extLst>
           </p:cNvPr>
@@ -2978,7 +2981,7 @@
           <p:cNvPr id="4" name="Text Placeholder 3">
             <a:extLst>
               <a:ext uri="{FF2B5EF4-FFF2-40B4-BE49-F238E27FC236}">
-                <a16:creationId xmlns:a16="http://schemas.microsoft.com/office/drawing/2014/main" xmlns="" id="{29A8406E-D796-712F-7543-04AB8667E4F5}"/>
+                <a16:creationId xmlns="" xmlns:a16="http://schemas.microsoft.com/office/drawing/2014/main" id="{29A8406E-D796-712F-7543-04AB8667E4F5}"/>
               </a:ext>
             </a:extLst>
           </p:cNvPr>
@@ -3049,7 +3052,7 @@
           <p:cNvPr id="5" name="Date Placeholder 4">
             <a:extLst>
               <a:ext uri="{FF2B5EF4-FFF2-40B4-BE49-F238E27FC236}">
-                <a16:creationId xmlns:a16="http://schemas.microsoft.com/office/drawing/2014/main" xmlns="" id="{CC2277AF-ADD7-3809-A7CD-204B6BA809F6}"/>
+                <a16:creationId xmlns="" xmlns:a16="http://schemas.microsoft.com/office/drawing/2014/main" id="{CC2277AF-ADD7-3809-A7CD-204B6BA809F6}"/>
               </a:ext>
             </a:extLst>
           </p:cNvPr>
@@ -3067,7 +3070,7 @@
           <a:p>
             <a:fld id="{56226301-5D8D-4107-9BAD-DDEF00431FD1}" type="datetimeFigureOut">
               <a:rPr lang="pl-PL" smtClean="0"/>
-              <a:t>09.01.2024</a:t>
+              <a:t>10.01.2024</a:t>
             </a:fld>
             <a:endParaRPr lang="pl-PL"/>
           </a:p>
@@ -3078,7 +3081,7 @@
           <p:cNvPr id="6" name="Footer Placeholder 5">
             <a:extLst>
               <a:ext uri="{FF2B5EF4-FFF2-40B4-BE49-F238E27FC236}">
-                <a16:creationId xmlns:a16="http://schemas.microsoft.com/office/drawing/2014/main" xmlns="" id="{B1AA2F66-8B1E-D724-E8BD-E624776AE715}"/>
+                <a16:creationId xmlns="" xmlns:a16="http://schemas.microsoft.com/office/drawing/2014/main" id="{B1AA2F66-8B1E-D724-E8BD-E624776AE715}"/>
               </a:ext>
             </a:extLst>
           </p:cNvPr>
@@ -3103,7 +3106,7 @@
           <p:cNvPr id="7" name="Slide Number Placeholder 6">
             <a:extLst>
               <a:ext uri="{FF2B5EF4-FFF2-40B4-BE49-F238E27FC236}">
-                <a16:creationId xmlns:a16="http://schemas.microsoft.com/office/drawing/2014/main" xmlns="" id="{E8955DAC-A6D0-B051-A34A-8E6523598BB7}"/>
+                <a16:creationId xmlns="" xmlns:a16="http://schemas.microsoft.com/office/drawing/2014/main" id="{E8955DAC-A6D0-B051-A34A-8E6523598BB7}"/>
               </a:ext>
             </a:extLst>
           </p:cNvPr>
@@ -3162,7 +3165,7 @@
           <p:cNvPr id="2" name="Title 1">
             <a:extLst>
               <a:ext uri="{FF2B5EF4-FFF2-40B4-BE49-F238E27FC236}">
-                <a16:creationId xmlns:a16="http://schemas.microsoft.com/office/drawing/2014/main" xmlns="" id="{8A195594-1E43-E39B-EA82-A4D2A038FF00}"/>
+                <a16:creationId xmlns="" xmlns:a16="http://schemas.microsoft.com/office/drawing/2014/main" id="{8A195594-1E43-E39B-EA82-A4D2A038FF00}"/>
               </a:ext>
             </a:extLst>
           </p:cNvPr>
@@ -3200,7 +3203,7 @@
           <p:cNvPr id="3" name="Picture Placeholder 2">
             <a:extLst>
               <a:ext uri="{FF2B5EF4-FFF2-40B4-BE49-F238E27FC236}">
-                <a16:creationId xmlns:a16="http://schemas.microsoft.com/office/drawing/2014/main" xmlns="" id="{A2BEDD65-A312-6B36-1CBD-41D0AC8044D8}"/>
+                <a16:creationId xmlns="" xmlns:a16="http://schemas.microsoft.com/office/drawing/2014/main" id="{A2BEDD65-A312-6B36-1CBD-41D0AC8044D8}"/>
               </a:ext>
             </a:extLst>
           </p:cNvPr>
@@ -3267,7 +3270,7 @@
           <p:cNvPr id="4" name="Text Placeholder 3">
             <a:extLst>
               <a:ext uri="{FF2B5EF4-FFF2-40B4-BE49-F238E27FC236}">
-                <a16:creationId xmlns:a16="http://schemas.microsoft.com/office/drawing/2014/main" xmlns="" id="{D7BF313F-387B-7C2B-52C1-219400D16346}"/>
+                <a16:creationId xmlns="" xmlns:a16="http://schemas.microsoft.com/office/drawing/2014/main" id="{D7BF313F-387B-7C2B-52C1-219400D16346}"/>
               </a:ext>
             </a:extLst>
           </p:cNvPr>
@@ -3338,7 +3341,7 @@
           <p:cNvPr id="5" name="Date Placeholder 4">
             <a:extLst>
               <a:ext uri="{FF2B5EF4-FFF2-40B4-BE49-F238E27FC236}">
-                <a16:creationId xmlns:a16="http://schemas.microsoft.com/office/drawing/2014/main" xmlns="" id="{DCB7237C-B2CA-25B3-8F8A-F1854012D43D}"/>
+                <a16:creationId xmlns="" xmlns:a16="http://schemas.microsoft.com/office/drawing/2014/main" id="{DCB7237C-B2CA-25B3-8F8A-F1854012D43D}"/>
               </a:ext>
             </a:extLst>
           </p:cNvPr>
@@ -3356,7 +3359,7 @@
           <a:p>
             <a:fld id="{56226301-5D8D-4107-9BAD-DDEF00431FD1}" type="datetimeFigureOut">
               <a:rPr lang="pl-PL" smtClean="0"/>
-              <a:t>09.01.2024</a:t>
+              <a:t>10.01.2024</a:t>
             </a:fld>
             <a:endParaRPr lang="pl-PL"/>
           </a:p>
@@ -3367,7 +3370,7 @@
           <p:cNvPr id="6" name="Footer Placeholder 5">
             <a:extLst>
               <a:ext uri="{FF2B5EF4-FFF2-40B4-BE49-F238E27FC236}">
-                <a16:creationId xmlns:a16="http://schemas.microsoft.com/office/drawing/2014/main" xmlns="" id="{461F178F-C90A-EE0B-734B-4CA9A5738017}"/>
+                <a16:creationId xmlns="" xmlns:a16="http://schemas.microsoft.com/office/drawing/2014/main" id="{461F178F-C90A-EE0B-734B-4CA9A5738017}"/>
               </a:ext>
             </a:extLst>
           </p:cNvPr>
@@ -3392,7 +3395,7 @@
           <p:cNvPr id="7" name="Slide Number Placeholder 6">
             <a:extLst>
               <a:ext uri="{FF2B5EF4-FFF2-40B4-BE49-F238E27FC236}">
-                <a16:creationId xmlns:a16="http://schemas.microsoft.com/office/drawing/2014/main" xmlns="" id="{D358B68D-A5C7-AA2A-A4D2-219571DE1E8D}"/>
+                <a16:creationId xmlns="" xmlns:a16="http://schemas.microsoft.com/office/drawing/2014/main" id="{D358B68D-A5C7-AA2A-A4D2-219571DE1E8D}"/>
               </a:ext>
             </a:extLst>
           </p:cNvPr>
@@ -3456,7 +3459,7 @@
           <p:cNvPr id="2" name="Title Placeholder 1">
             <a:extLst>
               <a:ext uri="{FF2B5EF4-FFF2-40B4-BE49-F238E27FC236}">
-                <a16:creationId xmlns:a16="http://schemas.microsoft.com/office/drawing/2014/main" xmlns="" id="{4E399F68-1D9F-6F04-44ED-3FF5605F5381}"/>
+                <a16:creationId xmlns="" xmlns:a16="http://schemas.microsoft.com/office/drawing/2014/main" id="{4E399F68-1D9F-6F04-44ED-3FF5605F5381}"/>
               </a:ext>
             </a:extLst>
           </p:cNvPr>
@@ -3495,7 +3498,7 @@
           <p:cNvPr id="3" name="Text Placeholder 2">
             <a:extLst>
               <a:ext uri="{FF2B5EF4-FFF2-40B4-BE49-F238E27FC236}">
-                <a16:creationId xmlns:a16="http://schemas.microsoft.com/office/drawing/2014/main" xmlns="" id="{1A5D6C6B-7992-B35A-3C9E-DEB36EB1AB87}"/>
+                <a16:creationId xmlns="" xmlns:a16="http://schemas.microsoft.com/office/drawing/2014/main" id="{1A5D6C6B-7992-B35A-3C9E-DEB36EB1AB87}"/>
               </a:ext>
             </a:extLst>
           </p:cNvPr>
@@ -3563,7 +3566,7 @@
           <p:cNvPr id="4" name="Date Placeholder 3">
             <a:extLst>
               <a:ext uri="{FF2B5EF4-FFF2-40B4-BE49-F238E27FC236}">
-                <a16:creationId xmlns:a16="http://schemas.microsoft.com/office/drawing/2014/main" xmlns="" id="{D7769C4F-1965-58FB-3DF4-42B86D859E34}"/>
+                <a16:creationId xmlns="" xmlns:a16="http://schemas.microsoft.com/office/drawing/2014/main" id="{D7769C4F-1965-58FB-3DF4-42B86D859E34}"/>
               </a:ext>
             </a:extLst>
           </p:cNvPr>
@@ -3599,7 +3602,7 @@
           <a:p>
             <a:fld id="{56226301-5D8D-4107-9BAD-DDEF00431FD1}" type="datetimeFigureOut">
               <a:rPr lang="pl-PL" smtClean="0"/>
-              <a:t>09.01.2024</a:t>
+              <a:t>10.01.2024</a:t>
             </a:fld>
             <a:endParaRPr lang="pl-PL"/>
           </a:p>
@@ -3610,7 +3613,7 @@
           <p:cNvPr id="5" name="Footer Placeholder 4">
             <a:extLst>
               <a:ext uri="{FF2B5EF4-FFF2-40B4-BE49-F238E27FC236}">
-                <a16:creationId xmlns:a16="http://schemas.microsoft.com/office/drawing/2014/main" xmlns="" id="{8FB50E99-3CB3-C65B-4CAE-E9931DCFD835}"/>
+                <a16:creationId xmlns="" xmlns:a16="http://schemas.microsoft.com/office/drawing/2014/main" id="{8FB50E99-3CB3-C65B-4CAE-E9931DCFD835}"/>
               </a:ext>
             </a:extLst>
           </p:cNvPr>
@@ -3653,7 +3656,7 @@
           <p:cNvPr id="6" name="Slide Number Placeholder 5">
             <a:extLst>
               <a:ext uri="{FF2B5EF4-FFF2-40B4-BE49-F238E27FC236}">
-                <a16:creationId xmlns:a16="http://schemas.microsoft.com/office/drawing/2014/main" xmlns="" id="{42EF9596-3C95-CC3B-9775-347BC84CEBEA}"/>
+                <a16:creationId xmlns="" xmlns:a16="http://schemas.microsoft.com/office/drawing/2014/main" id="{42EF9596-3C95-CC3B-9775-347BC84CEBEA}"/>
               </a:ext>
             </a:extLst>
           </p:cNvPr>
@@ -4021,7 +4024,7 @@
           <p:cNvPr id="2" name="Title 1">
             <a:extLst>
               <a:ext uri="{FF2B5EF4-FFF2-40B4-BE49-F238E27FC236}">
-                <a16:creationId xmlns:a16="http://schemas.microsoft.com/office/drawing/2014/main" xmlns="" id="{8B23FD79-2A7F-C843-4D49-E55B82A912EA}"/>
+                <a16:creationId xmlns="" xmlns:a16="http://schemas.microsoft.com/office/drawing/2014/main" id="{8B23FD79-2A7F-C843-4D49-E55B82A912EA}"/>
               </a:ext>
             </a:extLst>
           </p:cNvPr>
@@ -4054,7 +4057,7 @@
           <p:cNvPr id="3" name="Subtitle 2">
             <a:extLst>
               <a:ext uri="{FF2B5EF4-FFF2-40B4-BE49-F238E27FC236}">
-                <a16:creationId xmlns:a16="http://schemas.microsoft.com/office/drawing/2014/main" xmlns="" id="{6DA918BB-4C6D-ED82-3A63-526473D748CD}"/>
+                <a16:creationId xmlns="" xmlns:a16="http://schemas.microsoft.com/office/drawing/2014/main" id="{6DA918BB-4C6D-ED82-3A63-526473D748CD}"/>
               </a:ext>
             </a:extLst>
           </p:cNvPr>
@@ -4133,7 +4136,7 @@
           <p:cNvPr id="5" name="Content Placeholder 4">
             <a:extLst>
               <a:ext uri="{FF2B5EF4-FFF2-40B4-BE49-F238E27FC236}">
-                <a16:creationId xmlns:a16="http://schemas.microsoft.com/office/drawing/2014/main" xmlns="" id="{3FEE9EBB-F2A1-7938-918B-B6DBEEA75DD6}"/>
+                <a16:creationId xmlns="" xmlns:a16="http://schemas.microsoft.com/office/drawing/2014/main" id="{3FEE9EBB-F2A1-7938-918B-B6DBEEA75DD6}"/>
               </a:ext>
             </a:extLst>
           </p:cNvPr>
@@ -4210,7 +4213,7 @@
           <p:cNvPr id="9" name="Picture 8" descr="A screen shot of a computer program&#10;&#10;Description automatically generated">
             <a:extLst>
               <a:ext uri="{FF2B5EF4-FFF2-40B4-BE49-F238E27FC236}">
-                <a16:creationId xmlns:a16="http://schemas.microsoft.com/office/drawing/2014/main" xmlns="" id="{53B179B4-DED8-DA0C-43FB-DC2DF2CAA8D2}"/>
+                <a16:creationId xmlns="" xmlns:a16="http://schemas.microsoft.com/office/drawing/2014/main" id="{53B179B4-DED8-DA0C-43FB-DC2DF2CAA8D2}"/>
               </a:ext>
             </a:extLst>
           </p:cNvPr>
@@ -4240,7 +4243,7 @@
           <p:cNvPr id="11" name="Picture 10" descr="A computer screen with text&#10;&#10;Description automatically generated">
             <a:extLst>
               <a:ext uri="{FF2B5EF4-FFF2-40B4-BE49-F238E27FC236}">
-                <a16:creationId xmlns:a16="http://schemas.microsoft.com/office/drawing/2014/main" xmlns="" id="{2E291A84-B725-51B6-24FA-33318C4BA5C2}"/>
+                <a16:creationId xmlns="" xmlns:a16="http://schemas.microsoft.com/office/drawing/2014/main" id="{2E291A84-B725-51B6-24FA-33318C4BA5C2}"/>
               </a:ext>
             </a:extLst>
           </p:cNvPr>
@@ -4307,7 +4310,7 @@
           <p:cNvPr id="2" name="Title 1">
             <a:extLst>
               <a:ext uri="{FF2B5EF4-FFF2-40B4-BE49-F238E27FC236}">
-                <a16:creationId xmlns:a16="http://schemas.microsoft.com/office/drawing/2014/main" xmlns="" id="{C6333130-6CB7-FFDF-AB43-6D61D2F87295}"/>
+                <a16:creationId xmlns="" xmlns:a16="http://schemas.microsoft.com/office/drawing/2014/main" id="{C6333130-6CB7-FFDF-AB43-6D61D2F87295}"/>
               </a:ext>
             </a:extLst>
           </p:cNvPr>
@@ -4335,7 +4338,7 @@
           <p:cNvPr id="3" name="Subtitle 2">
             <a:extLst>
               <a:ext uri="{FF2B5EF4-FFF2-40B4-BE49-F238E27FC236}">
-                <a16:creationId xmlns:a16="http://schemas.microsoft.com/office/drawing/2014/main" xmlns="" id="{FD827903-2C9D-9C28-2BF4-CFA4A096BF72}"/>
+                <a16:creationId xmlns="" xmlns:a16="http://schemas.microsoft.com/office/drawing/2014/main" id="{FD827903-2C9D-9C28-2BF4-CFA4A096BF72}"/>
               </a:ext>
             </a:extLst>
           </p:cNvPr>
@@ -4409,10 +4412,10 @@
           <p:cNvPr id="31" name="Rectangle 30">
             <a:extLst>
               <a:ext uri="{FF2B5EF4-FFF2-40B4-BE49-F238E27FC236}">
-                <a16:creationId xmlns:a16="http://schemas.microsoft.com/office/drawing/2014/main" xmlns="" id="{9E90EB45-EEE9-4563-8179-65EF62AE0978}"/>
+                <a16:creationId xmlns="" xmlns:a16="http://schemas.microsoft.com/office/drawing/2014/main" id="{9E90EB45-EEE9-4563-8179-65EF62AE0978}"/>
               </a:ext>
               <a:ext uri="{C183D7F6-B498-43B3-948B-1728B52AA6E4}">
-                <adec:decorative xmlns:adec="http://schemas.microsoft.com/office/drawing/2017/decorative" xmlns="" val="1"/>
+                <adec:decorative xmlns="" xmlns:adec="http://schemas.microsoft.com/office/drawing/2017/decorative" val="1"/>
               </a:ext>
             </a:extLst>
           </p:cNvPr>
@@ -4422,7 +4425,7 @@
           <p:nvPr>
             <p:extLst>
               <p:ext uri="{386F3935-93C4-4BCD-93E2-E3B085C9AB24}">
-                <p16:designElem xmlns:p16="http://schemas.microsoft.com/office/powerpoint/2015/main" xmlns="" val="1"/>
+                <p16:designElem xmlns="" xmlns:p16="http://schemas.microsoft.com/office/powerpoint/2015/main" val="1"/>
               </p:ext>
             </p:extLst>
           </p:nvPr>
@@ -4472,10 +4475,10 @@
           <p:cNvPr id="33" name="Rectangle 32">
             <a:extLst>
               <a:ext uri="{FF2B5EF4-FFF2-40B4-BE49-F238E27FC236}">
-                <a16:creationId xmlns:a16="http://schemas.microsoft.com/office/drawing/2014/main" xmlns="" id="{23D0EF74-AD1E-4FD9-914D-8EC9058EBBA3}"/>
+                <a16:creationId xmlns="" xmlns:a16="http://schemas.microsoft.com/office/drawing/2014/main" id="{23D0EF74-AD1E-4FD9-914D-8EC9058EBBA3}"/>
               </a:ext>
               <a:ext uri="{C183D7F6-B498-43B3-948B-1728B52AA6E4}">
-                <adec:decorative xmlns:adec="http://schemas.microsoft.com/office/drawing/2017/decorative" xmlns="" val="1"/>
+                <adec:decorative xmlns="" xmlns:adec="http://schemas.microsoft.com/office/drawing/2017/decorative" val="1"/>
               </a:ext>
             </a:extLst>
           </p:cNvPr>
@@ -4485,7 +4488,7 @@
           <p:nvPr>
             <p:extLst>
               <p:ext uri="{386F3935-93C4-4BCD-93E2-E3B085C9AB24}">
-                <p16:designElem xmlns:p16="http://schemas.microsoft.com/office/powerpoint/2015/main" xmlns="" val="1"/>
+                <p16:designElem xmlns="" xmlns:p16="http://schemas.microsoft.com/office/powerpoint/2015/main" val="1"/>
               </p:ext>
             </p:extLst>
           </p:nvPr>
@@ -4535,7 +4538,7 @@
           <p:cNvPr id="10" name="Picture 9">
             <a:extLst>
               <a:ext uri="{FF2B5EF4-FFF2-40B4-BE49-F238E27FC236}">
-                <a16:creationId xmlns:a16="http://schemas.microsoft.com/office/drawing/2014/main" xmlns="" id="{5566D870-B759-AA9F-D18A-71C4AF8007CC}"/>
+                <a16:creationId xmlns="" xmlns:a16="http://schemas.microsoft.com/office/drawing/2014/main" id="{5566D870-B759-AA9F-D18A-71C4AF8007CC}"/>
               </a:ext>
             </a:extLst>
           </p:cNvPr>
@@ -4610,10 +4613,10 @@
           <p:cNvPr id="31" name="Rectangle 30">
             <a:extLst>
               <a:ext uri="{FF2B5EF4-FFF2-40B4-BE49-F238E27FC236}">
-                <a16:creationId xmlns:a16="http://schemas.microsoft.com/office/drawing/2014/main" xmlns="" id="{9E90EB45-EEE9-4563-8179-65EF62AE0978}"/>
+                <a16:creationId xmlns="" xmlns:a16="http://schemas.microsoft.com/office/drawing/2014/main" id="{9E90EB45-EEE9-4563-8179-65EF62AE0978}"/>
               </a:ext>
               <a:ext uri="{C183D7F6-B498-43B3-948B-1728B52AA6E4}">
-                <adec:decorative xmlns:adec="http://schemas.microsoft.com/office/drawing/2017/decorative" xmlns="" val="1"/>
+                <adec:decorative xmlns="" xmlns:adec="http://schemas.microsoft.com/office/drawing/2017/decorative" val="1"/>
               </a:ext>
             </a:extLst>
           </p:cNvPr>
@@ -4623,7 +4626,7 @@
           <p:nvPr>
             <p:extLst>
               <p:ext uri="{386F3935-93C4-4BCD-93E2-E3B085C9AB24}">
-                <p16:designElem xmlns:p16="http://schemas.microsoft.com/office/powerpoint/2015/main" xmlns="" val="1"/>
+                <p16:designElem xmlns="" xmlns:p16="http://schemas.microsoft.com/office/powerpoint/2015/main" val="1"/>
               </p:ext>
             </p:extLst>
           </p:nvPr>
@@ -4673,7 +4676,7 @@
           <p:cNvPr id="12" name="Picture 11">
             <a:extLst>
               <a:ext uri="{FF2B5EF4-FFF2-40B4-BE49-F238E27FC236}">
-                <a16:creationId xmlns:a16="http://schemas.microsoft.com/office/drawing/2014/main" xmlns="" id="{A70E6C03-BE2C-92D6-9DCD-AE3F5B161C2A}"/>
+                <a16:creationId xmlns="" xmlns:a16="http://schemas.microsoft.com/office/drawing/2014/main" id="{A70E6C03-BE2C-92D6-9DCD-AE3F5B161C2A}"/>
               </a:ext>
             </a:extLst>
           </p:cNvPr>
@@ -4703,10 +4706,10 @@
           <p:cNvPr id="33" name="Rectangle 32">
             <a:extLst>
               <a:ext uri="{FF2B5EF4-FFF2-40B4-BE49-F238E27FC236}">
-                <a16:creationId xmlns:a16="http://schemas.microsoft.com/office/drawing/2014/main" xmlns="" id="{23D0EF74-AD1E-4FD9-914D-8EC9058EBBA3}"/>
+                <a16:creationId xmlns="" xmlns:a16="http://schemas.microsoft.com/office/drawing/2014/main" id="{23D0EF74-AD1E-4FD9-914D-8EC9058EBBA3}"/>
               </a:ext>
               <a:ext uri="{C183D7F6-B498-43B3-948B-1728B52AA6E4}">
-                <adec:decorative xmlns:adec="http://schemas.microsoft.com/office/drawing/2017/decorative" xmlns="" val="1"/>
+                <adec:decorative xmlns="" xmlns:adec="http://schemas.microsoft.com/office/drawing/2017/decorative" val="1"/>
               </a:ext>
             </a:extLst>
           </p:cNvPr>
@@ -4716,7 +4719,7 @@
           <p:nvPr>
             <p:extLst>
               <p:ext uri="{386F3935-93C4-4BCD-93E2-E3B085C9AB24}">
-                <p16:designElem xmlns:p16="http://schemas.microsoft.com/office/powerpoint/2015/main" xmlns="" val="1"/>
+                <p16:designElem xmlns="" xmlns:p16="http://schemas.microsoft.com/office/powerpoint/2015/main" val="1"/>
               </p:ext>
             </p:extLst>
           </p:nvPr>
@@ -4766,7 +4769,7 @@
           <p:cNvPr id="2" name="Picture 1">
             <a:extLst>
               <a:ext uri="{FF2B5EF4-FFF2-40B4-BE49-F238E27FC236}">
-                <a16:creationId xmlns:a16="http://schemas.microsoft.com/office/drawing/2014/main" xmlns="" id="{7F91ED9B-CA77-3EF6-DC1F-D06F403038A2}"/>
+                <a16:creationId xmlns="" xmlns:a16="http://schemas.microsoft.com/office/drawing/2014/main" id="{7F91ED9B-CA77-3EF6-DC1F-D06F403038A2}"/>
               </a:ext>
             </a:extLst>
           </p:cNvPr>
@@ -4841,10 +4844,10 @@
           <p:cNvPr id="52" name="Rectangle 51">
             <a:extLst>
               <a:ext uri="{FF2B5EF4-FFF2-40B4-BE49-F238E27FC236}">
-                <a16:creationId xmlns:a16="http://schemas.microsoft.com/office/drawing/2014/main" xmlns="" id="{9E90EB45-EEE9-4563-8179-65EF62AE0978}"/>
+                <a16:creationId xmlns="" xmlns:a16="http://schemas.microsoft.com/office/drawing/2014/main" id="{9E90EB45-EEE9-4563-8179-65EF62AE0978}"/>
               </a:ext>
               <a:ext uri="{C183D7F6-B498-43B3-948B-1728B52AA6E4}">
-                <adec:decorative xmlns:adec="http://schemas.microsoft.com/office/drawing/2017/decorative" xmlns="" val="1"/>
+                <adec:decorative xmlns="" xmlns:adec="http://schemas.microsoft.com/office/drawing/2017/decorative" val="1"/>
               </a:ext>
             </a:extLst>
           </p:cNvPr>
@@ -4854,7 +4857,7 @@
           <p:nvPr>
             <p:extLst>
               <p:ext uri="{386F3935-93C4-4BCD-93E2-E3B085C9AB24}">
-                <p16:designElem xmlns:p16="http://schemas.microsoft.com/office/powerpoint/2015/main" xmlns="" val="1"/>
+                <p16:designElem xmlns="" xmlns:p16="http://schemas.microsoft.com/office/powerpoint/2015/main" val="1"/>
               </p:ext>
             </p:extLst>
           </p:nvPr>
@@ -4904,7 +4907,7 @@
           <p:cNvPr id="12" name="Picture 11">
             <a:extLst>
               <a:ext uri="{FF2B5EF4-FFF2-40B4-BE49-F238E27FC236}">
-                <a16:creationId xmlns:a16="http://schemas.microsoft.com/office/drawing/2014/main" xmlns="" id="{8037E95C-5D2E-4EFB-E1CE-713B54980CC0}"/>
+                <a16:creationId xmlns="" xmlns:a16="http://schemas.microsoft.com/office/drawing/2014/main" id="{8037E95C-5D2E-4EFB-E1CE-713B54980CC0}"/>
               </a:ext>
             </a:extLst>
           </p:cNvPr>
@@ -4934,10 +4937,10 @@
           <p:cNvPr id="54" name="Rectangle 53">
             <a:extLst>
               <a:ext uri="{FF2B5EF4-FFF2-40B4-BE49-F238E27FC236}">
-                <a16:creationId xmlns:a16="http://schemas.microsoft.com/office/drawing/2014/main" xmlns="" id="{23D0EF74-AD1E-4FD9-914D-8EC9058EBBA3}"/>
+                <a16:creationId xmlns="" xmlns:a16="http://schemas.microsoft.com/office/drawing/2014/main" id="{23D0EF74-AD1E-4FD9-914D-8EC9058EBBA3}"/>
               </a:ext>
               <a:ext uri="{C183D7F6-B498-43B3-948B-1728B52AA6E4}">
-                <adec:decorative xmlns:adec="http://schemas.microsoft.com/office/drawing/2017/decorative" xmlns="" val="1"/>
+                <adec:decorative xmlns="" xmlns:adec="http://schemas.microsoft.com/office/drawing/2017/decorative" val="1"/>
               </a:ext>
             </a:extLst>
           </p:cNvPr>
@@ -4947,7 +4950,7 @@
           <p:nvPr>
             <p:extLst>
               <p:ext uri="{386F3935-93C4-4BCD-93E2-E3B085C9AB24}">
-                <p16:designElem xmlns:p16="http://schemas.microsoft.com/office/powerpoint/2015/main" xmlns="" val="1"/>
+                <p16:designElem xmlns="" xmlns:p16="http://schemas.microsoft.com/office/powerpoint/2015/main" val="1"/>
               </p:ext>
             </p:extLst>
           </p:nvPr>
@@ -4997,7 +5000,7 @@
           <p:cNvPr id="11" name="Picture 10">
             <a:extLst>
               <a:ext uri="{FF2B5EF4-FFF2-40B4-BE49-F238E27FC236}">
-                <a16:creationId xmlns:a16="http://schemas.microsoft.com/office/drawing/2014/main" xmlns="" id="{1CBEA8AF-1AFD-1074-797D-578959CEA721}"/>
+                <a16:creationId xmlns="" xmlns:a16="http://schemas.microsoft.com/office/drawing/2014/main" id="{1CBEA8AF-1AFD-1074-797D-578959CEA721}"/>
               </a:ext>
             </a:extLst>
           </p:cNvPr>
@@ -5072,10 +5075,10 @@
           <p:cNvPr id="41" name="Rectangle 40">
             <a:extLst>
               <a:ext uri="{FF2B5EF4-FFF2-40B4-BE49-F238E27FC236}">
-                <a16:creationId xmlns:a16="http://schemas.microsoft.com/office/drawing/2014/main" xmlns="" id="{9E90EB45-EEE9-4563-8179-65EF62AE0978}"/>
+                <a16:creationId xmlns="" xmlns:a16="http://schemas.microsoft.com/office/drawing/2014/main" id="{9E90EB45-EEE9-4563-8179-65EF62AE0978}"/>
               </a:ext>
               <a:ext uri="{C183D7F6-B498-43B3-948B-1728B52AA6E4}">
-                <adec:decorative xmlns:adec="http://schemas.microsoft.com/office/drawing/2017/decorative" xmlns="" val="1"/>
+                <adec:decorative xmlns="" xmlns:adec="http://schemas.microsoft.com/office/drawing/2017/decorative" val="1"/>
               </a:ext>
             </a:extLst>
           </p:cNvPr>
@@ -5085,7 +5088,7 @@
           <p:nvPr>
             <p:extLst>
               <p:ext uri="{386F3935-93C4-4BCD-93E2-E3B085C9AB24}">
-                <p16:designElem xmlns:p16="http://schemas.microsoft.com/office/powerpoint/2015/main" xmlns="" val="1"/>
+                <p16:designElem xmlns="" xmlns:p16="http://schemas.microsoft.com/office/powerpoint/2015/main" val="1"/>
               </p:ext>
             </p:extLst>
           </p:nvPr>
@@ -5135,7 +5138,7 @@
           <p:cNvPr id="12" name="Picture 11">
             <a:extLst>
               <a:ext uri="{FF2B5EF4-FFF2-40B4-BE49-F238E27FC236}">
-                <a16:creationId xmlns:a16="http://schemas.microsoft.com/office/drawing/2014/main" xmlns="" id="{C1DB73AE-E596-52D0-4F67-497A81E0AC79}"/>
+                <a16:creationId xmlns="" xmlns:a16="http://schemas.microsoft.com/office/drawing/2014/main" id="{C1DB73AE-E596-52D0-4F67-497A81E0AC79}"/>
               </a:ext>
             </a:extLst>
           </p:cNvPr>
@@ -5165,10 +5168,10 @@
           <p:cNvPr id="43" name="Rectangle 42">
             <a:extLst>
               <a:ext uri="{FF2B5EF4-FFF2-40B4-BE49-F238E27FC236}">
-                <a16:creationId xmlns:a16="http://schemas.microsoft.com/office/drawing/2014/main" xmlns="" id="{23D0EF74-AD1E-4FD9-914D-8EC9058EBBA3}"/>
+                <a16:creationId xmlns="" xmlns:a16="http://schemas.microsoft.com/office/drawing/2014/main" id="{23D0EF74-AD1E-4FD9-914D-8EC9058EBBA3}"/>
               </a:ext>
               <a:ext uri="{C183D7F6-B498-43B3-948B-1728B52AA6E4}">
-                <adec:decorative xmlns:adec="http://schemas.microsoft.com/office/drawing/2017/decorative" xmlns="" val="1"/>
+                <adec:decorative xmlns="" xmlns:adec="http://schemas.microsoft.com/office/drawing/2017/decorative" val="1"/>
               </a:ext>
             </a:extLst>
           </p:cNvPr>
@@ -5178,7 +5181,7 @@
           <p:nvPr>
             <p:extLst>
               <p:ext uri="{386F3935-93C4-4BCD-93E2-E3B085C9AB24}">
-                <p16:designElem xmlns:p16="http://schemas.microsoft.com/office/powerpoint/2015/main" xmlns="" val="1"/>
+                <p16:designElem xmlns="" xmlns:p16="http://schemas.microsoft.com/office/powerpoint/2015/main" val="1"/>
               </p:ext>
             </p:extLst>
           </p:nvPr>
@@ -5228,7 +5231,7 @@
           <p:cNvPr id="16" name="Picture 15">
             <a:extLst>
               <a:ext uri="{FF2B5EF4-FFF2-40B4-BE49-F238E27FC236}">
-                <a16:creationId xmlns:a16="http://schemas.microsoft.com/office/drawing/2014/main" xmlns="" id="{09D380A8-325A-10A1-1C6E-87CF26672F93}"/>
+                <a16:creationId xmlns="" xmlns:a16="http://schemas.microsoft.com/office/drawing/2014/main" id="{09D380A8-325A-10A1-1C6E-87CF26672F93}"/>
               </a:ext>
             </a:extLst>
           </p:cNvPr>
@@ -5303,10 +5306,10 @@
           <p:cNvPr id="48" name="Rectangle 47">
             <a:extLst>
               <a:ext uri="{FF2B5EF4-FFF2-40B4-BE49-F238E27FC236}">
-                <a16:creationId xmlns:a16="http://schemas.microsoft.com/office/drawing/2014/main" xmlns="" id="{9E90EB45-EEE9-4563-8179-65EF62AE0978}"/>
+                <a16:creationId xmlns="" xmlns:a16="http://schemas.microsoft.com/office/drawing/2014/main" id="{9E90EB45-EEE9-4563-8179-65EF62AE0978}"/>
               </a:ext>
               <a:ext uri="{C183D7F6-B498-43B3-948B-1728B52AA6E4}">
-                <adec:decorative xmlns:adec="http://schemas.microsoft.com/office/drawing/2017/decorative" xmlns="" val="1"/>
+                <adec:decorative xmlns="" xmlns:adec="http://schemas.microsoft.com/office/drawing/2017/decorative" val="1"/>
               </a:ext>
             </a:extLst>
           </p:cNvPr>
@@ -5316,7 +5319,7 @@
           <p:nvPr>
             <p:extLst>
               <p:ext uri="{386F3935-93C4-4BCD-93E2-E3B085C9AB24}">
-                <p16:designElem xmlns:p16="http://schemas.microsoft.com/office/powerpoint/2015/main" xmlns="" val="1"/>
+                <p16:designElem xmlns="" xmlns:p16="http://schemas.microsoft.com/office/powerpoint/2015/main" val="1"/>
               </p:ext>
             </p:extLst>
           </p:nvPr>
@@ -5366,7 +5369,7 @@
           <p:cNvPr id="11" name="Picture 10">
             <a:extLst>
               <a:ext uri="{FF2B5EF4-FFF2-40B4-BE49-F238E27FC236}">
-                <a16:creationId xmlns:a16="http://schemas.microsoft.com/office/drawing/2014/main" xmlns="" id="{83AD9DF1-D359-ED85-3155-A0736E4ECA97}"/>
+                <a16:creationId xmlns="" xmlns:a16="http://schemas.microsoft.com/office/drawing/2014/main" id="{83AD9DF1-D359-ED85-3155-A0736E4ECA97}"/>
               </a:ext>
             </a:extLst>
           </p:cNvPr>
@@ -5396,10 +5399,10 @@
           <p:cNvPr id="50" name="Rectangle 49">
             <a:extLst>
               <a:ext uri="{FF2B5EF4-FFF2-40B4-BE49-F238E27FC236}">
-                <a16:creationId xmlns:a16="http://schemas.microsoft.com/office/drawing/2014/main" xmlns="" id="{23D0EF74-AD1E-4FD9-914D-8EC9058EBBA3}"/>
+                <a16:creationId xmlns="" xmlns:a16="http://schemas.microsoft.com/office/drawing/2014/main" id="{23D0EF74-AD1E-4FD9-914D-8EC9058EBBA3}"/>
               </a:ext>
               <a:ext uri="{C183D7F6-B498-43B3-948B-1728B52AA6E4}">
-                <adec:decorative xmlns:adec="http://schemas.microsoft.com/office/drawing/2017/decorative" xmlns="" val="1"/>
+                <adec:decorative xmlns="" xmlns:adec="http://schemas.microsoft.com/office/drawing/2017/decorative" val="1"/>
               </a:ext>
             </a:extLst>
           </p:cNvPr>
@@ -5409,7 +5412,7 @@
           <p:nvPr>
             <p:extLst>
               <p:ext uri="{386F3935-93C4-4BCD-93E2-E3B085C9AB24}">
-                <p16:designElem xmlns:p16="http://schemas.microsoft.com/office/powerpoint/2015/main" xmlns="" val="1"/>
+                <p16:designElem xmlns="" xmlns:p16="http://schemas.microsoft.com/office/powerpoint/2015/main" val="1"/>
               </p:ext>
             </p:extLst>
           </p:nvPr>
@@ -5459,7 +5462,7 @@
           <p:cNvPr id="9" name="Picture 8">
             <a:extLst>
               <a:ext uri="{FF2B5EF4-FFF2-40B4-BE49-F238E27FC236}">
-                <a16:creationId xmlns:a16="http://schemas.microsoft.com/office/drawing/2014/main" xmlns="" id="{69F66114-6CF8-0D24-0651-35D508887C2E}"/>
+                <a16:creationId xmlns="" xmlns:a16="http://schemas.microsoft.com/office/drawing/2014/main" id="{69F66114-6CF8-0D24-0651-35D508887C2E}"/>
               </a:ext>
             </a:extLst>
           </p:cNvPr>
@@ -5534,10 +5537,10 @@
           <p:cNvPr id="48" name="Rectangle 47">
             <a:extLst>
               <a:ext uri="{FF2B5EF4-FFF2-40B4-BE49-F238E27FC236}">
-                <a16:creationId xmlns:a16="http://schemas.microsoft.com/office/drawing/2014/main" xmlns="" id="{9E90EB45-EEE9-4563-8179-65EF62AE0978}"/>
+                <a16:creationId xmlns="" xmlns:a16="http://schemas.microsoft.com/office/drawing/2014/main" id="{9E90EB45-EEE9-4563-8179-65EF62AE0978}"/>
               </a:ext>
               <a:ext uri="{C183D7F6-B498-43B3-948B-1728B52AA6E4}">
-                <adec:decorative xmlns:adec="http://schemas.microsoft.com/office/drawing/2017/decorative" xmlns="" val="1"/>
+                <adec:decorative xmlns="" xmlns:adec="http://schemas.microsoft.com/office/drawing/2017/decorative" val="1"/>
               </a:ext>
             </a:extLst>
           </p:cNvPr>
@@ -5547,7 +5550,7 @@
           <p:nvPr>
             <p:extLst>
               <p:ext uri="{386F3935-93C4-4BCD-93E2-E3B085C9AB24}">
-                <p16:designElem xmlns:p16="http://schemas.microsoft.com/office/powerpoint/2015/main" xmlns="" val="1"/>
+                <p16:designElem xmlns="" xmlns:p16="http://schemas.microsoft.com/office/powerpoint/2015/main" val="1"/>
               </p:ext>
             </p:extLst>
           </p:nvPr>
@@ -5597,7 +5600,7 @@
           <p:cNvPr id="9" name="Picture 8">
             <a:extLst>
               <a:ext uri="{FF2B5EF4-FFF2-40B4-BE49-F238E27FC236}">
-                <a16:creationId xmlns:a16="http://schemas.microsoft.com/office/drawing/2014/main" xmlns="" id="{C989E38B-7248-9F4C-56D8-9EA19FE3431B}"/>
+                <a16:creationId xmlns="" xmlns:a16="http://schemas.microsoft.com/office/drawing/2014/main" id="{C989E38B-7248-9F4C-56D8-9EA19FE3431B}"/>
               </a:ext>
             </a:extLst>
           </p:cNvPr>
@@ -5627,10 +5630,10 @@
           <p:cNvPr id="50" name="Rectangle 49">
             <a:extLst>
               <a:ext uri="{FF2B5EF4-FFF2-40B4-BE49-F238E27FC236}">
-                <a16:creationId xmlns:a16="http://schemas.microsoft.com/office/drawing/2014/main" xmlns="" id="{23D0EF74-AD1E-4FD9-914D-8EC9058EBBA3}"/>
+                <a16:creationId xmlns="" xmlns:a16="http://schemas.microsoft.com/office/drawing/2014/main" id="{23D0EF74-AD1E-4FD9-914D-8EC9058EBBA3}"/>
               </a:ext>
               <a:ext uri="{C183D7F6-B498-43B3-948B-1728B52AA6E4}">
-                <adec:decorative xmlns:adec="http://schemas.microsoft.com/office/drawing/2017/decorative" xmlns="" val="1"/>
+                <adec:decorative xmlns="" xmlns:adec="http://schemas.microsoft.com/office/drawing/2017/decorative" val="1"/>
               </a:ext>
             </a:extLst>
           </p:cNvPr>
@@ -5640,7 +5643,7 @@
           <p:nvPr>
             <p:extLst>
               <p:ext uri="{386F3935-93C4-4BCD-93E2-E3B085C9AB24}">
-                <p16:designElem xmlns:p16="http://schemas.microsoft.com/office/powerpoint/2015/main" xmlns="" val="1"/>
+                <p16:designElem xmlns="" xmlns:p16="http://schemas.microsoft.com/office/powerpoint/2015/main" val="1"/>
               </p:ext>
             </p:extLst>
           </p:nvPr>
@@ -5690,7 +5693,7 @@
           <p:cNvPr id="7" name="Picture 6">
             <a:extLst>
               <a:ext uri="{FF2B5EF4-FFF2-40B4-BE49-F238E27FC236}">
-                <a16:creationId xmlns:a16="http://schemas.microsoft.com/office/drawing/2014/main" xmlns="" id="{9F4FA470-6BE2-A98A-62EC-B4AAB5A9F8C0}"/>
+                <a16:creationId xmlns="" xmlns:a16="http://schemas.microsoft.com/office/drawing/2014/main" id="{9F4FA470-6BE2-A98A-62EC-B4AAB5A9F8C0}"/>
               </a:ext>
             </a:extLst>
           </p:cNvPr>
@@ -5765,10 +5768,10 @@
           <p:cNvPr id="48" name="Rectangle 47">
             <a:extLst>
               <a:ext uri="{FF2B5EF4-FFF2-40B4-BE49-F238E27FC236}">
-                <a16:creationId xmlns:a16="http://schemas.microsoft.com/office/drawing/2014/main" xmlns="" id="{9E90EB45-EEE9-4563-8179-65EF62AE0978}"/>
+                <a16:creationId xmlns="" xmlns:a16="http://schemas.microsoft.com/office/drawing/2014/main" id="{9E90EB45-EEE9-4563-8179-65EF62AE0978}"/>
               </a:ext>
               <a:ext uri="{C183D7F6-B498-43B3-948B-1728B52AA6E4}">
-                <adec:decorative xmlns:adec="http://schemas.microsoft.com/office/drawing/2017/decorative" xmlns="" val="1"/>
+                <adec:decorative xmlns="" xmlns:adec="http://schemas.microsoft.com/office/drawing/2017/decorative" val="1"/>
               </a:ext>
             </a:extLst>
           </p:cNvPr>
@@ -5778,7 +5781,7 @@
           <p:nvPr>
             <p:extLst>
               <p:ext uri="{386F3935-93C4-4BCD-93E2-E3B085C9AB24}">
-                <p16:designElem xmlns:p16="http://schemas.microsoft.com/office/powerpoint/2015/main" xmlns="" val="1"/>
+                <p16:designElem xmlns="" xmlns:p16="http://schemas.microsoft.com/office/powerpoint/2015/main" val="1"/>
               </p:ext>
             </p:extLst>
           </p:nvPr>
@@ -5828,7 +5831,7 @@
           <p:cNvPr id="9" name="Picture 8">
             <a:extLst>
               <a:ext uri="{FF2B5EF4-FFF2-40B4-BE49-F238E27FC236}">
-                <a16:creationId xmlns:a16="http://schemas.microsoft.com/office/drawing/2014/main" xmlns="" id="{38AA44BC-F4CB-608D-49C7-384F5C241E1A}"/>
+                <a16:creationId xmlns="" xmlns:a16="http://schemas.microsoft.com/office/drawing/2014/main" id="{38AA44BC-F4CB-608D-49C7-384F5C241E1A}"/>
               </a:ext>
             </a:extLst>
           </p:cNvPr>
@@ -5858,10 +5861,10 @@
           <p:cNvPr id="50" name="Rectangle 49">
             <a:extLst>
               <a:ext uri="{FF2B5EF4-FFF2-40B4-BE49-F238E27FC236}">
-                <a16:creationId xmlns:a16="http://schemas.microsoft.com/office/drawing/2014/main" xmlns="" id="{23D0EF74-AD1E-4FD9-914D-8EC9058EBBA3}"/>
+                <a16:creationId xmlns="" xmlns:a16="http://schemas.microsoft.com/office/drawing/2014/main" id="{23D0EF74-AD1E-4FD9-914D-8EC9058EBBA3}"/>
               </a:ext>
               <a:ext uri="{C183D7F6-B498-43B3-948B-1728B52AA6E4}">
-                <adec:decorative xmlns:adec="http://schemas.microsoft.com/office/drawing/2017/decorative" xmlns="" val="1"/>
+                <adec:decorative xmlns="" xmlns:adec="http://schemas.microsoft.com/office/drawing/2017/decorative" val="1"/>
               </a:ext>
             </a:extLst>
           </p:cNvPr>
@@ -5871,7 +5874,7 @@
           <p:nvPr>
             <p:extLst>
               <p:ext uri="{386F3935-93C4-4BCD-93E2-E3B085C9AB24}">
-                <p16:designElem xmlns:p16="http://schemas.microsoft.com/office/powerpoint/2015/main" xmlns="" val="1"/>
+                <p16:designElem xmlns="" xmlns:p16="http://schemas.microsoft.com/office/powerpoint/2015/main" val="1"/>
               </p:ext>
             </p:extLst>
           </p:nvPr>
@@ -5921,7 +5924,7 @@
           <p:cNvPr id="7" name="Picture 6">
             <a:extLst>
               <a:ext uri="{FF2B5EF4-FFF2-40B4-BE49-F238E27FC236}">
-                <a16:creationId xmlns:a16="http://schemas.microsoft.com/office/drawing/2014/main" xmlns="" id="{CC0AD45C-A4B3-E0F9-6BAB-4E270A55E634}"/>
+                <a16:creationId xmlns="" xmlns:a16="http://schemas.microsoft.com/office/drawing/2014/main" id="{CC0AD45C-A4B3-E0F9-6BAB-4E270A55E634}"/>
               </a:ext>
             </a:extLst>
           </p:cNvPr>
@@ -5988,7 +5991,7 @@
           <p:cNvPr id="2" name="Title 1">
             <a:extLst>
               <a:ext uri="{FF2B5EF4-FFF2-40B4-BE49-F238E27FC236}">
-                <a16:creationId xmlns:a16="http://schemas.microsoft.com/office/drawing/2014/main" xmlns="" id="{36E77018-4969-BE45-0F12-FF54157C4B6D}"/>
+                <a16:creationId xmlns="" xmlns:a16="http://schemas.microsoft.com/office/drawing/2014/main" id="{36E77018-4969-BE45-0F12-FF54157C4B6D}"/>
               </a:ext>
             </a:extLst>
           </p:cNvPr>
@@ -6017,7 +6020,7 @@
           <p:cNvPr id="5" name="Content Placeholder 4">
             <a:extLst>
               <a:ext uri="{FF2B5EF4-FFF2-40B4-BE49-F238E27FC236}">
-                <a16:creationId xmlns:a16="http://schemas.microsoft.com/office/drawing/2014/main" xmlns="" id="{1843ABC1-4CB6-5326-4746-2ABE3D9E9105}"/>
+                <a16:creationId xmlns="" xmlns:a16="http://schemas.microsoft.com/office/drawing/2014/main" id="{1843ABC1-4CB6-5326-4746-2ABE3D9E9105}"/>
               </a:ext>
             </a:extLst>
           </p:cNvPr>
@@ -6046,7 +6049,7 @@
           <p:cNvPr id="6" name="TextBox 5">
             <a:extLst>
               <a:ext uri="{FF2B5EF4-FFF2-40B4-BE49-F238E27FC236}">
-                <a16:creationId xmlns:a16="http://schemas.microsoft.com/office/drawing/2014/main" xmlns="" id="{23834D75-3488-A878-D722-8DF04B15669A}"/>
+                <a16:creationId xmlns="" xmlns:a16="http://schemas.microsoft.com/office/drawing/2014/main" id="{23834D75-3488-A878-D722-8DF04B15669A}"/>
               </a:ext>
             </a:extLst>
           </p:cNvPr>
@@ -6161,10 +6164,10 @@
           <p:cNvPr id="48" name="Rectangle 47">
             <a:extLst>
               <a:ext uri="{FF2B5EF4-FFF2-40B4-BE49-F238E27FC236}">
-                <a16:creationId xmlns:a16="http://schemas.microsoft.com/office/drawing/2014/main" xmlns="" id="{9E90EB45-EEE9-4563-8179-65EF62AE0978}"/>
+                <a16:creationId xmlns="" xmlns:a16="http://schemas.microsoft.com/office/drawing/2014/main" id="{9E90EB45-EEE9-4563-8179-65EF62AE0978}"/>
               </a:ext>
               <a:ext uri="{C183D7F6-B498-43B3-948B-1728B52AA6E4}">
-                <adec:decorative xmlns:adec="http://schemas.microsoft.com/office/drawing/2017/decorative" xmlns="" val="1"/>
+                <adec:decorative xmlns="" xmlns:adec="http://schemas.microsoft.com/office/drawing/2017/decorative" val="1"/>
               </a:ext>
             </a:extLst>
           </p:cNvPr>
@@ -6174,7 +6177,7 @@
           <p:nvPr>
             <p:extLst>
               <p:ext uri="{386F3935-93C4-4BCD-93E2-E3B085C9AB24}">
-                <p16:designElem xmlns:p16="http://schemas.microsoft.com/office/powerpoint/2015/main" xmlns="" val="1"/>
+                <p16:designElem xmlns="" xmlns:p16="http://schemas.microsoft.com/office/powerpoint/2015/main" val="1"/>
               </p:ext>
             </p:extLst>
           </p:nvPr>
@@ -6224,7 +6227,7 @@
           <p:cNvPr id="9" name="Picture 8">
             <a:extLst>
               <a:ext uri="{FF2B5EF4-FFF2-40B4-BE49-F238E27FC236}">
-                <a16:creationId xmlns:a16="http://schemas.microsoft.com/office/drawing/2014/main" xmlns="" id="{C31CC77C-BEB7-C08F-C765-68F0D39CE5C9}"/>
+                <a16:creationId xmlns="" xmlns:a16="http://schemas.microsoft.com/office/drawing/2014/main" id="{C31CC77C-BEB7-C08F-C765-68F0D39CE5C9}"/>
               </a:ext>
             </a:extLst>
           </p:cNvPr>
@@ -6254,10 +6257,10 @@
           <p:cNvPr id="50" name="Rectangle 49">
             <a:extLst>
               <a:ext uri="{FF2B5EF4-FFF2-40B4-BE49-F238E27FC236}">
-                <a16:creationId xmlns:a16="http://schemas.microsoft.com/office/drawing/2014/main" xmlns="" id="{23D0EF74-AD1E-4FD9-914D-8EC9058EBBA3}"/>
+                <a16:creationId xmlns="" xmlns:a16="http://schemas.microsoft.com/office/drawing/2014/main" id="{23D0EF74-AD1E-4FD9-914D-8EC9058EBBA3}"/>
               </a:ext>
               <a:ext uri="{C183D7F6-B498-43B3-948B-1728B52AA6E4}">
-                <adec:decorative xmlns:adec="http://schemas.microsoft.com/office/drawing/2017/decorative" xmlns="" val="1"/>
+                <adec:decorative xmlns="" xmlns:adec="http://schemas.microsoft.com/office/drawing/2017/decorative" val="1"/>
               </a:ext>
             </a:extLst>
           </p:cNvPr>
@@ -6267,7 +6270,7 @@
           <p:nvPr>
             <p:extLst>
               <p:ext uri="{386F3935-93C4-4BCD-93E2-E3B085C9AB24}">
-                <p16:designElem xmlns:p16="http://schemas.microsoft.com/office/powerpoint/2015/main" xmlns="" val="1"/>
+                <p16:designElem xmlns="" xmlns:p16="http://schemas.microsoft.com/office/powerpoint/2015/main" val="1"/>
               </p:ext>
             </p:extLst>
           </p:nvPr>
@@ -6317,7 +6320,7 @@
           <p:cNvPr id="7" name="Picture 6">
             <a:extLst>
               <a:ext uri="{FF2B5EF4-FFF2-40B4-BE49-F238E27FC236}">
-                <a16:creationId xmlns:a16="http://schemas.microsoft.com/office/drawing/2014/main" xmlns="" id="{FBABCDCA-3B1F-4EC6-24CB-A17796F27C15}"/>
+                <a16:creationId xmlns="" xmlns:a16="http://schemas.microsoft.com/office/drawing/2014/main" id="{FBABCDCA-3B1F-4EC6-24CB-A17796F27C15}"/>
               </a:ext>
             </a:extLst>
           </p:cNvPr>
@@ -6392,10 +6395,10 @@
           <p:cNvPr id="55" name="Rectangle 54">
             <a:extLst>
               <a:ext uri="{FF2B5EF4-FFF2-40B4-BE49-F238E27FC236}">
-                <a16:creationId xmlns:a16="http://schemas.microsoft.com/office/drawing/2014/main" xmlns="" id="{32BC26D8-82FB-445E-AA49-62A77D7C1EE0}"/>
+                <a16:creationId xmlns="" xmlns:a16="http://schemas.microsoft.com/office/drawing/2014/main" id="{32BC26D8-82FB-445E-AA49-62A77D7C1EE0}"/>
               </a:ext>
               <a:ext uri="{C183D7F6-B498-43B3-948B-1728B52AA6E4}">
-                <adec:decorative xmlns:adec="http://schemas.microsoft.com/office/drawing/2017/decorative" xmlns="" val="1"/>
+                <adec:decorative xmlns="" xmlns:adec="http://schemas.microsoft.com/office/drawing/2017/decorative" val="1"/>
               </a:ext>
             </a:extLst>
           </p:cNvPr>
@@ -6405,7 +6408,7 @@
           <p:nvPr>
             <p:extLst>
               <p:ext uri="{386F3935-93C4-4BCD-93E2-E3B085C9AB24}">
-                <p16:designElem xmlns:p16="http://schemas.microsoft.com/office/powerpoint/2015/main" xmlns="" val="1"/>
+                <p16:designElem xmlns="" xmlns:p16="http://schemas.microsoft.com/office/powerpoint/2015/main" val="1"/>
               </p:ext>
             </p:extLst>
           </p:nvPr>
@@ -6458,10 +6461,10 @@
           <p:cNvPr id="57" name="Rectangle 56">
             <a:extLst>
               <a:ext uri="{FF2B5EF4-FFF2-40B4-BE49-F238E27FC236}">
-                <a16:creationId xmlns:a16="http://schemas.microsoft.com/office/drawing/2014/main" xmlns="" id="{CB44330D-EA18-4254-AA95-EB49948539B8}"/>
+                <a16:creationId xmlns="" xmlns:a16="http://schemas.microsoft.com/office/drawing/2014/main" id="{CB44330D-EA18-4254-AA95-EB49948539B8}"/>
               </a:ext>
               <a:ext uri="{C183D7F6-B498-43B3-948B-1728B52AA6E4}">
-                <adec:decorative xmlns:adec="http://schemas.microsoft.com/office/drawing/2017/decorative" xmlns="" val="1"/>
+                <adec:decorative xmlns="" xmlns:adec="http://schemas.microsoft.com/office/drawing/2017/decorative" val="1"/>
               </a:ext>
             </a:extLst>
           </p:cNvPr>
@@ -6471,7 +6474,7 @@
           <p:nvPr>
             <p:extLst>
               <p:ext uri="{386F3935-93C4-4BCD-93E2-E3B085C9AB24}">
-                <p16:designElem xmlns:p16="http://schemas.microsoft.com/office/powerpoint/2015/main" xmlns="" val="1"/>
+                <p16:designElem xmlns="" xmlns:p16="http://schemas.microsoft.com/office/powerpoint/2015/main" val="1"/>
               </p:ext>
             </p:extLst>
           </p:nvPr>
@@ -6521,7 +6524,7 @@
           <p:cNvPr id="31" name="Picture 30">
             <a:extLst>
               <a:ext uri="{FF2B5EF4-FFF2-40B4-BE49-F238E27FC236}">
-                <a16:creationId xmlns:a16="http://schemas.microsoft.com/office/drawing/2014/main" xmlns="" id="{46DE8AF6-5EA5-A304-E987-0A54D353F05C}"/>
+                <a16:creationId xmlns="" xmlns:a16="http://schemas.microsoft.com/office/drawing/2014/main" id="{46DE8AF6-5EA5-A304-E987-0A54D353F05C}"/>
               </a:ext>
             </a:extLst>
           </p:cNvPr>
@@ -6551,7 +6554,7 @@
           <p:cNvPr id="42" name="Group 41">
             <a:extLst>
               <a:ext uri="{FF2B5EF4-FFF2-40B4-BE49-F238E27FC236}">
-                <a16:creationId xmlns:a16="http://schemas.microsoft.com/office/drawing/2014/main" xmlns="" id="{441BB549-9EFF-41FF-2B8A-E018EC1DD753}"/>
+                <a16:creationId xmlns="" xmlns:a16="http://schemas.microsoft.com/office/drawing/2014/main" id="{441BB549-9EFF-41FF-2B8A-E018EC1DD753}"/>
               </a:ext>
             </a:extLst>
           </p:cNvPr>
@@ -6573,7 +6576,7 @@
                 <p14:cNvPr id="34" name="Ink 33">
                   <a:extLst>
                     <a:ext uri="{FF2B5EF4-FFF2-40B4-BE49-F238E27FC236}">
-                      <a16:creationId xmlns:a16="http://schemas.microsoft.com/office/drawing/2014/main" xmlns="" id="{0802194E-E619-7BCA-F7E6-3BA4000E5342}"/>
+                      <a16:creationId xmlns="" xmlns:a16="http://schemas.microsoft.com/office/drawing/2014/main" id="{0802194E-E619-7BCA-F7E6-3BA4000E5342}"/>
                     </a:ext>
                   </a:extLst>
                 </p14:cNvPr>
@@ -6624,7 +6627,7 @@
                 <p14:cNvPr id="35" name="Ink 34">
                   <a:extLst>
                     <a:ext uri="{FF2B5EF4-FFF2-40B4-BE49-F238E27FC236}">
-                      <a16:creationId xmlns:a16="http://schemas.microsoft.com/office/drawing/2014/main" xmlns="" id="{CE663C6E-1FF1-2897-782B-0EC42870CD10}"/>
+                      <a16:creationId xmlns="" xmlns:a16="http://schemas.microsoft.com/office/drawing/2014/main" id="{CE663C6E-1FF1-2897-782B-0EC42870CD10}"/>
                     </a:ext>
                   </a:extLst>
                 </p14:cNvPr>
@@ -6674,7 +6677,7 @@
           <p:cNvPr id="41" name="Group 40">
             <a:extLst>
               <a:ext uri="{FF2B5EF4-FFF2-40B4-BE49-F238E27FC236}">
-                <a16:creationId xmlns:a16="http://schemas.microsoft.com/office/drawing/2014/main" xmlns="" id="{3130D385-AE6A-EA49-B032-9DABBF315ACF}"/>
+                <a16:creationId xmlns="" xmlns:a16="http://schemas.microsoft.com/office/drawing/2014/main" id="{3130D385-AE6A-EA49-B032-9DABBF315ACF}"/>
               </a:ext>
             </a:extLst>
           </p:cNvPr>
@@ -6696,7 +6699,7 @@
                 <p14:cNvPr id="36" name="Ink 35">
                   <a:extLst>
                     <a:ext uri="{FF2B5EF4-FFF2-40B4-BE49-F238E27FC236}">
-                      <a16:creationId xmlns:a16="http://schemas.microsoft.com/office/drawing/2014/main" xmlns="" id="{7B2BC853-6A2C-27D4-CE0D-9863E52D77FF}"/>
+                      <a16:creationId xmlns="" xmlns:a16="http://schemas.microsoft.com/office/drawing/2014/main" id="{7B2BC853-6A2C-27D4-CE0D-9863E52D77FF}"/>
                     </a:ext>
                   </a:extLst>
                 </p14:cNvPr>
@@ -6747,7 +6750,7 @@
                 <p14:cNvPr id="37" name="Ink 36">
                   <a:extLst>
                     <a:ext uri="{FF2B5EF4-FFF2-40B4-BE49-F238E27FC236}">
-                      <a16:creationId xmlns:a16="http://schemas.microsoft.com/office/drawing/2014/main" xmlns="" id="{3EBFC42C-980A-7231-FA1C-E0C31368EBF0}"/>
+                      <a16:creationId xmlns="" xmlns:a16="http://schemas.microsoft.com/office/drawing/2014/main" id="{3EBFC42C-980A-7231-FA1C-E0C31368EBF0}"/>
                     </a:ext>
                   </a:extLst>
                 </p14:cNvPr>
@@ -6797,7 +6800,7 @@
           <p:cNvPr id="45" name="Group 44">
             <a:extLst>
               <a:ext uri="{FF2B5EF4-FFF2-40B4-BE49-F238E27FC236}">
-                <a16:creationId xmlns:a16="http://schemas.microsoft.com/office/drawing/2014/main" xmlns="" id="{29025E9A-2B79-239E-EC11-FD79EB549079}"/>
+                <a16:creationId xmlns="" xmlns:a16="http://schemas.microsoft.com/office/drawing/2014/main" id="{29025E9A-2B79-239E-EC11-FD79EB549079}"/>
               </a:ext>
             </a:extLst>
           </p:cNvPr>
@@ -6819,7 +6822,7 @@
                 <p14:cNvPr id="38" name="Ink 37">
                   <a:extLst>
                     <a:ext uri="{FF2B5EF4-FFF2-40B4-BE49-F238E27FC236}">
-                      <a16:creationId xmlns:a16="http://schemas.microsoft.com/office/drawing/2014/main" xmlns="" id="{D1D783BE-A8A9-8BA5-DFC4-233BBF44E435}"/>
+                      <a16:creationId xmlns="" xmlns:a16="http://schemas.microsoft.com/office/drawing/2014/main" id="{D1D783BE-A8A9-8BA5-DFC4-233BBF44E435}"/>
                     </a:ext>
                   </a:extLst>
                 </p14:cNvPr>
@@ -6870,7 +6873,7 @@
                 <p14:cNvPr id="39" name="Ink 38">
                   <a:extLst>
                     <a:ext uri="{FF2B5EF4-FFF2-40B4-BE49-F238E27FC236}">
-                      <a16:creationId xmlns:a16="http://schemas.microsoft.com/office/drawing/2014/main" xmlns="" id="{0CDC1CA7-96DC-7C04-5005-D49A1BB305B6}"/>
+                      <a16:creationId xmlns="" xmlns:a16="http://schemas.microsoft.com/office/drawing/2014/main" id="{0CDC1CA7-96DC-7C04-5005-D49A1BB305B6}"/>
                     </a:ext>
                   </a:extLst>
                 </p14:cNvPr>
@@ -6921,7 +6924,7 @@
                 <p14:cNvPr id="43" name="Ink 42">
                   <a:extLst>
                     <a:ext uri="{FF2B5EF4-FFF2-40B4-BE49-F238E27FC236}">
-                      <a16:creationId xmlns:a16="http://schemas.microsoft.com/office/drawing/2014/main" xmlns="" id="{FFAC8CBE-ED8B-4047-104E-4B6B740A52F4}"/>
+                      <a16:creationId xmlns="" xmlns:a16="http://schemas.microsoft.com/office/drawing/2014/main" id="{FFAC8CBE-ED8B-4047-104E-4B6B740A52F4}"/>
                     </a:ext>
                   </a:extLst>
                 </p14:cNvPr>
@@ -6972,7 +6975,7 @@
                 <p14:cNvPr id="44" name="Ink 43">
                   <a:extLst>
                     <a:ext uri="{FF2B5EF4-FFF2-40B4-BE49-F238E27FC236}">
-                      <a16:creationId xmlns:a16="http://schemas.microsoft.com/office/drawing/2014/main" xmlns="" id="{A2E981AF-C77A-BAA4-75D8-072A6C3932E6}"/>
+                      <a16:creationId xmlns="" xmlns:a16="http://schemas.microsoft.com/office/drawing/2014/main" id="{A2E981AF-C77A-BAA4-75D8-072A6C3932E6}"/>
                     </a:ext>
                   </a:extLst>
                 </p14:cNvPr>
@@ -7022,7 +7025,7 @@
           <p:cNvPr id="56" name="Group 55">
             <a:extLst>
               <a:ext uri="{FF2B5EF4-FFF2-40B4-BE49-F238E27FC236}">
-                <a16:creationId xmlns:a16="http://schemas.microsoft.com/office/drawing/2014/main" xmlns="" id="{1413BEEA-AF5A-235D-9E6F-DC40C3A499C9}"/>
+                <a16:creationId xmlns="" xmlns:a16="http://schemas.microsoft.com/office/drawing/2014/main" id="{1413BEEA-AF5A-235D-9E6F-DC40C3A499C9}"/>
               </a:ext>
             </a:extLst>
           </p:cNvPr>
@@ -7044,7 +7047,7 @@
                 <p14:cNvPr id="46" name="Ink 45">
                   <a:extLst>
                     <a:ext uri="{FF2B5EF4-FFF2-40B4-BE49-F238E27FC236}">
-                      <a16:creationId xmlns:a16="http://schemas.microsoft.com/office/drawing/2014/main" xmlns="" id="{5F0B270A-6CCC-55B7-A2F9-83907A3C46F0}"/>
+                      <a16:creationId xmlns="" xmlns:a16="http://schemas.microsoft.com/office/drawing/2014/main" id="{5F0B270A-6CCC-55B7-A2F9-83907A3C46F0}"/>
                     </a:ext>
                   </a:extLst>
                 </p14:cNvPr>
@@ -7095,7 +7098,7 @@
                 <p14:cNvPr id="47" name="Ink 46">
                   <a:extLst>
                     <a:ext uri="{FF2B5EF4-FFF2-40B4-BE49-F238E27FC236}">
-                      <a16:creationId xmlns:a16="http://schemas.microsoft.com/office/drawing/2014/main" xmlns="" id="{1F7070A3-8367-E211-9C2F-76B8FB199520}"/>
+                      <a16:creationId xmlns="" xmlns:a16="http://schemas.microsoft.com/office/drawing/2014/main" id="{1F7070A3-8367-E211-9C2F-76B8FB199520}"/>
                     </a:ext>
                   </a:extLst>
                 </p14:cNvPr>
@@ -7146,7 +7149,7 @@
                 <p14:cNvPr id="51" name="Ink 50">
                   <a:extLst>
                     <a:ext uri="{FF2B5EF4-FFF2-40B4-BE49-F238E27FC236}">
-                      <a16:creationId xmlns:a16="http://schemas.microsoft.com/office/drawing/2014/main" xmlns="" id="{C0F5DFE4-311D-927F-8897-08A16E3A8BCF}"/>
+                      <a16:creationId xmlns="" xmlns:a16="http://schemas.microsoft.com/office/drawing/2014/main" id="{C0F5DFE4-311D-927F-8897-08A16E3A8BCF}"/>
                     </a:ext>
                   </a:extLst>
                 </p14:cNvPr>
@@ -7197,7 +7200,7 @@
                 <p14:cNvPr id="52" name="Ink 51">
                   <a:extLst>
                     <a:ext uri="{FF2B5EF4-FFF2-40B4-BE49-F238E27FC236}">
-                      <a16:creationId xmlns:a16="http://schemas.microsoft.com/office/drawing/2014/main" xmlns="" id="{EA7F4BF8-E8C5-C5FC-4E7C-C0AF8AC4390F}"/>
+                      <a16:creationId xmlns="" xmlns:a16="http://schemas.microsoft.com/office/drawing/2014/main" id="{EA7F4BF8-E8C5-C5FC-4E7C-C0AF8AC4390F}"/>
                     </a:ext>
                   </a:extLst>
                 </p14:cNvPr>
@@ -7248,7 +7251,7 @@
                 <p14:cNvPr id="53" name="Ink 52">
                   <a:extLst>
                     <a:ext uri="{FF2B5EF4-FFF2-40B4-BE49-F238E27FC236}">
-                      <a16:creationId xmlns:a16="http://schemas.microsoft.com/office/drawing/2014/main" xmlns="" id="{CE37ADC0-BCC9-7D5B-3F42-942CC11811B5}"/>
+                      <a16:creationId xmlns="" xmlns:a16="http://schemas.microsoft.com/office/drawing/2014/main" id="{CE37ADC0-BCC9-7D5B-3F42-942CC11811B5}"/>
                     </a:ext>
                   </a:extLst>
                 </p14:cNvPr>
@@ -7299,7 +7302,7 @@
                 <p14:cNvPr id="54" name="Ink 53">
                   <a:extLst>
                     <a:ext uri="{FF2B5EF4-FFF2-40B4-BE49-F238E27FC236}">
-                      <a16:creationId xmlns:a16="http://schemas.microsoft.com/office/drawing/2014/main" xmlns="" id="{426B0ECD-1FC3-9AD1-DC4A-CFA951DA4855}"/>
+                      <a16:creationId xmlns="" xmlns:a16="http://schemas.microsoft.com/office/drawing/2014/main" id="{426B0ECD-1FC3-9AD1-DC4A-CFA951DA4855}"/>
                     </a:ext>
                   </a:extLst>
                 </p14:cNvPr>
@@ -7349,7 +7352,7 @@
           <p:cNvPr id="63" name="Group 62">
             <a:extLst>
               <a:ext uri="{FF2B5EF4-FFF2-40B4-BE49-F238E27FC236}">
-                <a16:creationId xmlns:a16="http://schemas.microsoft.com/office/drawing/2014/main" xmlns="" id="{878E965F-43D1-5460-7F0E-6D5841D43525}"/>
+                <a16:creationId xmlns="" xmlns:a16="http://schemas.microsoft.com/office/drawing/2014/main" id="{878E965F-43D1-5460-7F0E-6D5841D43525}"/>
               </a:ext>
             </a:extLst>
           </p:cNvPr>
@@ -7371,7 +7374,7 @@
                 <p14:cNvPr id="58" name="Ink 57">
                   <a:extLst>
                     <a:ext uri="{FF2B5EF4-FFF2-40B4-BE49-F238E27FC236}">
-                      <a16:creationId xmlns:a16="http://schemas.microsoft.com/office/drawing/2014/main" xmlns="" id="{11F4C5E0-F84B-F68A-3E45-3CF0BA8B5BC3}"/>
+                      <a16:creationId xmlns="" xmlns:a16="http://schemas.microsoft.com/office/drawing/2014/main" id="{11F4C5E0-F84B-F68A-3E45-3CF0BA8B5BC3}"/>
                     </a:ext>
                   </a:extLst>
                 </p14:cNvPr>
@@ -7422,7 +7425,7 @@
                 <p14:cNvPr id="59" name="Ink 58">
                   <a:extLst>
                     <a:ext uri="{FF2B5EF4-FFF2-40B4-BE49-F238E27FC236}">
-                      <a16:creationId xmlns:a16="http://schemas.microsoft.com/office/drawing/2014/main" xmlns="" id="{4B5CFD31-249E-4163-742F-5B96C6A14A22}"/>
+                      <a16:creationId xmlns="" xmlns:a16="http://schemas.microsoft.com/office/drawing/2014/main" id="{4B5CFD31-249E-4163-742F-5B96C6A14A22}"/>
                     </a:ext>
                   </a:extLst>
                 </p14:cNvPr>
@@ -7473,7 +7476,7 @@
                 <p14:cNvPr id="61" name="Ink 60">
                   <a:extLst>
                     <a:ext uri="{FF2B5EF4-FFF2-40B4-BE49-F238E27FC236}">
-                      <a16:creationId xmlns:a16="http://schemas.microsoft.com/office/drawing/2014/main" xmlns="" id="{88BA0C94-5500-320E-A399-122E2B6CF627}"/>
+                      <a16:creationId xmlns="" xmlns:a16="http://schemas.microsoft.com/office/drawing/2014/main" id="{88BA0C94-5500-320E-A399-122E2B6CF627}"/>
                     </a:ext>
                   </a:extLst>
                 </p14:cNvPr>
@@ -7524,7 +7527,7 @@
                 <p14:cNvPr id="62" name="Ink 61">
                   <a:extLst>
                     <a:ext uri="{FF2B5EF4-FFF2-40B4-BE49-F238E27FC236}">
-                      <a16:creationId xmlns:a16="http://schemas.microsoft.com/office/drawing/2014/main" xmlns="" id="{690C9451-717C-53D2-A47A-981F5997FE88}"/>
+                      <a16:creationId xmlns="" xmlns:a16="http://schemas.microsoft.com/office/drawing/2014/main" id="{690C9451-717C-53D2-A47A-981F5997FE88}"/>
                     </a:ext>
                   </a:extLst>
                 </p14:cNvPr>
@@ -7576,7 +7579,7 @@
               <p14:cNvPr id="65" name="Ink 64">
                 <a:extLst>
                   <a:ext uri="{FF2B5EF4-FFF2-40B4-BE49-F238E27FC236}">
-                    <a16:creationId xmlns:a16="http://schemas.microsoft.com/office/drawing/2014/main" xmlns="" id="{8060818A-3028-6756-9604-9A19E0B5BB86}"/>
+                    <a16:creationId xmlns="" xmlns:a16="http://schemas.microsoft.com/office/drawing/2014/main" id="{8060818A-3028-6756-9604-9A19E0B5BB86}"/>
                   </a:ext>
                 </a:extLst>
               </p14:cNvPr>
@@ -7627,7 +7630,7 @@
               <p14:cNvPr id="66" name="Ink 65">
                 <a:extLst>
                   <a:ext uri="{FF2B5EF4-FFF2-40B4-BE49-F238E27FC236}">
-                    <a16:creationId xmlns:a16="http://schemas.microsoft.com/office/drawing/2014/main" xmlns="" id="{9A5D286F-2045-6986-6E01-FBCCBFFB2C9F}"/>
+                    <a16:creationId xmlns="" xmlns:a16="http://schemas.microsoft.com/office/drawing/2014/main" id="{9A5D286F-2045-6986-6E01-FBCCBFFB2C9F}"/>
                   </a:ext>
                 </a:extLst>
               </p14:cNvPr>
@@ -7678,7 +7681,7 @@
               <p14:cNvPr id="67" name="Ink 66">
                 <a:extLst>
                   <a:ext uri="{FF2B5EF4-FFF2-40B4-BE49-F238E27FC236}">
-                    <a16:creationId xmlns:a16="http://schemas.microsoft.com/office/drawing/2014/main" xmlns="" id="{4B116FDB-E9CA-59DB-F565-B242612B09B3}"/>
+                    <a16:creationId xmlns="" xmlns:a16="http://schemas.microsoft.com/office/drawing/2014/main" id="{4B116FDB-E9CA-59DB-F565-B242612B09B3}"/>
                   </a:ext>
                 </a:extLst>
               </p14:cNvPr>
@@ -7729,7 +7732,7 @@
               <p14:cNvPr id="68" name="Ink 67">
                 <a:extLst>
                   <a:ext uri="{FF2B5EF4-FFF2-40B4-BE49-F238E27FC236}">
-                    <a16:creationId xmlns:a16="http://schemas.microsoft.com/office/drawing/2014/main" xmlns="" id="{6293FAB4-9BD3-F736-88A5-6ADED0155856}"/>
+                    <a16:creationId xmlns="" xmlns:a16="http://schemas.microsoft.com/office/drawing/2014/main" id="{6293FAB4-9BD3-F736-88A5-6ADED0155856}"/>
                   </a:ext>
                 </a:extLst>
               </p14:cNvPr>
@@ -7823,10 +7826,10 @@
           <p:cNvPr id="48" name="Rectangle 47">
             <a:extLst>
               <a:ext uri="{FF2B5EF4-FFF2-40B4-BE49-F238E27FC236}">
-                <a16:creationId xmlns:a16="http://schemas.microsoft.com/office/drawing/2014/main" xmlns="" id="{32BC26D8-82FB-445E-AA49-62A77D7C1EE0}"/>
+                <a16:creationId xmlns="" xmlns:a16="http://schemas.microsoft.com/office/drawing/2014/main" id="{32BC26D8-82FB-445E-AA49-62A77D7C1EE0}"/>
               </a:ext>
               <a:ext uri="{C183D7F6-B498-43B3-948B-1728B52AA6E4}">
-                <adec:decorative xmlns:adec="http://schemas.microsoft.com/office/drawing/2017/decorative" xmlns="" val="1"/>
+                <adec:decorative xmlns="" xmlns:adec="http://schemas.microsoft.com/office/drawing/2017/decorative" val="1"/>
               </a:ext>
             </a:extLst>
           </p:cNvPr>
@@ -7836,7 +7839,7 @@
           <p:nvPr>
             <p:extLst>
               <p:ext uri="{386F3935-93C4-4BCD-93E2-E3B085C9AB24}">
-                <p16:designElem xmlns:p16="http://schemas.microsoft.com/office/powerpoint/2015/main" xmlns="" val="1"/>
+                <p16:designElem xmlns="" xmlns:p16="http://schemas.microsoft.com/office/powerpoint/2015/main" val="1"/>
               </p:ext>
             </p:extLst>
           </p:nvPr>
@@ -7889,10 +7892,10 @@
           <p:cNvPr id="50" name="Rectangle 49">
             <a:extLst>
               <a:ext uri="{FF2B5EF4-FFF2-40B4-BE49-F238E27FC236}">
-                <a16:creationId xmlns:a16="http://schemas.microsoft.com/office/drawing/2014/main" xmlns="" id="{CB44330D-EA18-4254-AA95-EB49948539B8}"/>
+                <a16:creationId xmlns="" xmlns:a16="http://schemas.microsoft.com/office/drawing/2014/main" id="{CB44330D-EA18-4254-AA95-EB49948539B8}"/>
               </a:ext>
               <a:ext uri="{C183D7F6-B498-43B3-948B-1728B52AA6E4}">
-                <adec:decorative xmlns:adec="http://schemas.microsoft.com/office/drawing/2017/decorative" xmlns="" val="1"/>
+                <adec:decorative xmlns="" xmlns:adec="http://schemas.microsoft.com/office/drawing/2017/decorative" val="1"/>
               </a:ext>
             </a:extLst>
           </p:cNvPr>
@@ -7902,7 +7905,7 @@
           <p:nvPr>
             <p:extLst>
               <p:ext uri="{386F3935-93C4-4BCD-93E2-E3B085C9AB24}">
-                <p16:designElem xmlns:p16="http://schemas.microsoft.com/office/powerpoint/2015/main" xmlns="" val="1"/>
+                <p16:designElem xmlns="" xmlns:p16="http://schemas.microsoft.com/office/powerpoint/2015/main" val="1"/>
               </p:ext>
             </p:extLst>
           </p:nvPr>
@@ -7952,7 +7955,7 @@
           <p:cNvPr id="7" name="Picture 6">
             <a:extLst>
               <a:ext uri="{FF2B5EF4-FFF2-40B4-BE49-F238E27FC236}">
-                <a16:creationId xmlns:a16="http://schemas.microsoft.com/office/drawing/2014/main" xmlns="" id="{3C513A13-6774-F34D-BF5D-AD983136A8AF}"/>
+                <a16:creationId xmlns="" xmlns:a16="http://schemas.microsoft.com/office/drawing/2014/main" id="{3C513A13-6774-F34D-BF5D-AD983136A8AF}"/>
               </a:ext>
             </a:extLst>
           </p:cNvPr>
@@ -8027,10 +8030,10 @@
           <p:cNvPr id="48" name="Rectangle 47">
             <a:extLst>
               <a:ext uri="{FF2B5EF4-FFF2-40B4-BE49-F238E27FC236}">
-                <a16:creationId xmlns:a16="http://schemas.microsoft.com/office/drawing/2014/main" xmlns="" id="{32BC26D8-82FB-445E-AA49-62A77D7C1EE0}"/>
+                <a16:creationId xmlns="" xmlns:a16="http://schemas.microsoft.com/office/drawing/2014/main" id="{32BC26D8-82FB-445E-AA49-62A77D7C1EE0}"/>
               </a:ext>
               <a:ext uri="{C183D7F6-B498-43B3-948B-1728B52AA6E4}">
-                <adec:decorative xmlns:adec="http://schemas.microsoft.com/office/drawing/2017/decorative" xmlns="" val="1"/>
+                <adec:decorative xmlns="" xmlns:adec="http://schemas.microsoft.com/office/drawing/2017/decorative" val="1"/>
               </a:ext>
             </a:extLst>
           </p:cNvPr>
@@ -8040,7 +8043,7 @@
           <p:nvPr>
             <p:extLst>
               <p:ext uri="{386F3935-93C4-4BCD-93E2-E3B085C9AB24}">
-                <p16:designElem xmlns:p16="http://schemas.microsoft.com/office/powerpoint/2015/main" xmlns="" val="1"/>
+                <p16:designElem xmlns="" xmlns:p16="http://schemas.microsoft.com/office/powerpoint/2015/main" val="1"/>
               </p:ext>
             </p:extLst>
           </p:nvPr>
@@ -8093,10 +8096,10 @@
           <p:cNvPr id="50" name="Rectangle 49">
             <a:extLst>
               <a:ext uri="{FF2B5EF4-FFF2-40B4-BE49-F238E27FC236}">
-                <a16:creationId xmlns:a16="http://schemas.microsoft.com/office/drawing/2014/main" xmlns="" id="{CB44330D-EA18-4254-AA95-EB49948539B8}"/>
+                <a16:creationId xmlns="" xmlns:a16="http://schemas.microsoft.com/office/drawing/2014/main" id="{CB44330D-EA18-4254-AA95-EB49948539B8}"/>
               </a:ext>
               <a:ext uri="{C183D7F6-B498-43B3-948B-1728B52AA6E4}">
-                <adec:decorative xmlns:adec="http://schemas.microsoft.com/office/drawing/2017/decorative" xmlns="" val="1"/>
+                <adec:decorative xmlns="" xmlns:adec="http://schemas.microsoft.com/office/drawing/2017/decorative" val="1"/>
               </a:ext>
             </a:extLst>
           </p:cNvPr>
@@ -8106,7 +8109,7 @@
           <p:nvPr>
             <p:extLst>
               <p:ext uri="{386F3935-93C4-4BCD-93E2-E3B085C9AB24}">
-                <p16:designElem xmlns:p16="http://schemas.microsoft.com/office/powerpoint/2015/main" xmlns="" val="1"/>
+                <p16:designElem xmlns="" xmlns:p16="http://schemas.microsoft.com/office/powerpoint/2015/main" val="1"/>
               </p:ext>
             </p:extLst>
           </p:nvPr>
@@ -8156,7 +8159,7 @@
           <p:cNvPr id="3" name="Picture 2">
             <a:extLst>
               <a:ext uri="{FF2B5EF4-FFF2-40B4-BE49-F238E27FC236}">
-                <a16:creationId xmlns:a16="http://schemas.microsoft.com/office/drawing/2014/main" xmlns="" id="{6213DF9F-30A3-2A77-B740-71234FA59A53}"/>
+                <a16:creationId xmlns="" xmlns:a16="http://schemas.microsoft.com/office/drawing/2014/main" id="{6213DF9F-30A3-2A77-B740-71234FA59A53}"/>
               </a:ext>
             </a:extLst>
           </p:cNvPr>
@@ -8490,56 +8493,40 @@
           <a:p>
             <a:r>
               <a:rPr lang="pl-PL" dirty="0" smtClean="0"/>
-              <a:t>Struktury Danych</a:t>
+              <a:t>Schemat Algorytmu</a:t>
             </a:r>
             <a:endParaRPr lang="pl-PL" dirty="0"/>
           </a:p>
         </p:txBody>
       </p:sp>
-      <p:sp>
-        <p:nvSpPr>
-          <p:cNvPr id="3" name="Symbol zastępczy zawartości 2"/>
-          <p:cNvSpPr>
-            <a:spLocks noGrp="1"/>
-          </p:cNvSpPr>
-          <p:nvPr>
-            <p:ph idx="1"/>
-          </p:nvPr>
-        </p:nvSpPr>
-        <p:spPr/>
-        <p:txBody>
-          <a:bodyPr/>
-          <a:lstStyle/>
-          <a:p>
-            <a:r>
-              <a:rPr lang="pl-PL" dirty="0" smtClean="0"/>
-              <a:t>Kolejka priorytetowa (struktura zdarzeń)</a:t>
-            </a:r>
-          </a:p>
-          <a:p>
-            <a:r>
-              <a:rPr lang="pl-PL" dirty="0" smtClean="0"/>
-              <a:t>Drzewo AVL (struktura brzegu)</a:t>
-            </a:r>
-          </a:p>
-          <a:p>
-            <a:r>
-              <a:rPr lang="pl-PL" dirty="0" smtClean="0"/>
-              <a:t>Podwójnie łączona lista krawędzi (struktura wyznaczonego już diagramu)</a:t>
-            </a:r>
-          </a:p>
-          <a:p>
-            <a:pPr marL="0" indent="0">
-              <a:buNone/>
-            </a:pPr>
-            <a:endParaRPr lang="pl-PL" dirty="0"/>
-          </a:p>
-        </p:txBody>
-      </p:sp>
+      <p:pic>
+        <p:nvPicPr>
+          <p:cNvPr id="4" name="Obraz 3"/>
+          <p:cNvPicPr>
+            <a:picLocks noChangeAspect="1"/>
+          </p:cNvPicPr>
+          <p:nvPr/>
+        </p:nvPicPr>
+        <p:blipFill>
+          <a:blip r:embed="rId2"/>
+          <a:stretch>
+            <a:fillRect/>
+          </a:stretch>
+        </p:blipFill>
+        <p:spPr>
+          <a:xfrm>
+            <a:off x="838200" y="1569738"/>
+            <a:ext cx="8258175" cy="4943475"/>
+          </a:xfrm>
+          <a:prstGeom prst="rect">
+            <a:avLst/>
+          </a:prstGeom>
+        </p:spPr>
+      </p:pic>
     </p:spTree>
     <p:extLst>
       <p:ext uri="{BB962C8B-B14F-4D97-AF65-F5344CB8AC3E}">
-        <p14:creationId xmlns:p14="http://schemas.microsoft.com/office/powerpoint/2010/main" val="3738701036"/>
+        <p14:creationId xmlns:p14="http://schemas.microsoft.com/office/powerpoint/2010/main" val="946089646"/>
       </p:ext>
     </p:extLst>
   </p:cSld>
@@ -8590,7 +8577,48 @@
           <a:p>
             <a:r>
               <a:rPr lang="pl-PL" dirty="0" smtClean="0"/>
-              <a:t>Schemat Algorytmu</a:t>
+              <a:t>Zarządzanie zdarzeniami punktowymi</a:t>
+            </a:r>
+            <a:endParaRPr lang="pl-PL" dirty="0"/>
+          </a:p>
+        </p:txBody>
+      </p:sp>
+      <p:sp>
+        <p:nvSpPr>
+          <p:cNvPr id="3" name="Symbol zastępczy zawartości 2"/>
+          <p:cNvSpPr>
+            <a:spLocks noGrp="1"/>
+          </p:cNvSpPr>
+          <p:nvPr>
+            <p:ph idx="1"/>
+          </p:nvPr>
+        </p:nvSpPr>
+        <p:spPr/>
+        <p:txBody>
+          <a:bodyPr/>
+          <a:lstStyle/>
+          <a:p>
+            <a:r>
+              <a:rPr lang="pl-PL" dirty="0" smtClean="0"/>
+              <a:t>Odszukanie łuku ponad nowym łukiem</a:t>
+            </a:r>
+          </a:p>
+          <a:p>
+            <a:r>
+              <a:rPr lang="pl-PL" dirty="0" smtClean="0"/>
+              <a:t>Podział łuku (odpowiednia reprezentacja tego w strukturze brzegu)</a:t>
+            </a:r>
+          </a:p>
+          <a:p>
+            <a:r>
+              <a:rPr lang="pl-PL" dirty="0" smtClean="0"/>
+              <a:t>Powstaje nowa krawędź diagramu</a:t>
+            </a:r>
+          </a:p>
+          <a:p>
+            <a:r>
+              <a:rPr lang="pl-PL" dirty="0" smtClean="0"/>
+              <a:t>Wyszukanie potencjalnych zdarzeń okręgowych.</a:t>
             </a:r>
             <a:endParaRPr lang="pl-PL" dirty="0"/>
           </a:p>
@@ -8612,8 +8640,8 @@
         </p:blipFill>
         <p:spPr>
           <a:xfrm>
-            <a:off x="838200" y="1569738"/>
-            <a:ext cx="8258175" cy="4943475"/>
+            <a:off x="1121434" y="4001294"/>
+            <a:ext cx="9044526" cy="2528164"/>
           </a:xfrm>
           <a:prstGeom prst="rect">
             <a:avLst/>
@@ -8623,166 +8651,19 @@
     </p:spTree>
     <p:extLst>
       <p:ext uri="{BB962C8B-B14F-4D97-AF65-F5344CB8AC3E}">
-        <p14:creationId xmlns:p14="http://schemas.microsoft.com/office/powerpoint/2010/main" val="946089646"/>
+        <p14:creationId xmlns:p14="http://schemas.microsoft.com/office/powerpoint/2010/main" val="508177699"/>
       </p:ext>
     </p:extLst>
   </p:cSld>
   <p:clrMapOvr>
     <a:masterClrMapping/>
   </p:clrMapOvr>
-  <p:timing>
-    <p:tnLst>
-      <p:par>
-        <p:cTn id="1" dur="indefinite" restart="never" nodeType="tmRoot"/>
-      </p:par>
-    </p:tnLst>
-  </p:timing>
 </p:sld>
 </file>
 
 <file path=ppt/slides/slide28.xml><?xml version="1.0" encoding="utf-8"?>
 <p:sld xmlns:a="http://schemas.openxmlformats.org/drawingml/2006/main" xmlns:r="http://schemas.openxmlformats.org/officeDocument/2006/relationships" xmlns:p="http://schemas.openxmlformats.org/presentationml/2006/main">
   <p:cSld>
-    <p:bg>
-      <p:bgPr>
-        <a:solidFill>
-          <a:srgbClr val="1F1F1F"/>
-        </a:solidFill>
-        <a:effectLst/>
-      </p:bgPr>
-    </p:bg>
-    <p:spTree>
-      <p:nvGrpSpPr>
-        <p:cNvPr id="1" name=""/>
-        <p:cNvGrpSpPr/>
-        <p:nvPr/>
-      </p:nvGrpSpPr>
-      <p:grpSpPr>
-        <a:xfrm>
-          <a:off x="0" y="0"/>
-          <a:ext cx="0" cy="0"/>
-          <a:chOff x="0" y="0"/>
-          <a:chExt cx="0" cy="0"/>
-        </a:xfrm>
-      </p:grpSpPr>
-      <p:sp>
-        <p:nvSpPr>
-          <p:cNvPr id="2" name="Tytuł 1"/>
-          <p:cNvSpPr>
-            <a:spLocks noGrp="1"/>
-          </p:cNvSpPr>
-          <p:nvPr>
-            <p:ph type="title"/>
-          </p:nvPr>
-        </p:nvSpPr>
-        <p:spPr>
-          <a:xfrm>
-            <a:off x="838200" y="-92075"/>
-            <a:ext cx="10515600" cy="1325563"/>
-          </a:xfrm>
-          <a:solidFill>
-            <a:srgbClr val="1F1F1F"/>
-          </a:solidFill>
-        </p:spPr>
-        <p:txBody>
-          <a:bodyPr/>
-          <a:lstStyle/>
-          <a:p>
-            <a:r>
-              <a:rPr lang="pl-PL" dirty="0" smtClean="0">
-                <a:solidFill>
-                  <a:schemeClr val="bg1"/>
-                </a:solidFill>
-              </a:rPr>
-              <a:t>Dodatkowe metody w drzewie AVL</a:t>
-            </a:r>
-            <a:endParaRPr lang="pl-PL" dirty="0">
-              <a:solidFill>
-                <a:schemeClr val="bg1"/>
-              </a:solidFill>
-            </a:endParaRPr>
-          </a:p>
-        </p:txBody>
-      </p:sp>
-      <p:pic>
-        <p:nvPicPr>
-          <p:cNvPr id="4" name="Obraz 3"/>
-          <p:cNvPicPr>
-            <a:picLocks noChangeAspect="1"/>
-          </p:cNvPicPr>
-          <p:nvPr/>
-        </p:nvPicPr>
-        <p:blipFill>
-          <a:blip r:embed="rId2"/>
-          <a:stretch>
-            <a:fillRect/>
-          </a:stretch>
-        </p:blipFill>
-        <p:spPr>
-          <a:xfrm>
-            <a:off x="3150078" y="1233488"/>
-            <a:ext cx="5157158" cy="2595003"/>
-          </a:xfrm>
-          <a:prstGeom prst="rect">
-            <a:avLst/>
-          </a:prstGeom>
-        </p:spPr>
-      </p:pic>
-      <p:pic>
-        <p:nvPicPr>
-          <p:cNvPr id="5" name="Obraz 4"/>
-          <p:cNvPicPr>
-            <a:picLocks noChangeAspect="1"/>
-          </p:cNvPicPr>
-          <p:nvPr/>
-        </p:nvPicPr>
-        <p:blipFill>
-          <a:blip r:embed="rId3"/>
-          <a:stretch>
-            <a:fillRect/>
-          </a:stretch>
-        </p:blipFill>
-        <p:spPr>
-          <a:xfrm>
-            <a:off x="2917164" y="4044152"/>
-            <a:ext cx="5622985" cy="2616551"/>
-          </a:xfrm>
-          <a:prstGeom prst="rect">
-            <a:avLst/>
-          </a:prstGeom>
-        </p:spPr>
-      </p:pic>
-    </p:spTree>
-    <p:extLst>
-      <p:ext uri="{BB962C8B-B14F-4D97-AF65-F5344CB8AC3E}">
-        <p14:creationId xmlns:p14="http://schemas.microsoft.com/office/powerpoint/2010/main" val="491088759"/>
-      </p:ext>
-    </p:extLst>
-  </p:cSld>
-  <p:clrMapOvr>
-    <a:masterClrMapping/>
-  </p:clrMapOvr>
-  <p:timing>
-    <p:tnLst>
-      <p:par>
-        <p:cTn id="1" dur="indefinite" restart="never" nodeType="tmRoot"/>
-      </p:par>
-    </p:tnLst>
-  </p:timing>
-</p:sld>
-</file>
-
-<file path=ppt/slides/slide29.xml><?xml version="1.0" encoding="utf-8"?>
-<p:sld xmlns:a="http://schemas.openxmlformats.org/drawingml/2006/main" xmlns:r="http://schemas.openxmlformats.org/officeDocument/2006/relationships" xmlns:p="http://schemas.openxmlformats.org/presentationml/2006/main">
-  <p:cSld>
-    <p:bg>
-      <p:bgPr>
-        <a:solidFill>
-          <a:srgbClr val="1F1F1F"/>
-        </a:solidFill>
-        <a:effectLst/>
-      </p:bgPr>
-    </p:bg>
     <p:spTree>
       <p:nvGrpSpPr>
         <p:cNvPr id="1" name=""/>
@@ -8813,49 +8694,151 @@
           <a:lstStyle/>
           <a:p>
             <a:r>
-              <a:rPr lang="pl-PL" dirty="0" smtClean="0">
-                <a:solidFill>
-                  <a:schemeClr val="bg1"/>
-                </a:solidFill>
-              </a:rPr>
-              <a:t>Dodatkowe metody w drzewie AVL</a:t>
-            </a:r>
-            <a:endParaRPr lang="pl-PL" dirty="0">
-              <a:solidFill>
-                <a:schemeClr val="bg1"/>
-              </a:solidFill>
-            </a:endParaRPr>
+              <a:rPr lang="pl-PL" dirty="0" smtClean="0"/>
+              <a:t>Zarządzanie zdarzeniem okręgowym</a:t>
+            </a:r>
+            <a:endParaRPr lang="pl-PL" dirty="0"/>
           </a:p>
         </p:txBody>
       </p:sp>
-      <p:pic>
-        <p:nvPicPr>
-          <p:cNvPr id="4" name="Obraz 3"/>
-          <p:cNvPicPr>
-            <a:picLocks noChangeAspect="1"/>
-          </p:cNvPicPr>
-          <p:nvPr/>
-        </p:nvPicPr>
-        <p:blipFill>
-          <a:blip r:embed="rId2"/>
-          <a:stretch>
-            <a:fillRect/>
-          </a:stretch>
-        </p:blipFill>
-        <p:spPr>
-          <a:xfrm>
-            <a:off x="2881402" y="2130274"/>
-            <a:ext cx="6153150" cy="3667125"/>
-          </a:xfrm>
-          <a:prstGeom prst="rect">
-            <a:avLst/>
-          </a:prstGeom>
-        </p:spPr>
-      </p:pic>
+      <p:sp>
+        <p:nvSpPr>
+          <p:cNvPr id="3" name="Symbol zastępczy zawartości 2"/>
+          <p:cNvSpPr>
+            <a:spLocks noGrp="1"/>
+          </p:cNvSpPr>
+          <p:nvPr>
+            <p:ph idx="1"/>
+          </p:nvPr>
+        </p:nvSpPr>
+        <p:spPr/>
+        <p:txBody>
+          <a:bodyPr/>
+          <a:lstStyle/>
+          <a:p>
+            <a:r>
+              <a:rPr lang="pl-PL" dirty="0" smtClean="0"/>
+              <a:t>Dodanie nowego wierzchołka (środek okręgu) do diagramu</a:t>
+            </a:r>
+          </a:p>
+          <a:p>
+            <a:r>
+              <a:rPr lang="pl-PL" dirty="0" smtClean="0"/>
+              <a:t>Usunięcie z linii brzegowej zanikającej paraboli</a:t>
+            </a:r>
+          </a:p>
+          <a:p>
+            <a:r>
+              <a:rPr lang="pl-PL" dirty="0" smtClean="0"/>
+              <a:t>Dodanie nowej krawędzi do diagramu</a:t>
+            </a:r>
+          </a:p>
+          <a:p>
+            <a:r>
+              <a:rPr lang="pl-PL" dirty="0" smtClean="0"/>
+              <a:t>Sprawdzenie na nowych sąsiadach czy nie zachodzi nowe zdarzenie okręgowe</a:t>
+            </a:r>
+            <a:endParaRPr lang="pl-PL" dirty="0"/>
+          </a:p>
+        </p:txBody>
+      </p:sp>
     </p:spTree>
     <p:extLst>
       <p:ext uri="{BB962C8B-B14F-4D97-AF65-F5344CB8AC3E}">
-        <p14:creationId xmlns:p14="http://schemas.microsoft.com/office/powerpoint/2010/main" val="602935250"/>
+        <p14:creationId xmlns:p14="http://schemas.microsoft.com/office/powerpoint/2010/main" val="2091174480"/>
+      </p:ext>
+    </p:extLst>
+  </p:cSld>
+  <p:clrMapOvr>
+    <a:masterClrMapping/>
+  </p:clrMapOvr>
+</p:sld>
+</file>
+
+<file path=ppt/slides/slide29.xml><?xml version="1.0" encoding="utf-8"?>
+<p:sld xmlns:a="http://schemas.openxmlformats.org/drawingml/2006/main" xmlns:r="http://schemas.openxmlformats.org/officeDocument/2006/relationships" xmlns:p="http://schemas.openxmlformats.org/presentationml/2006/main">
+  <p:cSld>
+    <p:spTree>
+      <p:nvGrpSpPr>
+        <p:cNvPr id="1" name=""/>
+        <p:cNvGrpSpPr/>
+        <p:nvPr/>
+      </p:nvGrpSpPr>
+      <p:grpSpPr>
+        <a:xfrm>
+          <a:off x="0" y="0"/>
+          <a:ext cx="0" cy="0"/>
+          <a:chOff x="0" y="0"/>
+          <a:chExt cx="0" cy="0"/>
+        </a:xfrm>
+      </p:grpSpPr>
+      <p:sp>
+        <p:nvSpPr>
+          <p:cNvPr id="2" name="Tytuł 1"/>
+          <p:cNvSpPr>
+            <a:spLocks noGrp="1"/>
+          </p:cNvSpPr>
+          <p:nvPr>
+            <p:ph type="title"/>
+          </p:nvPr>
+        </p:nvSpPr>
+        <p:spPr/>
+        <p:txBody>
+          <a:bodyPr/>
+          <a:lstStyle/>
+          <a:p>
+            <a:r>
+              <a:rPr lang="pl-PL" dirty="0" smtClean="0"/>
+              <a:t>Struktury Danych</a:t>
+            </a:r>
+            <a:endParaRPr lang="pl-PL" dirty="0"/>
+          </a:p>
+        </p:txBody>
+      </p:sp>
+      <p:sp>
+        <p:nvSpPr>
+          <p:cNvPr id="3" name="Symbol zastępczy zawartości 2"/>
+          <p:cNvSpPr>
+            <a:spLocks noGrp="1"/>
+          </p:cNvSpPr>
+          <p:nvPr>
+            <p:ph idx="1"/>
+          </p:nvPr>
+        </p:nvSpPr>
+        <p:spPr/>
+        <p:txBody>
+          <a:bodyPr/>
+          <a:lstStyle/>
+          <a:p>
+            <a:r>
+              <a:rPr lang="pl-PL" dirty="0" smtClean="0"/>
+              <a:t>Kolejka priorytetowa (struktura zdarzeń)</a:t>
+            </a:r>
+          </a:p>
+          <a:p>
+            <a:r>
+              <a:rPr lang="pl-PL" dirty="0" smtClean="0"/>
+              <a:t>Drzewo AVL (struktura brzegu)</a:t>
+            </a:r>
+          </a:p>
+          <a:p>
+            <a:r>
+              <a:rPr lang="pl-PL" dirty="0" smtClean="0"/>
+              <a:t>Podwójnie łączona lista krawędzi (struktura wyznaczonego już diagramu)</a:t>
+            </a:r>
+          </a:p>
+          <a:p>
+            <a:pPr marL="0" indent="0">
+              <a:buNone/>
+            </a:pPr>
+            <a:endParaRPr lang="pl-PL" dirty="0"/>
+          </a:p>
+        </p:txBody>
+      </p:sp>
+    </p:spTree>
+    <p:extLst>
+      <p:ext uri="{BB962C8B-B14F-4D97-AF65-F5344CB8AC3E}">
+        <p14:creationId xmlns:p14="http://schemas.microsoft.com/office/powerpoint/2010/main" val="3738701036"/>
       </p:ext>
     </p:extLst>
   </p:cSld>
@@ -8902,10 +8885,10 @@
           <p:cNvPr id="1031" name="Rectangle 1030">
             <a:extLst>
               <a:ext uri="{FF2B5EF4-FFF2-40B4-BE49-F238E27FC236}">
-                <a16:creationId xmlns:a16="http://schemas.microsoft.com/office/drawing/2014/main" xmlns="" id="{42A4FC2C-047E-45A5-965D-8E1E3BF09BC6}"/>
+                <a16:creationId xmlns="" xmlns:a16="http://schemas.microsoft.com/office/drawing/2014/main" id="{42A4FC2C-047E-45A5-965D-8E1E3BF09BC6}"/>
               </a:ext>
               <a:ext uri="{C183D7F6-B498-43B3-948B-1728B52AA6E4}">
-                <adec:decorative xmlns:adec="http://schemas.microsoft.com/office/drawing/2017/decorative" xmlns="" val="1"/>
+                <adec:decorative xmlns="" xmlns:adec="http://schemas.microsoft.com/office/drawing/2017/decorative" val="1"/>
               </a:ext>
             </a:extLst>
           </p:cNvPr>
@@ -8915,7 +8898,7 @@
           <p:nvPr>
             <p:extLst>
               <p:ext uri="{386F3935-93C4-4BCD-93E2-E3B085C9AB24}">
-                <p16:designElem xmlns:p16="http://schemas.microsoft.com/office/powerpoint/2015/main" xmlns="" val="1"/>
+                <p16:designElem xmlns="" xmlns:p16="http://schemas.microsoft.com/office/powerpoint/2015/main" val="1"/>
               </p:ext>
             </p:extLst>
           </p:nvPr>
@@ -9057,7 +9040,7 @@
           <p:cNvPr id="1026" name="Picture 2" descr="undefined">
             <a:extLst>
               <a:ext uri="{FF2B5EF4-FFF2-40B4-BE49-F238E27FC236}">
-                <a16:creationId xmlns:a16="http://schemas.microsoft.com/office/drawing/2014/main" xmlns="" id="{A6EAEB65-AD97-1980-35B1-BBE5F711C7A2}"/>
+                <a16:creationId xmlns="" xmlns:a16="http://schemas.microsoft.com/office/drawing/2014/main" id="{A6EAEB65-AD97-1980-35B1-BBE5F711C7A2}"/>
               </a:ext>
             </a:extLst>
           </p:cNvPr>
@@ -9120,6 +9103,363 @@
 </file>
 
 <file path=ppt/slides/slide30.xml><?xml version="1.0" encoding="utf-8"?>
+<p:sld xmlns:a="http://schemas.openxmlformats.org/drawingml/2006/main" xmlns:r="http://schemas.openxmlformats.org/officeDocument/2006/relationships" xmlns:p="http://schemas.openxmlformats.org/presentationml/2006/main">
+  <p:cSld>
+    <p:spTree>
+      <p:nvGrpSpPr>
+        <p:cNvPr id="1" name=""/>
+        <p:cNvGrpSpPr/>
+        <p:nvPr/>
+      </p:nvGrpSpPr>
+      <p:grpSpPr>
+        <a:xfrm>
+          <a:off x="0" y="0"/>
+          <a:ext cx="0" cy="0"/>
+          <a:chOff x="0" y="0"/>
+          <a:chExt cx="0" cy="0"/>
+        </a:xfrm>
+      </p:grpSpPr>
+      <p:sp>
+        <p:nvSpPr>
+          <p:cNvPr id="2" name="Tytuł 1"/>
+          <p:cNvSpPr>
+            <a:spLocks noGrp="1"/>
+          </p:cNvSpPr>
+          <p:nvPr>
+            <p:ph type="title"/>
+          </p:nvPr>
+        </p:nvSpPr>
+        <p:spPr/>
+        <p:txBody>
+          <a:bodyPr/>
+          <a:lstStyle/>
+          <a:p>
+            <a:r>
+              <a:rPr lang="pl-PL" dirty="0" smtClean="0"/>
+              <a:t>Struktura linii brzegowej – drzewo AVL</a:t>
+            </a:r>
+            <a:endParaRPr lang="pl-PL" dirty="0"/>
+          </a:p>
+        </p:txBody>
+      </p:sp>
+      <p:pic>
+        <p:nvPicPr>
+          <p:cNvPr id="4" name="Obraz 3"/>
+          <p:cNvPicPr>
+            <a:picLocks noChangeAspect="1"/>
+          </p:cNvPicPr>
+          <p:nvPr/>
+        </p:nvPicPr>
+        <p:blipFill>
+          <a:blip r:embed="rId2"/>
+          <a:stretch>
+            <a:fillRect/>
+          </a:stretch>
+        </p:blipFill>
+        <p:spPr>
+          <a:xfrm>
+            <a:off x="1002371" y="2953085"/>
+            <a:ext cx="8394670" cy="3363337"/>
+          </a:xfrm>
+          <a:prstGeom prst="rect">
+            <a:avLst/>
+          </a:prstGeom>
+        </p:spPr>
+      </p:pic>
+      <p:sp>
+        <p:nvSpPr>
+          <p:cNvPr id="5" name="Prostokąt 4"/>
+          <p:cNvSpPr/>
+          <p:nvPr/>
+        </p:nvSpPr>
+        <p:spPr>
+          <a:xfrm>
+            <a:off x="1002371" y="1690688"/>
+            <a:ext cx="9305027" cy="2308324"/>
+          </a:xfrm>
+          <a:prstGeom prst="rect">
+            <a:avLst/>
+          </a:prstGeom>
+        </p:spPr>
+        <p:txBody>
+          <a:bodyPr wrap="square">
+            <a:spAutoFit/>
+          </a:bodyPr>
+          <a:lstStyle/>
+          <a:p>
+            <a:r>
+              <a:rPr lang="pl-PL" dirty="0" smtClean="0">
+                <a:latin typeface="+mj-lt"/>
+              </a:rPr>
+              <a:t>Każdy </a:t>
+            </a:r>
+            <a:r>
+              <a:rPr lang="pl-PL" dirty="0">
+                <a:latin typeface="+mj-lt"/>
+              </a:rPr>
+              <a:t>liść zawiera informacje o punkcie, którego łuk jest przez niego reprezentowany. Wewnętrzne węzły drzewa (nie będące liśćmi) zawierają informację o punktach przerwania, reprezentowanych za pomocą krotek zwierających dwa punkty: pierwszy element </a:t>
+            </a:r>
+            <a:r>
+              <a:rPr lang="pl-PL" dirty="0" err="1">
+                <a:latin typeface="+mj-lt"/>
+              </a:rPr>
+              <a:t>krotki</a:t>
+            </a:r>
+            <a:r>
+              <a:rPr lang="pl-PL" dirty="0">
+                <a:latin typeface="+mj-lt"/>
+              </a:rPr>
+              <a:t> zawiera informację o paraboli po lewej stronie, a drugi o paraboli po prawej stronie od punktu przerwania. W praktyce nie przechowujemy w drzewie w jawny sposób informacji o parabolach, a jedynie punkty przerwań w węzłach wewnętrznych i punkty, które reprezentują łuk w liściach. Taka implementacja linii brzegowej pozwala odnaleźć łuk, który zostanie rozdzielony na dwa przy rozpatrywaniu nowego zdarzenia miejscowego w czasie O(log n).</a:t>
+            </a:r>
+          </a:p>
+        </p:txBody>
+      </p:sp>
+    </p:spTree>
+    <p:extLst>
+      <p:ext uri="{BB962C8B-B14F-4D97-AF65-F5344CB8AC3E}">
+        <p14:creationId xmlns:p14="http://schemas.microsoft.com/office/powerpoint/2010/main" val="1121929079"/>
+      </p:ext>
+    </p:extLst>
+  </p:cSld>
+  <p:clrMapOvr>
+    <a:masterClrMapping/>
+  </p:clrMapOvr>
+</p:sld>
+</file>
+
+<file path=ppt/slides/slide31.xml><?xml version="1.0" encoding="utf-8"?>
+<p:sld xmlns:a="http://schemas.openxmlformats.org/drawingml/2006/main" xmlns:r="http://schemas.openxmlformats.org/officeDocument/2006/relationships" xmlns:p="http://schemas.openxmlformats.org/presentationml/2006/main">
+  <p:cSld>
+    <p:bg>
+      <p:bgPr>
+        <a:solidFill>
+          <a:srgbClr val="1F1F1F"/>
+        </a:solidFill>
+        <a:effectLst/>
+      </p:bgPr>
+    </p:bg>
+    <p:spTree>
+      <p:nvGrpSpPr>
+        <p:cNvPr id="1" name=""/>
+        <p:cNvGrpSpPr/>
+        <p:nvPr/>
+      </p:nvGrpSpPr>
+      <p:grpSpPr>
+        <a:xfrm>
+          <a:off x="0" y="0"/>
+          <a:ext cx="0" cy="0"/>
+          <a:chOff x="0" y="0"/>
+          <a:chExt cx="0" cy="0"/>
+        </a:xfrm>
+      </p:grpSpPr>
+      <p:sp>
+        <p:nvSpPr>
+          <p:cNvPr id="2" name="Tytuł 1"/>
+          <p:cNvSpPr>
+            <a:spLocks noGrp="1"/>
+          </p:cNvSpPr>
+          <p:nvPr>
+            <p:ph type="title"/>
+          </p:nvPr>
+        </p:nvSpPr>
+        <p:spPr>
+          <a:xfrm>
+            <a:off x="838200" y="-92075"/>
+            <a:ext cx="10515600" cy="1325563"/>
+          </a:xfrm>
+          <a:solidFill>
+            <a:srgbClr val="1F1F1F"/>
+          </a:solidFill>
+        </p:spPr>
+        <p:txBody>
+          <a:bodyPr/>
+          <a:lstStyle/>
+          <a:p>
+            <a:r>
+              <a:rPr lang="pl-PL" dirty="0" smtClean="0">
+                <a:solidFill>
+                  <a:schemeClr val="bg1"/>
+                </a:solidFill>
+              </a:rPr>
+              <a:t>Dodatkowe metody w drzewie AVL</a:t>
+            </a:r>
+            <a:endParaRPr lang="pl-PL" dirty="0">
+              <a:solidFill>
+                <a:schemeClr val="bg1"/>
+              </a:solidFill>
+            </a:endParaRPr>
+          </a:p>
+        </p:txBody>
+      </p:sp>
+      <p:pic>
+        <p:nvPicPr>
+          <p:cNvPr id="4" name="Obraz 3"/>
+          <p:cNvPicPr>
+            <a:picLocks noChangeAspect="1"/>
+          </p:cNvPicPr>
+          <p:nvPr/>
+        </p:nvPicPr>
+        <p:blipFill>
+          <a:blip r:embed="rId2"/>
+          <a:stretch>
+            <a:fillRect/>
+          </a:stretch>
+        </p:blipFill>
+        <p:spPr>
+          <a:xfrm>
+            <a:off x="3150078" y="1233488"/>
+            <a:ext cx="5157158" cy="2595003"/>
+          </a:xfrm>
+          <a:prstGeom prst="rect">
+            <a:avLst/>
+          </a:prstGeom>
+        </p:spPr>
+      </p:pic>
+      <p:pic>
+        <p:nvPicPr>
+          <p:cNvPr id="5" name="Obraz 4"/>
+          <p:cNvPicPr>
+            <a:picLocks noChangeAspect="1"/>
+          </p:cNvPicPr>
+          <p:nvPr/>
+        </p:nvPicPr>
+        <p:blipFill>
+          <a:blip r:embed="rId3"/>
+          <a:stretch>
+            <a:fillRect/>
+          </a:stretch>
+        </p:blipFill>
+        <p:spPr>
+          <a:xfrm>
+            <a:off x="2917164" y="4044152"/>
+            <a:ext cx="5622985" cy="2616551"/>
+          </a:xfrm>
+          <a:prstGeom prst="rect">
+            <a:avLst/>
+          </a:prstGeom>
+        </p:spPr>
+      </p:pic>
+    </p:spTree>
+    <p:extLst>
+      <p:ext uri="{BB962C8B-B14F-4D97-AF65-F5344CB8AC3E}">
+        <p14:creationId xmlns:p14="http://schemas.microsoft.com/office/powerpoint/2010/main" val="491088759"/>
+      </p:ext>
+    </p:extLst>
+  </p:cSld>
+  <p:clrMapOvr>
+    <a:masterClrMapping/>
+  </p:clrMapOvr>
+  <p:timing>
+    <p:tnLst>
+      <p:par>
+        <p:cTn id="1" dur="indefinite" restart="never" nodeType="tmRoot"/>
+      </p:par>
+    </p:tnLst>
+  </p:timing>
+</p:sld>
+</file>
+
+<file path=ppt/slides/slide32.xml><?xml version="1.0" encoding="utf-8"?>
+<p:sld xmlns:a="http://schemas.openxmlformats.org/drawingml/2006/main" xmlns:r="http://schemas.openxmlformats.org/officeDocument/2006/relationships" xmlns:p="http://schemas.openxmlformats.org/presentationml/2006/main">
+  <p:cSld>
+    <p:bg>
+      <p:bgPr>
+        <a:solidFill>
+          <a:srgbClr val="1F1F1F"/>
+        </a:solidFill>
+        <a:effectLst/>
+      </p:bgPr>
+    </p:bg>
+    <p:spTree>
+      <p:nvGrpSpPr>
+        <p:cNvPr id="1" name=""/>
+        <p:cNvGrpSpPr/>
+        <p:nvPr/>
+      </p:nvGrpSpPr>
+      <p:grpSpPr>
+        <a:xfrm>
+          <a:off x="0" y="0"/>
+          <a:ext cx="0" cy="0"/>
+          <a:chOff x="0" y="0"/>
+          <a:chExt cx="0" cy="0"/>
+        </a:xfrm>
+      </p:grpSpPr>
+      <p:sp>
+        <p:nvSpPr>
+          <p:cNvPr id="2" name="Tytuł 1"/>
+          <p:cNvSpPr>
+            <a:spLocks noGrp="1"/>
+          </p:cNvSpPr>
+          <p:nvPr>
+            <p:ph type="title"/>
+          </p:nvPr>
+        </p:nvSpPr>
+        <p:spPr/>
+        <p:txBody>
+          <a:bodyPr/>
+          <a:lstStyle/>
+          <a:p>
+            <a:r>
+              <a:rPr lang="pl-PL" dirty="0" smtClean="0">
+                <a:solidFill>
+                  <a:schemeClr val="bg1"/>
+                </a:solidFill>
+              </a:rPr>
+              <a:t>Dodatkowe metody w drzewie AVL</a:t>
+            </a:r>
+            <a:endParaRPr lang="pl-PL" dirty="0">
+              <a:solidFill>
+                <a:schemeClr val="bg1"/>
+              </a:solidFill>
+            </a:endParaRPr>
+          </a:p>
+        </p:txBody>
+      </p:sp>
+      <p:pic>
+        <p:nvPicPr>
+          <p:cNvPr id="4" name="Obraz 3"/>
+          <p:cNvPicPr>
+            <a:picLocks noChangeAspect="1"/>
+          </p:cNvPicPr>
+          <p:nvPr/>
+        </p:nvPicPr>
+        <p:blipFill>
+          <a:blip r:embed="rId2"/>
+          <a:stretch>
+            <a:fillRect/>
+          </a:stretch>
+        </p:blipFill>
+        <p:spPr>
+          <a:xfrm>
+            <a:off x="2881402" y="2130274"/>
+            <a:ext cx="6153150" cy="3667125"/>
+          </a:xfrm>
+          <a:prstGeom prst="rect">
+            <a:avLst/>
+          </a:prstGeom>
+        </p:spPr>
+      </p:pic>
+    </p:spTree>
+    <p:extLst>
+      <p:ext uri="{BB962C8B-B14F-4D97-AF65-F5344CB8AC3E}">
+        <p14:creationId xmlns:p14="http://schemas.microsoft.com/office/powerpoint/2010/main" val="602935250"/>
+      </p:ext>
+    </p:extLst>
+  </p:cSld>
+  <p:clrMapOvr>
+    <a:masterClrMapping/>
+  </p:clrMapOvr>
+  <p:timing>
+    <p:tnLst>
+      <p:par>
+        <p:cTn id="1" dur="indefinite" restart="never" nodeType="tmRoot"/>
+      </p:par>
+    </p:tnLst>
+  </p:timing>
+</p:sld>
+</file>
+
+<file path=ppt/slides/slide33.xml><?xml version="1.0" encoding="utf-8"?>
 <p:sld xmlns:a="http://schemas.openxmlformats.org/drawingml/2006/main" xmlns:r="http://schemas.openxmlformats.org/officeDocument/2006/relationships" xmlns:p="http://schemas.openxmlformats.org/presentationml/2006/main">
   <p:cSld>
     <p:bg>
@@ -9424,7 +9764,7 @@
 </p:sld>
 </file>
 
-<file path=ppt/slides/slide31.xml><?xml version="1.0" encoding="utf-8"?>
+<file path=ppt/slides/slide34.xml><?xml version="1.0" encoding="utf-8"?>
 <p:sld xmlns:a="http://schemas.openxmlformats.org/drawingml/2006/main" xmlns:r="http://schemas.openxmlformats.org/officeDocument/2006/relationships" xmlns:p="http://schemas.openxmlformats.org/presentationml/2006/main">
   <p:cSld>
     <p:bg>
@@ -9560,7 +9900,7 @@
 </p:sld>
 </file>
 
-<file path=ppt/slides/slide32.xml><?xml version="1.0" encoding="utf-8"?>
+<file path=ppt/slides/slide35.xml><?xml version="1.0" encoding="utf-8"?>
 <p:sld xmlns:a="http://schemas.openxmlformats.org/drawingml/2006/main" xmlns:r="http://schemas.openxmlformats.org/officeDocument/2006/relationships" xmlns:p="http://schemas.openxmlformats.org/presentationml/2006/main">
   <p:cSld>
     <p:bg>
@@ -9660,7 +10000,7 @@
 </p:sld>
 </file>
 
-<file path=ppt/slides/slide33.xml><?xml version="1.0" encoding="utf-8"?>
+<file path=ppt/slides/slide36.xml><?xml version="1.0" encoding="utf-8"?>
 <p:sld xmlns:a="http://schemas.openxmlformats.org/drawingml/2006/main" xmlns:r="http://schemas.openxmlformats.org/officeDocument/2006/relationships" xmlns:p="http://schemas.openxmlformats.org/presentationml/2006/main">
   <p:cSld>
     <p:bg>
@@ -9768,7 +10108,7 @@
 </p:sld>
 </file>
 
-<file path=ppt/slides/slide34.xml><?xml version="1.0" encoding="utf-8"?>
+<file path=ppt/slides/slide37.xml><?xml version="1.0" encoding="utf-8"?>
 <p:sld xmlns:a="http://schemas.openxmlformats.org/drawingml/2006/main" xmlns:r="http://schemas.openxmlformats.org/officeDocument/2006/relationships" xmlns:p="http://schemas.openxmlformats.org/presentationml/2006/main">
   <p:cSld>
     <p:bg>
@@ -9868,7 +10208,7 @@
 </p:sld>
 </file>
 
-<file path=ppt/slides/slide35.xml><?xml version="1.0" encoding="utf-8"?>
+<file path=ppt/slides/slide38.xml><?xml version="1.0" encoding="utf-8"?>
 <p:sld xmlns:a="http://schemas.openxmlformats.org/drawingml/2006/main" xmlns:r="http://schemas.openxmlformats.org/officeDocument/2006/relationships" xmlns:p="http://schemas.openxmlformats.org/presentationml/2006/main">
   <p:cSld>
     <p:spTree>
@@ -9934,7 +10274,7 @@
 </p:sld>
 </file>
 
-<file path=ppt/slides/slide36.xml><?xml version="1.0" encoding="utf-8"?>
+<file path=ppt/slides/slide39.xml><?xml version="1.0" encoding="utf-8"?>
 <p:sld xmlns:a="http://schemas.openxmlformats.org/drawingml/2006/main" xmlns:r="http://schemas.openxmlformats.org/officeDocument/2006/relationships" xmlns:p="http://schemas.openxmlformats.org/presentationml/2006/main">
   <p:cSld>
     <p:bg>
@@ -10003,237 +10343,6 @@
 </p:sld>
 </file>
 
-<file path=ppt/slides/slide37.xml><?xml version="1.0" encoding="utf-8"?>
-<p:sld xmlns:a="http://schemas.openxmlformats.org/drawingml/2006/main" xmlns:r="http://schemas.openxmlformats.org/officeDocument/2006/relationships" xmlns:p="http://schemas.openxmlformats.org/presentationml/2006/main">
-  <p:cSld>
-    <p:bg>
-      <p:bgPr>
-        <a:solidFill>
-          <a:srgbClr val="1F1F1F"/>
-        </a:solidFill>
-        <a:effectLst/>
-      </p:bgPr>
-    </p:bg>
-    <p:spTree>
-      <p:nvGrpSpPr>
-        <p:cNvPr id="1" name=""/>
-        <p:cNvGrpSpPr/>
-        <p:nvPr/>
-      </p:nvGrpSpPr>
-      <p:grpSpPr>
-        <a:xfrm>
-          <a:off x="0" y="0"/>
-          <a:ext cx="0" cy="0"/>
-          <a:chOff x="0" y="0"/>
-          <a:chExt cx="0" cy="0"/>
-        </a:xfrm>
-      </p:grpSpPr>
-      <p:pic>
-        <p:nvPicPr>
-          <p:cNvPr id="4" name="Obraz 3"/>
-          <p:cNvPicPr>
-            <a:picLocks noChangeAspect="1"/>
-          </p:cNvPicPr>
-          <p:nvPr/>
-        </p:nvPicPr>
-        <p:blipFill>
-          <a:blip r:embed="rId2"/>
-          <a:stretch>
-            <a:fillRect/>
-          </a:stretch>
-        </p:blipFill>
-        <p:spPr>
-          <a:xfrm>
-            <a:off x="110797" y="1464309"/>
-            <a:ext cx="5717785" cy="4310087"/>
-          </a:xfrm>
-          <a:prstGeom prst="rect">
-            <a:avLst/>
-          </a:prstGeom>
-        </p:spPr>
-      </p:pic>
-      <p:pic>
-        <p:nvPicPr>
-          <p:cNvPr id="5" name="Obraz 4"/>
-          <p:cNvPicPr>
-            <a:picLocks noChangeAspect="1"/>
-          </p:cNvPicPr>
-          <p:nvPr/>
-        </p:nvPicPr>
-        <p:blipFill>
-          <a:blip r:embed="rId3"/>
-          <a:stretch>
-            <a:fillRect/>
-          </a:stretch>
-        </p:blipFill>
-        <p:spPr>
-          <a:xfrm>
-            <a:off x="5933739" y="1464309"/>
-            <a:ext cx="6258261" cy="3306099"/>
-          </a:xfrm>
-          <a:prstGeom prst="rect">
-            <a:avLst/>
-          </a:prstGeom>
-        </p:spPr>
-      </p:pic>
-    </p:spTree>
-    <p:extLst>
-      <p:ext uri="{BB962C8B-B14F-4D97-AF65-F5344CB8AC3E}">
-        <p14:creationId xmlns:p14="http://schemas.microsoft.com/office/powerpoint/2010/main" val="709388911"/>
-      </p:ext>
-    </p:extLst>
-  </p:cSld>
-  <p:clrMapOvr>
-    <a:masterClrMapping/>
-  </p:clrMapOvr>
-  <p:timing>
-    <p:tnLst>
-      <p:par>
-        <p:cTn id="1" dur="indefinite" restart="never" nodeType="tmRoot"/>
-      </p:par>
-    </p:tnLst>
-  </p:timing>
-</p:sld>
-</file>
-
-<file path=ppt/slides/slide38.xml><?xml version="1.0" encoding="utf-8"?>
-<p:sld xmlns:a="http://schemas.openxmlformats.org/drawingml/2006/main" xmlns:r="http://schemas.openxmlformats.org/officeDocument/2006/relationships" xmlns:p="http://schemas.openxmlformats.org/presentationml/2006/main">
-  <p:cSld>
-    <p:bg>
-      <p:bgPr>
-        <a:solidFill>
-          <a:srgbClr val="1F1F1F"/>
-        </a:solidFill>
-        <a:effectLst/>
-      </p:bgPr>
-    </p:bg>
-    <p:spTree>
-      <p:nvGrpSpPr>
-        <p:cNvPr id="1" name=""/>
-        <p:cNvGrpSpPr/>
-        <p:nvPr/>
-      </p:nvGrpSpPr>
-      <p:grpSpPr>
-        <a:xfrm>
-          <a:off x="0" y="0"/>
-          <a:ext cx="0" cy="0"/>
-          <a:chOff x="0" y="0"/>
-          <a:chExt cx="0" cy="0"/>
-        </a:xfrm>
-      </p:grpSpPr>
-      <p:pic>
-        <p:nvPicPr>
-          <p:cNvPr id="5" name="Obraz 4"/>
-          <p:cNvPicPr>
-            <a:picLocks noChangeAspect="1"/>
-          </p:cNvPicPr>
-          <p:nvPr/>
-        </p:nvPicPr>
-        <p:blipFill>
-          <a:blip r:embed="rId2"/>
-          <a:stretch>
-            <a:fillRect/>
-          </a:stretch>
-        </p:blipFill>
-        <p:spPr>
-          <a:xfrm>
-            <a:off x="1134136" y="0"/>
-            <a:ext cx="8785042" cy="6858000"/>
-          </a:xfrm>
-          <a:prstGeom prst="rect">
-            <a:avLst/>
-          </a:prstGeom>
-        </p:spPr>
-      </p:pic>
-    </p:spTree>
-    <p:extLst>
-      <p:ext uri="{BB962C8B-B14F-4D97-AF65-F5344CB8AC3E}">
-        <p14:creationId xmlns:p14="http://schemas.microsoft.com/office/powerpoint/2010/main" val="4203588981"/>
-      </p:ext>
-    </p:extLst>
-  </p:cSld>
-  <p:clrMapOvr>
-    <a:masterClrMapping/>
-  </p:clrMapOvr>
-  <p:timing>
-    <p:tnLst>
-      <p:par>
-        <p:cTn id="1" dur="indefinite" restart="never" nodeType="tmRoot"/>
-      </p:par>
-    </p:tnLst>
-  </p:timing>
-</p:sld>
-</file>
-
-<file path=ppt/slides/slide39.xml><?xml version="1.0" encoding="utf-8"?>
-<p:sld xmlns:a="http://schemas.openxmlformats.org/drawingml/2006/main" xmlns:r="http://schemas.openxmlformats.org/officeDocument/2006/relationships" xmlns:p="http://schemas.openxmlformats.org/presentationml/2006/main">
-  <p:cSld>
-    <p:bg>
-      <p:bgPr>
-        <a:solidFill>
-          <a:srgbClr val="1F1F1F"/>
-        </a:solidFill>
-        <a:effectLst/>
-      </p:bgPr>
-    </p:bg>
-    <p:spTree>
-      <p:nvGrpSpPr>
-        <p:cNvPr id="1" name=""/>
-        <p:cNvGrpSpPr/>
-        <p:nvPr/>
-      </p:nvGrpSpPr>
-      <p:grpSpPr>
-        <a:xfrm>
-          <a:off x="0" y="0"/>
-          <a:ext cx="0" cy="0"/>
-          <a:chOff x="0" y="0"/>
-          <a:chExt cx="0" cy="0"/>
-        </a:xfrm>
-      </p:grpSpPr>
-      <p:pic>
-        <p:nvPicPr>
-          <p:cNvPr id="4" name="Obraz 3"/>
-          <p:cNvPicPr>
-            <a:picLocks noChangeAspect="1"/>
-          </p:cNvPicPr>
-          <p:nvPr/>
-        </p:nvPicPr>
-        <p:blipFill>
-          <a:blip r:embed="rId2"/>
-          <a:stretch>
-            <a:fillRect/>
-          </a:stretch>
-        </p:blipFill>
-        <p:spPr>
-          <a:xfrm>
-            <a:off x="2347912" y="581025"/>
-            <a:ext cx="7496175" cy="5695950"/>
-          </a:xfrm>
-          <a:prstGeom prst="rect">
-            <a:avLst/>
-          </a:prstGeom>
-        </p:spPr>
-      </p:pic>
-    </p:spTree>
-    <p:extLst>
-      <p:ext uri="{BB962C8B-B14F-4D97-AF65-F5344CB8AC3E}">
-        <p14:creationId xmlns:p14="http://schemas.microsoft.com/office/powerpoint/2010/main" val="1123035293"/>
-      </p:ext>
-    </p:extLst>
-  </p:cSld>
-  <p:clrMapOvr>
-    <a:masterClrMapping/>
-  </p:clrMapOvr>
-  <p:timing>
-    <p:tnLst>
-      <p:par>
-        <p:cTn id="1" dur="indefinite" restart="never" nodeType="tmRoot"/>
-      </p:par>
-    </p:tnLst>
-  </p:timing>
-</p:sld>
-</file>
-
 <file path=ppt/slides/slide4.xml><?xml version="1.0" encoding="utf-8"?>
 <p:sld xmlns:a="http://schemas.openxmlformats.org/drawingml/2006/main" xmlns:r="http://schemas.openxmlformats.org/officeDocument/2006/relationships" xmlns:p="http://schemas.openxmlformats.org/presentationml/2006/main">
   <p:cSld>
@@ -10264,10 +10373,10 @@
           <p:cNvPr id="2055" name="Rectangle 2054">
             <a:extLst>
               <a:ext uri="{FF2B5EF4-FFF2-40B4-BE49-F238E27FC236}">
-                <a16:creationId xmlns:a16="http://schemas.microsoft.com/office/drawing/2014/main" xmlns="" id="{42A4FC2C-047E-45A5-965D-8E1E3BF09BC6}"/>
+                <a16:creationId xmlns="" xmlns:a16="http://schemas.microsoft.com/office/drawing/2014/main" id="{42A4FC2C-047E-45A5-965D-8E1E3BF09BC6}"/>
               </a:ext>
               <a:ext uri="{C183D7F6-B498-43B3-948B-1728B52AA6E4}">
-                <adec:decorative xmlns:adec="http://schemas.microsoft.com/office/drawing/2017/decorative" xmlns="" val="1"/>
+                <adec:decorative xmlns="" xmlns:adec="http://schemas.microsoft.com/office/drawing/2017/decorative" val="1"/>
               </a:ext>
             </a:extLst>
           </p:cNvPr>
@@ -10277,7 +10386,7 @@
           <p:nvPr>
             <p:extLst>
               <p:ext uri="{386F3935-93C4-4BCD-93E2-E3B085C9AB24}">
-                <p16:designElem xmlns:p16="http://schemas.microsoft.com/office/powerpoint/2015/main" xmlns="" val="1"/>
+                <p16:designElem xmlns="" xmlns:p16="http://schemas.microsoft.com/office/powerpoint/2015/main" val="1"/>
               </p:ext>
             </p:extLst>
           </p:nvPr>
@@ -10419,7 +10528,7 @@
           <p:cNvPr id="2050" name="Picture 2" descr="Voronoi diagram under Manhattan distance">
             <a:extLst>
               <a:ext uri="{FF2B5EF4-FFF2-40B4-BE49-F238E27FC236}">
-                <a16:creationId xmlns:a16="http://schemas.microsoft.com/office/drawing/2014/main" xmlns="" id="{7826ABD4-2A31-1226-F26F-64B83AF32783}"/>
+                <a16:creationId xmlns="" xmlns:a16="http://schemas.microsoft.com/office/drawing/2014/main" id="{7826ABD4-2A31-1226-F26F-64B83AF32783}"/>
               </a:ext>
             </a:extLst>
           </p:cNvPr>
@@ -10522,6 +10631,237 @@
         </p:blipFill>
         <p:spPr>
           <a:xfrm>
+            <a:off x="110797" y="1464309"/>
+            <a:ext cx="5717785" cy="4310087"/>
+          </a:xfrm>
+          <a:prstGeom prst="rect">
+            <a:avLst/>
+          </a:prstGeom>
+        </p:spPr>
+      </p:pic>
+      <p:pic>
+        <p:nvPicPr>
+          <p:cNvPr id="5" name="Obraz 4"/>
+          <p:cNvPicPr>
+            <a:picLocks noChangeAspect="1"/>
+          </p:cNvPicPr>
+          <p:nvPr/>
+        </p:nvPicPr>
+        <p:blipFill>
+          <a:blip r:embed="rId3"/>
+          <a:stretch>
+            <a:fillRect/>
+          </a:stretch>
+        </p:blipFill>
+        <p:spPr>
+          <a:xfrm>
+            <a:off x="5933739" y="1464309"/>
+            <a:ext cx="6258261" cy="3306099"/>
+          </a:xfrm>
+          <a:prstGeom prst="rect">
+            <a:avLst/>
+          </a:prstGeom>
+        </p:spPr>
+      </p:pic>
+    </p:spTree>
+    <p:extLst>
+      <p:ext uri="{BB962C8B-B14F-4D97-AF65-F5344CB8AC3E}">
+        <p14:creationId xmlns:p14="http://schemas.microsoft.com/office/powerpoint/2010/main" val="709388911"/>
+      </p:ext>
+    </p:extLst>
+  </p:cSld>
+  <p:clrMapOvr>
+    <a:masterClrMapping/>
+  </p:clrMapOvr>
+  <p:timing>
+    <p:tnLst>
+      <p:par>
+        <p:cTn id="1" dur="indefinite" restart="never" nodeType="tmRoot"/>
+      </p:par>
+    </p:tnLst>
+  </p:timing>
+</p:sld>
+</file>
+
+<file path=ppt/slides/slide41.xml><?xml version="1.0" encoding="utf-8"?>
+<p:sld xmlns:a="http://schemas.openxmlformats.org/drawingml/2006/main" xmlns:r="http://schemas.openxmlformats.org/officeDocument/2006/relationships" xmlns:p="http://schemas.openxmlformats.org/presentationml/2006/main">
+  <p:cSld>
+    <p:bg>
+      <p:bgPr>
+        <a:solidFill>
+          <a:srgbClr val="1F1F1F"/>
+        </a:solidFill>
+        <a:effectLst/>
+      </p:bgPr>
+    </p:bg>
+    <p:spTree>
+      <p:nvGrpSpPr>
+        <p:cNvPr id="1" name=""/>
+        <p:cNvGrpSpPr/>
+        <p:nvPr/>
+      </p:nvGrpSpPr>
+      <p:grpSpPr>
+        <a:xfrm>
+          <a:off x="0" y="0"/>
+          <a:ext cx="0" cy="0"/>
+          <a:chOff x="0" y="0"/>
+          <a:chExt cx="0" cy="0"/>
+        </a:xfrm>
+      </p:grpSpPr>
+      <p:pic>
+        <p:nvPicPr>
+          <p:cNvPr id="5" name="Obraz 4"/>
+          <p:cNvPicPr>
+            <a:picLocks noChangeAspect="1"/>
+          </p:cNvPicPr>
+          <p:nvPr/>
+        </p:nvPicPr>
+        <p:blipFill>
+          <a:blip r:embed="rId2"/>
+          <a:stretch>
+            <a:fillRect/>
+          </a:stretch>
+        </p:blipFill>
+        <p:spPr>
+          <a:xfrm>
+            <a:off x="1134136" y="0"/>
+            <a:ext cx="8785042" cy="6858000"/>
+          </a:xfrm>
+          <a:prstGeom prst="rect">
+            <a:avLst/>
+          </a:prstGeom>
+        </p:spPr>
+      </p:pic>
+    </p:spTree>
+    <p:extLst>
+      <p:ext uri="{BB962C8B-B14F-4D97-AF65-F5344CB8AC3E}">
+        <p14:creationId xmlns:p14="http://schemas.microsoft.com/office/powerpoint/2010/main" val="4203588981"/>
+      </p:ext>
+    </p:extLst>
+  </p:cSld>
+  <p:clrMapOvr>
+    <a:masterClrMapping/>
+  </p:clrMapOvr>
+  <p:timing>
+    <p:tnLst>
+      <p:par>
+        <p:cTn id="1" dur="indefinite" restart="never" nodeType="tmRoot"/>
+      </p:par>
+    </p:tnLst>
+  </p:timing>
+</p:sld>
+</file>
+
+<file path=ppt/slides/slide42.xml><?xml version="1.0" encoding="utf-8"?>
+<p:sld xmlns:a="http://schemas.openxmlformats.org/drawingml/2006/main" xmlns:r="http://schemas.openxmlformats.org/officeDocument/2006/relationships" xmlns:p="http://schemas.openxmlformats.org/presentationml/2006/main">
+  <p:cSld>
+    <p:bg>
+      <p:bgPr>
+        <a:solidFill>
+          <a:srgbClr val="1F1F1F"/>
+        </a:solidFill>
+        <a:effectLst/>
+      </p:bgPr>
+    </p:bg>
+    <p:spTree>
+      <p:nvGrpSpPr>
+        <p:cNvPr id="1" name=""/>
+        <p:cNvGrpSpPr/>
+        <p:nvPr/>
+      </p:nvGrpSpPr>
+      <p:grpSpPr>
+        <a:xfrm>
+          <a:off x="0" y="0"/>
+          <a:ext cx="0" cy="0"/>
+          <a:chOff x="0" y="0"/>
+          <a:chExt cx="0" cy="0"/>
+        </a:xfrm>
+      </p:grpSpPr>
+      <p:pic>
+        <p:nvPicPr>
+          <p:cNvPr id="4" name="Obraz 3"/>
+          <p:cNvPicPr>
+            <a:picLocks noChangeAspect="1"/>
+          </p:cNvPicPr>
+          <p:nvPr/>
+        </p:nvPicPr>
+        <p:blipFill>
+          <a:blip r:embed="rId2"/>
+          <a:stretch>
+            <a:fillRect/>
+          </a:stretch>
+        </p:blipFill>
+        <p:spPr>
+          <a:xfrm>
+            <a:off x="2347912" y="581025"/>
+            <a:ext cx="7496175" cy="5695950"/>
+          </a:xfrm>
+          <a:prstGeom prst="rect">
+            <a:avLst/>
+          </a:prstGeom>
+        </p:spPr>
+      </p:pic>
+    </p:spTree>
+    <p:extLst>
+      <p:ext uri="{BB962C8B-B14F-4D97-AF65-F5344CB8AC3E}">
+        <p14:creationId xmlns:p14="http://schemas.microsoft.com/office/powerpoint/2010/main" val="1123035293"/>
+      </p:ext>
+    </p:extLst>
+  </p:cSld>
+  <p:clrMapOvr>
+    <a:masterClrMapping/>
+  </p:clrMapOvr>
+  <p:timing>
+    <p:tnLst>
+      <p:par>
+        <p:cTn id="1" dur="indefinite" restart="never" nodeType="tmRoot"/>
+      </p:par>
+    </p:tnLst>
+  </p:timing>
+</p:sld>
+</file>
+
+<file path=ppt/slides/slide43.xml><?xml version="1.0" encoding="utf-8"?>
+<p:sld xmlns:a="http://schemas.openxmlformats.org/drawingml/2006/main" xmlns:r="http://schemas.openxmlformats.org/officeDocument/2006/relationships" xmlns:p="http://schemas.openxmlformats.org/presentationml/2006/main">
+  <p:cSld>
+    <p:bg>
+      <p:bgPr>
+        <a:solidFill>
+          <a:srgbClr val="1F1F1F"/>
+        </a:solidFill>
+        <a:effectLst/>
+      </p:bgPr>
+    </p:bg>
+    <p:spTree>
+      <p:nvGrpSpPr>
+        <p:cNvPr id="1" name=""/>
+        <p:cNvGrpSpPr/>
+        <p:nvPr/>
+      </p:nvGrpSpPr>
+      <p:grpSpPr>
+        <a:xfrm>
+          <a:off x="0" y="0"/>
+          <a:ext cx="0" cy="0"/>
+          <a:chOff x="0" y="0"/>
+          <a:chExt cx="0" cy="0"/>
+        </a:xfrm>
+      </p:grpSpPr>
+      <p:pic>
+        <p:nvPicPr>
+          <p:cNvPr id="4" name="Obraz 3"/>
+          <p:cNvPicPr>
+            <a:picLocks noChangeAspect="1"/>
+          </p:cNvPicPr>
+          <p:nvPr/>
+        </p:nvPicPr>
+        <p:blipFill>
+          <a:blip r:embed="rId2"/>
+          <a:stretch>
+            <a:fillRect/>
+          </a:stretch>
+        </p:blipFill>
+        <p:spPr>
+          <a:xfrm>
             <a:off x="745016" y="338767"/>
             <a:ext cx="9839325" cy="6076950"/>
           </a:xfrm>
@@ -10553,7 +10893,7 @@
 </p:sld>
 </file>
 
-<file path=ppt/slides/slide41.xml><?xml version="1.0" encoding="utf-8"?>
+<file path=ppt/slides/slide44.xml><?xml version="1.0" encoding="utf-8"?>
 <p:sld xmlns:a="http://schemas.openxmlformats.org/drawingml/2006/main" xmlns:r="http://schemas.openxmlformats.org/officeDocument/2006/relationships" xmlns:p="http://schemas.openxmlformats.org/presentationml/2006/main">
   <p:cSld>
     <p:bg>
@@ -10622,7 +10962,7 @@
 </p:sld>
 </file>
 
-<file path=ppt/slides/slide42.xml><?xml version="1.0" encoding="utf-8"?>
+<file path=ppt/slides/slide45.xml><?xml version="1.0" encoding="utf-8"?>
 <p:sld xmlns:a="http://schemas.openxmlformats.org/drawingml/2006/main" xmlns:r="http://schemas.openxmlformats.org/officeDocument/2006/relationships" xmlns:p="http://schemas.openxmlformats.org/presentationml/2006/main">
   <p:cSld>
     <p:spTree>
@@ -10687,7 +11027,7 @@
 </p:sld>
 </file>
 
-<file path=ppt/slides/slide43.xml><?xml version="1.0" encoding="utf-8"?>
+<file path=ppt/slides/slide46.xml><?xml version="1.0" encoding="utf-8"?>
 <p:sld xmlns:a="http://schemas.openxmlformats.org/drawingml/2006/main" xmlns:r="http://schemas.openxmlformats.org/officeDocument/2006/relationships" xmlns:p="http://schemas.openxmlformats.org/presentationml/2006/main">
   <p:cSld>
     <p:spTree>
@@ -10839,7 +11179,7 @@
 </p:sld>
 </file>
 
-<file path=ppt/slides/slide44.xml><?xml version="1.0" encoding="utf-8"?>
+<file path=ppt/slides/slide47.xml><?xml version="1.0" encoding="utf-8"?>
 <p:sld xmlns:a="http://schemas.openxmlformats.org/drawingml/2006/main" xmlns:r="http://schemas.openxmlformats.org/officeDocument/2006/relationships" xmlns:p="http://schemas.openxmlformats.org/presentationml/2006/main">
   <p:cSld>
     <p:bg>
@@ -10908,7 +11248,7 @@
 </p:sld>
 </file>
 
-<file path=ppt/slides/slide45.xml><?xml version="1.0" encoding="utf-8"?>
+<file path=ppt/slides/slide48.xml><?xml version="1.0" encoding="utf-8"?>
 <p:sld xmlns:a="http://schemas.openxmlformats.org/drawingml/2006/main" xmlns:r="http://schemas.openxmlformats.org/officeDocument/2006/relationships" xmlns:p="http://schemas.openxmlformats.org/presentationml/2006/main">
   <p:cSld>
     <p:spTree>
@@ -10969,7 +11309,7 @@
 </p:sld>
 </file>
 
-<file path=ppt/slides/slide46.xml><?xml version="1.0" encoding="utf-8"?>
+<file path=ppt/slides/slide49.xml><?xml version="1.0" encoding="utf-8"?>
 <p:sld xmlns:a="http://schemas.openxmlformats.org/drawingml/2006/main" xmlns:r="http://schemas.openxmlformats.org/officeDocument/2006/relationships" xmlns:p="http://schemas.openxmlformats.org/presentationml/2006/main">
   <p:cSld>
     <p:spTree>
@@ -11030,168 +11370,6 @@
 </p:sld>
 </file>
 
-<file path=ppt/slides/slide47.xml><?xml version="1.0" encoding="utf-8"?>
-<p:sld xmlns:a="http://schemas.openxmlformats.org/drawingml/2006/main" xmlns:r="http://schemas.openxmlformats.org/officeDocument/2006/relationships" xmlns:p="http://schemas.openxmlformats.org/presentationml/2006/main">
-  <p:cSld>
-    <p:spTree>
-      <p:nvGrpSpPr>
-        <p:cNvPr id="1" name=""/>
-        <p:cNvGrpSpPr/>
-        <p:nvPr/>
-      </p:nvGrpSpPr>
-      <p:grpSpPr>
-        <a:xfrm>
-          <a:off x="0" y="0"/>
-          <a:ext cx="0" cy="0"/>
-          <a:chOff x="0" y="0"/>
-          <a:chExt cx="0" cy="0"/>
-        </a:xfrm>
-      </p:grpSpPr>
-      <p:pic>
-        <p:nvPicPr>
-          <p:cNvPr id="4" name="Obraz 3"/>
-          <p:cNvPicPr>
-            <a:picLocks noChangeAspect="1"/>
-          </p:cNvPicPr>
-          <p:nvPr/>
-        </p:nvPicPr>
-        <p:blipFill>
-          <a:blip r:embed="rId2"/>
-          <a:stretch>
-            <a:fillRect/>
-          </a:stretch>
-        </p:blipFill>
-        <p:spPr>
-          <a:xfrm>
-            <a:off x="2681892" y="0"/>
-            <a:ext cx="6828215" cy="6858000"/>
-          </a:xfrm>
-          <a:prstGeom prst="rect">
-            <a:avLst/>
-          </a:prstGeom>
-        </p:spPr>
-      </p:pic>
-    </p:spTree>
-    <p:extLst>
-      <p:ext uri="{BB962C8B-B14F-4D97-AF65-F5344CB8AC3E}">
-        <p14:creationId xmlns:p14="http://schemas.microsoft.com/office/powerpoint/2010/main" val="651073908"/>
-      </p:ext>
-    </p:extLst>
-  </p:cSld>
-  <p:clrMapOvr>
-    <a:masterClrMapping/>
-  </p:clrMapOvr>
-</p:sld>
-</file>
-
-<file path=ppt/slides/slide48.xml><?xml version="1.0" encoding="utf-8"?>
-<p:sld xmlns:a="http://schemas.openxmlformats.org/drawingml/2006/main" xmlns:r="http://schemas.openxmlformats.org/officeDocument/2006/relationships" xmlns:p="http://schemas.openxmlformats.org/presentationml/2006/main">
-  <p:cSld>
-    <p:spTree>
-      <p:nvGrpSpPr>
-        <p:cNvPr id="1" name=""/>
-        <p:cNvGrpSpPr/>
-        <p:nvPr/>
-      </p:nvGrpSpPr>
-      <p:grpSpPr>
-        <a:xfrm>
-          <a:off x="0" y="0"/>
-          <a:ext cx="0" cy="0"/>
-          <a:chOff x="0" y="0"/>
-          <a:chExt cx="0" cy="0"/>
-        </a:xfrm>
-      </p:grpSpPr>
-      <p:pic>
-        <p:nvPicPr>
-          <p:cNvPr id="4" name="Obraz 3"/>
-          <p:cNvPicPr>
-            <a:picLocks noChangeAspect="1"/>
-          </p:cNvPicPr>
-          <p:nvPr/>
-        </p:nvPicPr>
-        <p:blipFill>
-          <a:blip r:embed="rId2"/>
-          <a:stretch>
-            <a:fillRect/>
-          </a:stretch>
-        </p:blipFill>
-        <p:spPr>
-          <a:xfrm>
-            <a:off x="2761100" y="0"/>
-            <a:ext cx="6669800" cy="6858000"/>
-          </a:xfrm>
-          <a:prstGeom prst="rect">
-            <a:avLst/>
-          </a:prstGeom>
-        </p:spPr>
-      </p:pic>
-    </p:spTree>
-    <p:extLst>
-      <p:ext uri="{BB962C8B-B14F-4D97-AF65-F5344CB8AC3E}">
-        <p14:creationId xmlns:p14="http://schemas.microsoft.com/office/powerpoint/2010/main" val="459338862"/>
-      </p:ext>
-    </p:extLst>
-  </p:cSld>
-  <p:clrMapOvr>
-    <a:masterClrMapping/>
-  </p:clrMapOvr>
-</p:sld>
-</file>
-
-<file path=ppt/slides/slide49.xml><?xml version="1.0" encoding="utf-8"?>
-<p:sld xmlns:a="http://schemas.openxmlformats.org/drawingml/2006/main" xmlns:r="http://schemas.openxmlformats.org/officeDocument/2006/relationships" xmlns:p="http://schemas.openxmlformats.org/presentationml/2006/main">
-  <p:cSld>
-    <p:spTree>
-      <p:nvGrpSpPr>
-        <p:cNvPr id="1" name=""/>
-        <p:cNvGrpSpPr/>
-        <p:nvPr/>
-      </p:nvGrpSpPr>
-      <p:grpSpPr>
-        <a:xfrm>
-          <a:off x="0" y="0"/>
-          <a:ext cx="0" cy="0"/>
-          <a:chOff x="0" y="0"/>
-          <a:chExt cx="0" cy="0"/>
-        </a:xfrm>
-      </p:grpSpPr>
-      <p:pic>
-        <p:nvPicPr>
-          <p:cNvPr id="4" name="Obraz 3"/>
-          <p:cNvPicPr>
-            <a:picLocks noChangeAspect="1"/>
-          </p:cNvPicPr>
-          <p:nvPr/>
-        </p:nvPicPr>
-        <p:blipFill>
-          <a:blip r:embed="rId2"/>
-          <a:stretch>
-            <a:fillRect/>
-          </a:stretch>
-        </p:blipFill>
-        <p:spPr>
-          <a:xfrm>
-            <a:off x="2678255" y="0"/>
-            <a:ext cx="6835490" cy="6858000"/>
-          </a:xfrm>
-          <a:prstGeom prst="rect">
-            <a:avLst/>
-          </a:prstGeom>
-        </p:spPr>
-      </p:pic>
-    </p:spTree>
-    <p:extLst>
-      <p:ext uri="{BB962C8B-B14F-4D97-AF65-F5344CB8AC3E}">
-        <p14:creationId xmlns:p14="http://schemas.microsoft.com/office/powerpoint/2010/main" val="1813761033"/>
-      </p:ext>
-    </p:extLst>
-  </p:cSld>
-  <p:clrMapOvr>
-    <a:masterClrMapping/>
-  </p:clrMapOvr>
-</p:sld>
-</file>
-
 <file path=ppt/slides/slide5.xml><?xml version="1.0" encoding="utf-8"?>
 <p:sld xmlns:a="http://schemas.openxmlformats.org/drawingml/2006/main" xmlns:r="http://schemas.openxmlformats.org/officeDocument/2006/relationships" xmlns:p="http://schemas.openxmlformats.org/presentationml/2006/main">
   <p:cSld>
@@ -11214,7 +11392,7 @@
           <p:cNvPr id="2" name="Title 1">
             <a:extLst>
               <a:ext uri="{FF2B5EF4-FFF2-40B4-BE49-F238E27FC236}">
-                <a16:creationId xmlns:a16="http://schemas.microsoft.com/office/drawing/2014/main" xmlns="" id="{5E8BF8CF-D6EE-150B-4226-D68ECE7E9F50}"/>
+                <a16:creationId xmlns="" xmlns:a16="http://schemas.microsoft.com/office/drawing/2014/main" id="{5E8BF8CF-D6EE-150B-4226-D68ECE7E9F50}"/>
               </a:ext>
             </a:extLst>
           </p:cNvPr>
@@ -11250,7 +11428,7 @@
           <p:cNvPr id="3" name="Content Placeholder 2">
             <a:extLst>
               <a:ext uri="{FF2B5EF4-FFF2-40B4-BE49-F238E27FC236}">
-                <a16:creationId xmlns:a16="http://schemas.microsoft.com/office/drawing/2014/main" xmlns="" id="{C0B23861-9E00-0783-04C6-CF20D51468AA}"/>
+                <a16:creationId xmlns="" xmlns:a16="http://schemas.microsoft.com/office/drawing/2014/main" id="{C0B23861-9E00-0783-04C6-CF20D51468AA}"/>
               </a:ext>
             </a:extLst>
           </p:cNvPr>
@@ -11361,6 +11539,168 @@
         </p:blipFill>
         <p:spPr>
           <a:xfrm>
+            <a:off x="2681892" y="0"/>
+            <a:ext cx="6828215" cy="6858000"/>
+          </a:xfrm>
+          <a:prstGeom prst="rect">
+            <a:avLst/>
+          </a:prstGeom>
+        </p:spPr>
+      </p:pic>
+    </p:spTree>
+    <p:extLst>
+      <p:ext uri="{BB962C8B-B14F-4D97-AF65-F5344CB8AC3E}">
+        <p14:creationId xmlns:p14="http://schemas.microsoft.com/office/powerpoint/2010/main" val="651073908"/>
+      </p:ext>
+    </p:extLst>
+  </p:cSld>
+  <p:clrMapOvr>
+    <a:masterClrMapping/>
+  </p:clrMapOvr>
+</p:sld>
+</file>
+
+<file path=ppt/slides/slide51.xml><?xml version="1.0" encoding="utf-8"?>
+<p:sld xmlns:a="http://schemas.openxmlformats.org/drawingml/2006/main" xmlns:r="http://schemas.openxmlformats.org/officeDocument/2006/relationships" xmlns:p="http://schemas.openxmlformats.org/presentationml/2006/main">
+  <p:cSld>
+    <p:spTree>
+      <p:nvGrpSpPr>
+        <p:cNvPr id="1" name=""/>
+        <p:cNvGrpSpPr/>
+        <p:nvPr/>
+      </p:nvGrpSpPr>
+      <p:grpSpPr>
+        <a:xfrm>
+          <a:off x="0" y="0"/>
+          <a:ext cx="0" cy="0"/>
+          <a:chOff x="0" y="0"/>
+          <a:chExt cx="0" cy="0"/>
+        </a:xfrm>
+      </p:grpSpPr>
+      <p:pic>
+        <p:nvPicPr>
+          <p:cNvPr id="4" name="Obraz 3"/>
+          <p:cNvPicPr>
+            <a:picLocks noChangeAspect="1"/>
+          </p:cNvPicPr>
+          <p:nvPr/>
+        </p:nvPicPr>
+        <p:blipFill>
+          <a:blip r:embed="rId2"/>
+          <a:stretch>
+            <a:fillRect/>
+          </a:stretch>
+        </p:blipFill>
+        <p:spPr>
+          <a:xfrm>
+            <a:off x="2761100" y="0"/>
+            <a:ext cx="6669800" cy="6858000"/>
+          </a:xfrm>
+          <a:prstGeom prst="rect">
+            <a:avLst/>
+          </a:prstGeom>
+        </p:spPr>
+      </p:pic>
+    </p:spTree>
+    <p:extLst>
+      <p:ext uri="{BB962C8B-B14F-4D97-AF65-F5344CB8AC3E}">
+        <p14:creationId xmlns:p14="http://schemas.microsoft.com/office/powerpoint/2010/main" val="459338862"/>
+      </p:ext>
+    </p:extLst>
+  </p:cSld>
+  <p:clrMapOvr>
+    <a:masterClrMapping/>
+  </p:clrMapOvr>
+</p:sld>
+</file>
+
+<file path=ppt/slides/slide52.xml><?xml version="1.0" encoding="utf-8"?>
+<p:sld xmlns:a="http://schemas.openxmlformats.org/drawingml/2006/main" xmlns:r="http://schemas.openxmlformats.org/officeDocument/2006/relationships" xmlns:p="http://schemas.openxmlformats.org/presentationml/2006/main">
+  <p:cSld>
+    <p:spTree>
+      <p:nvGrpSpPr>
+        <p:cNvPr id="1" name=""/>
+        <p:cNvGrpSpPr/>
+        <p:nvPr/>
+      </p:nvGrpSpPr>
+      <p:grpSpPr>
+        <a:xfrm>
+          <a:off x="0" y="0"/>
+          <a:ext cx="0" cy="0"/>
+          <a:chOff x="0" y="0"/>
+          <a:chExt cx="0" cy="0"/>
+        </a:xfrm>
+      </p:grpSpPr>
+      <p:pic>
+        <p:nvPicPr>
+          <p:cNvPr id="4" name="Obraz 3"/>
+          <p:cNvPicPr>
+            <a:picLocks noChangeAspect="1"/>
+          </p:cNvPicPr>
+          <p:nvPr/>
+        </p:nvPicPr>
+        <p:blipFill>
+          <a:blip r:embed="rId2"/>
+          <a:stretch>
+            <a:fillRect/>
+          </a:stretch>
+        </p:blipFill>
+        <p:spPr>
+          <a:xfrm>
+            <a:off x="2678255" y="0"/>
+            <a:ext cx="6835490" cy="6858000"/>
+          </a:xfrm>
+          <a:prstGeom prst="rect">
+            <a:avLst/>
+          </a:prstGeom>
+        </p:spPr>
+      </p:pic>
+    </p:spTree>
+    <p:extLst>
+      <p:ext uri="{BB962C8B-B14F-4D97-AF65-F5344CB8AC3E}">
+        <p14:creationId xmlns:p14="http://schemas.microsoft.com/office/powerpoint/2010/main" val="1813761033"/>
+      </p:ext>
+    </p:extLst>
+  </p:cSld>
+  <p:clrMapOvr>
+    <a:masterClrMapping/>
+  </p:clrMapOvr>
+</p:sld>
+</file>
+
+<file path=ppt/slides/slide53.xml><?xml version="1.0" encoding="utf-8"?>
+<p:sld xmlns:a="http://schemas.openxmlformats.org/drawingml/2006/main" xmlns:r="http://schemas.openxmlformats.org/officeDocument/2006/relationships" xmlns:p="http://schemas.openxmlformats.org/presentationml/2006/main">
+  <p:cSld>
+    <p:spTree>
+      <p:nvGrpSpPr>
+        <p:cNvPr id="1" name=""/>
+        <p:cNvGrpSpPr/>
+        <p:nvPr/>
+      </p:nvGrpSpPr>
+      <p:grpSpPr>
+        <a:xfrm>
+          <a:off x="0" y="0"/>
+          <a:ext cx="0" cy="0"/>
+          <a:chOff x="0" y="0"/>
+          <a:chExt cx="0" cy="0"/>
+        </a:xfrm>
+      </p:grpSpPr>
+      <p:pic>
+        <p:nvPicPr>
+          <p:cNvPr id="4" name="Obraz 3"/>
+          <p:cNvPicPr>
+            <a:picLocks noChangeAspect="1"/>
+          </p:cNvPicPr>
+          <p:nvPr/>
+        </p:nvPicPr>
+        <p:blipFill>
+          <a:blip r:embed="rId2"/>
+          <a:stretch>
+            <a:fillRect/>
+          </a:stretch>
+        </p:blipFill>
+        <p:spPr>
+          <a:xfrm>
             <a:off x="2644165" y="0"/>
             <a:ext cx="6903669" cy="6858000"/>
           </a:xfrm>
@@ -11382,7 +11722,7 @@
 </p:sld>
 </file>
 
-<file path=ppt/slides/slide51.xml><?xml version="1.0" encoding="utf-8"?>
+<file path=ppt/slides/slide54.xml><?xml version="1.0" encoding="utf-8"?>
 <p:sld xmlns:a="http://schemas.openxmlformats.org/drawingml/2006/main" xmlns:r="http://schemas.openxmlformats.org/officeDocument/2006/relationships" xmlns:p="http://schemas.openxmlformats.org/presentationml/2006/main">
   <p:cSld>
     <p:spTree>
@@ -11436,7 +11776,7 @@
 </p:sld>
 </file>
 
-<file path=ppt/slides/slide52.xml><?xml version="1.0" encoding="utf-8"?>
+<file path=ppt/slides/slide55.xml><?xml version="1.0" encoding="utf-8"?>
 <p:sld xmlns:a="http://schemas.openxmlformats.org/drawingml/2006/main" xmlns:r="http://schemas.openxmlformats.org/officeDocument/2006/relationships" xmlns:p="http://schemas.openxmlformats.org/presentationml/2006/main">
   <p:cSld>
     <p:spTree>
@@ -11490,7 +11830,7 @@
 </p:sld>
 </file>
 
-<file path=ppt/slides/slide53.xml><?xml version="1.0" encoding="utf-8"?>
+<file path=ppt/slides/slide56.xml><?xml version="1.0" encoding="utf-8"?>
 <p:sld xmlns:a="http://schemas.openxmlformats.org/drawingml/2006/main" xmlns:r="http://schemas.openxmlformats.org/officeDocument/2006/relationships" xmlns:p="http://schemas.openxmlformats.org/presentationml/2006/main">
   <p:cSld>
     <p:spTree>
@@ -12777,7 +13117,7 @@
 </p:sld>
 </file>
 
-<file path=ppt/slides/slide54.xml><?xml version="1.0" encoding="utf-8"?>
+<file path=ppt/slides/slide57.xml><?xml version="1.0" encoding="utf-8"?>
 <p:sld xmlns:a="http://schemas.openxmlformats.org/drawingml/2006/main" xmlns:r="http://schemas.openxmlformats.org/officeDocument/2006/relationships" xmlns:p="http://schemas.openxmlformats.org/presentationml/2006/main">
   <p:cSld>
     <p:spTree>
@@ -12799,7 +13139,7 @@
           <p:cNvPr id="2" name="Title 1">
             <a:extLst>
               <a:ext uri="{FF2B5EF4-FFF2-40B4-BE49-F238E27FC236}">
-                <a16:creationId xmlns:a16="http://schemas.microsoft.com/office/drawing/2014/main" xmlns="" id="{CE2BDAB7-0BBD-13D6-DE9D-E1CD87C26286}"/>
+                <a16:creationId xmlns="" xmlns:a16="http://schemas.microsoft.com/office/drawing/2014/main" id="{CE2BDAB7-0BBD-13D6-DE9D-E1CD87C26286}"/>
               </a:ext>
             </a:extLst>
           </p:cNvPr>
@@ -12853,7 +13193,7 @@
           <p:cNvPr id="3" name="Content Placeholder 2">
             <a:extLst>
               <a:ext uri="{FF2B5EF4-FFF2-40B4-BE49-F238E27FC236}">
-                <a16:creationId xmlns:a16="http://schemas.microsoft.com/office/drawing/2014/main" xmlns="" id="{5CE53849-7EDA-FBE9-039F-D3D7487DE1FA}"/>
+                <a16:creationId xmlns="" xmlns:a16="http://schemas.microsoft.com/office/drawing/2014/main" id="{5CE53849-7EDA-FBE9-039F-D3D7487DE1FA}"/>
               </a:ext>
             </a:extLst>
           </p:cNvPr>
@@ -13091,10 +13431,10 @@
           <p:cNvPr id="10" name="Down Arrow 7">
             <a:extLst>
               <a:ext uri="{FF2B5EF4-FFF2-40B4-BE49-F238E27FC236}">
-                <a16:creationId xmlns:a16="http://schemas.microsoft.com/office/drawing/2014/main" xmlns="" id="{D4771268-CB57-404A-9271-370EB28F6090}"/>
+                <a16:creationId xmlns="" xmlns:a16="http://schemas.microsoft.com/office/drawing/2014/main" id="{D4771268-CB57-404A-9271-370EB28F6090}"/>
               </a:ext>
               <a:ext uri="{C183D7F6-B498-43B3-948B-1728B52AA6E4}">
-                <adec:decorative xmlns:adec="http://schemas.microsoft.com/office/drawing/2017/decorative" xmlns="" val="1"/>
+                <adec:decorative xmlns="" xmlns:adec="http://schemas.microsoft.com/office/drawing/2017/decorative" val="1"/>
               </a:ext>
             </a:extLst>
           </p:cNvPr>
@@ -13104,7 +13444,7 @@
           <p:nvPr>
             <p:extLst>
               <p:ext uri="{386F3935-93C4-4BCD-93E2-E3B085C9AB24}">
-                <p16:designElem xmlns:p16="http://schemas.microsoft.com/office/powerpoint/2015/main" xmlns="" val="1"/>
+                <p16:designElem xmlns="" xmlns:p16="http://schemas.microsoft.com/office/powerpoint/2015/main" val="1"/>
               </p:ext>
             </p:extLst>
           </p:nvPr>
@@ -13157,7 +13497,7 @@
           <p:cNvPr id="2" name="Title 1">
             <a:extLst>
               <a:ext uri="{FF2B5EF4-FFF2-40B4-BE49-F238E27FC236}">
-                <a16:creationId xmlns:a16="http://schemas.microsoft.com/office/drawing/2014/main" xmlns="" id="{5B47F663-7008-31DA-930F-CCB482A936B7}"/>
+                <a16:creationId xmlns="" xmlns:a16="http://schemas.microsoft.com/office/drawing/2014/main" id="{5B47F663-7008-31DA-930F-CCB482A936B7}"/>
               </a:ext>
             </a:extLst>
           </p:cNvPr>
@@ -13201,7 +13541,7 @@
           <p:cNvPr id="5" name="Content Placeholder 4">
             <a:extLst>
               <a:ext uri="{FF2B5EF4-FFF2-40B4-BE49-F238E27FC236}">
-                <a16:creationId xmlns:a16="http://schemas.microsoft.com/office/drawing/2014/main" xmlns="" id="{4F908E6C-1B3B-CA87-25B8-E4E1AB151B08}"/>
+                <a16:creationId xmlns="" xmlns:a16="http://schemas.microsoft.com/office/drawing/2014/main" id="{4F908E6C-1B3B-CA87-25B8-E4E1AB151B08}"/>
               </a:ext>
             </a:extLst>
           </p:cNvPr>
@@ -13278,10 +13618,10 @@
           <p:cNvPr id="10" name="Down Arrow 7">
             <a:extLst>
               <a:ext uri="{FF2B5EF4-FFF2-40B4-BE49-F238E27FC236}">
-                <a16:creationId xmlns:a16="http://schemas.microsoft.com/office/drawing/2014/main" xmlns="" id="{D4771268-CB57-404A-9271-370EB28F6090}"/>
+                <a16:creationId xmlns="" xmlns:a16="http://schemas.microsoft.com/office/drawing/2014/main" id="{D4771268-CB57-404A-9271-370EB28F6090}"/>
               </a:ext>
               <a:ext uri="{C183D7F6-B498-43B3-948B-1728B52AA6E4}">
-                <adec:decorative xmlns:adec="http://schemas.microsoft.com/office/drawing/2017/decorative" xmlns="" val="1"/>
+                <adec:decorative xmlns="" xmlns:adec="http://schemas.microsoft.com/office/drawing/2017/decorative" val="1"/>
               </a:ext>
             </a:extLst>
           </p:cNvPr>
@@ -13291,7 +13631,7 @@
           <p:nvPr>
             <p:extLst>
               <p:ext uri="{386F3935-93C4-4BCD-93E2-E3B085C9AB24}">
-                <p16:designElem xmlns:p16="http://schemas.microsoft.com/office/powerpoint/2015/main" xmlns="" val="1"/>
+                <p16:designElem xmlns="" xmlns:p16="http://schemas.microsoft.com/office/powerpoint/2015/main" val="1"/>
               </p:ext>
             </p:extLst>
           </p:nvPr>
@@ -13344,7 +13684,7 @@
           <p:cNvPr id="2" name="Title 1">
             <a:extLst>
               <a:ext uri="{FF2B5EF4-FFF2-40B4-BE49-F238E27FC236}">
-                <a16:creationId xmlns:a16="http://schemas.microsoft.com/office/drawing/2014/main" xmlns="" id="{AC86753C-8459-8402-D097-7C0CCA92A6D9}"/>
+                <a16:creationId xmlns="" xmlns:a16="http://schemas.microsoft.com/office/drawing/2014/main" id="{AC86753C-8459-8402-D097-7C0CCA92A6D9}"/>
               </a:ext>
             </a:extLst>
           </p:cNvPr>
@@ -13418,7 +13758,7 @@
           <p:cNvPr id="5" name="Content Placeholder 5">
             <a:extLst>
               <a:ext uri="{FF2B5EF4-FFF2-40B4-BE49-F238E27FC236}">
-                <a16:creationId xmlns:a16="http://schemas.microsoft.com/office/drawing/2014/main" xmlns="" id="{583DC926-2B06-4207-8504-F8D013365702}"/>
+                <a16:creationId xmlns="" xmlns:a16="http://schemas.microsoft.com/office/drawing/2014/main" id="{583DC926-2B06-4207-8504-F8D013365702}"/>
               </a:ext>
             </a:extLst>
           </p:cNvPr>
@@ -13487,7 +13827,7 @@
           <p:cNvPr id="2" name="Title 1">
             <a:extLst>
               <a:ext uri="{FF2B5EF4-FFF2-40B4-BE49-F238E27FC236}">
-                <a16:creationId xmlns:a16="http://schemas.microsoft.com/office/drawing/2014/main" xmlns="" id="{2463D552-8041-61C8-B164-21301F4134F6}"/>
+                <a16:creationId xmlns="" xmlns:a16="http://schemas.microsoft.com/office/drawing/2014/main" id="{2463D552-8041-61C8-B164-21301F4134F6}"/>
               </a:ext>
             </a:extLst>
           </p:cNvPr>
@@ -13515,7 +13855,7 @@
           <p:cNvPr id="3" name="Subtitle 2">
             <a:extLst>
               <a:ext uri="{FF2B5EF4-FFF2-40B4-BE49-F238E27FC236}">
-                <a16:creationId xmlns:a16="http://schemas.microsoft.com/office/drawing/2014/main" xmlns="" id="{BEB9D3B4-C5F2-E997-AF58-C5859552FA21}"/>
+                <a16:creationId xmlns="" xmlns:a16="http://schemas.microsoft.com/office/drawing/2014/main" id="{BEB9D3B4-C5F2-E997-AF58-C5859552FA21}"/>
               </a:ext>
             </a:extLst>
           </p:cNvPr>
@@ -13585,7 +13925,7 @@
           <p:cNvPr id="5" name="Content Placeholder 4">
             <a:extLst>
               <a:ext uri="{FF2B5EF4-FFF2-40B4-BE49-F238E27FC236}">
-                <a16:creationId xmlns:a16="http://schemas.microsoft.com/office/drawing/2014/main" xmlns="" id="{FD9A6ED2-0545-9B8B-1FE1-0E1BECECB185}"/>
+                <a16:creationId xmlns="" xmlns:a16="http://schemas.microsoft.com/office/drawing/2014/main" id="{FD9A6ED2-0545-9B8B-1FE1-0E1BECECB185}"/>
               </a:ext>
             </a:extLst>
           </p:cNvPr>
